--- a/2082_HauSyLe_PER_MentorMentee_26G.pptx
+++ b/2082_HauSyLe_PER_MentorMentee_26G.pptx
@@ -18823,7 +18823,7 @@
             <p:cNvPr id="4" name="Nhóm 27">
               <a:extLst>
                 <a:ext uri="{FF2B5EF4-FFF2-40B4-BE49-F238E27FC236}">
-                  <a16:creationId xmlns="" xmlns:a16="http://schemas.microsoft.com/office/drawing/2014/main" id="{A22FA561-2E1E-4D0D-9D58-75839BA6075C}"/>
+                  <a16:creationId xmlns:a16="http://schemas.microsoft.com/office/drawing/2014/main" id="{A22FA561-2E1E-4D0D-9D58-75839BA6075C}"/>
                 </a:ext>
               </a:extLst>
             </p:cNvPr>
@@ -18843,7 +18843,7 @@
               <p:cNvPr id="5" name="Đồ họa 10" descr="Danh sách">
                 <a:extLst>
                   <a:ext uri="{FF2B5EF4-FFF2-40B4-BE49-F238E27FC236}">
-                    <a16:creationId xmlns="" xmlns:a16="http://schemas.microsoft.com/office/drawing/2014/main" id="{B9D46646-FACA-4589-BAD1-3CD8D5E3477A}"/>
+                    <a16:creationId xmlns:a16="http://schemas.microsoft.com/office/drawing/2014/main" id="{B9D46646-FACA-4589-BAD1-3CD8D5E3477A}"/>
                   </a:ext>
                 </a:extLst>
               </p:cNvPr>
@@ -18859,7 +18859,7 @@
                     <a14:useLocalDpi xmlns:a14="http://schemas.microsoft.com/office/drawing/2010/main" val="0"/>
                   </a:ext>
                   <a:ext uri="{96DAC541-7B7A-43D3-8B79-37D633B846F1}">
-                    <asvg:svgBlip xmlns="" xmlns:asvg="http://schemas.microsoft.com/office/drawing/2016/SVG/main" r:embed="rId3"/>
+                    <asvg:svgBlip xmlns:asvg="http://schemas.microsoft.com/office/drawing/2016/SVG/main" r:embed="rId3"/>
                   </a:ext>
                 </a:extLst>
               </a:blip>
@@ -18882,7 +18882,7 @@
               <p:cNvPr id="6" name="Hộp Văn bản 19">
                 <a:extLst>
                   <a:ext uri="{FF2B5EF4-FFF2-40B4-BE49-F238E27FC236}">
-                    <a16:creationId xmlns="" xmlns:a16="http://schemas.microsoft.com/office/drawing/2014/main" id="{B7CF234B-BE45-4E9C-A67F-CD4A7B347EAD}"/>
+                    <a16:creationId xmlns:a16="http://schemas.microsoft.com/office/drawing/2014/main" id="{B7CF234B-BE45-4E9C-A67F-CD4A7B347EAD}"/>
                   </a:ext>
                 </a:extLst>
               </p:cNvPr>
@@ -19127,7 +19127,7 @@
             <p:cNvPr id="7" name="Nhóm 28">
               <a:extLst>
                 <a:ext uri="{FF2B5EF4-FFF2-40B4-BE49-F238E27FC236}">
-                  <a16:creationId xmlns="" xmlns:a16="http://schemas.microsoft.com/office/drawing/2014/main" id="{B509A667-22C3-445E-8ECD-9783ED13AA98}"/>
+                  <a16:creationId xmlns:a16="http://schemas.microsoft.com/office/drawing/2014/main" id="{B509A667-22C3-445E-8ECD-9783ED13AA98}"/>
                 </a:ext>
               </a:extLst>
             </p:cNvPr>
@@ -19147,7 +19147,7 @@
               <p:cNvPr id="8" name="Đồ họa 8" descr="Danh sách kiểm tra">
                 <a:extLst>
                   <a:ext uri="{FF2B5EF4-FFF2-40B4-BE49-F238E27FC236}">
-                    <a16:creationId xmlns="" xmlns:a16="http://schemas.microsoft.com/office/drawing/2014/main" id="{E2F29AF9-A4F2-4A84-AEFB-4DDDE94500AF}"/>
+                    <a16:creationId xmlns:a16="http://schemas.microsoft.com/office/drawing/2014/main" id="{E2F29AF9-A4F2-4A84-AEFB-4DDDE94500AF}"/>
                   </a:ext>
                 </a:extLst>
               </p:cNvPr>
@@ -19163,7 +19163,7 @@
                     <a14:useLocalDpi xmlns:a14="http://schemas.microsoft.com/office/drawing/2010/main" val="0"/>
                   </a:ext>
                   <a:ext uri="{96DAC541-7B7A-43D3-8B79-37D633B846F1}">
-                    <asvg:svgBlip xmlns="" xmlns:asvg="http://schemas.microsoft.com/office/drawing/2016/SVG/main" r:embed="rId5"/>
+                    <asvg:svgBlip xmlns:asvg="http://schemas.microsoft.com/office/drawing/2016/SVG/main" r:embed="rId5"/>
                   </a:ext>
                 </a:extLst>
               </a:blip>
@@ -19186,7 +19186,7 @@
               <p:cNvPr id="9" name="Hộp Văn bản 20">
                 <a:extLst>
                   <a:ext uri="{FF2B5EF4-FFF2-40B4-BE49-F238E27FC236}">
-                    <a16:creationId xmlns="" xmlns:a16="http://schemas.microsoft.com/office/drawing/2014/main" id="{23A44B04-637F-443B-B249-D55F2E3875A3}"/>
+                    <a16:creationId xmlns:a16="http://schemas.microsoft.com/office/drawing/2014/main" id="{23A44B04-637F-443B-B249-D55F2E3875A3}"/>
                   </a:ext>
                 </a:extLst>
               </p:cNvPr>
@@ -19477,7 +19477,7 @@
             <p:cNvPr id="10" name="Nhóm 29">
               <a:extLst>
                 <a:ext uri="{FF2B5EF4-FFF2-40B4-BE49-F238E27FC236}">
-                  <a16:creationId xmlns="" xmlns:a16="http://schemas.microsoft.com/office/drawing/2014/main" id="{ADD44F73-D7E6-4184-9C5D-80B134FE1311}"/>
+                  <a16:creationId xmlns:a16="http://schemas.microsoft.com/office/drawing/2014/main" id="{ADD44F73-D7E6-4184-9C5D-80B134FE1311}"/>
                 </a:ext>
               </a:extLst>
             </p:cNvPr>
@@ -19497,7 +19497,7 @@
               <p:cNvPr id="11" name="Đồ họa 12" descr="Cơ sở dữ liệu">
                 <a:extLst>
                   <a:ext uri="{FF2B5EF4-FFF2-40B4-BE49-F238E27FC236}">
-                    <a16:creationId xmlns="" xmlns:a16="http://schemas.microsoft.com/office/drawing/2014/main" id="{4FBF62DF-BF53-406D-9929-0B695643BD68}"/>
+                    <a16:creationId xmlns:a16="http://schemas.microsoft.com/office/drawing/2014/main" id="{4FBF62DF-BF53-406D-9929-0B695643BD68}"/>
                   </a:ext>
                 </a:extLst>
               </p:cNvPr>
@@ -19513,7 +19513,7 @@
                     <a14:useLocalDpi xmlns:a14="http://schemas.microsoft.com/office/drawing/2010/main" val="0"/>
                   </a:ext>
                   <a:ext uri="{96DAC541-7B7A-43D3-8B79-37D633B846F1}">
-                    <asvg:svgBlip xmlns="" xmlns:asvg="http://schemas.microsoft.com/office/drawing/2016/SVG/main" r:embed="rId7"/>
+                    <asvg:svgBlip xmlns:asvg="http://schemas.microsoft.com/office/drawing/2016/SVG/main" r:embed="rId7"/>
                   </a:ext>
                 </a:extLst>
               </a:blip>
@@ -19536,7 +19536,7 @@
               <p:cNvPr id="12" name="Hộp Văn bản 21">
                 <a:extLst>
                   <a:ext uri="{FF2B5EF4-FFF2-40B4-BE49-F238E27FC236}">
-                    <a16:creationId xmlns="" xmlns:a16="http://schemas.microsoft.com/office/drawing/2014/main" id="{80318687-91C5-4D9C-8EC5-E227278A1053}"/>
+                    <a16:creationId xmlns:a16="http://schemas.microsoft.com/office/drawing/2014/main" id="{80318687-91C5-4D9C-8EC5-E227278A1053}"/>
                   </a:ext>
                 </a:extLst>
               </p:cNvPr>
@@ -19827,7 +19827,7 @@
             <p:cNvPr id="13" name="Nhóm 30">
               <a:extLst>
                 <a:ext uri="{FF2B5EF4-FFF2-40B4-BE49-F238E27FC236}">
-                  <a16:creationId xmlns="" xmlns:a16="http://schemas.microsoft.com/office/drawing/2014/main" id="{22BF9D0B-136C-408B-B280-6963B306BB83}"/>
+                  <a16:creationId xmlns:a16="http://schemas.microsoft.com/office/drawing/2014/main" id="{22BF9D0B-136C-408B-B280-6963B306BB83}"/>
                 </a:ext>
               </a:extLst>
             </p:cNvPr>
@@ -19847,7 +19847,7 @@
               <p:cNvPr id="14" name="Đồ họa 14" descr="Xe chở bê tông">
                 <a:extLst>
                   <a:ext uri="{FF2B5EF4-FFF2-40B4-BE49-F238E27FC236}">
-                    <a16:creationId xmlns="" xmlns:a16="http://schemas.microsoft.com/office/drawing/2014/main" id="{AC7D20A8-684D-4D88-9B22-11B0C258E6BA}"/>
+                    <a16:creationId xmlns:a16="http://schemas.microsoft.com/office/drawing/2014/main" id="{AC7D20A8-684D-4D88-9B22-11B0C258E6BA}"/>
                   </a:ext>
                 </a:extLst>
               </p:cNvPr>
@@ -19863,7 +19863,7 @@
                     <a14:useLocalDpi xmlns:a14="http://schemas.microsoft.com/office/drawing/2010/main" val="0"/>
                   </a:ext>
                   <a:ext uri="{96DAC541-7B7A-43D3-8B79-37D633B846F1}">
-                    <asvg:svgBlip xmlns="" xmlns:asvg="http://schemas.microsoft.com/office/drawing/2016/SVG/main" r:embed="rId9"/>
+                    <asvg:svgBlip xmlns:asvg="http://schemas.microsoft.com/office/drawing/2016/SVG/main" r:embed="rId9"/>
                   </a:ext>
                 </a:extLst>
               </a:blip>
@@ -19886,7 +19886,7 @@
               <p:cNvPr id="15" name="Hộp Văn bản 22">
                 <a:extLst>
                   <a:ext uri="{FF2B5EF4-FFF2-40B4-BE49-F238E27FC236}">
-                    <a16:creationId xmlns="" xmlns:a16="http://schemas.microsoft.com/office/drawing/2014/main" id="{6108A849-1640-4BDF-A81C-732BD39F495A}"/>
+                    <a16:creationId xmlns:a16="http://schemas.microsoft.com/office/drawing/2014/main" id="{6108A849-1640-4BDF-A81C-732BD39F495A}"/>
                   </a:ext>
                 </a:extLst>
               </p:cNvPr>
@@ -20177,7 +20177,7 @@
             <p:cNvPr id="16" name="Nhóm 31">
               <a:extLst>
                 <a:ext uri="{FF2B5EF4-FFF2-40B4-BE49-F238E27FC236}">
-                  <a16:creationId xmlns="" xmlns:a16="http://schemas.microsoft.com/office/drawing/2014/main" id="{DD9360C9-B1EB-45B1-BEA4-C2DDA8E4FEF5}"/>
+                  <a16:creationId xmlns:a16="http://schemas.microsoft.com/office/drawing/2014/main" id="{DD9360C9-B1EB-45B1-BEA4-C2DDA8E4FEF5}"/>
                 </a:ext>
               </a:extLst>
             </p:cNvPr>
@@ -20197,7 +20197,7 @@
               <p:cNvPr id="17" name="Đồ họa 16" descr="Kính hiển vi">
                 <a:extLst>
                   <a:ext uri="{FF2B5EF4-FFF2-40B4-BE49-F238E27FC236}">
-                    <a16:creationId xmlns="" xmlns:a16="http://schemas.microsoft.com/office/drawing/2014/main" id="{E43F761C-1B61-4311-9BB3-B7173F547F55}"/>
+                    <a16:creationId xmlns:a16="http://schemas.microsoft.com/office/drawing/2014/main" id="{E43F761C-1B61-4311-9BB3-B7173F547F55}"/>
                   </a:ext>
                 </a:extLst>
               </p:cNvPr>
@@ -20213,7 +20213,7 @@
                     <a14:useLocalDpi xmlns:a14="http://schemas.microsoft.com/office/drawing/2010/main" val="0"/>
                   </a:ext>
                   <a:ext uri="{96DAC541-7B7A-43D3-8B79-37D633B846F1}">
-                    <asvg:svgBlip xmlns="" xmlns:asvg="http://schemas.microsoft.com/office/drawing/2016/SVG/main" r:embed="rId11"/>
+                    <asvg:svgBlip xmlns:asvg="http://schemas.microsoft.com/office/drawing/2016/SVG/main" r:embed="rId11"/>
                   </a:ext>
                 </a:extLst>
               </a:blip>
@@ -20236,7 +20236,7 @@
               <p:cNvPr id="18" name="Hộp Văn bản 23">
                 <a:extLst>
                   <a:ext uri="{FF2B5EF4-FFF2-40B4-BE49-F238E27FC236}">
-                    <a16:creationId xmlns="" xmlns:a16="http://schemas.microsoft.com/office/drawing/2014/main" id="{B9CB2816-9F0C-4F34-98C6-7DD180E361F9}"/>
+                    <a16:creationId xmlns:a16="http://schemas.microsoft.com/office/drawing/2014/main" id="{B9CB2816-9F0C-4F34-98C6-7DD180E361F9}"/>
                   </a:ext>
                 </a:extLst>
               </p:cNvPr>
@@ -20513,7 +20513,7 @@
           <p:cNvPr id="21" name="Nhóm 20">
             <a:extLst>
               <a:ext uri="{FF2B5EF4-FFF2-40B4-BE49-F238E27FC236}">
-                <a16:creationId xmlns="" xmlns:a16="http://schemas.microsoft.com/office/drawing/2014/main" id="{75664A0A-EEDD-48B9-AB20-C2D7E87002E4}"/>
+                <a16:creationId xmlns:a16="http://schemas.microsoft.com/office/drawing/2014/main" id="{75664A0A-EEDD-48B9-AB20-C2D7E87002E4}"/>
               </a:ext>
             </a:extLst>
           </p:cNvPr>
@@ -20533,7 +20533,7 @@
             <p:cNvPr id="20" name="Nhóm 19">
               <a:extLst>
                 <a:ext uri="{FF2B5EF4-FFF2-40B4-BE49-F238E27FC236}">
-                  <a16:creationId xmlns="" xmlns:a16="http://schemas.microsoft.com/office/drawing/2014/main" id="{AA3AD1B8-F850-43FE-9311-76D841CC9B6E}"/>
+                  <a16:creationId xmlns:a16="http://schemas.microsoft.com/office/drawing/2014/main" id="{AA3AD1B8-F850-43FE-9311-76D841CC9B6E}"/>
                 </a:ext>
               </a:extLst>
             </p:cNvPr>
@@ -20543,9 +20543,9 @@
           <p:grpSpPr>
             <a:xfrm>
               <a:off x="1080000" y="1661541"/>
-              <a:ext cx="5258514" cy="457200"/>
+              <a:ext cx="5053330" cy="457200"/>
               <a:chOff x="1080000" y="1661541"/>
-              <a:chExt cx="5258514" cy="457200"/>
+              <a:chExt cx="5053330" cy="457200"/>
             </a:xfrm>
           </p:grpSpPr>
           <p:pic>
@@ -20553,7 +20553,7 @@
               <p:cNvPr id="46" name="Đồ họa 10" descr="Đầu có bánh răng">
                 <a:extLst>
                   <a:ext uri="{FF2B5EF4-FFF2-40B4-BE49-F238E27FC236}">
-                    <a16:creationId xmlns="" xmlns:a16="http://schemas.microsoft.com/office/drawing/2014/main" id="{B9D46646-FACA-4589-BAD1-3CD8D5E3477A}"/>
+                    <a16:creationId xmlns:a16="http://schemas.microsoft.com/office/drawing/2014/main" id="{B9D46646-FACA-4589-BAD1-3CD8D5E3477A}"/>
                   </a:ext>
                 </a:extLst>
               </p:cNvPr>
@@ -20569,7 +20569,7 @@
                     <a14:useLocalDpi xmlns:a14="http://schemas.microsoft.com/office/drawing/2010/main" val="0"/>
                   </a:ext>
                   <a:ext uri="{96DAC541-7B7A-43D3-8B79-37D633B846F1}">
-                    <asvg:svgBlip xmlns="" xmlns:asvg="http://schemas.microsoft.com/office/drawing/2016/SVG/main" r:embed="rId13"/>
+                    <asvg:svgBlip xmlns:asvg="http://schemas.microsoft.com/office/drawing/2016/SVG/main" r:embed="rId13"/>
                   </a:ext>
                 </a:extLst>
               </a:blip>
@@ -20592,7 +20592,7 @@
               <p:cNvPr id="47" name="Hộp Văn bản 19">
                 <a:extLst>
                   <a:ext uri="{FF2B5EF4-FFF2-40B4-BE49-F238E27FC236}">
-                    <a16:creationId xmlns="" xmlns:a16="http://schemas.microsoft.com/office/drawing/2014/main" id="{B7CF234B-BE45-4E9C-A67F-CD4A7B347EAD}"/>
+                    <a16:creationId xmlns:a16="http://schemas.microsoft.com/office/drawing/2014/main" id="{B7CF234B-BE45-4E9C-A67F-CD4A7B347EAD}"/>
                   </a:ext>
                 </a:extLst>
               </p:cNvPr>
@@ -20602,7 +20602,7 @@
             <p:spPr>
               <a:xfrm>
                 <a:off x="1537200" y="1661541"/>
-                <a:ext cx="4801314" cy="369332"/>
+                <a:ext cx="4596130" cy="369332"/>
               </a:xfrm>
               <a:prstGeom prst="rect">
                 <a:avLst/>
@@ -20617,11 +20617,7 @@
               <a:p>
                 <a:r>
                   <a:rPr lang="en-US" b="1" dirty="0"/>
-                  <a:t>Determine verification strategy (policy</a:t>
-                </a:r>
-                <a:r>
-                  <a:rPr lang="en-US" b="1" dirty="0" smtClean="0"/>
-                  <a:t>) (1)</a:t>
+                  <a:t>Determine verification strategy (policy)</a:t>
                 </a:r>
                 <a:endParaRPr lang="en-US" dirty="0"/>
               </a:p>
@@ -20719,7 +20715,10 @@
             <a:lstStyle/>
             <a:p>
               <a:pPr algn="r"/>
-              <a:endParaRPr lang="en-US" sz="700" dirty="0"/>
+              <a:r>
+                <a:rPr lang="en-US" sz="700" dirty="0"/>
+                <a:t>1</a:t>
+              </a:r>
             </a:p>
           </p:txBody>
         </p:sp>
@@ -20772,62 +20771,13 @@
             </a:p>
           </p:txBody>
         </p:sp>
-        <p:sp>
-          <p:nvSpPr>
-            <p:cNvPr id="62" name="Rectangle 61"/>
-            <p:cNvSpPr/>
-            <p:nvPr/>
-          </p:nvSpPr>
-          <p:spPr>
-            <a:xfrm>
-              <a:off x="4292381" y="2132677"/>
-              <a:ext cx="1371600" cy="91440"/>
-            </a:xfrm>
-            <a:prstGeom prst="rect">
-              <a:avLst/>
-            </a:prstGeom>
-            <a:solidFill>
-              <a:srgbClr val="FF0000"/>
-            </a:solidFill>
-            <a:ln>
-              <a:noFill/>
-            </a:ln>
-          </p:spPr>
-          <p:style>
-            <a:lnRef idx="2">
-              <a:schemeClr val="accent1">
-                <a:shade val="50000"/>
-              </a:schemeClr>
-            </a:lnRef>
-            <a:fillRef idx="1">
-              <a:schemeClr val="accent1"/>
-            </a:fillRef>
-            <a:effectRef idx="0">
-              <a:schemeClr val="accent1"/>
-            </a:effectRef>
-            <a:fontRef idx="minor">
-              <a:schemeClr val="lt1"/>
-            </a:fontRef>
-          </p:style>
-          <p:txBody>
-            <a:bodyPr rtlCol="0" anchor="ctr"/>
-            <a:lstStyle/>
-            <a:p>
-              <a:pPr algn="r"/>
-              <a:r>
-                <a:rPr lang="en-US" sz="700" dirty="0"/>
-                <a:t>1.5</a:t>
-              </a:r>
-            </a:p>
-          </p:txBody>
-        </p:sp>
       </p:grpSp>
       <p:pic>
         <p:nvPicPr>
           <p:cNvPr id="63" name="Đồ họa 62" descr="Huy chương">
             <a:extLst>
               <a:ext uri="{FF2B5EF4-FFF2-40B4-BE49-F238E27FC236}">
-                <a16:creationId xmlns="" xmlns:a16="http://schemas.microsoft.com/office/drawing/2014/main" id="{38D6DE39-D6B5-4DFE-951C-5E19BBF5D28A}"/>
+                <a16:creationId xmlns:a16="http://schemas.microsoft.com/office/drawing/2014/main" id="{38D6DE39-D6B5-4DFE-951C-5E19BBF5D28A}"/>
               </a:ext>
             </a:extLst>
           </p:cNvPr>
@@ -20843,7 +20793,7 @@
                 <a14:useLocalDpi xmlns:a14="http://schemas.microsoft.com/office/drawing/2010/main" val="0"/>
               </a:ext>
               <a:ext uri="{96DAC541-7B7A-43D3-8B79-37D633B846F1}">
-                <asvg:svgBlip xmlns="" xmlns:asvg="http://schemas.microsoft.com/office/drawing/2016/SVG/main" r:embed="rId15"/>
+                <asvg:svgBlip xmlns:asvg="http://schemas.microsoft.com/office/drawing/2016/SVG/main" r:embed="rId15"/>
               </a:ext>
             </a:extLst>
           </a:blip>
@@ -20866,7 +20816,7 @@
           <p:cNvPr id="64" name="Hộp Văn bản 63">
             <a:extLst>
               <a:ext uri="{FF2B5EF4-FFF2-40B4-BE49-F238E27FC236}">
-                <a16:creationId xmlns="" xmlns:a16="http://schemas.microsoft.com/office/drawing/2014/main" id="{829EE0EF-A1BF-4E04-84F3-58329DF3445D}"/>
+                <a16:creationId xmlns:a16="http://schemas.microsoft.com/office/drawing/2014/main" id="{829EE0EF-A1BF-4E04-84F3-58329DF3445D}"/>
               </a:ext>
             </a:extLst>
           </p:cNvPr>
@@ -20919,7 +20869,7 @@
           <p:cNvPr id="65" name="Group 60">
             <a:extLst>
               <a:ext uri="{FF2B5EF4-FFF2-40B4-BE49-F238E27FC236}">
-                <a16:creationId xmlns="" xmlns:a16="http://schemas.microsoft.com/office/drawing/2014/main" id="{0D50BC61-90BD-4803-BABF-52FDE9A789E7}"/>
+                <a16:creationId xmlns:a16="http://schemas.microsoft.com/office/drawing/2014/main" id="{0D50BC61-90BD-4803-BABF-52FDE9A789E7}"/>
               </a:ext>
             </a:extLst>
           </p:cNvPr>
@@ -20939,7 +20889,7 @@
             <p:cNvPr id="66" name="Rectangle 57">
               <a:extLst>
                 <a:ext uri="{FF2B5EF4-FFF2-40B4-BE49-F238E27FC236}">
-                  <a16:creationId xmlns="" xmlns:a16="http://schemas.microsoft.com/office/drawing/2014/main" id="{0050AAD3-60DC-4A14-A3BC-A249F44D55AD}"/>
+                  <a16:creationId xmlns:a16="http://schemas.microsoft.com/office/drawing/2014/main" id="{0050AAD3-60DC-4A14-A3BC-A249F44D55AD}"/>
                 </a:ext>
               </a:extLst>
             </p:cNvPr>
@@ -20991,7 +20941,7 @@
             <p:cNvPr id="67" name="Rectangle 58">
               <a:extLst>
                 <a:ext uri="{FF2B5EF4-FFF2-40B4-BE49-F238E27FC236}">
-                  <a16:creationId xmlns="" xmlns:a16="http://schemas.microsoft.com/office/drawing/2014/main" id="{43CCAA2F-3846-47C4-AF15-C02B5F4986F0}"/>
+                  <a16:creationId xmlns:a16="http://schemas.microsoft.com/office/drawing/2014/main" id="{43CCAA2F-3846-47C4-AF15-C02B5F4986F0}"/>
                 </a:ext>
               </a:extLst>
             </p:cNvPr>
@@ -21043,7 +20993,7 @@
             <p:cNvPr id="68" name="TextBox 59">
               <a:extLst>
                 <a:ext uri="{FF2B5EF4-FFF2-40B4-BE49-F238E27FC236}">
-                  <a16:creationId xmlns="" xmlns:a16="http://schemas.microsoft.com/office/drawing/2014/main" id="{4032706B-52CC-47EE-AD2D-6CAEB985D332}"/>
+                  <a16:creationId xmlns:a16="http://schemas.microsoft.com/office/drawing/2014/main" id="{4032706B-52CC-47EE-AD2D-6CAEB985D332}"/>
                 </a:ext>
               </a:extLst>
             </p:cNvPr>
@@ -21190,7 +21140,7 @@
           <p:cNvPr id="12" name="Nhóm 11">
             <a:extLst>
               <a:ext uri="{FF2B5EF4-FFF2-40B4-BE49-F238E27FC236}">
-                <a16:creationId xmlns="" xmlns:a16="http://schemas.microsoft.com/office/drawing/2014/main" id="{E9824CE2-871E-49FD-8B66-EC2EABC88AD6}"/>
+                <a16:creationId xmlns:a16="http://schemas.microsoft.com/office/drawing/2014/main" id="{E9824CE2-871E-49FD-8B66-EC2EABC88AD6}"/>
               </a:ext>
             </a:extLst>
           </p:cNvPr>
@@ -21200,9 +21150,9 @@
         <p:grpSpPr>
           <a:xfrm>
             <a:off x="1080000" y="1972443"/>
-            <a:ext cx="6614655" cy="1107996"/>
+            <a:ext cx="7281569" cy="1107996"/>
             <a:chOff x="506534" y="4095924"/>
-            <a:chExt cx="6614655" cy="1107996"/>
+            <a:chExt cx="7281569" cy="1107996"/>
           </a:xfrm>
         </p:grpSpPr>
         <p:pic>
@@ -21210,7 +21160,7 @@
             <p:cNvPr id="13" name="Đồ họa 12" descr="Cơ sở dữ liệu">
               <a:extLst>
                 <a:ext uri="{FF2B5EF4-FFF2-40B4-BE49-F238E27FC236}">
-                  <a16:creationId xmlns="" xmlns:a16="http://schemas.microsoft.com/office/drawing/2014/main" id="{ABA56C2A-B7DB-4C66-AF59-C25EDA3F0BA1}"/>
+                  <a16:creationId xmlns:a16="http://schemas.microsoft.com/office/drawing/2014/main" id="{ABA56C2A-B7DB-4C66-AF59-C25EDA3F0BA1}"/>
                 </a:ext>
               </a:extLst>
             </p:cNvPr>
@@ -21226,7 +21176,7 @@
                   <a14:useLocalDpi xmlns:a14="http://schemas.microsoft.com/office/drawing/2010/main" val="0"/>
                 </a:ext>
                 <a:ext uri="{96DAC541-7B7A-43D3-8B79-37D633B846F1}">
-                  <asvg:svgBlip xmlns="" xmlns:asvg="http://schemas.microsoft.com/office/drawing/2016/SVG/main" r:embed="rId3"/>
+                  <asvg:svgBlip xmlns:asvg="http://schemas.microsoft.com/office/drawing/2016/SVG/main" r:embed="rId3"/>
                 </a:ext>
               </a:extLst>
             </a:blip>
@@ -21249,7 +21199,7 @@
             <p:cNvPr id="14" name="Hộp Văn bản 13">
               <a:extLst>
                 <a:ext uri="{FF2B5EF4-FFF2-40B4-BE49-F238E27FC236}">
-                  <a16:creationId xmlns="" xmlns:a16="http://schemas.microsoft.com/office/drawing/2014/main" id="{F9C4A32F-A02E-4F23-9B87-EDF40562F1D1}"/>
+                  <a16:creationId xmlns:a16="http://schemas.microsoft.com/office/drawing/2014/main" id="{F9C4A32F-A02E-4F23-9B87-EDF40562F1D1}"/>
                 </a:ext>
               </a:extLst>
             </p:cNvPr>
@@ -21259,7 +21209,7 @@
           <p:spPr>
             <a:xfrm>
               <a:off x="963734" y="4095924"/>
-              <a:ext cx="6157455" cy="1107996"/>
+              <a:ext cx="6824369" cy="1107996"/>
             </a:xfrm>
             <a:prstGeom prst="rect">
               <a:avLst/>
@@ -21288,7 +21238,7 @@
               </a:r>
               <a:r>
                 <a:rPr lang="en-US" sz="1600" dirty="0"/>
-                <a:t> functional tester patterns</a:t>
+                <a:t> functional tester patterns for SWDT(1), RWDT(1), TMU(), TPU()</a:t>
               </a:r>
             </a:p>
             <a:p>
@@ -21366,7 +21316,7 @@
             <p:cNvPr id="21" name="Đồ họa 16" descr="Kính hiển vi">
               <a:extLst>
                 <a:ext uri="{FF2B5EF4-FFF2-40B4-BE49-F238E27FC236}">
-                  <a16:creationId xmlns="" xmlns:a16="http://schemas.microsoft.com/office/drawing/2014/main" id="{E43F761C-1B61-4311-9BB3-B7173F547F55}"/>
+                  <a16:creationId xmlns:a16="http://schemas.microsoft.com/office/drawing/2014/main" id="{E43F761C-1B61-4311-9BB3-B7173F547F55}"/>
                 </a:ext>
               </a:extLst>
             </p:cNvPr>
@@ -21382,7 +21332,7 @@
                   <a14:useLocalDpi xmlns:a14="http://schemas.microsoft.com/office/drawing/2010/main" val="0"/>
                 </a:ext>
                 <a:ext uri="{96DAC541-7B7A-43D3-8B79-37D633B846F1}">
-                  <asvg:svgBlip xmlns="" xmlns:asvg="http://schemas.microsoft.com/office/drawing/2016/SVG/main" r:embed="rId11"/>
+                  <asvg:svgBlip xmlns:asvg="http://schemas.microsoft.com/office/drawing/2016/SVG/main" r:embed="rId5"/>
                 </a:ext>
               </a:extLst>
             </a:blip>
@@ -21405,7 +21355,7 @@
             <p:cNvPr id="17" name="Hộp Văn bản 16">
               <a:extLst>
                 <a:ext uri="{FF2B5EF4-FFF2-40B4-BE49-F238E27FC236}">
-                  <a16:creationId xmlns="" xmlns:a16="http://schemas.microsoft.com/office/drawing/2014/main" id="{11D433E5-6663-4CD0-8F30-FE649F167225}"/>
+                  <a16:creationId xmlns:a16="http://schemas.microsoft.com/office/drawing/2014/main" id="{11D433E5-6663-4CD0-8F30-FE649F167225}"/>
                 </a:ext>
               </a:extLst>
             </p:cNvPr>
@@ -21436,13 +21386,29 @@
             <a:p>
               <a:r>
                 <a:rPr lang="en-US" sz="1600" dirty="0"/>
-                <a:t>+ Failure analysis and fixing</a:t>
+                <a:t>+ </a:t>
+              </a:r>
+              <a:r>
+                <a:rPr lang="en-US" sz="1600" u="sng" dirty="0"/>
+                <a:t>Failure analysis</a:t>
+              </a:r>
+              <a:r>
+                <a:rPr lang="en-US" sz="1600" dirty="0"/>
+                <a:t> and </a:t>
+              </a:r>
+              <a:r>
+                <a:rPr lang="en-US" sz="1600" u="sng" dirty="0"/>
+                <a:t>fixing</a:t>
               </a:r>
             </a:p>
             <a:p>
               <a:r>
                 <a:rPr lang="en-US" sz="1600" dirty="0"/>
-                <a:t>+ Get pass within 3 releases</a:t>
+                <a:t>+ Get </a:t>
+              </a:r>
+              <a:r>
+                <a:rPr lang="en-US" sz="1600" u="sng" dirty="0"/>
+                <a:t>pass within 3 releases</a:t>
               </a:r>
             </a:p>
           </p:txBody>
@@ -21565,7 +21531,7 @@
           <p:cNvPr id="7" name="Rectangle 65">
             <a:extLst>
               <a:ext uri="{FF2B5EF4-FFF2-40B4-BE49-F238E27FC236}">
-                <a16:creationId xmlns="" xmlns:a16="http://schemas.microsoft.com/office/drawing/2014/main" id="{86BCF2D7-265B-428E-8E7B-B4770CD5F2D6}"/>
+                <a16:creationId xmlns:a16="http://schemas.microsoft.com/office/drawing/2014/main" id="{86BCF2D7-265B-428E-8E7B-B4770CD5F2D6}"/>
               </a:ext>
             </a:extLst>
           </p:cNvPr>
@@ -21627,7 +21593,7 @@
           <p:cNvPr id="8" name="Rectangle 65">
             <a:extLst>
               <a:ext uri="{FF2B5EF4-FFF2-40B4-BE49-F238E27FC236}">
-                <a16:creationId xmlns="" xmlns:a16="http://schemas.microsoft.com/office/drawing/2014/main" id="{6E428CCA-6A2D-45E1-91D8-D9DF13D3FA8C}"/>
+                <a16:creationId xmlns:a16="http://schemas.microsoft.com/office/drawing/2014/main" id="{6E428CCA-6A2D-45E1-91D8-D9DF13D3FA8C}"/>
               </a:ext>
             </a:extLst>
           </p:cNvPr>
@@ -21689,7 +21655,7 @@
           <p:cNvPr id="9" name="Rectangle 65">
             <a:extLst>
               <a:ext uri="{FF2B5EF4-FFF2-40B4-BE49-F238E27FC236}">
-                <a16:creationId xmlns="" xmlns:a16="http://schemas.microsoft.com/office/drawing/2014/main" id="{4697D502-C568-44DC-93A0-8BD1149D2CBA}"/>
+                <a16:creationId xmlns:a16="http://schemas.microsoft.com/office/drawing/2014/main" id="{4697D502-C568-44DC-93A0-8BD1149D2CBA}"/>
               </a:ext>
             </a:extLst>
           </p:cNvPr>
@@ -21751,7 +21717,7 @@
           <p:cNvPr id="10" name="Rectangle 65">
             <a:extLst>
               <a:ext uri="{FF2B5EF4-FFF2-40B4-BE49-F238E27FC236}">
-                <a16:creationId xmlns="" xmlns:a16="http://schemas.microsoft.com/office/drawing/2014/main" id="{80551A04-DB34-4F7B-834F-E434D2132175}"/>
+                <a16:creationId xmlns:a16="http://schemas.microsoft.com/office/drawing/2014/main" id="{80551A04-DB34-4F7B-834F-E434D2132175}"/>
               </a:ext>
             </a:extLst>
           </p:cNvPr>
@@ -21813,7 +21779,7 @@
           <p:cNvPr id="18" name="Rectangle 65">
             <a:extLst>
               <a:ext uri="{FF2B5EF4-FFF2-40B4-BE49-F238E27FC236}">
-                <a16:creationId xmlns="" xmlns:a16="http://schemas.microsoft.com/office/drawing/2014/main" id="{EDF18BEF-CF4F-4625-AE11-F97B80F403D4}"/>
+                <a16:creationId xmlns:a16="http://schemas.microsoft.com/office/drawing/2014/main" id="{EDF18BEF-CF4F-4625-AE11-F97B80F403D4}"/>
               </a:ext>
             </a:extLst>
           </p:cNvPr>
@@ -21875,7 +21841,7 @@
           <p:cNvPr id="19" name="Rectangle 65">
             <a:extLst>
               <a:ext uri="{FF2B5EF4-FFF2-40B4-BE49-F238E27FC236}">
-                <a16:creationId xmlns="" xmlns:a16="http://schemas.microsoft.com/office/drawing/2014/main" id="{BB6B9935-B1E7-45AE-BD36-7B98334067F1}"/>
+                <a16:creationId xmlns:a16="http://schemas.microsoft.com/office/drawing/2014/main" id="{BB6B9935-B1E7-45AE-BD36-7B98334067F1}"/>
               </a:ext>
             </a:extLst>
           </p:cNvPr>
@@ -21937,7 +21903,7 @@
           <p:cNvPr id="20" name="Rectangle 65">
             <a:extLst>
               <a:ext uri="{FF2B5EF4-FFF2-40B4-BE49-F238E27FC236}">
-                <a16:creationId xmlns="" xmlns:a16="http://schemas.microsoft.com/office/drawing/2014/main" id="{204EADB6-04DC-4F95-A8B4-7B0BBCB01FDB}"/>
+                <a16:creationId xmlns:a16="http://schemas.microsoft.com/office/drawing/2014/main" id="{204EADB6-04DC-4F95-A8B4-7B0BBCB01FDB}"/>
               </a:ext>
             </a:extLst>
           </p:cNvPr>
@@ -21999,7 +21965,7 @@
           <p:cNvPr id="23" name="Rectangle 65">
             <a:extLst>
               <a:ext uri="{FF2B5EF4-FFF2-40B4-BE49-F238E27FC236}">
-                <a16:creationId xmlns="" xmlns:a16="http://schemas.microsoft.com/office/drawing/2014/main" id="{95E64215-285F-4B1C-B1E5-CD951EEB9F50}"/>
+                <a16:creationId xmlns:a16="http://schemas.microsoft.com/office/drawing/2014/main" id="{95E64215-285F-4B1C-B1E5-CD951EEB9F50}"/>
               </a:ext>
             </a:extLst>
           </p:cNvPr>
@@ -22091,7 +22057,7 @@
           <p:cNvPr id="2" name="Tiêu đề 1">
             <a:extLst>
               <a:ext uri="{FF2B5EF4-FFF2-40B4-BE49-F238E27FC236}">
-                <a16:creationId xmlns="" xmlns:a16="http://schemas.microsoft.com/office/drawing/2014/main" id="{A0F182BA-CF59-4626-B3C8-EAD431F8CBBD}"/>
+                <a16:creationId xmlns:a16="http://schemas.microsoft.com/office/drawing/2014/main" id="{A0F182BA-CF59-4626-B3C8-EAD431F8CBBD}"/>
               </a:ext>
             </a:extLst>
           </p:cNvPr>
@@ -22119,7 +22085,7 @@
           <p:cNvPr id="3" name="Chỗ dành sẵn cho Số hiệu Bản chiếu 2">
             <a:extLst>
               <a:ext uri="{FF2B5EF4-FFF2-40B4-BE49-F238E27FC236}">
-                <a16:creationId xmlns="" xmlns:a16="http://schemas.microsoft.com/office/drawing/2014/main" id="{39FFEB49-67CF-457D-841C-15A465F85961}"/>
+                <a16:creationId xmlns:a16="http://schemas.microsoft.com/office/drawing/2014/main" id="{39FFEB49-67CF-457D-841C-15A465F85961}"/>
               </a:ext>
             </a:extLst>
           </p:cNvPr>
@@ -22154,7 +22120,7 @@
           <p:cNvPr id="12" name="Rectangle 64">
             <a:extLst>
               <a:ext uri="{FF2B5EF4-FFF2-40B4-BE49-F238E27FC236}">
-                <a16:creationId xmlns="" xmlns:a16="http://schemas.microsoft.com/office/drawing/2014/main" id="{220FBE3A-B4B4-4F06-BBC8-32B9B590D1D9}"/>
+                <a16:creationId xmlns:a16="http://schemas.microsoft.com/office/drawing/2014/main" id="{220FBE3A-B4B4-4F06-BBC8-32B9B590D1D9}"/>
               </a:ext>
             </a:extLst>
           </p:cNvPr>
@@ -22216,7 +22182,7 @@
           <p:cNvPr id="13" name="Rectangle 65">
             <a:extLst>
               <a:ext uri="{FF2B5EF4-FFF2-40B4-BE49-F238E27FC236}">
-                <a16:creationId xmlns="" xmlns:a16="http://schemas.microsoft.com/office/drawing/2014/main" id="{2CF094B4-9D80-4AB2-8AA3-9689095A880B}"/>
+                <a16:creationId xmlns:a16="http://schemas.microsoft.com/office/drawing/2014/main" id="{2CF094B4-9D80-4AB2-8AA3-9689095A880B}"/>
               </a:ext>
             </a:extLst>
           </p:cNvPr>
@@ -22278,7 +22244,7 @@
           <p:cNvPr id="15" name="Rectangle 65">
             <a:extLst>
               <a:ext uri="{FF2B5EF4-FFF2-40B4-BE49-F238E27FC236}">
-                <a16:creationId xmlns="" xmlns:a16="http://schemas.microsoft.com/office/drawing/2014/main" id="{C496B93B-814D-407F-95E4-0F53B20A22F3}"/>
+                <a16:creationId xmlns:a16="http://schemas.microsoft.com/office/drawing/2014/main" id="{C496B93B-814D-407F-95E4-0F53B20A22F3}"/>
               </a:ext>
             </a:extLst>
           </p:cNvPr>
@@ -22370,7 +22336,7 @@
           <p:cNvPr id="2" name="Tiêu đề 1">
             <a:extLst>
               <a:ext uri="{FF2B5EF4-FFF2-40B4-BE49-F238E27FC236}">
-                <a16:creationId xmlns="" xmlns:a16="http://schemas.microsoft.com/office/drawing/2014/main" id="{A0F182BA-CF59-4626-B3C8-EAD431F8CBBD}"/>
+                <a16:creationId xmlns:a16="http://schemas.microsoft.com/office/drawing/2014/main" id="{A0F182BA-CF59-4626-B3C8-EAD431F8CBBD}"/>
               </a:ext>
             </a:extLst>
           </p:cNvPr>
@@ -22406,7 +22372,7 @@
           <p:cNvPr id="3" name="Chỗ dành sẵn cho Số hiệu Bản chiếu 2">
             <a:extLst>
               <a:ext uri="{FF2B5EF4-FFF2-40B4-BE49-F238E27FC236}">
-                <a16:creationId xmlns="" xmlns:a16="http://schemas.microsoft.com/office/drawing/2014/main" id="{39FFEB49-67CF-457D-841C-15A465F85961}"/>
+                <a16:creationId xmlns:a16="http://schemas.microsoft.com/office/drawing/2014/main" id="{39FFEB49-67CF-457D-841C-15A465F85961}"/>
               </a:ext>
             </a:extLst>
           </p:cNvPr>
@@ -22441,7 +22407,7 @@
           <p:cNvPr id="5" name="Rectangle 64">
             <a:extLst>
               <a:ext uri="{FF2B5EF4-FFF2-40B4-BE49-F238E27FC236}">
-                <a16:creationId xmlns="" xmlns:a16="http://schemas.microsoft.com/office/drawing/2014/main" id="{22433B83-6ACF-4BDF-9D30-A76108D3871D}"/>
+                <a16:creationId xmlns:a16="http://schemas.microsoft.com/office/drawing/2014/main" id="{22433B83-6ACF-4BDF-9D30-A76108D3871D}"/>
               </a:ext>
             </a:extLst>
           </p:cNvPr>
@@ -22503,7 +22469,7 @@
           <p:cNvPr id="6" name="Rectangle 65">
             <a:extLst>
               <a:ext uri="{FF2B5EF4-FFF2-40B4-BE49-F238E27FC236}">
-                <a16:creationId xmlns="" xmlns:a16="http://schemas.microsoft.com/office/drawing/2014/main" id="{AC8DCC0C-3384-4C73-96D5-84869E31D118}"/>
+                <a16:creationId xmlns:a16="http://schemas.microsoft.com/office/drawing/2014/main" id="{AC8DCC0C-3384-4C73-96D5-84869E31D118}"/>
               </a:ext>
             </a:extLst>
           </p:cNvPr>
@@ -22565,7 +22531,7 @@
           <p:cNvPr id="7" name="Rectangle 65">
             <a:extLst>
               <a:ext uri="{FF2B5EF4-FFF2-40B4-BE49-F238E27FC236}">
-                <a16:creationId xmlns="" xmlns:a16="http://schemas.microsoft.com/office/drawing/2014/main" id="{C04E0C06-45C6-405C-B9F6-68A8C8C74E98}"/>
+                <a16:creationId xmlns:a16="http://schemas.microsoft.com/office/drawing/2014/main" id="{C04E0C06-45C6-405C-B9F6-68A8C8C74E98}"/>
               </a:ext>
             </a:extLst>
           </p:cNvPr>
@@ -22627,7 +22593,7 @@
           <p:cNvPr id="8" name="Rectangle 65">
             <a:extLst>
               <a:ext uri="{FF2B5EF4-FFF2-40B4-BE49-F238E27FC236}">
-                <a16:creationId xmlns="" xmlns:a16="http://schemas.microsoft.com/office/drawing/2014/main" id="{84CE7410-85B5-4A57-9C60-1A0EED6F1CF2}"/>
+                <a16:creationId xmlns:a16="http://schemas.microsoft.com/office/drawing/2014/main" id="{84CE7410-85B5-4A57-9C60-1A0EED6F1CF2}"/>
               </a:ext>
             </a:extLst>
           </p:cNvPr>
@@ -22719,7 +22685,7 @@
           <p:cNvPr id="2" name="Tiêu đề 1">
             <a:extLst>
               <a:ext uri="{FF2B5EF4-FFF2-40B4-BE49-F238E27FC236}">
-                <a16:creationId xmlns="" xmlns:a16="http://schemas.microsoft.com/office/drawing/2014/main" id="{A0F182BA-CF59-4626-B3C8-EAD431F8CBBD}"/>
+                <a16:creationId xmlns:a16="http://schemas.microsoft.com/office/drawing/2014/main" id="{A0F182BA-CF59-4626-B3C8-EAD431F8CBBD}"/>
               </a:ext>
             </a:extLst>
           </p:cNvPr>
@@ -22755,7 +22721,7 @@
           <p:cNvPr id="3" name="Chỗ dành sẵn cho Số hiệu Bản chiếu 2">
             <a:extLst>
               <a:ext uri="{FF2B5EF4-FFF2-40B4-BE49-F238E27FC236}">
-                <a16:creationId xmlns="" xmlns:a16="http://schemas.microsoft.com/office/drawing/2014/main" id="{39FFEB49-67CF-457D-841C-15A465F85961}"/>
+                <a16:creationId xmlns:a16="http://schemas.microsoft.com/office/drawing/2014/main" id="{39FFEB49-67CF-457D-841C-15A465F85961}"/>
               </a:ext>
             </a:extLst>
           </p:cNvPr>
@@ -22790,7 +22756,7 @@
           <p:cNvPr id="5" name="Rectangle 64">
             <a:extLst>
               <a:ext uri="{FF2B5EF4-FFF2-40B4-BE49-F238E27FC236}">
-                <a16:creationId xmlns="" xmlns:a16="http://schemas.microsoft.com/office/drawing/2014/main" id="{C555B850-9A47-4D3F-ADFA-4BC10CCD0DEE}"/>
+                <a16:creationId xmlns:a16="http://schemas.microsoft.com/office/drawing/2014/main" id="{C555B850-9A47-4D3F-ADFA-4BC10CCD0DEE}"/>
               </a:ext>
             </a:extLst>
           </p:cNvPr>
@@ -22852,7 +22818,7 @@
           <p:cNvPr id="6" name="Rectangle 65">
             <a:extLst>
               <a:ext uri="{FF2B5EF4-FFF2-40B4-BE49-F238E27FC236}">
-                <a16:creationId xmlns="" xmlns:a16="http://schemas.microsoft.com/office/drawing/2014/main" id="{A6FF694E-3F5F-44A5-A096-2FB3B4855F16}"/>
+                <a16:creationId xmlns:a16="http://schemas.microsoft.com/office/drawing/2014/main" id="{A6FF694E-3F5F-44A5-A096-2FB3B4855F16}"/>
               </a:ext>
             </a:extLst>
           </p:cNvPr>
@@ -22914,7 +22880,7 @@
           <p:cNvPr id="7" name="Rectangle 65">
             <a:extLst>
               <a:ext uri="{FF2B5EF4-FFF2-40B4-BE49-F238E27FC236}">
-                <a16:creationId xmlns="" xmlns:a16="http://schemas.microsoft.com/office/drawing/2014/main" id="{465A5013-890C-4639-B61E-4120CD167AC5}"/>
+                <a16:creationId xmlns:a16="http://schemas.microsoft.com/office/drawing/2014/main" id="{465A5013-890C-4639-B61E-4120CD167AC5}"/>
               </a:ext>
             </a:extLst>
           </p:cNvPr>
@@ -22976,7 +22942,7 @@
           <p:cNvPr id="8" name="Rectangle 65">
             <a:extLst>
               <a:ext uri="{FF2B5EF4-FFF2-40B4-BE49-F238E27FC236}">
-                <a16:creationId xmlns="" xmlns:a16="http://schemas.microsoft.com/office/drawing/2014/main" id="{81889B08-C2A0-419B-9EC1-C02C0B3FD426}"/>
+                <a16:creationId xmlns:a16="http://schemas.microsoft.com/office/drawing/2014/main" id="{81889B08-C2A0-419B-9EC1-C02C0B3FD426}"/>
               </a:ext>
             </a:extLst>
           </p:cNvPr>
@@ -23068,7 +23034,7 @@
           <p:cNvPr id="2" name="Tiêu đề 1">
             <a:extLst>
               <a:ext uri="{FF2B5EF4-FFF2-40B4-BE49-F238E27FC236}">
-                <a16:creationId xmlns="" xmlns:a16="http://schemas.microsoft.com/office/drawing/2014/main" id="{A0F182BA-CF59-4626-B3C8-EAD431F8CBBD}"/>
+                <a16:creationId xmlns:a16="http://schemas.microsoft.com/office/drawing/2014/main" id="{A0F182BA-CF59-4626-B3C8-EAD431F8CBBD}"/>
               </a:ext>
             </a:extLst>
           </p:cNvPr>
@@ -23109,7 +23075,7 @@
           <p:cNvPr id="3" name="Chỗ dành sẵn cho Số hiệu Bản chiếu 2">
             <a:extLst>
               <a:ext uri="{FF2B5EF4-FFF2-40B4-BE49-F238E27FC236}">
-                <a16:creationId xmlns="" xmlns:a16="http://schemas.microsoft.com/office/drawing/2014/main" id="{39FFEB49-67CF-457D-841C-15A465F85961}"/>
+                <a16:creationId xmlns:a16="http://schemas.microsoft.com/office/drawing/2014/main" id="{39FFEB49-67CF-457D-841C-15A465F85961}"/>
               </a:ext>
             </a:extLst>
           </p:cNvPr>
@@ -23144,7 +23110,7 @@
           <p:cNvPr id="15" name="Rectangle 65">
             <a:extLst>
               <a:ext uri="{FF2B5EF4-FFF2-40B4-BE49-F238E27FC236}">
-                <a16:creationId xmlns="" xmlns:a16="http://schemas.microsoft.com/office/drawing/2014/main" id="{91CC5E65-B111-4898-9277-14D29022C4DF}"/>
+                <a16:creationId xmlns:a16="http://schemas.microsoft.com/office/drawing/2014/main" id="{91CC5E65-B111-4898-9277-14D29022C4DF}"/>
               </a:ext>
             </a:extLst>
           </p:cNvPr>
@@ -23206,7 +23172,7 @@
           <p:cNvPr id="21" name="Rectangle 65">
             <a:extLst>
               <a:ext uri="{FF2B5EF4-FFF2-40B4-BE49-F238E27FC236}">
-                <a16:creationId xmlns="" xmlns:a16="http://schemas.microsoft.com/office/drawing/2014/main" id="{15CE529C-325C-4007-ACBC-75733367074D}"/>
+                <a16:creationId xmlns:a16="http://schemas.microsoft.com/office/drawing/2014/main" id="{15CE529C-325C-4007-ACBC-75733367074D}"/>
               </a:ext>
             </a:extLst>
           </p:cNvPr>
@@ -23268,7 +23234,7 @@
           <p:cNvPr id="22" name="Rectangle 65">
             <a:extLst>
               <a:ext uri="{FF2B5EF4-FFF2-40B4-BE49-F238E27FC236}">
-                <a16:creationId xmlns="" xmlns:a16="http://schemas.microsoft.com/office/drawing/2014/main" id="{AA6FCB8A-26A1-4809-BCD3-37E2F968FAB5}"/>
+                <a16:creationId xmlns:a16="http://schemas.microsoft.com/office/drawing/2014/main" id="{AA6FCB8A-26A1-4809-BCD3-37E2F968FAB5}"/>
               </a:ext>
             </a:extLst>
           </p:cNvPr>
@@ -23615,14 +23581,14 @@
                 <a:gridCol w="8073042">
                   <a:extLst>
                     <a:ext uri="{9D8B030D-6E8A-4147-A177-3AD203B41FA5}">
-                      <a16:colId xmlns="" xmlns:a16="http://schemas.microsoft.com/office/drawing/2014/main" val="20000"/>
+                      <a16:colId xmlns:a16="http://schemas.microsoft.com/office/drawing/2014/main" val="20000"/>
                     </a:ext>
                   </a:extLst>
                 </a:gridCol>
                 <a:gridCol w="847164">
                   <a:extLst>
                     <a:ext uri="{9D8B030D-6E8A-4147-A177-3AD203B41FA5}">
-                      <a16:colId xmlns="" xmlns:a16="http://schemas.microsoft.com/office/drawing/2014/main" val="20001"/>
+                      <a16:colId xmlns:a16="http://schemas.microsoft.com/office/drawing/2014/main" val="20001"/>
                     </a:ext>
                   </a:extLst>
                 </a:gridCol>
@@ -23674,7 +23640,7 @@
                 </a:tc>
                 <a:extLst>
                   <a:ext uri="{0D108BD9-81ED-4DB2-BD59-A6C34878D82A}">
-                    <a16:rowId xmlns="" xmlns:a16="http://schemas.microsoft.com/office/drawing/2014/main" val="10000"/>
+                    <a16:rowId xmlns:a16="http://schemas.microsoft.com/office/drawing/2014/main" val="10000"/>
                   </a:ext>
                 </a:extLst>
               </a:tr>
@@ -23721,7 +23687,7 @@
                 </a:tc>
                 <a:extLst>
                   <a:ext uri="{0D108BD9-81ED-4DB2-BD59-A6C34878D82A}">
-                    <a16:rowId xmlns="" xmlns:a16="http://schemas.microsoft.com/office/drawing/2014/main" val="10001"/>
+                    <a16:rowId xmlns:a16="http://schemas.microsoft.com/office/drawing/2014/main" val="10001"/>
                   </a:ext>
                 </a:extLst>
               </a:tr>
@@ -23781,7 +23747,7 @@
                 </a:tc>
                 <a:extLst>
                   <a:ext uri="{0D108BD9-81ED-4DB2-BD59-A6C34878D82A}">
-                    <a16:rowId xmlns="" xmlns:a16="http://schemas.microsoft.com/office/drawing/2014/main" val="10002"/>
+                    <a16:rowId xmlns:a16="http://schemas.microsoft.com/office/drawing/2014/main" val="10002"/>
                   </a:ext>
                 </a:extLst>
               </a:tr>
@@ -23819,7 +23785,7 @@
                 </a:tc>
                 <a:extLst>
                   <a:ext uri="{0D108BD9-81ED-4DB2-BD59-A6C34878D82A}">
-                    <a16:rowId xmlns="" xmlns:a16="http://schemas.microsoft.com/office/drawing/2014/main" val="10003"/>
+                    <a16:rowId xmlns:a16="http://schemas.microsoft.com/office/drawing/2014/main" val="10003"/>
                   </a:ext>
                 </a:extLst>
               </a:tr>
@@ -24264,7 +24230,7 @@
           <p:cNvPr id="64" name="Rectangle 65">
             <a:extLst>
               <a:ext uri="{FF2B5EF4-FFF2-40B4-BE49-F238E27FC236}">
-                <a16:creationId xmlns="" xmlns:a16="http://schemas.microsoft.com/office/drawing/2014/main" id="{AA4513F4-801C-4D2A-AB44-CAE5F0B3A8B3}"/>
+                <a16:creationId xmlns:a16="http://schemas.microsoft.com/office/drawing/2014/main" id="{AA4513F4-801C-4D2A-AB44-CAE5F0B3A8B3}"/>
               </a:ext>
             </a:extLst>
           </p:cNvPr>
@@ -24326,7 +24292,7 @@
           <p:cNvPr id="65" name="Rectangle 65">
             <a:extLst>
               <a:ext uri="{FF2B5EF4-FFF2-40B4-BE49-F238E27FC236}">
-                <a16:creationId xmlns="" xmlns:a16="http://schemas.microsoft.com/office/drawing/2014/main" id="{B0A0EC76-636C-42AB-8305-8CC78D5E295D}"/>
+                <a16:creationId xmlns:a16="http://schemas.microsoft.com/office/drawing/2014/main" id="{B0A0EC76-636C-42AB-8305-8CC78D5E295D}"/>
               </a:ext>
             </a:extLst>
           </p:cNvPr>
@@ -24388,7 +24354,7 @@
           <p:cNvPr id="23" name="Nhóm 22">
             <a:extLst>
               <a:ext uri="{FF2B5EF4-FFF2-40B4-BE49-F238E27FC236}">
-                <a16:creationId xmlns="" xmlns:a16="http://schemas.microsoft.com/office/drawing/2014/main" id="{3EB676D8-BE4D-4514-9B31-10CC3F1DFA86}"/>
+                <a16:creationId xmlns:a16="http://schemas.microsoft.com/office/drawing/2014/main" id="{3EB676D8-BE4D-4514-9B31-10CC3F1DFA86}"/>
               </a:ext>
             </a:extLst>
           </p:cNvPr>
@@ -24408,7 +24374,7 @@
             <p:cNvPr id="48" name="Đồ họa 47" descr="Hợp đồng">
               <a:extLst>
                 <a:ext uri="{FF2B5EF4-FFF2-40B4-BE49-F238E27FC236}">
-                  <a16:creationId xmlns="" xmlns:a16="http://schemas.microsoft.com/office/drawing/2014/main" id="{D68C51FA-239A-4D7D-9E8A-12E0FC70B45F}"/>
+                  <a16:creationId xmlns:a16="http://schemas.microsoft.com/office/drawing/2014/main" id="{D68C51FA-239A-4D7D-9E8A-12E0FC70B45F}"/>
                 </a:ext>
               </a:extLst>
             </p:cNvPr>
@@ -24424,7 +24390,7 @@
                   <a14:useLocalDpi xmlns:a14="http://schemas.microsoft.com/office/drawing/2010/main" val="0"/>
                 </a:ext>
                 <a:ext uri="{96DAC541-7B7A-43D3-8B79-37D633B846F1}">
-                  <asvg:svgBlip xmlns="" xmlns:asvg="http://schemas.microsoft.com/office/drawing/2016/SVG/main" r:embed="rId3"/>
+                  <asvg:svgBlip xmlns:asvg="http://schemas.microsoft.com/office/drawing/2016/SVG/main" r:embed="rId3"/>
                 </a:ext>
               </a:extLst>
             </a:blip>
@@ -24447,7 +24413,7 @@
             <p:cNvPr id="49" name="Hình chữ nhật 48">
               <a:extLst>
                 <a:ext uri="{FF2B5EF4-FFF2-40B4-BE49-F238E27FC236}">
-                  <a16:creationId xmlns="" xmlns:a16="http://schemas.microsoft.com/office/drawing/2014/main" id="{AADA52D9-E2A0-414C-B194-9A7F5B94AFF8}"/>
+                  <a16:creationId xmlns:a16="http://schemas.microsoft.com/office/drawing/2014/main" id="{AADA52D9-E2A0-414C-B194-9A7F5B94AFF8}"/>
                 </a:ext>
               </a:extLst>
             </p:cNvPr>
@@ -24496,16 +24462,12 @@
                 <a:t> </a:t>
               </a:r>
               <a:r>
-                <a:rPr lang="en-US" sz="1600" dirty="0" err="1" smtClean="0"/>
+                <a:rPr lang="en-US" sz="1600" dirty="0" err="1"/>
                 <a:t>SpyGlass</a:t>
               </a:r>
               <a:r>
-                <a:rPr lang="en-US" sz="1600" dirty="0" smtClean="0"/>
-                <a:t> </a:t>
-              </a:r>
-              <a:r>
                 <a:rPr lang="en-US" sz="1600" dirty="0"/>
-                <a:t>check and </a:t>
+                <a:t> check and </a:t>
               </a:r>
               <a:r>
                 <a:rPr lang="en-US" sz="1600" u="sng" dirty="0"/>
@@ -24513,13 +24475,8 @@
               </a:r>
               <a:r>
                 <a:rPr lang="en-US" sz="1600" dirty="0"/>
-                <a:t> the </a:t>
+                <a:t> the result for I2C</a:t>
               </a:r>
-              <a:r>
-                <a:rPr lang="en-US" sz="1600" dirty="0" smtClean="0"/>
-                <a:t>result for I2C</a:t>
-              </a:r>
-              <a:endParaRPr lang="en-US" sz="1600" dirty="0"/>
             </a:p>
             <a:p>
               <a:r>
@@ -24565,7 +24522,7 @@
           <p:cNvPr id="22" name="Nhóm 21">
             <a:extLst>
               <a:ext uri="{FF2B5EF4-FFF2-40B4-BE49-F238E27FC236}">
-                <a16:creationId xmlns="" xmlns:a16="http://schemas.microsoft.com/office/drawing/2014/main" id="{1DAF8C57-8C41-4D6B-A273-BC748C400499}"/>
+                <a16:creationId xmlns:a16="http://schemas.microsoft.com/office/drawing/2014/main" id="{1DAF8C57-8C41-4D6B-A273-BC748C400499}"/>
               </a:ext>
             </a:extLst>
           </p:cNvPr>
@@ -24585,7 +24542,7 @@
             <p:cNvPr id="56" name="Đồ họa 55" descr="Trò chơi đố">
               <a:extLst>
                 <a:ext uri="{FF2B5EF4-FFF2-40B4-BE49-F238E27FC236}">
-                  <a16:creationId xmlns="" xmlns:a16="http://schemas.microsoft.com/office/drawing/2014/main" id="{3684E68D-AE01-4229-84E1-EE2EFC883FEE}"/>
+                  <a16:creationId xmlns:a16="http://schemas.microsoft.com/office/drawing/2014/main" id="{3684E68D-AE01-4229-84E1-EE2EFC883FEE}"/>
                 </a:ext>
               </a:extLst>
             </p:cNvPr>
@@ -24601,7 +24558,7 @@
                   <a14:useLocalDpi xmlns:a14="http://schemas.microsoft.com/office/drawing/2010/main" val="0"/>
                 </a:ext>
                 <a:ext uri="{96DAC541-7B7A-43D3-8B79-37D633B846F1}">
-                  <asvg:svgBlip xmlns="" xmlns:asvg="http://schemas.microsoft.com/office/drawing/2016/SVG/main" r:embed="rId5"/>
+                  <asvg:svgBlip xmlns:asvg="http://schemas.microsoft.com/office/drawing/2016/SVG/main" r:embed="rId5"/>
                 </a:ext>
               </a:extLst>
             </a:blip>
@@ -24624,7 +24581,7 @@
             <p:cNvPr id="57" name="Hình chữ nhật 56">
               <a:extLst>
                 <a:ext uri="{FF2B5EF4-FFF2-40B4-BE49-F238E27FC236}">
-                  <a16:creationId xmlns="" xmlns:a16="http://schemas.microsoft.com/office/drawing/2014/main" id="{264A72E1-5A22-4E0A-87DB-DA9174FF2451}"/>
+                  <a16:creationId xmlns:a16="http://schemas.microsoft.com/office/drawing/2014/main" id="{264A72E1-5A22-4E0A-87DB-DA9174FF2451}"/>
                 </a:ext>
               </a:extLst>
             </p:cNvPr>
@@ -24648,27 +24605,8 @@
             <a:p>
               <a:r>
                 <a:rPr lang="en-US" b="1" dirty="0"/>
-                <a:t>Create RTL </a:t>
+                <a:t>Create RTL description</a:t>
               </a:r>
-              <a:r>
-                <a:rPr lang="en-US" b="1" dirty="0" smtClean="0"/>
-                <a:t>description</a:t>
-              </a:r>
-            </a:p>
-            <a:p>
-              <a:r>
-                <a:rPr lang="en-US" sz="1600" dirty="0" smtClean="0"/>
-                <a:t>+ </a:t>
-              </a:r>
-              <a:r>
-                <a:rPr lang="en-US" sz="1600" u="sng" dirty="0" smtClean="0"/>
-                <a:t>Create detailed design description</a:t>
-              </a:r>
-              <a:r>
-                <a:rPr lang="en-US" sz="1600" dirty="0" smtClean="0"/>
-                <a:t> from RTL for SWDT and RWDT</a:t>
-              </a:r>
-              <a:endParaRPr lang="en-US" sz="1600" dirty="0"/>
             </a:p>
             <a:p>
               <a:r>
@@ -24676,22 +24614,27 @@
                 <a:t>+ </a:t>
               </a:r>
               <a:r>
-                <a:rPr lang="en-US" sz="1600" u="sng" dirty="0" smtClean="0"/>
+                <a:rPr lang="en-US" sz="1600" u="sng" dirty="0"/>
+                <a:t>Create detailed design description</a:t>
+              </a:r>
+              <a:r>
+                <a:rPr lang="en-US" sz="1600" dirty="0"/>
+                <a:t> from RTL for SWDT and RWDT</a:t>
+              </a:r>
+            </a:p>
+            <a:p>
+              <a:r>
+                <a:rPr lang="en-US" sz="1600" dirty="0"/>
+                <a:t>+ </a:t>
+              </a:r>
+              <a:r>
+                <a:rPr lang="en-US" sz="1600" u="sng" dirty="0"/>
                 <a:t>RTL coding</a:t>
               </a:r>
               <a:r>
-                <a:rPr lang="en-US" sz="1600" dirty="0" smtClean="0"/>
-                <a:t> for</a:t>
+                <a:rPr lang="en-US" sz="1600" dirty="0"/>
+                <a:t> for I2C (284 new lines, 372 modified lines)</a:t>
               </a:r>
-              <a:r>
-                <a:rPr lang="en-US" sz="1600" dirty="0"/>
-                <a:t> </a:t>
-              </a:r>
-              <a:r>
-                <a:rPr lang="en-US" sz="1600" dirty="0" smtClean="0"/>
-                <a:t>I2C (284 new lines, 372 modified lines)</a:t>
-              </a:r>
-              <a:endParaRPr lang="en-US" sz="1600" dirty="0"/>
             </a:p>
           </p:txBody>
         </p:sp>
@@ -24701,7 +24644,7 @@
           <p:cNvPr id="24" name="Nhóm 23">
             <a:extLst>
               <a:ext uri="{FF2B5EF4-FFF2-40B4-BE49-F238E27FC236}">
-                <a16:creationId xmlns="" xmlns:a16="http://schemas.microsoft.com/office/drawing/2014/main" id="{E3D9409A-60F2-49B7-BBD9-18516E9E17D2}"/>
+                <a16:creationId xmlns:a16="http://schemas.microsoft.com/office/drawing/2014/main" id="{E3D9409A-60F2-49B7-BBD9-18516E9E17D2}"/>
               </a:ext>
             </a:extLst>
           </p:cNvPr>
@@ -24711,9 +24654,9 @@
         <p:grpSpPr>
           <a:xfrm>
             <a:off x="1080000" y="5171190"/>
-            <a:ext cx="7633652" cy="1107996"/>
+            <a:ext cx="7918986" cy="1107996"/>
             <a:chOff x="1051339" y="4808519"/>
-            <a:chExt cx="7633652" cy="1107996"/>
+            <a:chExt cx="7918986" cy="1107996"/>
           </a:xfrm>
         </p:grpSpPr>
         <p:pic>
@@ -24721,7 +24664,7 @@
             <p:cNvPr id="66" name="Đồ họa 65" descr="Đầu có bánh răng">
               <a:extLst>
                 <a:ext uri="{FF2B5EF4-FFF2-40B4-BE49-F238E27FC236}">
-                  <a16:creationId xmlns="" xmlns:a16="http://schemas.microsoft.com/office/drawing/2014/main" id="{3479665A-B91C-40D4-9049-87CF1766C0B6}"/>
+                  <a16:creationId xmlns:a16="http://schemas.microsoft.com/office/drawing/2014/main" id="{3479665A-B91C-40D4-9049-87CF1766C0B6}"/>
                 </a:ext>
               </a:extLst>
             </p:cNvPr>
@@ -24737,7 +24680,7 @@
                   <a14:useLocalDpi xmlns:a14="http://schemas.microsoft.com/office/drawing/2010/main" val="0"/>
                 </a:ext>
                 <a:ext uri="{96DAC541-7B7A-43D3-8B79-37D633B846F1}">
-                  <asvg:svgBlip xmlns="" xmlns:asvg="http://schemas.microsoft.com/office/drawing/2016/SVG/main" r:embed="rId7"/>
+                  <asvg:svgBlip xmlns:asvg="http://schemas.microsoft.com/office/drawing/2016/SVG/main" r:embed="rId7"/>
                 </a:ext>
               </a:extLst>
             </a:blip>
@@ -24760,7 +24703,7 @@
             <p:cNvPr id="67" name="Hình chữ nhật 66">
               <a:extLst>
                 <a:ext uri="{FF2B5EF4-FFF2-40B4-BE49-F238E27FC236}">
-                  <a16:creationId xmlns="" xmlns:a16="http://schemas.microsoft.com/office/drawing/2014/main" id="{8660D22D-6201-41FD-BA32-80A9D4E26B9A}"/>
+                  <a16:creationId xmlns:a16="http://schemas.microsoft.com/office/drawing/2014/main" id="{8660D22D-6201-41FD-BA32-80A9D4E26B9A}"/>
                 </a:ext>
               </a:extLst>
             </p:cNvPr>
@@ -24770,7 +24713,7 @@
           <p:spPr>
             <a:xfrm>
               <a:off x="1508539" y="4808519"/>
-              <a:ext cx="7176452" cy="1107996"/>
+              <a:ext cx="7461786" cy="1107996"/>
             </a:xfrm>
             <a:prstGeom prst="rect">
               <a:avLst/>
@@ -24784,31 +24727,26 @@
             <a:p>
               <a:r>
                 <a:rPr lang="en-US" b="1" dirty="0"/>
-                <a:t>Determine strategies for evaluation and </a:t>
-              </a:r>
-              <a:r>
-                <a:rPr lang="en-US" b="1" dirty="0" smtClean="0"/>
-                <a:t>testing</a:t>
+                <a:t>Determine strategies for evaluation and testing</a:t>
               </a:r>
             </a:p>
             <a:p>
               <a:r>
-                <a:rPr lang="en-US" sz="1600" dirty="0" smtClean="0"/>
-                <a:t>+ Determine new check items for I2C’s legacy design and new change points</a:t>
+                <a:rPr lang="en-US" sz="1600" dirty="0"/>
+                <a:t>+ Determine new check items for I2C’s legacy design and the new change points</a:t>
               </a:r>
             </a:p>
             <a:p>
               <a:r>
-                <a:rPr lang="en-US" sz="1600" dirty="0" smtClean="0"/>
+                <a:rPr lang="en-US" sz="1600" dirty="0"/>
                 <a:t>+ Remove unnecessary check items for I2C</a:t>
               </a:r>
             </a:p>
             <a:p>
               <a:r>
-                <a:rPr lang="en-US" sz="1600" dirty="0" smtClean="0"/>
-                <a:t>+ Determine checking method for legacy items as well as new items</a:t>
+                <a:rPr lang="en-US" sz="1600" dirty="0"/>
+                <a:t>+ Improve checking method for legacy items as well as new items</a:t>
               </a:r>
-              <a:endParaRPr lang="en-US" sz="1600" dirty="0"/>
             </a:p>
           </p:txBody>
         </p:sp>
@@ -24818,7 +24756,7 @@
           <p:cNvPr id="15" name="Rectangle 65">
             <a:extLst>
               <a:ext uri="{FF2B5EF4-FFF2-40B4-BE49-F238E27FC236}">
-                <a16:creationId xmlns="" xmlns:a16="http://schemas.microsoft.com/office/drawing/2014/main" id="{AA4513F4-801C-4D2A-AB44-CAE5F0B3A8B3}"/>
+                <a16:creationId xmlns:a16="http://schemas.microsoft.com/office/drawing/2014/main" id="{AA4513F4-801C-4D2A-AB44-CAE5F0B3A8B3}"/>
               </a:ext>
             </a:extLst>
           </p:cNvPr>
@@ -24869,10 +24807,9 @@
           <a:p>
             <a:pPr algn="ctr"/>
             <a:r>
-              <a:rPr lang="en-US" sz="1400" dirty="0" smtClean="0"/>
+              <a:rPr lang="en-US" sz="1400" dirty="0"/>
               <a:t>M3W-ES3.0</a:t>
             </a:r>
-            <a:endParaRPr lang="en-US" sz="1400" dirty="0"/>
           </a:p>
         </p:txBody>
       </p:sp>
@@ -24881,7 +24818,7 @@
           <p:cNvPr id="16" name="Rectangle 65">
             <a:extLst>
               <a:ext uri="{FF2B5EF4-FFF2-40B4-BE49-F238E27FC236}">
-                <a16:creationId xmlns="" xmlns:a16="http://schemas.microsoft.com/office/drawing/2014/main" id="{B0A0EC76-636C-42AB-8305-8CC78D5E295D}"/>
+                <a16:creationId xmlns:a16="http://schemas.microsoft.com/office/drawing/2014/main" id="{B0A0EC76-636C-42AB-8305-8CC78D5E295D}"/>
               </a:ext>
             </a:extLst>
           </p:cNvPr>
@@ -24932,10 +24869,9 @@
           <a:p>
             <a:pPr algn="ctr"/>
             <a:r>
-              <a:rPr lang="en-US" sz="1400" dirty="0" smtClean="0"/>
+              <a:rPr lang="en-US" sz="1400" dirty="0"/>
               <a:t>SWDT</a:t>
             </a:r>
-            <a:endParaRPr lang="en-US" sz="1400" dirty="0"/>
           </a:p>
         </p:txBody>
       </p:sp>
@@ -24944,7 +24880,7 @@
           <p:cNvPr id="17" name="Rectangle 65">
             <a:extLst>
               <a:ext uri="{FF2B5EF4-FFF2-40B4-BE49-F238E27FC236}">
-                <a16:creationId xmlns="" xmlns:a16="http://schemas.microsoft.com/office/drawing/2014/main" id="{B0A0EC76-636C-42AB-8305-8CC78D5E295D}"/>
+                <a16:creationId xmlns:a16="http://schemas.microsoft.com/office/drawing/2014/main" id="{B0A0EC76-636C-42AB-8305-8CC78D5E295D}"/>
               </a:ext>
             </a:extLst>
           </p:cNvPr>
@@ -24996,13 +24932,8 @@
             <a:pPr algn="ctr"/>
             <a:r>
               <a:rPr lang="en-US" sz="1400" dirty="0"/>
-              <a:t>R</a:t>
-            </a:r>
-            <a:r>
-              <a:rPr lang="en-US" sz="1400" dirty="0" smtClean="0"/>
-              <a:t>WDT</a:t>
-            </a:r>
-            <a:endParaRPr lang="en-US" sz="1400" dirty="0"/>
+              <a:t>RWDT</a:t>
+            </a:r>
           </a:p>
         </p:txBody>
       </p:sp>
@@ -25011,7 +24942,7 @@
           <p:cNvPr id="18" name="Nhóm 13">
             <a:extLst>
               <a:ext uri="{FF2B5EF4-FFF2-40B4-BE49-F238E27FC236}">
-                <a16:creationId xmlns="" xmlns:a16="http://schemas.microsoft.com/office/drawing/2014/main" id="{9A587707-DE7E-408A-806E-DCA5B6F8F706}"/>
+                <a16:creationId xmlns:a16="http://schemas.microsoft.com/office/drawing/2014/main" id="{9A587707-DE7E-408A-806E-DCA5B6F8F706}"/>
               </a:ext>
             </a:extLst>
           </p:cNvPr>
@@ -25031,7 +24962,7 @@
             <p:cNvPr id="19" name="Đồ họa 4" descr="Danh sách">
               <a:extLst>
                 <a:ext uri="{FF2B5EF4-FFF2-40B4-BE49-F238E27FC236}">
-                  <a16:creationId xmlns="" xmlns:a16="http://schemas.microsoft.com/office/drawing/2014/main" id="{56C4B8AF-39A3-458A-B4EF-24F18BA48BA4}"/>
+                  <a16:creationId xmlns:a16="http://schemas.microsoft.com/office/drawing/2014/main" id="{56C4B8AF-39A3-458A-B4EF-24F18BA48BA4}"/>
                 </a:ext>
               </a:extLst>
             </p:cNvPr>
@@ -25047,7 +24978,7 @@
                   <a14:useLocalDpi xmlns:a14="http://schemas.microsoft.com/office/drawing/2010/main" val="0"/>
                 </a:ext>
                 <a:ext uri="{96DAC541-7B7A-43D3-8B79-37D633B846F1}">
-                  <asvg:svgBlip xmlns="" xmlns:asvg="http://schemas.microsoft.com/office/drawing/2016/SVG/main" r:embed="rId9"/>
+                  <asvg:svgBlip xmlns:asvg="http://schemas.microsoft.com/office/drawing/2016/SVG/main" r:embed="rId9"/>
                 </a:ext>
               </a:extLst>
             </a:blip>
@@ -25070,7 +25001,7 @@
             <p:cNvPr id="20" name="Hình chữ nhật 15">
               <a:extLst>
                 <a:ext uri="{FF2B5EF4-FFF2-40B4-BE49-F238E27FC236}">
-                  <a16:creationId xmlns="" xmlns:a16="http://schemas.microsoft.com/office/drawing/2014/main" id="{78A041CB-35D8-4F4D-8B81-AD058566D403}"/>
+                  <a16:creationId xmlns:a16="http://schemas.microsoft.com/office/drawing/2014/main" id="{78A041CB-35D8-4F4D-8B81-AD058566D403}"/>
                 </a:ext>
               </a:extLst>
             </p:cNvPr>
@@ -25094,41 +25025,36 @@
             <a:p>
               <a:r>
                 <a:rPr lang="en-US" b="1" dirty="0"/>
-                <a:t>Create module design </a:t>
-              </a:r>
-              <a:r>
-                <a:rPr lang="en-US" b="1" dirty="0" smtClean="0"/>
-                <a:t>specifications</a:t>
+                <a:t>Create module design specifications</a:t>
               </a:r>
             </a:p>
             <a:p>
               <a:r>
-                <a:rPr lang="en-US" sz="1600" dirty="0" smtClean="0"/>
+                <a:rPr lang="en-US" sz="1600" dirty="0"/>
                 <a:t>+ </a:t>
               </a:r>
               <a:r>
-                <a:rPr lang="en-US" sz="1600" u="sng" dirty="0" smtClean="0"/>
+                <a:rPr lang="en-US" sz="1600" u="sng" dirty="0"/>
                 <a:t>Discuss</a:t>
               </a:r>
               <a:r>
-                <a:rPr lang="en-US" sz="1600" dirty="0" smtClean="0"/>
+                <a:rPr lang="en-US" sz="1600" dirty="0"/>
                 <a:t> with the REL to make I2C design specs (I2C clock stretching, I2C fast mode plus)</a:t>
               </a:r>
             </a:p>
             <a:p>
               <a:r>
-                <a:rPr lang="en-US" sz="1600" dirty="0" smtClean="0"/>
+                <a:rPr lang="en-US" sz="1600" dirty="0"/>
                 <a:t>+ </a:t>
               </a:r>
               <a:r>
-                <a:rPr lang="en-US" sz="1600" u="sng" dirty="0" smtClean="0"/>
+                <a:rPr lang="en-US" sz="1600" u="sng" dirty="0"/>
                 <a:t>Feedback</a:t>
               </a:r>
               <a:r>
-                <a:rPr lang="en-US" sz="1600" dirty="0" smtClean="0"/>
+                <a:rPr lang="en-US" sz="1600" dirty="0"/>
                 <a:t> for REL’s I2C design specs issue (incorrect IO cell control logic, missing individual constraint)</a:t>
               </a:r>
-              <a:endParaRPr lang="en-US" sz="1600" dirty="0"/>
             </a:p>
           </p:txBody>
         </p:sp>
@@ -25219,7 +25145,7 @@
           <p:cNvPr id="22" name="Group 60">
             <a:extLst>
               <a:ext uri="{FF2B5EF4-FFF2-40B4-BE49-F238E27FC236}">
-                <a16:creationId xmlns="" xmlns:a16="http://schemas.microsoft.com/office/drawing/2014/main" id="{F009B9CC-6097-47B7-8192-19378D99E16A}"/>
+                <a16:creationId xmlns:a16="http://schemas.microsoft.com/office/drawing/2014/main" id="{F009B9CC-6097-47B7-8192-19378D99E16A}"/>
               </a:ext>
             </a:extLst>
           </p:cNvPr>
@@ -25239,7 +25165,7 @@
             <p:cNvPr id="23" name="Rectangle 57">
               <a:extLst>
                 <a:ext uri="{FF2B5EF4-FFF2-40B4-BE49-F238E27FC236}">
-                  <a16:creationId xmlns="" xmlns:a16="http://schemas.microsoft.com/office/drawing/2014/main" id="{09275399-827C-4D40-B298-E6CCFA7F4876}"/>
+                  <a16:creationId xmlns:a16="http://schemas.microsoft.com/office/drawing/2014/main" id="{09275399-827C-4D40-B298-E6CCFA7F4876}"/>
                 </a:ext>
               </a:extLst>
             </p:cNvPr>
@@ -25291,7 +25217,7 @@
             <p:cNvPr id="24" name="Rectangle 58">
               <a:extLst>
                 <a:ext uri="{FF2B5EF4-FFF2-40B4-BE49-F238E27FC236}">
-                  <a16:creationId xmlns="" xmlns:a16="http://schemas.microsoft.com/office/drawing/2014/main" id="{3BCFA52C-30EB-4051-B9D0-2D72F2FE96A6}"/>
+                  <a16:creationId xmlns:a16="http://schemas.microsoft.com/office/drawing/2014/main" id="{3BCFA52C-30EB-4051-B9D0-2D72F2FE96A6}"/>
                 </a:ext>
               </a:extLst>
             </p:cNvPr>
@@ -25343,7 +25269,7 @@
             <p:cNvPr id="25" name="TextBox 59">
               <a:extLst>
                 <a:ext uri="{FF2B5EF4-FFF2-40B4-BE49-F238E27FC236}">
-                  <a16:creationId xmlns="" xmlns:a16="http://schemas.microsoft.com/office/drawing/2014/main" id="{59D1C1E6-8E8B-4C9F-A3A7-05F94A7E9AC7}"/>
+                  <a16:creationId xmlns:a16="http://schemas.microsoft.com/office/drawing/2014/main" id="{59D1C1E6-8E8B-4C9F-A3A7-05F94A7E9AC7}"/>
                 </a:ext>
               </a:extLst>
             </p:cNvPr>
@@ -25409,7 +25335,7 @@
           <p:cNvPr id="14" name="Nhóm 13">
             <a:extLst>
               <a:ext uri="{FF2B5EF4-FFF2-40B4-BE49-F238E27FC236}">
-                <a16:creationId xmlns="" xmlns:a16="http://schemas.microsoft.com/office/drawing/2014/main" id="{9A587707-DE7E-408A-806E-DCA5B6F8F706}"/>
+                <a16:creationId xmlns:a16="http://schemas.microsoft.com/office/drawing/2014/main" id="{9A587707-DE7E-408A-806E-DCA5B6F8F706}"/>
               </a:ext>
             </a:extLst>
           </p:cNvPr>
@@ -25429,7 +25355,7 @@
             <p:cNvPr id="5" name="Đồ họa 4" descr="Danh sách">
               <a:extLst>
                 <a:ext uri="{FF2B5EF4-FFF2-40B4-BE49-F238E27FC236}">
-                  <a16:creationId xmlns="" xmlns:a16="http://schemas.microsoft.com/office/drawing/2014/main" id="{56C4B8AF-39A3-458A-B4EF-24F18BA48BA4}"/>
+                  <a16:creationId xmlns:a16="http://schemas.microsoft.com/office/drawing/2014/main" id="{56C4B8AF-39A3-458A-B4EF-24F18BA48BA4}"/>
                 </a:ext>
               </a:extLst>
             </p:cNvPr>
@@ -25445,7 +25371,7 @@
                   <a14:useLocalDpi xmlns:a14="http://schemas.microsoft.com/office/drawing/2010/main" val="0"/>
                 </a:ext>
                 <a:ext uri="{96DAC541-7B7A-43D3-8B79-37D633B846F1}">
-                  <asvg:svgBlip xmlns="" xmlns:asvg="http://schemas.microsoft.com/office/drawing/2016/SVG/main" r:embed="rId3"/>
+                  <asvg:svgBlip xmlns:asvg="http://schemas.microsoft.com/office/drawing/2016/SVG/main" r:embed="rId3"/>
                 </a:ext>
               </a:extLst>
             </a:blip>
@@ -25468,7 +25394,7 @@
             <p:cNvPr id="16" name="Hình chữ nhật 15">
               <a:extLst>
                 <a:ext uri="{FF2B5EF4-FFF2-40B4-BE49-F238E27FC236}">
-                  <a16:creationId xmlns="" xmlns:a16="http://schemas.microsoft.com/office/drawing/2014/main" id="{78A041CB-35D8-4F4D-8B81-AD058566D403}"/>
+                  <a16:creationId xmlns:a16="http://schemas.microsoft.com/office/drawing/2014/main" id="{78A041CB-35D8-4F4D-8B81-AD058566D403}"/>
                 </a:ext>
               </a:extLst>
             </p:cNvPr>
@@ -25492,13 +25418,8 @@
             <a:p>
               <a:r>
                 <a:rPr lang="en-US" b="1" dirty="0"/>
-                <a:t>Create module design </a:t>
+                <a:t>Create module design specifications</a:t>
               </a:r>
-              <a:r>
-                <a:rPr lang="en-US" b="1" dirty="0" smtClean="0"/>
-                <a:t>specifications</a:t>
-              </a:r>
-              <a:endParaRPr lang="en-US" b="1" dirty="0"/>
             </a:p>
           </p:txBody>
         </p:sp>
@@ -25507,7 +25428,7 @@
             <p:cNvPr id="26" name="Rectangle 47">
               <a:extLst>
                 <a:ext uri="{FF2B5EF4-FFF2-40B4-BE49-F238E27FC236}">
-                  <a16:creationId xmlns="" xmlns:a16="http://schemas.microsoft.com/office/drawing/2014/main" id="{4DB5DAFA-3437-4521-B67C-5AFA6E093998}"/>
+                  <a16:creationId xmlns:a16="http://schemas.microsoft.com/office/drawing/2014/main" id="{4DB5DAFA-3437-4521-B67C-5AFA6E093998}"/>
                 </a:ext>
               </a:extLst>
             </p:cNvPr>
@@ -25562,7 +25483,7 @@
             <p:cNvPr id="27" name="Rectangle 48">
               <a:extLst>
                 <a:ext uri="{FF2B5EF4-FFF2-40B4-BE49-F238E27FC236}">
-                  <a16:creationId xmlns="" xmlns:a16="http://schemas.microsoft.com/office/drawing/2014/main" id="{D3AD5E18-F395-407B-A874-FED8FCE9E71F}"/>
+                  <a16:creationId xmlns:a16="http://schemas.microsoft.com/office/drawing/2014/main" id="{D3AD5E18-F395-407B-A874-FED8FCE9E71F}"/>
                 </a:ext>
               </a:extLst>
             </p:cNvPr>
@@ -25614,7 +25535,7 @@
             <p:cNvPr id="28" name="Rectangle 49">
               <a:extLst>
                 <a:ext uri="{FF2B5EF4-FFF2-40B4-BE49-F238E27FC236}">
-                  <a16:creationId xmlns="" xmlns:a16="http://schemas.microsoft.com/office/drawing/2014/main" id="{472058DE-DBD8-46F8-BACB-8B73B45D88D7}"/>
+                  <a16:creationId xmlns:a16="http://schemas.microsoft.com/office/drawing/2014/main" id="{472058DE-DBD8-46F8-BACB-8B73B45D88D7}"/>
                 </a:ext>
               </a:extLst>
             </p:cNvPr>
@@ -25669,7 +25590,7 @@
             <p:cNvPr id="29" name="Rectangle 61">
               <a:extLst>
                 <a:ext uri="{FF2B5EF4-FFF2-40B4-BE49-F238E27FC236}">
-                  <a16:creationId xmlns="" xmlns:a16="http://schemas.microsoft.com/office/drawing/2014/main" id="{F255DC2B-80E7-47F3-9C06-028697B7C22E}"/>
+                  <a16:creationId xmlns:a16="http://schemas.microsoft.com/office/drawing/2014/main" id="{F255DC2B-80E7-47F3-9C06-028697B7C22E}"/>
                 </a:ext>
               </a:extLst>
             </p:cNvPr>
@@ -25713,10 +25634,9 @@
             <a:p>
               <a:pPr algn="r"/>
               <a:r>
-                <a:rPr lang="en-US" sz="700" dirty="0" smtClean="0"/>
+                <a:rPr lang="en-US" sz="700" dirty="0"/>
                 <a:t>2</a:t>
               </a:r>
-              <a:endParaRPr lang="en-US" sz="700" dirty="0"/>
             </a:p>
           </p:txBody>
         </p:sp>
@@ -25726,7 +25646,7 @@
           <p:cNvPr id="8" name="Nhóm 7">
             <a:extLst>
               <a:ext uri="{FF2B5EF4-FFF2-40B4-BE49-F238E27FC236}">
-                <a16:creationId xmlns="" xmlns:a16="http://schemas.microsoft.com/office/drawing/2014/main" id="{5D05B92F-BE08-4644-A064-11A033A73CF2}"/>
+                <a16:creationId xmlns:a16="http://schemas.microsoft.com/office/drawing/2014/main" id="{5D05B92F-BE08-4644-A064-11A033A73CF2}"/>
               </a:ext>
             </a:extLst>
           </p:cNvPr>
@@ -25746,7 +25666,7 @@
             <p:cNvPr id="11" name="Đồ họa 10" descr="Hệ thống phân cấp">
               <a:extLst>
                 <a:ext uri="{FF2B5EF4-FFF2-40B4-BE49-F238E27FC236}">
-                  <a16:creationId xmlns="" xmlns:a16="http://schemas.microsoft.com/office/drawing/2014/main" id="{85936E65-059E-4F1C-B224-9979CB5B11C7}"/>
+                  <a16:creationId xmlns:a16="http://schemas.microsoft.com/office/drawing/2014/main" id="{85936E65-059E-4F1C-B224-9979CB5B11C7}"/>
                 </a:ext>
               </a:extLst>
             </p:cNvPr>
@@ -25762,7 +25682,7 @@
                   <a14:useLocalDpi xmlns:a14="http://schemas.microsoft.com/office/drawing/2010/main" val="0"/>
                 </a:ext>
                 <a:ext uri="{96DAC541-7B7A-43D3-8B79-37D633B846F1}">
-                  <asvg:svgBlip xmlns="" xmlns:asvg="http://schemas.microsoft.com/office/drawing/2016/SVG/main" r:embed="rId5"/>
+                  <asvg:svgBlip xmlns:asvg="http://schemas.microsoft.com/office/drawing/2016/SVG/main" r:embed="rId5"/>
                 </a:ext>
               </a:extLst>
             </a:blip>
@@ -25785,7 +25705,7 @@
             <p:cNvPr id="19" name="Hình chữ nhật 18">
               <a:extLst>
                 <a:ext uri="{FF2B5EF4-FFF2-40B4-BE49-F238E27FC236}">
-                  <a16:creationId xmlns="" xmlns:a16="http://schemas.microsoft.com/office/drawing/2014/main" id="{88FFDA5E-41CA-4722-A448-DC01BCD849EB}"/>
+                  <a16:creationId xmlns:a16="http://schemas.microsoft.com/office/drawing/2014/main" id="{88FFDA5E-41CA-4722-A448-DC01BCD849EB}"/>
                 </a:ext>
               </a:extLst>
             </p:cNvPr>
@@ -25819,7 +25739,7 @@
             <p:cNvPr id="38" name="Rectangle 47">
               <a:extLst>
                 <a:ext uri="{FF2B5EF4-FFF2-40B4-BE49-F238E27FC236}">
-                  <a16:creationId xmlns="" xmlns:a16="http://schemas.microsoft.com/office/drawing/2014/main" id="{E4D56A3B-D6F6-4BF1-A466-C5BAC68F8DBE}"/>
+                  <a16:creationId xmlns:a16="http://schemas.microsoft.com/office/drawing/2014/main" id="{E4D56A3B-D6F6-4BF1-A466-C5BAC68F8DBE}"/>
                 </a:ext>
               </a:extLst>
             </p:cNvPr>
@@ -25874,7 +25794,7 @@
             <p:cNvPr id="39" name="Rectangle 48">
               <a:extLst>
                 <a:ext uri="{FF2B5EF4-FFF2-40B4-BE49-F238E27FC236}">
-                  <a16:creationId xmlns="" xmlns:a16="http://schemas.microsoft.com/office/drawing/2014/main" id="{EDC3B671-9D41-4660-A5E1-D57F79CEDA39}"/>
+                  <a16:creationId xmlns:a16="http://schemas.microsoft.com/office/drawing/2014/main" id="{EDC3B671-9D41-4660-A5E1-D57F79CEDA39}"/>
                 </a:ext>
               </a:extLst>
             </p:cNvPr>
@@ -25930,7 +25850,7 @@
           <p:cNvPr id="4" name="Nhóm 3">
             <a:extLst>
               <a:ext uri="{FF2B5EF4-FFF2-40B4-BE49-F238E27FC236}">
-                <a16:creationId xmlns="" xmlns:a16="http://schemas.microsoft.com/office/drawing/2014/main" id="{5F8DE41E-0DF4-4719-B80D-6394F63BA7EE}"/>
+                <a16:creationId xmlns:a16="http://schemas.microsoft.com/office/drawing/2014/main" id="{5F8DE41E-0DF4-4719-B80D-6394F63BA7EE}"/>
               </a:ext>
             </a:extLst>
           </p:cNvPr>
@@ -25950,7 +25870,7 @@
             <p:cNvPr id="15" name="Đồ họa 14" descr="Biểu đồ hình tròn">
               <a:extLst>
                 <a:ext uri="{FF2B5EF4-FFF2-40B4-BE49-F238E27FC236}">
-                  <a16:creationId xmlns="" xmlns:a16="http://schemas.microsoft.com/office/drawing/2014/main" id="{5A477F48-AD05-4411-B21F-1F8661FE3756}"/>
+                  <a16:creationId xmlns:a16="http://schemas.microsoft.com/office/drawing/2014/main" id="{5A477F48-AD05-4411-B21F-1F8661FE3756}"/>
                 </a:ext>
               </a:extLst>
             </p:cNvPr>
@@ -25966,7 +25886,7 @@
                   <a14:useLocalDpi xmlns:a14="http://schemas.microsoft.com/office/drawing/2010/main" val="0"/>
                 </a:ext>
                 <a:ext uri="{96DAC541-7B7A-43D3-8B79-37D633B846F1}">
-                  <asvg:svgBlip xmlns="" xmlns:asvg="http://schemas.microsoft.com/office/drawing/2016/SVG/main" r:embed="rId7"/>
+                  <asvg:svgBlip xmlns:asvg="http://schemas.microsoft.com/office/drawing/2016/SVG/main" r:embed="rId7"/>
                 </a:ext>
               </a:extLst>
             </a:blip>
@@ -25989,7 +25909,7 @@
             <p:cNvPr id="21" name="Hình chữ nhật 20">
               <a:extLst>
                 <a:ext uri="{FF2B5EF4-FFF2-40B4-BE49-F238E27FC236}">
-                  <a16:creationId xmlns="" xmlns:a16="http://schemas.microsoft.com/office/drawing/2014/main" id="{0DFC0BD6-9B2A-4DA2-B49D-AE6FBA58DDE0}"/>
+                  <a16:creationId xmlns:a16="http://schemas.microsoft.com/office/drawing/2014/main" id="{0DFC0BD6-9B2A-4DA2-B49D-AE6FBA58DDE0}"/>
                 </a:ext>
               </a:extLst>
             </p:cNvPr>
@@ -26023,7 +25943,7 @@
             <p:cNvPr id="46" name="Rectangle 47">
               <a:extLst>
                 <a:ext uri="{FF2B5EF4-FFF2-40B4-BE49-F238E27FC236}">
-                  <a16:creationId xmlns="" xmlns:a16="http://schemas.microsoft.com/office/drawing/2014/main" id="{C480AB7D-FFB4-4C3A-8CD9-6447A7D1BCFE}"/>
+                  <a16:creationId xmlns:a16="http://schemas.microsoft.com/office/drawing/2014/main" id="{C480AB7D-FFB4-4C3A-8CD9-6447A7D1BCFE}"/>
                 </a:ext>
               </a:extLst>
             </p:cNvPr>
@@ -26078,7 +25998,7 @@
             <p:cNvPr id="47" name="Rectangle 48">
               <a:extLst>
                 <a:ext uri="{FF2B5EF4-FFF2-40B4-BE49-F238E27FC236}">
-                  <a16:creationId xmlns="" xmlns:a16="http://schemas.microsoft.com/office/drawing/2014/main" id="{CAFF18ED-38DE-41E7-873A-192F9D213989}"/>
+                  <a16:creationId xmlns:a16="http://schemas.microsoft.com/office/drawing/2014/main" id="{CAFF18ED-38DE-41E7-873A-192F9D213989}"/>
                 </a:ext>
               </a:extLst>
             </p:cNvPr>
@@ -26134,7 +26054,7 @@
           <p:cNvPr id="10" name="Nhóm 9">
             <a:extLst>
               <a:ext uri="{FF2B5EF4-FFF2-40B4-BE49-F238E27FC236}">
-                <a16:creationId xmlns="" xmlns:a16="http://schemas.microsoft.com/office/drawing/2014/main" id="{D254204F-B382-4DA7-A52C-2FA0D933737F}"/>
+                <a16:creationId xmlns:a16="http://schemas.microsoft.com/office/drawing/2014/main" id="{D254204F-B382-4DA7-A52C-2FA0D933737F}"/>
               </a:ext>
             </a:extLst>
           </p:cNvPr>
@@ -26154,7 +26074,7 @@
             <p:cNvPr id="9" name="Đồ họa 8" descr="Hợp đồng">
               <a:extLst>
                 <a:ext uri="{FF2B5EF4-FFF2-40B4-BE49-F238E27FC236}">
-                  <a16:creationId xmlns="" xmlns:a16="http://schemas.microsoft.com/office/drawing/2014/main" id="{3B6D3F1D-36F1-4BF5-BF50-DD5A1985DA62}"/>
+                  <a16:creationId xmlns:a16="http://schemas.microsoft.com/office/drawing/2014/main" id="{3B6D3F1D-36F1-4BF5-BF50-DD5A1985DA62}"/>
                 </a:ext>
               </a:extLst>
             </p:cNvPr>
@@ -26170,7 +26090,7 @@
                   <a14:useLocalDpi xmlns:a14="http://schemas.microsoft.com/office/drawing/2010/main" val="0"/>
                 </a:ext>
                 <a:ext uri="{96DAC541-7B7A-43D3-8B79-37D633B846F1}">
-                  <asvg:svgBlip xmlns="" xmlns:asvg="http://schemas.microsoft.com/office/drawing/2016/SVG/main" r:embed="rId9"/>
+                  <asvg:svgBlip xmlns:asvg="http://schemas.microsoft.com/office/drawing/2016/SVG/main" r:embed="rId9"/>
                 </a:ext>
               </a:extLst>
             </a:blip>
@@ -26193,7 +26113,7 @@
             <p:cNvPr id="18" name="Hình chữ nhật 17">
               <a:extLst>
                 <a:ext uri="{FF2B5EF4-FFF2-40B4-BE49-F238E27FC236}">
-                  <a16:creationId xmlns="" xmlns:a16="http://schemas.microsoft.com/office/drawing/2014/main" id="{00F2CB72-FDE2-4399-83E3-6E77BE2192C3}"/>
+                  <a16:creationId xmlns:a16="http://schemas.microsoft.com/office/drawing/2014/main" id="{00F2CB72-FDE2-4399-83E3-6E77BE2192C3}"/>
                 </a:ext>
               </a:extLst>
             </p:cNvPr>
@@ -26217,13 +26137,8 @@
             <a:p>
               <a:r>
                 <a:rPr lang="en-US" b="1" dirty="0"/>
-                <a:t>Analyze and fix RTL checker (Spyglass</a:t>
+                <a:t>Analyze and fix RTL checker (Spyglass)</a:t>
               </a:r>
-              <a:r>
-                <a:rPr lang="en-US" b="1" dirty="0" smtClean="0"/>
-                <a:t>)</a:t>
-              </a:r>
-              <a:endParaRPr lang="en-US" b="1" dirty="0"/>
             </a:p>
           </p:txBody>
         </p:sp>
@@ -26232,7 +26147,7 @@
             <p:cNvPr id="34" name="Rectangle 47">
               <a:extLst>
                 <a:ext uri="{FF2B5EF4-FFF2-40B4-BE49-F238E27FC236}">
-                  <a16:creationId xmlns="" xmlns:a16="http://schemas.microsoft.com/office/drawing/2014/main" id="{F29BC213-0EFF-4CE4-A33F-9EE40FAD2BC1}"/>
+                  <a16:creationId xmlns:a16="http://schemas.microsoft.com/office/drawing/2014/main" id="{F29BC213-0EFF-4CE4-A33F-9EE40FAD2BC1}"/>
                 </a:ext>
               </a:extLst>
             </p:cNvPr>
@@ -26287,7 +26202,7 @@
             <p:cNvPr id="35" name="Rectangle 48">
               <a:extLst>
                 <a:ext uri="{FF2B5EF4-FFF2-40B4-BE49-F238E27FC236}">
-                  <a16:creationId xmlns="" xmlns:a16="http://schemas.microsoft.com/office/drawing/2014/main" id="{B8145376-17E4-4DC2-9F5B-9F504FF48F22}"/>
+                  <a16:creationId xmlns:a16="http://schemas.microsoft.com/office/drawing/2014/main" id="{B8145376-17E4-4DC2-9F5B-9F504FF48F22}"/>
                 </a:ext>
               </a:extLst>
             </p:cNvPr>
@@ -26339,7 +26254,7 @@
             <p:cNvPr id="36" name="Rectangle 49">
               <a:extLst>
                 <a:ext uri="{FF2B5EF4-FFF2-40B4-BE49-F238E27FC236}">
-                  <a16:creationId xmlns="" xmlns:a16="http://schemas.microsoft.com/office/drawing/2014/main" id="{A9AD40CE-CFB4-4838-86C3-60169614DD3B}"/>
+                  <a16:creationId xmlns:a16="http://schemas.microsoft.com/office/drawing/2014/main" id="{A9AD40CE-CFB4-4838-86C3-60169614DD3B}"/>
                 </a:ext>
               </a:extLst>
             </p:cNvPr>
@@ -26394,7 +26309,7 @@
             <p:cNvPr id="37" name="Rectangle 61">
               <a:extLst>
                 <a:ext uri="{FF2B5EF4-FFF2-40B4-BE49-F238E27FC236}">
-                  <a16:creationId xmlns="" xmlns:a16="http://schemas.microsoft.com/office/drawing/2014/main" id="{78D2959C-B622-429B-8665-B82060B2A393}"/>
+                  <a16:creationId xmlns:a16="http://schemas.microsoft.com/office/drawing/2014/main" id="{78D2959C-B622-429B-8665-B82060B2A393}"/>
                 </a:ext>
               </a:extLst>
             </p:cNvPr>
@@ -26438,10 +26353,9 @@
             <a:p>
               <a:pPr algn="r"/>
               <a:r>
-                <a:rPr lang="en-US" sz="700" dirty="0" smtClean="0"/>
+                <a:rPr lang="en-US" sz="700" dirty="0"/>
                 <a:t>2</a:t>
               </a:r>
-              <a:endParaRPr lang="en-US" sz="700" dirty="0"/>
             </a:p>
           </p:txBody>
         </p:sp>
@@ -26451,7 +26365,7 @@
           <p:cNvPr id="12" name="Nhóm 11">
             <a:extLst>
               <a:ext uri="{FF2B5EF4-FFF2-40B4-BE49-F238E27FC236}">
-                <a16:creationId xmlns="" xmlns:a16="http://schemas.microsoft.com/office/drawing/2014/main" id="{FD198FCE-E526-4819-AA2F-C912B06B3326}"/>
+                <a16:creationId xmlns:a16="http://schemas.microsoft.com/office/drawing/2014/main" id="{FD198FCE-E526-4819-AA2F-C912B06B3326}"/>
               </a:ext>
             </a:extLst>
           </p:cNvPr>
@@ -26471,7 +26385,7 @@
             <p:cNvPr id="7" name="Đồ họa 6" descr="Trò chơi đố">
               <a:extLst>
                 <a:ext uri="{FF2B5EF4-FFF2-40B4-BE49-F238E27FC236}">
-                  <a16:creationId xmlns="" xmlns:a16="http://schemas.microsoft.com/office/drawing/2014/main" id="{E6CE28A9-C191-4956-9AA9-8F403711007B}"/>
+                  <a16:creationId xmlns:a16="http://schemas.microsoft.com/office/drawing/2014/main" id="{E6CE28A9-C191-4956-9AA9-8F403711007B}"/>
                 </a:ext>
               </a:extLst>
             </p:cNvPr>
@@ -26487,7 +26401,7 @@
                   <a14:useLocalDpi xmlns:a14="http://schemas.microsoft.com/office/drawing/2010/main" val="0"/>
                 </a:ext>
                 <a:ext uri="{96DAC541-7B7A-43D3-8B79-37D633B846F1}">
-                  <asvg:svgBlip xmlns="" xmlns:asvg="http://schemas.microsoft.com/office/drawing/2016/SVG/main" r:embed="rId11"/>
+                  <asvg:svgBlip xmlns:asvg="http://schemas.microsoft.com/office/drawing/2016/SVG/main" r:embed="rId11"/>
                 </a:ext>
               </a:extLst>
             </a:blip>
@@ -26510,7 +26424,7 @@
             <p:cNvPr id="17" name="Hình chữ nhật 16">
               <a:extLst>
                 <a:ext uri="{FF2B5EF4-FFF2-40B4-BE49-F238E27FC236}">
-                  <a16:creationId xmlns="" xmlns:a16="http://schemas.microsoft.com/office/drawing/2014/main" id="{0ABF7092-221D-4DDF-B72F-B6EE9D2898F6}"/>
+                  <a16:creationId xmlns:a16="http://schemas.microsoft.com/office/drawing/2014/main" id="{0ABF7092-221D-4DDF-B72F-B6EE9D2898F6}"/>
                 </a:ext>
               </a:extLst>
             </p:cNvPr>
@@ -26534,13 +26448,8 @@
             <a:p>
               <a:r>
                 <a:rPr lang="en-US" b="1" dirty="0"/>
-                <a:t>Create RTL </a:t>
+                <a:t>Create RTL description</a:t>
               </a:r>
-              <a:r>
-                <a:rPr lang="en-US" b="1" dirty="0" smtClean="0"/>
-                <a:t>description</a:t>
-              </a:r>
-              <a:endParaRPr lang="en-US" b="1" dirty="0"/>
             </a:p>
           </p:txBody>
         </p:sp>
@@ -26549,7 +26458,7 @@
             <p:cNvPr id="30" name="Rectangle 47">
               <a:extLst>
                 <a:ext uri="{FF2B5EF4-FFF2-40B4-BE49-F238E27FC236}">
-                  <a16:creationId xmlns="" xmlns:a16="http://schemas.microsoft.com/office/drawing/2014/main" id="{1ACFA447-C354-431D-A66A-98973CA52645}"/>
+                  <a16:creationId xmlns:a16="http://schemas.microsoft.com/office/drawing/2014/main" id="{1ACFA447-C354-431D-A66A-98973CA52645}"/>
                 </a:ext>
               </a:extLst>
             </p:cNvPr>
@@ -26604,7 +26513,7 @@
             <p:cNvPr id="31" name="Rectangle 48">
               <a:extLst>
                 <a:ext uri="{FF2B5EF4-FFF2-40B4-BE49-F238E27FC236}">
-                  <a16:creationId xmlns="" xmlns:a16="http://schemas.microsoft.com/office/drawing/2014/main" id="{57E7E228-3EDA-487F-A681-980E6D67190D}"/>
+                  <a16:creationId xmlns:a16="http://schemas.microsoft.com/office/drawing/2014/main" id="{57E7E228-3EDA-487F-A681-980E6D67190D}"/>
                 </a:ext>
               </a:extLst>
             </p:cNvPr>
@@ -26656,7 +26565,7 @@
             <p:cNvPr id="32" name="Rectangle 49">
               <a:extLst>
                 <a:ext uri="{FF2B5EF4-FFF2-40B4-BE49-F238E27FC236}">
-                  <a16:creationId xmlns="" xmlns:a16="http://schemas.microsoft.com/office/drawing/2014/main" id="{5079BDF3-2D08-44D3-8A75-124B6F857EA9}"/>
+                  <a16:creationId xmlns:a16="http://schemas.microsoft.com/office/drawing/2014/main" id="{5079BDF3-2D08-44D3-8A75-124B6F857EA9}"/>
                 </a:ext>
               </a:extLst>
             </p:cNvPr>
@@ -26711,7 +26620,7 @@
             <p:cNvPr id="33" name="Rectangle 61">
               <a:extLst>
                 <a:ext uri="{FF2B5EF4-FFF2-40B4-BE49-F238E27FC236}">
-                  <a16:creationId xmlns="" xmlns:a16="http://schemas.microsoft.com/office/drawing/2014/main" id="{5D649658-A0EC-4C59-8025-546496445C5B}"/>
+                  <a16:creationId xmlns:a16="http://schemas.microsoft.com/office/drawing/2014/main" id="{5D649658-A0EC-4C59-8025-546496445C5B}"/>
                 </a:ext>
               </a:extLst>
             </p:cNvPr>
@@ -26755,10 +26664,9 @@
             <a:p>
               <a:pPr algn="r"/>
               <a:r>
-                <a:rPr lang="en-US" sz="700" dirty="0" smtClean="0"/>
+                <a:rPr lang="en-US" sz="700" dirty="0"/>
                 <a:t>2</a:t>
               </a:r>
-              <a:endParaRPr lang="en-US" sz="700" dirty="0"/>
             </a:p>
           </p:txBody>
         </p:sp>
@@ -26768,7 +26676,7 @@
           <p:cNvPr id="6" name="Nhóm 5">
             <a:extLst>
               <a:ext uri="{FF2B5EF4-FFF2-40B4-BE49-F238E27FC236}">
-                <a16:creationId xmlns="" xmlns:a16="http://schemas.microsoft.com/office/drawing/2014/main" id="{B8A06B42-43B5-41EB-9C1D-E8D62C6F2786}"/>
+                <a16:creationId xmlns:a16="http://schemas.microsoft.com/office/drawing/2014/main" id="{B8A06B42-43B5-41EB-9C1D-E8D62C6F2786}"/>
               </a:ext>
             </a:extLst>
           </p:cNvPr>
@@ -26788,7 +26696,7 @@
             <p:cNvPr id="13" name="Đồ họa 12" descr="Đầu có bánh răng">
               <a:extLst>
                 <a:ext uri="{FF2B5EF4-FFF2-40B4-BE49-F238E27FC236}">
-                  <a16:creationId xmlns="" xmlns:a16="http://schemas.microsoft.com/office/drawing/2014/main" id="{57F2B989-985B-4C5B-8147-5F111A7FD5BE}"/>
+                  <a16:creationId xmlns:a16="http://schemas.microsoft.com/office/drawing/2014/main" id="{57F2B989-985B-4C5B-8147-5F111A7FD5BE}"/>
                 </a:ext>
               </a:extLst>
             </p:cNvPr>
@@ -26804,7 +26712,7 @@
                   <a14:useLocalDpi xmlns:a14="http://schemas.microsoft.com/office/drawing/2010/main" val="0"/>
                 </a:ext>
                 <a:ext uri="{96DAC541-7B7A-43D3-8B79-37D633B846F1}">
-                  <asvg:svgBlip xmlns="" xmlns:asvg="http://schemas.microsoft.com/office/drawing/2016/SVG/main" r:embed="rId13"/>
+                  <asvg:svgBlip xmlns:asvg="http://schemas.microsoft.com/office/drawing/2016/SVG/main" r:embed="rId13"/>
                 </a:ext>
               </a:extLst>
             </a:blip>
@@ -26827,7 +26735,7 @@
             <p:cNvPr id="20" name="Hình chữ nhật 19">
               <a:extLst>
                 <a:ext uri="{FF2B5EF4-FFF2-40B4-BE49-F238E27FC236}">
-                  <a16:creationId xmlns="" xmlns:a16="http://schemas.microsoft.com/office/drawing/2014/main" id="{12DD35C5-3646-44C2-8F5A-6BBCB4268B40}"/>
+                  <a16:creationId xmlns:a16="http://schemas.microsoft.com/office/drawing/2014/main" id="{12DD35C5-3646-44C2-8F5A-6BBCB4268B40}"/>
                 </a:ext>
               </a:extLst>
             </p:cNvPr>
@@ -26851,13 +26759,8 @@
             <a:p>
               <a:r>
                 <a:rPr lang="en-US" b="1" dirty="0"/>
-                <a:t>Determine strategies for evaluation and </a:t>
+                <a:t>Determine strategies for evaluation and testing</a:t>
               </a:r>
-              <a:r>
-                <a:rPr lang="en-US" b="1" dirty="0" smtClean="0"/>
-                <a:t>testing</a:t>
-              </a:r>
-              <a:endParaRPr lang="en-US" b="1" dirty="0"/>
             </a:p>
           </p:txBody>
         </p:sp>
@@ -26866,7 +26769,7 @@
             <p:cNvPr id="42" name="Rectangle 47">
               <a:extLst>
                 <a:ext uri="{FF2B5EF4-FFF2-40B4-BE49-F238E27FC236}">
-                  <a16:creationId xmlns="" xmlns:a16="http://schemas.microsoft.com/office/drawing/2014/main" id="{B85E8C1A-E141-4C39-975E-3850753D1EFC}"/>
+                  <a16:creationId xmlns:a16="http://schemas.microsoft.com/office/drawing/2014/main" id="{B85E8C1A-E141-4C39-975E-3850753D1EFC}"/>
                 </a:ext>
               </a:extLst>
             </p:cNvPr>
@@ -26921,7 +26824,7 @@
             <p:cNvPr id="43" name="Rectangle 48">
               <a:extLst>
                 <a:ext uri="{FF2B5EF4-FFF2-40B4-BE49-F238E27FC236}">
-                  <a16:creationId xmlns="" xmlns:a16="http://schemas.microsoft.com/office/drawing/2014/main" id="{763EF37D-ACC7-4B79-A875-A6BB514CF96F}"/>
+                  <a16:creationId xmlns:a16="http://schemas.microsoft.com/office/drawing/2014/main" id="{763EF37D-ACC7-4B79-A875-A6BB514CF96F}"/>
                 </a:ext>
               </a:extLst>
             </p:cNvPr>
@@ -26973,7 +26876,7 @@
             <p:cNvPr id="45" name="Rectangle 61">
               <a:extLst>
                 <a:ext uri="{FF2B5EF4-FFF2-40B4-BE49-F238E27FC236}">
-                  <a16:creationId xmlns="" xmlns:a16="http://schemas.microsoft.com/office/drawing/2014/main" id="{50748B3F-62B9-4EF9-9277-9F73F9825141}"/>
+                  <a16:creationId xmlns:a16="http://schemas.microsoft.com/office/drawing/2014/main" id="{50748B3F-62B9-4EF9-9277-9F73F9825141}"/>
                 </a:ext>
               </a:extLst>
             </p:cNvPr>
@@ -27017,10 +26920,9 @@
             <a:p>
               <a:pPr algn="r"/>
               <a:r>
-                <a:rPr lang="en-US" sz="700" dirty="0" smtClean="0"/>
+                <a:rPr lang="en-US" sz="700" dirty="0"/>
                 <a:t>2</a:t>
               </a:r>
-              <a:endParaRPr lang="en-US" sz="700" dirty="0"/>
             </a:p>
           </p:txBody>
         </p:sp>
@@ -27030,7 +26932,7 @@
           <p:cNvPr id="54" name="Đồ họa 53" descr="Huy chương">
             <a:extLst>
               <a:ext uri="{FF2B5EF4-FFF2-40B4-BE49-F238E27FC236}">
-                <a16:creationId xmlns="" xmlns:a16="http://schemas.microsoft.com/office/drawing/2014/main" id="{2A7EA7CD-AE04-4878-81D2-D63A59A8A544}"/>
+                <a16:creationId xmlns:a16="http://schemas.microsoft.com/office/drawing/2014/main" id="{2A7EA7CD-AE04-4878-81D2-D63A59A8A544}"/>
               </a:ext>
             </a:extLst>
           </p:cNvPr>
@@ -27046,7 +26948,7 @@
                 <a14:useLocalDpi xmlns:a14="http://schemas.microsoft.com/office/drawing/2010/main" val="0"/>
               </a:ext>
               <a:ext uri="{96DAC541-7B7A-43D3-8B79-37D633B846F1}">
-                <asvg:svgBlip xmlns="" xmlns:asvg="http://schemas.microsoft.com/office/drawing/2016/SVG/main" r:embed="rId15"/>
+                <asvg:svgBlip xmlns:asvg="http://schemas.microsoft.com/office/drawing/2016/SVG/main" r:embed="rId15"/>
               </a:ext>
             </a:extLst>
           </a:blip>
@@ -27069,7 +26971,7 @@
           <p:cNvPr id="55" name="Hộp Văn bản 54">
             <a:extLst>
               <a:ext uri="{FF2B5EF4-FFF2-40B4-BE49-F238E27FC236}">
-                <a16:creationId xmlns="" xmlns:a16="http://schemas.microsoft.com/office/drawing/2014/main" id="{5F7304E3-1CFE-4910-8F80-43D4F52866E0}"/>
+                <a16:creationId xmlns:a16="http://schemas.microsoft.com/office/drawing/2014/main" id="{5F7304E3-1CFE-4910-8F80-43D4F52866E0}"/>
               </a:ext>
             </a:extLst>
           </p:cNvPr>
@@ -27094,7 +26996,7 @@
           <a:p>
             <a:pPr algn="ctr"/>
             <a:r>
-              <a:rPr lang="en-US" sz="2800" b="1" dirty="0" smtClean="0">
+              <a:rPr lang="en-US" sz="2800" b="1" dirty="0">
                 <a:solidFill>
                   <a:srgbClr val="FF0000"/>
                 </a:solidFill>
@@ -27102,7 +27004,7 @@
               <a:t>1.7</a:t>
             </a:r>
             <a:r>
-              <a:rPr lang="en-US" sz="2800" b="1" dirty="0" smtClean="0">
+              <a:rPr lang="en-US" sz="2800" b="1" dirty="0">
                 <a:solidFill>
                   <a:schemeClr val="tx2"/>
                 </a:solidFill>
@@ -27208,7 +27110,7 @@
           <p:cNvPr id="14" name="Rectangle 65">
             <a:extLst>
               <a:ext uri="{FF2B5EF4-FFF2-40B4-BE49-F238E27FC236}">
-                <a16:creationId xmlns="" xmlns:a16="http://schemas.microsoft.com/office/drawing/2014/main" id="{AA4513F4-801C-4D2A-AB44-CAE5F0B3A8B3}"/>
+                <a16:creationId xmlns:a16="http://schemas.microsoft.com/office/drawing/2014/main" id="{AA4513F4-801C-4D2A-AB44-CAE5F0B3A8B3}"/>
               </a:ext>
             </a:extLst>
           </p:cNvPr>
@@ -27270,7 +27172,7 @@
           <p:cNvPr id="15" name="Rectangle 65">
             <a:extLst>
               <a:ext uri="{FF2B5EF4-FFF2-40B4-BE49-F238E27FC236}">
-                <a16:creationId xmlns="" xmlns:a16="http://schemas.microsoft.com/office/drawing/2014/main" id="{B0A0EC76-636C-42AB-8305-8CC78D5E295D}"/>
+                <a16:creationId xmlns:a16="http://schemas.microsoft.com/office/drawing/2014/main" id="{B0A0EC76-636C-42AB-8305-8CC78D5E295D}"/>
               </a:ext>
             </a:extLst>
           </p:cNvPr>
@@ -27332,7 +27234,7 @@
           <p:cNvPr id="50" name="Nhóm 49">
             <a:extLst>
               <a:ext uri="{FF2B5EF4-FFF2-40B4-BE49-F238E27FC236}">
-                <a16:creationId xmlns="" xmlns:a16="http://schemas.microsoft.com/office/drawing/2014/main" id="{1B0EFE30-AC2D-49F5-AB79-FAF99575C4D9}"/>
+                <a16:creationId xmlns:a16="http://schemas.microsoft.com/office/drawing/2014/main" id="{1B0EFE30-AC2D-49F5-AB79-FAF99575C4D9}"/>
               </a:ext>
             </a:extLst>
           </p:cNvPr>
@@ -27342,9 +27244,9 @@
         <p:grpSpPr>
           <a:xfrm>
             <a:off x="1080000" y="1698123"/>
-            <a:ext cx="4772740" cy="615553"/>
+            <a:ext cx="5894907" cy="861774"/>
             <a:chOff x="1080000" y="1698123"/>
-            <a:chExt cx="4772740" cy="615553"/>
+            <a:chExt cx="5894907" cy="861774"/>
           </a:xfrm>
         </p:grpSpPr>
         <p:sp>
@@ -27352,7 +27254,7 @@
             <p:cNvPr id="4" name="Hình chữ nhật 3">
               <a:extLst>
                 <a:ext uri="{FF2B5EF4-FFF2-40B4-BE49-F238E27FC236}">
-                  <a16:creationId xmlns="" xmlns:a16="http://schemas.microsoft.com/office/drawing/2014/main" id="{580BD9E0-5CE5-415F-9BE2-DDF968E527B5}"/>
+                  <a16:creationId xmlns:a16="http://schemas.microsoft.com/office/drawing/2014/main" id="{580BD9E0-5CE5-415F-9BE2-DDF968E527B5}"/>
                 </a:ext>
               </a:extLst>
             </p:cNvPr>
@@ -27362,7 +27264,7 @@
           <p:spPr>
             <a:xfrm>
               <a:off x="1537200" y="1698123"/>
-              <a:ext cx="4315540" cy="615553"/>
+              <a:ext cx="5437707" cy="861774"/>
             </a:xfrm>
             <a:prstGeom prst="rect">
               <a:avLst/>
@@ -27390,7 +27292,21 @@
               </a:r>
               <a:r>
                 <a:rPr lang="en-US" sz="1600" dirty="0"/>
-                <a:t> synthesis task</a:t>
+                <a:t> synthesis task smoothly without any issue</a:t>
+              </a:r>
+            </a:p>
+            <a:p>
+              <a:r>
+                <a:rPr lang="en-US" sz="1600" dirty="0"/>
+                <a:t>+ </a:t>
+              </a:r>
+              <a:r>
+                <a:rPr lang="en-US" sz="1600" u="sng" dirty="0"/>
+                <a:t>Understand</a:t>
+              </a:r>
+              <a:r>
+                <a:rPr lang="en-US" sz="1600" dirty="0"/>
+                <a:t> synthesis options, constraint and procedure</a:t>
               </a:r>
             </a:p>
           </p:txBody>
@@ -27400,7 +27316,7 @@
             <p:cNvPr id="29" name="Đồ họa 28" descr="Nguyên tử">
               <a:extLst>
                 <a:ext uri="{FF2B5EF4-FFF2-40B4-BE49-F238E27FC236}">
-                  <a16:creationId xmlns="" xmlns:a16="http://schemas.microsoft.com/office/drawing/2014/main" id="{6310B9CD-AABA-4968-A05A-F0955D6BF0B9}"/>
+                  <a16:creationId xmlns:a16="http://schemas.microsoft.com/office/drawing/2014/main" id="{6310B9CD-AABA-4968-A05A-F0955D6BF0B9}"/>
                 </a:ext>
               </a:extLst>
             </p:cNvPr>
@@ -27416,7 +27332,7 @@
                   <a14:useLocalDpi xmlns:a14="http://schemas.microsoft.com/office/drawing/2010/main" val="0"/>
                 </a:ext>
                 <a:ext uri="{96DAC541-7B7A-43D3-8B79-37D633B846F1}">
-                  <asvg:svgBlip xmlns="" xmlns:asvg="http://schemas.microsoft.com/office/drawing/2016/SVG/main" r:embed="rId3"/>
+                  <asvg:svgBlip xmlns:asvg="http://schemas.microsoft.com/office/drawing/2016/SVG/main" r:embed="rId3"/>
                 </a:ext>
               </a:extLst>
             </a:blip>
@@ -27440,7 +27356,7 @@
           <p:cNvPr id="52" name="Nhóm 51">
             <a:extLst>
               <a:ext uri="{FF2B5EF4-FFF2-40B4-BE49-F238E27FC236}">
-                <a16:creationId xmlns="" xmlns:a16="http://schemas.microsoft.com/office/drawing/2014/main" id="{3F652C54-8AC5-45E3-B477-E36FC2444B26}"/>
+                <a16:creationId xmlns:a16="http://schemas.microsoft.com/office/drawing/2014/main" id="{3F652C54-8AC5-45E3-B477-E36FC2444B26}"/>
               </a:ext>
             </a:extLst>
           </p:cNvPr>
@@ -27449,7 +27365,7 @@
         </p:nvGrpSpPr>
         <p:grpSpPr>
           <a:xfrm>
-            <a:off x="1080000" y="2486486"/>
+            <a:off x="1080000" y="2763323"/>
             <a:ext cx="7454628" cy="615553"/>
             <a:chOff x="1080000" y="3540561"/>
             <a:chExt cx="7454628" cy="615553"/>
@@ -27460,7 +27376,7 @@
             <p:cNvPr id="6" name="Hình chữ nhật 5">
               <a:extLst>
                 <a:ext uri="{FF2B5EF4-FFF2-40B4-BE49-F238E27FC236}">
-                  <a16:creationId xmlns="" xmlns:a16="http://schemas.microsoft.com/office/drawing/2014/main" id="{57759738-7D01-4F69-B8D2-A30F5FDA6869}"/>
+                  <a16:creationId xmlns:a16="http://schemas.microsoft.com/office/drawing/2014/main" id="{57759738-7D01-4F69-B8D2-A30F5FDA6869}"/>
                 </a:ext>
               </a:extLst>
             </p:cNvPr>
@@ -27532,7 +27448,7 @@
             <p:cNvPr id="23" name="Đồ họa 22" descr="Kính hiển vi">
               <a:extLst>
                 <a:ext uri="{FF2B5EF4-FFF2-40B4-BE49-F238E27FC236}">
-                  <a16:creationId xmlns="" xmlns:a16="http://schemas.microsoft.com/office/drawing/2014/main" id="{8B188B42-B678-4CAF-8EFF-739E91F1D45A}"/>
+                  <a16:creationId xmlns:a16="http://schemas.microsoft.com/office/drawing/2014/main" id="{8B188B42-B678-4CAF-8EFF-739E91F1D45A}"/>
                 </a:ext>
               </a:extLst>
             </p:cNvPr>
@@ -27548,7 +27464,7 @@
                   <a14:useLocalDpi xmlns:a14="http://schemas.microsoft.com/office/drawing/2010/main" val="0"/>
                 </a:ext>
                 <a:ext uri="{96DAC541-7B7A-43D3-8B79-37D633B846F1}">
-                  <asvg:svgBlip xmlns="" xmlns:asvg="http://schemas.microsoft.com/office/drawing/2016/SVG/main" r:embed="rId5"/>
+                  <asvg:svgBlip xmlns:asvg="http://schemas.microsoft.com/office/drawing/2016/SVG/main" r:embed="rId5"/>
                 </a:ext>
               </a:extLst>
             </a:blip>
@@ -27572,7 +27488,7 @@
           <p:cNvPr id="54" name="Nhóm 53">
             <a:extLst>
               <a:ext uri="{FF2B5EF4-FFF2-40B4-BE49-F238E27FC236}">
-                <a16:creationId xmlns="" xmlns:a16="http://schemas.microsoft.com/office/drawing/2014/main" id="{E40F9E7B-CF15-4C10-B27B-569051C0EA79}"/>
+                <a16:creationId xmlns:a16="http://schemas.microsoft.com/office/drawing/2014/main" id="{E40F9E7B-CF15-4C10-B27B-569051C0EA79}"/>
               </a:ext>
             </a:extLst>
           </p:cNvPr>
@@ -27581,7 +27497,7 @@
         </p:nvGrpSpPr>
         <p:grpSpPr>
           <a:xfrm>
-            <a:off x="1078537" y="3262611"/>
+            <a:off x="1078537" y="3673672"/>
             <a:ext cx="5348283" cy="861774"/>
             <a:chOff x="1080000" y="5382998"/>
             <a:chExt cx="5348283" cy="861774"/>
@@ -27592,7 +27508,7 @@
             <p:cNvPr id="19" name="Hình chữ nhật 18">
               <a:extLst>
                 <a:ext uri="{FF2B5EF4-FFF2-40B4-BE49-F238E27FC236}">
-                  <a16:creationId xmlns="" xmlns:a16="http://schemas.microsoft.com/office/drawing/2014/main" id="{97364090-DE67-4E3B-AAAF-EC55E7401851}"/>
+                  <a16:creationId xmlns:a16="http://schemas.microsoft.com/office/drawing/2014/main" id="{97364090-DE67-4E3B-AAAF-EC55E7401851}"/>
                 </a:ext>
               </a:extLst>
             </p:cNvPr>
@@ -27660,7 +27576,7 @@
               </a:r>
               <a:r>
                 <a:rPr lang="en-US" sz="1600" dirty="0"/>
-                <a:t> timing violation by doing timing ECO</a:t>
+                <a:t> timing violation by doing timing ECO for TPU</a:t>
               </a:r>
             </a:p>
           </p:txBody>
@@ -27670,7 +27586,7 @@
             <p:cNvPr id="25" name="Đồ họa 24" descr="Đồng hồ bấm giờ">
               <a:extLst>
                 <a:ext uri="{FF2B5EF4-FFF2-40B4-BE49-F238E27FC236}">
-                  <a16:creationId xmlns="" xmlns:a16="http://schemas.microsoft.com/office/drawing/2014/main" id="{1201AC68-A082-4EDF-87AB-36FF654D230D}"/>
+                  <a16:creationId xmlns:a16="http://schemas.microsoft.com/office/drawing/2014/main" id="{1201AC68-A082-4EDF-87AB-36FF654D230D}"/>
                 </a:ext>
               </a:extLst>
             </p:cNvPr>
@@ -27686,7 +27602,7 @@
                   <a14:useLocalDpi xmlns:a14="http://schemas.microsoft.com/office/drawing/2010/main" val="0"/>
                 </a:ext>
                 <a:ext uri="{96DAC541-7B7A-43D3-8B79-37D633B846F1}">
-                  <asvg:svgBlip xmlns="" xmlns:asvg="http://schemas.microsoft.com/office/drawing/2016/SVG/main" r:embed="rId7"/>
+                  <asvg:svgBlip xmlns:asvg="http://schemas.microsoft.com/office/drawing/2016/SVG/main" r:embed="rId7"/>
                 </a:ext>
               </a:extLst>
             </a:blip>
@@ -27710,7 +27626,7 @@
           <p:cNvPr id="21" name="Rectangle 65">
             <a:extLst>
               <a:ext uri="{FF2B5EF4-FFF2-40B4-BE49-F238E27FC236}">
-                <a16:creationId xmlns="" xmlns:a16="http://schemas.microsoft.com/office/drawing/2014/main" id="{A9AE1EDD-48A4-499C-A369-A75335B39A84}"/>
+                <a16:creationId xmlns:a16="http://schemas.microsoft.com/office/drawing/2014/main" id="{A9AE1EDD-48A4-499C-A369-A75335B39A84}"/>
               </a:ext>
             </a:extLst>
           </p:cNvPr>
@@ -27772,7 +27688,7 @@
           <p:cNvPr id="22" name="Rectangle 65">
             <a:extLst>
               <a:ext uri="{FF2B5EF4-FFF2-40B4-BE49-F238E27FC236}">
-                <a16:creationId xmlns="" xmlns:a16="http://schemas.microsoft.com/office/drawing/2014/main" id="{79E94AD6-9C9B-4796-B08D-B0B6350BF9AC}"/>
+                <a16:creationId xmlns:a16="http://schemas.microsoft.com/office/drawing/2014/main" id="{79E94AD6-9C9B-4796-B08D-B0B6350BF9AC}"/>
               </a:ext>
             </a:extLst>
           </p:cNvPr>
@@ -27834,7 +27750,7 @@
           <p:cNvPr id="24" name="Rectangle 65">
             <a:extLst>
               <a:ext uri="{FF2B5EF4-FFF2-40B4-BE49-F238E27FC236}">
-                <a16:creationId xmlns="" xmlns:a16="http://schemas.microsoft.com/office/drawing/2014/main" id="{578D65D3-7A51-4A06-8650-CF63AD764385}"/>
+                <a16:creationId xmlns:a16="http://schemas.microsoft.com/office/drawing/2014/main" id="{578D65D3-7A51-4A06-8650-CF63AD764385}"/>
               </a:ext>
             </a:extLst>
           </p:cNvPr>
@@ -27896,7 +27812,7 @@
           <p:cNvPr id="26" name="Rectangle 65">
             <a:extLst>
               <a:ext uri="{FF2B5EF4-FFF2-40B4-BE49-F238E27FC236}">
-                <a16:creationId xmlns="" xmlns:a16="http://schemas.microsoft.com/office/drawing/2014/main" id="{E9F7974B-98D0-4ADB-B725-94C69AF02DE3}"/>
+                <a16:creationId xmlns:a16="http://schemas.microsoft.com/office/drawing/2014/main" id="{E9F7974B-98D0-4ADB-B725-94C69AF02DE3}"/>
               </a:ext>
             </a:extLst>
           </p:cNvPr>
@@ -27958,7 +27874,7 @@
           <p:cNvPr id="27" name="Rectangle 65">
             <a:extLst>
               <a:ext uri="{FF2B5EF4-FFF2-40B4-BE49-F238E27FC236}">
-                <a16:creationId xmlns="" xmlns:a16="http://schemas.microsoft.com/office/drawing/2014/main" id="{30BEE94B-075D-4BC6-8264-9EF0DF623839}"/>
+                <a16:creationId xmlns:a16="http://schemas.microsoft.com/office/drawing/2014/main" id="{30BEE94B-075D-4BC6-8264-9EF0DF623839}"/>
               </a:ext>
             </a:extLst>
           </p:cNvPr>
@@ -28106,7 +28022,7 @@
           <p:cNvPr id="4" name="Hình chữ nhật 3">
             <a:extLst>
               <a:ext uri="{FF2B5EF4-FFF2-40B4-BE49-F238E27FC236}">
-                <a16:creationId xmlns="" xmlns:a16="http://schemas.microsoft.com/office/drawing/2014/main" id="{580BD9E0-5CE5-415F-9BE2-DDF968E527B5}"/>
+                <a16:creationId xmlns:a16="http://schemas.microsoft.com/office/drawing/2014/main" id="{580BD9E0-5CE5-415F-9BE2-DDF968E527B5}"/>
               </a:ext>
             </a:extLst>
           </p:cNvPr>
@@ -28116,7 +28032,7 @@
         <p:spPr>
           <a:xfrm>
             <a:off x="1537200" y="1698123"/>
-            <a:ext cx="4442242" cy="369332"/>
+            <a:ext cx="4237057" cy="369332"/>
           </a:xfrm>
           <a:prstGeom prst="rect">
             <a:avLst/>
@@ -28130,13 +28046,8 @@
           <a:p>
             <a:r>
               <a:rPr lang="en-US" b="1" dirty="0"/>
-              <a:t>Synthesis and do formal </a:t>
-            </a:r>
-            <a:r>
-              <a:rPr lang="en-US" b="1" dirty="0" smtClean="0"/>
-              <a:t>verification(3)</a:t>
-            </a:r>
-            <a:endParaRPr lang="en-US" b="1" dirty="0"/>
+              <a:t>Synthesis and do formal verification</a:t>
+            </a:r>
           </a:p>
         </p:txBody>
       </p:sp>
@@ -28145,7 +28056,7 @@
           <p:cNvPr id="29" name="Đồ họa 28" descr="Nguyên tử">
             <a:extLst>
               <a:ext uri="{FF2B5EF4-FFF2-40B4-BE49-F238E27FC236}">
-                <a16:creationId xmlns="" xmlns:a16="http://schemas.microsoft.com/office/drawing/2014/main" id="{6310B9CD-AABA-4968-A05A-F0955D6BF0B9}"/>
+                <a16:creationId xmlns:a16="http://schemas.microsoft.com/office/drawing/2014/main" id="{6310B9CD-AABA-4968-A05A-F0955D6BF0B9}"/>
               </a:ext>
             </a:extLst>
           </p:cNvPr>
@@ -28161,7 +28072,7 @@
                 <a14:useLocalDpi xmlns:a14="http://schemas.microsoft.com/office/drawing/2010/main" val="0"/>
               </a:ext>
               <a:ext uri="{96DAC541-7B7A-43D3-8B79-37D633B846F1}">
-                <asvg:svgBlip xmlns="" xmlns:asvg="http://schemas.microsoft.com/office/drawing/2016/SVG/main" r:embed="rId3"/>
+                <asvg:svgBlip xmlns:asvg="http://schemas.microsoft.com/office/drawing/2016/SVG/main" r:embed="rId3"/>
               </a:ext>
             </a:extLst>
           </a:blip>
@@ -28184,7 +28095,7 @@
           <p:cNvPr id="30" name="Rectangle 47">
             <a:extLst>
               <a:ext uri="{FF2B5EF4-FFF2-40B4-BE49-F238E27FC236}">
-                <a16:creationId xmlns="" xmlns:a16="http://schemas.microsoft.com/office/drawing/2014/main" id="{69BA1A2C-DF2C-4345-BA96-D0C78BC382D6}"/>
+                <a16:creationId xmlns:a16="http://schemas.microsoft.com/office/drawing/2014/main" id="{69BA1A2C-DF2C-4345-BA96-D0C78BC382D6}"/>
               </a:ext>
             </a:extLst>
           </p:cNvPr>
@@ -28239,7 +28150,7 @@
           <p:cNvPr id="31" name="Rectangle 48">
             <a:extLst>
               <a:ext uri="{FF2B5EF4-FFF2-40B4-BE49-F238E27FC236}">
-                <a16:creationId xmlns="" xmlns:a16="http://schemas.microsoft.com/office/drawing/2014/main" id="{C57CCD74-FB83-4332-9BB0-778D0D186CBD}"/>
+                <a16:creationId xmlns:a16="http://schemas.microsoft.com/office/drawing/2014/main" id="{C57CCD74-FB83-4332-9BB0-778D0D186CBD}"/>
               </a:ext>
             </a:extLst>
           </p:cNvPr>
@@ -28291,7 +28202,7 @@
           <p:cNvPr id="32" name="Rectangle 49">
             <a:extLst>
               <a:ext uri="{FF2B5EF4-FFF2-40B4-BE49-F238E27FC236}">
-                <a16:creationId xmlns="" xmlns:a16="http://schemas.microsoft.com/office/drawing/2014/main" id="{F575F433-2A64-43FC-8409-1CEE1CEE0E4A}"/>
+                <a16:creationId xmlns:a16="http://schemas.microsoft.com/office/drawing/2014/main" id="{F575F433-2A64-43FC-8409-1CEE1CEE0E4A}"/>
               </a:ext>
             </a:extLst>
           </p:cNvPr>
@@ -28346,7 +28257,7 @@
           <p:cNvPr id="33" name="Rectangle 61">
             <a:extLst>
               <a:ext uri="{FF2B5EF4-FFF2-40B4-BE49-F238E27FC236}">
-                <a16:creationId xmlns="" xmlns:a16="http://schemas.microsoft.com/office/drawing/2014/main" id="{238710A1-86CF-456E-AF00-ACD3E352C17F}"/>
+                <a16:creationId xmlns:a16="http://schemas.microsoft.com/office/drawing/2014/main" id="{238710A1-86CF-456E-AF00-ACD3E352C17F}"/>
               </a:ext>
             </a:extLst>
           </p:cNvPr>
@@ -28398,7 +28309,7 @@
           <p:cNvPr id="51" name="Nhóm 50">
             <a:extLst>
               <a:ext uri="{FF2B5EF4-FFF2-40B4-BE49-F238E27FC236}">
-                <a16:creationId xmlns="" xmlns:a16="http://schemas.microsoft.com/office/drawing/2014/main" id="{2923B97B-E995-436B-AA18-5AADAAF4B210}"/>
+                <a16:creationId xmlns:a16="http://schemas.microsoft.com/office/drawing/2014/main" id="{2923B97B-E995-436B-AA18-5AADAAF4B210}"/>
               </a:ext>
             </a:extLst>
           </p:cNvPr>
@@ -28418,7 +28329,7 @@
             <p:cNvPr id="5" name="Hình chữ nhật 4">
               <a:extLst>
                 <a:ext uri="{FF2B5EF4-FFF2-40B4-BE49-F238E27FC236}">
-                  <a16:creationId xmlns="" xmlns:a16="http://schemas.microsoft.com/office/drawing/2014/main" id="{1F4D487E-0314-47C8-951E-C3F6A782C77C}"/>
+                  <a16:creationId xmlns:a16="http://schemas.microsoft.com/office/drawing/2014/main" id="{1F4D487E-0314-47C8-951E-C3F6A782C77C}"/>
                 </a:ext>
               </a:extLst>
             </p:cNvPr>
@@ -28452,7 +28363,7 @@
             <p:cNvPr id="21" name="Đồ họa 20" descr="Đầu có bánh răng">
               <a:extLst>
                 <a:ext uri="{FF2B5EF4-FFF2-40B4-BE49-F238E27FC236}">
-                  <a16:creationId xmlns="" xmlns:a16="http://schemas.microsoft.com/office/drawing/2014/main" id="{D751909A-D5E2-4D40-B40B-21B88D4A077F}"/>
+                  <a16:creationId xmlns:a16="http://schemas.microsoft.com/office/drawing/2014/main" id="{D751909A-D5E2-4D40-B40B-21B88D4A077F}"/>
                 </a:ext>
               </a:extLst>
             </p:cNvPr>
@@ -28468,7 +28379,7 @@
                   <a14:useLocalDpi xmlns:a14="http://schemas.microsoft.com/office/drawing/2010/main" val="0"/>
                 </a:ext>
                 <a:ext uri="{96DAC541-7B7A-43D3-8B79-37D633B846F1}">
-                  <asvg:svgBlip xmlns="" xmlns:asvg="http://schemas.microsoft.com/office/drawing/2016/SVG/main" r:embed="rId5"/>
+                  <asvg:svgBlip xmlns:asvg="http://schemas.microsoft.com/office/drawing/2016/SVG/main" r:embed="rId5"/>
                 </a:ext>
               </a:extLst>
             </a:blip>
@@ -28491,7 +28402,7 @@
             <p:cNvPr id="34" name="Rectangle 47">
               <a:extLst>
                 <a:ext uri="{FF2B5EF4-FFF2-40B4-BE49-F238E27FC236}">
-                  <a16:creationId xmlns="" xmlns:a16="http://schemas.microsoft.com/office/drawing/2014/main" id="{2FC8FA4B-D933-4403-B85E-CB1659D1E95E}"/>
+                  <a16:creationId xmlns:a16="http://schemas.microsoft.com/office/drawing/2014/main" id="{2FC8FA4B-D933-4403-B85E-CB1659D1E95E}"/>
                 </a:ext>
               </a:extLst>
             </p:cNvPr>
@@ -28546,7 +28457,7 @@
             <p:cNvPr id="35" name="Rectangle 48">
               <a:extLst>
                 <a:ext uri="{FF2B5EF4-FFF2-40B4-BE49-F238E27FC236}">
-                  <a16:creationId xmlns="" xmlns:a16="http://schemas.microsoft.com/office/drawing/2014/main" id="{A84DC45F-C553-4129-8D30-B2E48F7FF3D1}"/>
+                  <a16:creationId xmlns:a16="http://schemas.microsoft.com/office/drawing/2014/main" id="{A84DC45F-C553-4129-8D30-B2E48F7FF3D1}"/>
                 </a:ext>
               </a:extLst>
             </p:cNvPr>
@@ -28602,7 +28513,7 @@
           <p:cNvPr id="52" name="Nhóm 51">
             <a:extLst>
               <a:ext uri="{FF2B5EF4-FFF2-40B4-BE49-F238E27FC236}">
-                <a16:creationId xmlns="" xmlns:a16="http://schemas.microsoft.com/office/drawing/2014/main" id="{3F652C54-8AC5-45E3-B477-E36FC2444B26}"/>
+                <a16:creationId xmlns:a16="http://schemas.microsoft.com/office/drawing/2014/main" id="{3F652C54-8AC5-45E3-B477-E36FC2444B26}"/>
               </a:ext>
             </a:extLst>
           </p:cNvPr>
@@ -28622,7 +28533,7 @@
             <p:cNvPr id="6" name="Hình chữ nhật 5">
               <a:extLst>
                 <a:ext uri="{FF2B5EF4-FFF2-40B4-BE49-F238E27FC236}">
-                  <a16:creationId xmlns="" xmlns:a16="http://schemas.microsoft.com/office/drawing/2014/main" id="{57759738-7D01-4F69-B8D2-A30F5FDA6869}"/>
+                  <a16:creationId xmlns:a16="http://schemas.microsoft.com/office/drawing/2014/main" id="{57759738-7D01-4F69-B8D2-A30F5FDA6869}"/>
                 </a:ext>
               </a:extLst>
             </p:cNvPr>
@@ -28672,7 +28583,7 @@
             <p:cNvPr id="23" name="Đồ họa 22" descr="Kính hiển vi">
               <a:extLst>
                 <a:ext uri="{FF2B5EF4-FFF2-40B4-BE49-F238E27FC236}">
-                  <a16:creationId xmlns="" xmlns:a16="http://schemas.microsoft.com/office/drawing/2014/main" id="{8B188B42-B678-4CAF-8EFF-739E91F1D45A}"/>
+                  <a16:creationId xmlns:a16="http://schemas.microsoft.com/office/drawing/2014/main" id="{8B188B42-B678-4CAF-8EFF-739E91F1D45A}"/>
                 </a:ext>
               </a:extLst>
             </p:cNvPr>
@@ -28688,7 +28599,7 @@
                   <a14:useLocalDpi xmlns:a14="http://schemas.microsoft.com/office/drawing/2010/main" val="0"/>
                 </a:ext>
                 <a:ext uri="{96DAC541-7B7A-43D3-8B79-37D633B846F1}">
-                  <asvg:svgBlip xmlns="" xmlns:asvg="http://schemas.microsoft.com/office/drawing/2016/SVG/main" r:embed="rId7"/>
+                  <asvg:svgBlip xmlns:asvg="http://schemas.microsoft.com/office/drawing/2016/SVG/main" r:embed="rId7"/>
                 </a:ext>
               </a:extLst>
             </a:blip>
@@ -28711,7 +28622,7 @@
             <p:cNvPr id="38" name="Rectangle 47">
               <a:extLst>
                 <a:ext uri="{FF2B5EF4-FFF2-40B4-BE49-F238E27FC236}">
-                  <a16:creationId xmlns="" xmlns:a16="http://schemas.microsoft.com/office/drawing/2014/main" id="{A69C4A59-9DBF-4B9A-AD30-674DB14877C9}"/>
+                  <a16:creationId xmlns:a16="http://schemas.microsoft.com/office/drawing/2014/main" id="{A69C4A59-9DBF-4B9A-AD30-674DB14877C9}"/>
                 </a:ext>
               </a:extLst>
             </p:cNvPr>
@@ -28766,7 +28677,7 @@
             <p:cNvPr id="39" name="Rectangle 48">
               <a:extLst>
                 <a:ext uri="{FF2B5EF4-FFF2-40B4-BE49-F238E27FC236}">
-                  <a16:creationId xmlns="" xmlns:a16="http://schemas.microsoft.com/office/drawing/2014/main" id="{DE60A8CA-3C69-4094-9A3B-78685E6A721B}"/>
+                  <a16:creationId xmlns:a16="http://schemas.microsoft.com/office/drawing/2014/main" id="{DE60A8CA-3C69-4094-9A3B-78685E6A721B}"/>
                 </a:ext>
               </a:extLst>
             </p:cNvPr>
@@ -28818,7 +28729,7 @@
             <p:cNvPr id="40" name="Rectangle 49">
               <a:extLst>
                 <a:ext uri="{FF2B5EF4-FFF2-40B4-BE49-F238E27FC236}">
-                  <a16:creationId xmlns="" xmlns:a16="http://schemas.microsoft.com/office/drawing/2014/main" id="{2FA48EF8-0028-45F6-A926-BB7B8F6DE9E8}"/>
+                  <a16:creationId xmlns:a16="http://schemas.microsoft.com/office/drawing/2014/main" id="{2FA48EF8-0028-45F6-A926-BB7B8F6DE9E8}"/>
                 </a:ext>
               </a:extLst>
             </p:cNvPr>
@@ -28873,7 +28784,7 @@
             <p:cNvPr id="41" name="Rectangle 61">
               <a:extLst>
                 <a:ext uri="{FF2B5EF4-FFF2-40B4-BE49-F238E27FC236}">
-                  <a16:creationId xmlns="" xmlns:a16="http://schemas.microsoft.com/office/drawing/2014/main" id="{ADE15F59-FD03-4E70-BE9B-AF52F9C3EFA7}"/>
+                  <a16:creationId xmlns:a16="http://schemas.microsoft.com/office/drawing/2014/main" id="{ADE15F59-FD03-4E70-BE9B-AF52F9C3EFA7}"/>
                 </a:ext>
               </a:extLst>
             </p:cNvPr>
@@ -28929,7 +28840,7 @@
           <p:cNvPr id="53" name="Nhóm 52">
             <a:extLst>
               <a:ext uri="{FF2B5EF4-FFF2-40B4-BE49-F238E27FC236}">
-                <a16:creationId xmlns="" xmlns:a16="http://schemas.microsoft.com/office/drawing/2014/main" id="{848B22C0-4F57-4F9A-82D1-CC0040D325B5}"/>
+                <a16:creationId xmlns:a16="http://schemas.microsoft.com/office/drawing/2014/main" id="{848B22C0-4F57-4F9A-82D1-CC0040D325B5}"/>
               </a:ext>
             </a:extLst>
           </p:cNvPr>
@@ -28949,7 +28860,7 @@
             <p:cNvPr id="18" name="Hình chữ nhật 17">
               <a:extLst>
                 <a:ext uri="{FF2B5EF4-FFF2-40B4-BE49-F238E27FC236}">
-                  <a16:creationId xmlns="" xmlns:a16="http://schemas.microsoft.com/office/drawing/2014/main" id="{BE8D4154-1C0F-4747-9893-070764159330}"/>
+                  <a16:creationId xmlns:a16="http://schemas.microsoft.com/office/drawing/2014/main" id="{BE8D4154-1C0F-4747-9893-070764159330}"/>
                 </a:ext>
               </a:extLst>
             </p:cNvPr>
@@ -28959,7 +28870,7 @@
           <p:spPr>
             <a:xfrm>
               <a:off x="1537200" y="4461780"/>
-              <a:ext cx="2723823" cy="369332"/>
+              <a:ext cx="2518638" cy="369332"/>
             </a:xfrm>
             <a:prstGeom prst="rect">
               <a:avLst/>
@@ -28973,13 +28884,8 @@
             <a:p>
               <a:r>
                 <a:rPr lang="en-US" b="1" dirty="0"/>
-                <a:t>Analyze and do </a:t>
+                <a:t>Analyze and do ECO</a:t>
               </a:r>
-              <a:r>
-                <a:rPr lang="en-US" b="1" dirty="0" smtClean="0"/>
-                <a:t>ECO(1)</a:t>
-              </a:r>
-              <a:endParaRPr lang="en-US" b="1" dirty="0"/>
             </a:p>
           </p:txBody>
         </p:sp>
@@ -28988,7 +28894,7 @@
             <p:cNvPr id="27" name="Đồ họa 26" descr="Sách giải trí">
               <a:extLst>
                 <a:ext uri="{FF2B5EF4-FFF2-40B4-BE49-F238E27FC236}">
-                  <a16:creationId xmlns="" xmlns:a16="http://schemas.microsoft.com/office/drawing/2014/main" id="{5DEE01D2-E3A2-45A6-B4C3-0EFEF852F09A}"/>
+                  <a16:creationId xmlns:a16="http://schemas.microsoft.com/office/drawing/2014/main" id="{5DEE01D2-E3A2-45A6-B4C3-0EFEF852F09A}"/>
                 </a:ext>
               </a:extLst>
             </p:cNvPr>
@@ -29004,7 +28910,7 @@
                   <a14:useLocalDpi xmlns:a14="http://schemas.microsoft.com/office/drawing/2010/main" val="0"/>
                 </a:ext>
                 <a:ext uri="{96DAC541-7B7A-43D3-8B79-37D633B846F1}">
-                  <asvg:svgBlip xmlns="" xmlns:asvg="http://schemas.microsoft.com/office/drawing/2016/SVG/main" r:embed="rId9"/>
+                  <asvg:svgBlip xmlns:asvg="http://schemas.microsoft.com/office/drawing/2016/SVG/main" r:embed="rId9"/>
                 </a:ext>
               </a:extLst>
             </a:blip>
@@ -29027,7 +28933,7 @@
             <p:cNvPr id="42" name="Rectangle 47">
               <a:extLst>
                 <a:ext uri="{FF2B5EF4-FFF2-40B4-BE49-F238E27FC236}">
-                  <a16:creationId xmlns="" xmlns:a16="http://schemas.microsoft.com/office/drawing/2014/main" id="{0B6271FD-AE5B-4856-9845-2251AD66D77E}"/>
+                  <a16:creationId xmlns:a16="http://schemas.microsoft.com/office/drawing/2014/main" id="{0B6271FD-AE5B-4856-9845-2251AD66D77E}"/>
                 </a:ext>
               </a:extLst>
             </p:cNvPr>
@@ -29082,7 +28988,7 @@
             <p:cNvPr id="43" name="Rectangle 48">
               <a:extLst>
                 <a:ext uri="{FF2B5EF4-FFF2-40B4-BE49-F238E27FC236}">
-                  <a16:creationId xmlns="" xmlns:a16="http://schemas.microsoft.com/office/drawing/2014/main" id="{657B739E-6B60-4F7A-A763-FCBAE123C3AF}"/>
+                  <a16:creationId xmlns:a16="http://schemas.microsoft.com/office/drawing/2014/main" id="{657B739E-6B60-4F7A-A763-FCBAE123C3AF}"/>
                 </a:ext>
               </a:extLst>
             </p:cNvPr>
@@ -29134,7 +29040,7 @@
             <p:cNvPr id="44" name="Rectangle 49">
               <a:extLst>
                 <a:ext uri="{FF2B5EF4-FFF2-40B4-BE49-F238E27FC236}">
-                  <a16:creationId xmlns="" xmlns:a16="http://schemas.microsoft.com/office/drawing/2014/main" id="{06E53E6A-4138-440D-A8C2-F20CFCAB0DA5}"/>
+                  <a16:creationId xmlns:a16="http://schemas.microsoft.com/office/drawing/2014/main" id="{06E53E6A-4138-440D-A8C2-F20CFCAB0DA5}"/>
                 </a:ext>
               </a:extLst>
             </p:cNvPr>
@@ -29184,68 +29090,13 @@
             </a:p>
           </p:txBody>
         </p:sp>
-        <p:sp>
-          <p:nvSpPr>
-            <p:cNvPr id="45" name="Rectangle 61">
-              <a:extLst>
-                <a:ext uri="{FF2B5EF4-FFF2-40B4-BE49-F238E27FC236}">
-                  <a16:creationId xmlns="" xmlns:a16="http://schemas.microsoft.com/office/drawing/2014/main" id="{507C6DEA-48AA-415F-A2A5-374767E05937}"/>
-                </a:ext>
-              </a:extLst>
-            </p:cNvPr>
-            <p:cNvSpPr/>
-            <p:nvPr/>
-          </p:nvSpPr>
-          <p:spPr>
-            <a:xfrm>
-              <a:off x="4292382" y="5030186"/>
-              <a:ext cx="1371600" cy="91440"/>
-            </a:xfrm>
-            <a:prstGeom prst="rect">
-              <a:avLst/>
-            </a:prstGeom>
-            <a:solidFill>
-              <a:srgbClr val="FF0000"/>
-            </a:solidFill>
-            <a:ln>
-              <a:noFill/>
-            </a:ln>
-          </p:spPr>
-          <p:style>
-            <a:lnRef idx="2">
-              <a:schemeClr val="accent1">
-                <a:shade val="50000"/>
-              </a:schemeClr>
-            </a:lnRef>
-            <a:fillRef idx="1">
-              <a:schemeClr val="accent1"/>
-            </a:fillRef>
-            <a:effectRef idx="0">
-              <a:schemeClr val="accent1"/>
-            </a:effectRef>
-            <a:fontRef idx="minor">
-              <a:schemeClr val="lt1"/>
-            </a:fontRef>
-          </p:style>
-          <p:txBody>
-            <a:bodyPr rtlCol="0" anchor="ctr"/>
-            <a:lstStyle/>
-            <a:p>
-              <a:pPr algn="r"/>
-              <a:r>
-                <a:rPr lang="en-US" sz="700" dirty="0"/>
-                <a:t>1.5</a:t>
-              </a:r>
-            </a:p>
-          </p:txBody>
-        </p:sp>
       </p:grpSp>
       <p:grpSp>
         <p:nvGrpSpPr>
           <p:cNvPr id="54" name="Nhóm 53">
             <a:extLst>
               <a:ext uri="{FF2B5EF4-FFF2-40B4-BE49-F238E27FC236}">
-                <a16:creationId xmlns="" xmlns:a16="http://schemas.microsoft.com/office/drawing/2014/main" id="{E40F9E7B-CF15-4C10-B27B-569051C0EA79}"/>
+                <a16:creationId xmlns:a16="http://schemas.microsoft.com/office/drawing/2014/main" id="{E40F9E7B-CF15-4C10-B27B-569051C0EA79}"/>
               </a:ext>
             </a:extLst>
           </p:cNvPr>
@@ -29265,7 +29116,7 @@
             <p:cNvPr id="19" name="Hình chữ nhật 18">
               <a:extLst>
                 <a:ext uri="{FF2B5EF4-FFF2-40B4-BE49-F238E27FC236}">
-                  <a16:creationId xmlns="" xmlns:a16="http://schemas.microsoft.com/office/drawing/2014/main" id="{97364090-DE67-4E3B-AAAF-EC55E7401851}"/>
+                  <a16:creationId xmlns:a16="http://schemas.microsoft.com/office/drawing/2014/main" id="{97364090-DE67-4E3B-AAAF-EC55E7401851}"/>
                 </a:ext>
               </a:extLst>
             </p:cNvPr>
@@ -29299,7 +29150,7 @@
             <p:cNvPr id="25" name="Đồ họa 24" descr="Đồng hồ bấm giờ">
               <a:extLst>
                 <a:ext uri="{FF2B5EF4-FFF2-40B4-BE49-F238E27FC236}">
-                  <a16:creationId xmlns="" xmlns:a16="http://schemas.microsoft.com/office/drawing/2014/main" id="{1201AC68-A082-4EDF-87AB-36FF654D230D}"/>
+                  <a16:creationId xmlns:a16="http://schemas.microsoft.com/office/drawing/2014/main" id="{1201AC68-A082-4EDF-87AB-36FF654D230D}"/>
                 </a:ext>
               </a:extLst>
             </p:cNvPr>
@@ -29315,7 +29166,7 @@
                   <a14:useLocalDpi xmlns:a14="http://schemas.microsoft.com/office/drawing/2010/main" val="0"/>
                 </a:ext>
                 <a:ext uri="{96DAC541-7B7A-43D3-8B79-37D633B846F1}">
-                  <asvg:svgBlip xmlns="" xmlns:asvg="http://schemas.microsoft.com/office/drawing/2016/SVG/main" r:embed="rId11"/>
+                  <asvg:svgBlip xmlns:asvg="http://schemas.microsoft.com/office/drawing/2016/SVG/main" r:embed="rId11"/>
                 </a:ext>
               </a:extLst>
             </a:blip>
@@ -29338,7 +29189,7 @@
             <p:cNvPr id="46" name="Rectangle 47">
               <a:extLst>
                 <a:ext uri="{FF2B5EF4-FFF2-40B4-BE49-F238E27FC236}">
-                  <a16:creationId xmlns="" xmlns:a16="http://schemas.microsoft.com/office/drawing/2014/main" id="{4F26E2CC-842D-4662-893F-B59910A03D9A}"/>
+                  <a16:creationId xmlns:a16="http://schemas.microsoft.com/office/drawing/2014/main" id="{4F26E2CC-842D-4662-893F-B59910A03D9A}"/>
                 </a:ext>
               </a:extLst>
             </p:cNvPr>
@@ -29393,7 +29244,7 @@
             <p:cNvPr id="47" name="Rectangle 48">
               <a:extLst>
                 <a:ext uri="{FF2B5EF4-FFF2-40B4-BE49-F238E27FC236}">
-                  <a16:creationId xmlns="" xmlns:a16="http://schemas.microsoft.com/office/drawing/2014/main" id="{27BF60EC-3C8C-4B85-BD62-397329966B78}"/>
+                  <a16:creationId xmlns:a16="http://schemas.microsoft.com/office/drawing/2014/main" id="{27BF60EC-3C8C-4B85-BD62-397329966B78}"/>
                 </a:ext>
               </a:extLst>
             </p:cNvPr>
@@ -29445,7 +29296,7 @@
             <p:cNvPr id="48" name="Rectangle 49">
               <a:extLst>
                 <a:ext uri="{FF2B5EF4-FFF2-40B4-BE49-F238E27FC236}">
-                  <a16:creationId xmlns="" xmlns:a16="http://schemas.microsoft.com/office/drawing/2014/main" id="{02C4C8CC-EE9D-45E7-A4AF-4304A528E692}"/>
+                  <a16:creationId xmlns:a16="http://schemas.microsoft.com/office/drawing/2014/main" id="{02C4C8CC-EE9D-45E7-A4AF-4304A528E692}"/>
                 </a:ext>
               </a:extLst>
             </p:cNvPr>
@@ -29500,7 +29351,7 @@
             <p:cNvPr id="49" name="Rectangle 61">
               <a:extLst>
                 <a:ext uri="{FF2B5EF4-FFF2-40B4-BE49-F238E27FC236}">
-                  <a16:creationId xmlns="" xmlns:a16="http://schemas.microsoft.com/office/drawing/2014/main" id="{3291EB03-4322-4F37-BB17-2CF57C1BDB0C}"/>
+                  <a16:creationId xmlns:a16="http://schemas.microsoft.com/office/drawing/2014/main" id="{3291EB03-4322-4F37-BB17-2CF57C1BDB0C}"/>
                 </a:ext>
               </a:extLst>
             </p:cNvPr>
@@ -29556,7 +29407,7 @@
           <p:cNvPr id="59" name="Đồ họa 58" descr="Huy chương">
             <a:extLst>
               <a:ext uri="{FF2B5EF4-FFF2-40B4-BE49-F238E27FC236}">
-                <a16:creationId xmlns="" xmlns:a16="http://schemas.microsoft.com/office/drawing/2014/main" id="{0AC97CAB-2513-4956-AF57-454130754E5D}"/>
+                <a16:creationId xmlns:a16="http://schemas.microsoft.com/office/drawing/2014/main" id="{0AC97CAB-2513-4956-AF57-454130754E5D}"/>
               </a:ext>
             </a:extLst>
           </p:cNvPr>
@@ -29572,7 +29423,7 @@
                 <a14:useLocalDpi xmlns:a14="http://schemas.microsoft.com/office/drawing/2010/main" val="0"/>
               </a:ext>
               <a:ext uri="{96DAC541-7B7A-43D3-8B79-37D633B846F1}">
-                <asvg:svgBlip xmlns="" xmlns:asvg="http://schemas.microsoft.com/office/drawing/2016/SVG/main" r:embed="rId13"/>
+                <asvg:svgBlip xmlns:asvg="http://schemas.microsoft.com/office/drawing/2016/SVG/main" r:embed="rId13"/>
               </a:ext>
             </a:extLst>
           </a:blip>
@@ -29595,7 +29446,7 @@
           <p:cNvPr id="60" name="Hộp Văn bản 59">
             <a:extLst>
               <a:ext uri="{FF2B5EF4-FFF2-40B4-BE49-F238E27FC236}">
-                <a16:creationId xmlns="" xmlns:a16="http://schemas.microsoft.com/office/drawing/2014/main" id="{AB61F6C4-0D8C-445A-ABC7-A6F301DB5689}"/>
+                <a16:creationId xmlns:a16="http://schemas.microsoft.com/office/drawing/2014/main" id="{AB61F6C4-0D8C-445A-ABC7-A6F301DB5689}"/>
               </a:ext>
             </a:extLst>
           </p:cNvPr>
@@ -29648,7 +29499,7 @@
           <p:cNvPr id="61" name="Rectangle 61">
             <a:extLst>
               <a:ext uri="{FF2B5EF4-FFF2-40B4-BE49-F238E27FC236}">
-                <a16:creationId xmlns="" xmlns:a16="http://schemas.microsoft.com/office/drawing/2014/main" id="{D3F9E258-8CFF-40E2-BF57-1ACB69FD21CA}"/>
+                <a16:creationId xmlns:a16="http://schemas.microsoft.com/office/drawing/2014/main" id="{D3F9E258-8CFF-40E2-BF57-1ACB69FD21CA}"/>
               </a:ext>
             </a:extLst>
           </p:cNvPr>
@@ -29658,7 +29509,7 @@
         <p:spPr>
           <a:xfrm>
             <a:off x="7055953" y="2258052"/>
-            <a:ext cx="1371600" cy="91440"/>
+            <a:ext cx="2743200" cy="91440"/>
           </a:xfrm>
           <a:prstGeom prst="rect">
             <a:avLst/>
@@ -29693,7 +29544,7 @@
             <a:pPr algn="r"/>
             <a:r>
               <a:rPr lang="en-US" sz="700" dirty="0"/>
-              <a:t>2.5</a:t>
+              <a:t>3</a:t>
             </a:r>
           </a:p>
         </p:txBody>
@@ -29703,7 +29554,7 @@
           <p:cNvPr id="50" name="Group 60">
             <a:extLst>
               <a:ext uri="{FF2B5EF4-FFF2-40B4-BE49-F238E27FC236}">
-                <a16:creationId xmlns="" xmlns:a16="http://schemas.microsoft.com/office/drawing/2014/main" id="{F284CD05-DEBB-4447-94FB-2EA6ABCB1FDF}"/>
+                <a16:creationId xmlns:a16="http://schemas.microsoft.com/office/drawing/2014/main" id="{F284CD05-DEBB-4447-94FB-2EA6ABCB1FDF}"/>
               </a:ext>
             </a:extLst>
           </p:cNvPr>
@@ -29723,7 +29574,7 @@
             <p:cNvPr id="62" name="Rectangle 57">
               <a:extLst>
                 <a:ext uri="{FF2B5EF4-FFF2-40B4-BE49-F238E27FC236}">
-                  <a16:creationId xmlns="" xmlns:a16="http://schemas.microsoft.com/office/drawing/2014/main" id="{55B70F59-E0CC-4835-8442-68B44DC9DDBD}"/>
+                  <a16:creationId xmlns:a16="http://schemas.microsoft.com/office/drawing/2014/main" id="{55B70F59-E0CC-4835-8442-68B44DC9DDBD}"/>
                 </a:ext>
               </a:extLst>
             </p:cNvPr>
@@ -29775,7 +29626,7 @@
             <p:cNvPr id="63" name="Rectangle 58">
               <a:extLst>
                 <a:ext uri="{FF2B5EF4-FFF2-40B4-BE49-F238E27FC236}">
-                  <a16:creationId xmlns="" xmlns:a16="http://schemas.microsoft.com/office/drawing/2014/main" id="{D3BEF0A1-ABBD-4EED-96FA-AFE4E30CC32E}"/>
+                  <a16:creationId xmlns:a16="http://schemas.microsoft.com/office/drawing/2014/main" id="{D3BEF0A1-ABBD-4EED-96FA-AFE4E30CC32E}"/>
                 </a:ext>
               </a:extLst>
             </p:cNvPr>
@@ -29827,7 +29678,7 @@
             <p:cNvPr id="64" name="TextBox 59">
               <a:extLst>
                 <a:ext uri="{FF2B5EF4-FFF2-40B4-BE49-F238E27FC236}">
-                  <a16:creationId xmlns="" xmlns:a16="http://schemas.microsoft.com/office/drawing/2014/main" id="{64DE06C1-DE82-4B67-868A-EA3E16C43A30}"/>
+                  <a16:creationId xmlns:a16="http://schemas.microsoft.com/office/drawing/2014/main" id="{64DE06C1-DE82-4B67-868A-EA3E16C43A30}"/>
                 </a:ext>
               </a:extLst>
             </p:cNvPr>
@@ -29974,12 +29825,632 @@
           </a:p>
         </p:txBody>
       </p:sp>
+      <p:sp>
+        <p:nvSpPr>
+          <p:cNvPr id="21" name="Rectangle 64">
+            <a:extLst>
+              <a:ext uri="{FF2B5EF4-FFF2-40B4-BE49-F238E27FC236}">
+                <a16:creationId xmlns:a16="http://schemas.microsoft.com/office/drawing/2014/main" id="{9212E872-B7EE-4FF4-A826-2CC7F7CB805C}"/>
+              </a:ext>
+            </a:extLst>
+          </p:cNvPr>
+          <p:cNvSpPr/>
+          <p:nvPr/>
+        </p:nvSpPr>
+        <p:spPr>
+          <a:xfrm flipH="1">
+            <a:off x="9923280" y="936000"/>
+            <a:ext cx="1188720" cy="274320"/>
+          </a:xfrm>
+          <a:prstGeom prst="rect">
+            <a:avLst/>
+          </a:prstGeom>
+          <a:solidFill>
+            <a:schemeClr val="tx1"/>
+          </a:solidFill>
+          <a:ln>
+            <a:noFill/>
+          </a:ln>
+          <a:effectLst>
+            <a:outerShdw blurRad="50800" dist="38100" dir="2700000" algn="tl" rotWithShape="0">
+              <a:prstClr val="black">
+                <a:alpha val="40000"/>
+              </a:prstClr>
+            </a:outerShdw>
+          </a:effectLst>
+        </p:spPr>
+        <p:style>
+          <a:lnRef idx="2">
+            <a:schemeClr val="accent1">
+              <a:shade val="50000"/>
+            </a:schemeClr>
+          </a:lnRef>
+          <a:fillRef idx="1">
+            <a:schemeClr val="accent1"/>
+          </a:fillRef>
+          <a:effectRef idx="0">
+            <a:schemeClr val="accent1"/>
+          </a:effectRef>
+          <a:fontRef idx="minor">
+            <a:schemeClr val="lt1"/>
+          </a:fontRef>
+        </p:style>
+        <p:txBody>
+          <a:bodyPr rtlCol="0" anchor="ctr"/>
+          <a:lstStyle/>
+          <a:p>
+            <a:pPr algn="ctr"/>
+            <a:r>
+              <a:rPr lang="en-US" sz="1400" dirty="0"/>
+              <a:t>M3W-ES3.0</a:t>
+            </a:r>
+          </a:p>
+        </p:txBody>
+      </p:sp>
+      <p:sp>
+        <p:nvSpPr>
+          <p:cNvPr id="22" name="Rectangle 65">
+            <a:extLst>
+              <a:ext uri="{FF2B5EF4-FFF2-40B4-BE49-F238E27FC236}">
+                <a16:creationId xmlns:a16="http://schemas.microsoft.com/office/drawing/2014/main" id="{F9F0E454-12D1-4F2B-9B6B-085594800E55}"/>
+              </a:ext>
+            </a:extLst>
+          </p:cNvPr>
+          <p:cNvSpPr/>
+          <p:nvPr/>
+        </p:nvSpPr>
+        <p:spPr>
+          <a:xfrm flipH="1">
+            <a:off x="9923280" y="1242038"/>
+            <a:ext cx="1188720" cy="274320"/>
+          </a:xfrm>
+          <a:prstGeom prst="rect">
+            <a:avLst/>
+          </a:prstGeom>
+          <a:solidFill>
+            <a:schemeClr val="tx1"/>
+          </a:solidFill>
+          <a:ln>
+            <a:noFill/>
+          </a:ln>
+          <a:effectLst>
+            <a:outerShdw blurRad="50800" dist="38100" dir="2700000" algn="tl" rotWithShape="0">
+              <a:prstClr val="black">
+                <a:alpha val="40000"/>
+              </a:prstClr>
+            </a:outerShdw>
+          </a:effectLst>
+        </p:spPr>
+        <p:style>
+          <a:lnRef idx="2">
+            <a:schemeClr val="accent1">
+              <a:shade val="50000"/>
+            </a:schemeClr>
+          </a:lnRef>
+          <a:fillRef idx="1">
+            <a:schemeClr val="accent1"/>
+          </a:fillRef>
+          <a:effectRef idx="0">
+            <a:schemeClr val="accent1"/>
+          </a:effectRef>
+          <a:fontRef idx="minor">
+            <a:schemeClr val="lt1"/>
+          </a:fontRef>
+        </p:style>
+        <p:txBody>
+          <a:bodyPr rtlCol="0" anchor="ctr"/>
+          <a:lstStyle/>
+          <a:p>
+            <a:pPr algn="ctr"/>
+            <a:r>
+              <a:rPr lang="en-US" sz="1400" dirty="0"/>
+              <a:t>D3-ES1.1</a:t>
+            </a:r>
+          </a:p>
+        </p:txBody>
+      </p:sp>
+      <p:sp>
+        <p:nvSpPr>
+          <p:cNvPr id="23" name="Rectangle 65">
+            <a:extLst>
+              <a:ext uri="{FF2B5EF4-FFF2-40B4-BE49-F238E27FC236}">
+                <a16:creationId xmlns:a16="http://schemas.microsoft.com/office/drawing/2014/main" id="{685D350F-0757-46DD-9591-D0F366F8DFE9}"/>
+              </a:ext>
+            </a:extLst>
+          </p:cNvPr>
+          <p:cNvSpPr/>
+          <p:nvPr/>
+        </p:nvSpPr>
+        <p:spPr>
+          <a:xfrm flipH="1">
+            <a:off x="9162818" y="936000"/>
+            <a:ext cx="731520" cy="274320"/>
+          </a:xfrm>
+          <a:prstGeom prst="rect">
+            <a:avLst/>
+          </a:prstGeom>
+          <a:solidFill>
+            <a:schemeClr val="tx2"/>
+          </a:solidFill>
+          <a:ln>
+            <a:noFill/>
+          </a:ln>
+          <a:effectLst>
+            <a:outerShdw blurRad="50800" dist="38100" dir="2700000" algn="tl" rotWithShape="0">
+              <a:prstClr val="black">
+                <a:alpha val="40000"/>
+              </a:prstClr>
+            </a:outerShdw>
+          </a:effectLst>
+        </p:spPr>
+        <p:style>
+          <a:lnRef idx="2">
+            <a:schemeClr val="accent1">
+              <a:shade val="50000"/>
+            </a:schemeClr>
+          </a:lnRef>
+          <a:fillRef idx="1">
+            <a:schemeClr val="accent1"/>
+          </a:fillRef>
+          <a:effectRef idx="0">
+            <a:schemeClr val="accent1"/>
+          </a:effectRef>
+          <a:fontRef idx="minor">
+            <a:schemeClr val="lt1"/>
+          </a:fontRef>
+        </p:style>
+        <p:txBody>
+          <a:bodyPr rtlCol="0" anchor="ctr"/>
+          <a:lstStyle/>
+          <a:p>
+            <a:pPr algn="ctr"/>
+            <a:r>
+              <a:rPr lang="en-US" sz="1400" dirty="0"/>
+              <a:t>SWDT</a:t>
+            </a:r>
+          </a:p>
+        </p:txBody>
+      </p:sp>
+      <p:sp>
+        <p:nvSpPr>
+          <p:cNvPr id="24" name="Rectangle 65">
+            <a:extLst>
+              <a:ext uri="{FF2B5EF4-FFF2-40B4-BE49-F238E27FC236}">
+                <a16:creationId xmlns:a16="http://schemas.microsoft.com/office/drawing/2014/main" id="{D6E63C8D-03AC-4F1B-8AD5-6F2D08DC26BD}"/>
+              </a:ext>
+            </a:extLst>
+          </p:cNvPr>
+          <p:cNvSpPr/>
+          <p:nvPr/>
+        </p:nvSpPr>
+        <p:spPr>
+          <a:xfrm flipH="1">
+            <a:off x="7641894" y="936000"/>
+            <a:ext cx="731520" cy="274320"/>
+          </a:xfrm>
+          <a:prstGeom prst="rect">
+            <a:avLst/>
+          </a:prstGeom>
+          <a:solidFill>
+            <a:schemeClr val="tx2"/>
+          </a:solidFill>
+          <a:ln>
+            <a:noFill/>
+          </a:ln>
+          <a:effectLst>
+            <a:outerShdw blurRad="50800" dist="38100" dir="2700000" algn="tl" rotWithShape="0">
+              <a:prstClr val="black">
+                <a:alpha val="40000"/>
+              </a:prstClr>
+            </a:outerShdw>
+          </a:effectLst>
+        </p:spPr>
+        <p:style>
+          <a:lnRef idx="2">
+            <a:schemeClr val="accent1">
+              <a:shade val="50000"/>
+            </a:schemeClr>
+          </a:lnRef>
+          <a:fillRef idx="1">
+            <a:schemeClr val="accent1"/>
+          </a:fillRef>
+          <a:effectRef idx="0">
+            <a:schemeClr val="accent1"/>
+          </a:effectRef>
+          <a:fontRef idx="minor">
+            <a:schemeClr val="lt1"/>
+          </a:fontRef>
+        </p:style>
+        <p:txBody>
+          <a:bodyPr rtlCol="0" anchor="ctr"/>
+          <a:lstStyle/>
+          <a:p>
+            <a:pPr algn="ctr"/>
+            <a:r>
+              <a:rPr lang="en-US" sz="1400" dirty="0"/>
+              <a:t>TMU</a:t>
+            </a:r>
+          </a:p>
+        </p:txBody>
+      </p:sp>
+      <p:sp>
+        <p:nvSpPr>
+          <p:cNvPr id="25" name="Rectangle 65">
+            <a:extLst>
+              <a:ext uri="{FF2B5EF4-FFF2-40B4-BE49-F238E27FC236}">
+                <a16:creationId xmlns:a16="http://schemas.microsoft.com/office/drawing/2014/main" id="{D896A0E3-0E6C-4A36-999A-F4C3215F8259}"/>
+              </a:ext>
+            </a:extLst>
+          </p:cNvPr>
+          <p:cNvSpPr/>
+          <p:nvPr/>
+        </p:nvSpPr>
+        <p:spPr>
+          <a:xfrm flipH="1">
+            <a:off x="8402356" y="936000"/>
+            <a:ext cx="731520" cy="274320"/>
+          </a:xfrm>
+          <a:prstGeom prst="rect">
+            <a:avLst/>
+          </a:prstGeom>
+          <a:solidFill>
+            <a:schemeClr val="tx2"/>
+          </a:solidFill>
+          <a:ln>
+            <a:noFill/>
+          </a:ln>
+          <a:effectLst>
+            <a:outerShdw blurRad="50800" dist="38100" dir="2700000" algn="tl" rotWithShape="0">
+              <a:prstClr val="black">
+                <a:alpha val="40000"/>
+              </a:prstClr>
+            </a:outerShdw>
+          </a:effectLst>
+        </p:spPr>
+        <p:style>
+          <a:lnRef idx="2">
+            <a:schemeClr val="accent1">
+              <a:shade val="50000"/>
+            </a:schemeClr>
+          </a:lnRef>
+          <a:fillRef idx="1">
+            <a:schemeClr val="accent1"/>
+          </a:fillRef>
+          <a:effectRef idx="0">
+            <a:schemeClr val="accent1"/>
+          </a:effectRef>
+          <a:fontRef idx="minor">
+            <a:schemeClr val="lt1"/>
+          </a:fontRef>
+        </p:style>
+        <p:txBody>
+          <a:bodyPr rtlCol="0" anchor="ctr"/>
+          <a:lstStyle/>
+          <a:p>
+            <a:pPr algn="ctr"/>
+            <a:r>
+              <a:rPr lang="en-US" sz="1400" dirty="0"/>
+              <a:t>RWDT</a:t>
+            </a:r>
+          </a:p>
+        </p:txBody>
+      </p:sp>
+      <p:sp>
+        <p:nvSpPr>
+          <p:cNvPr id="26" name="Rectangle 65">
+            <a:extLst>
+              <a:ext uri="{FF2B5EF4-FFF2-40B4-BE49-F238E27FC236}">
+                <a16:creationId xmlns:a16="http://schemas.microsoft.com/office/drawing/2014/main" id="{1BE34E05-DEE9-4BC0-96A4-CB51D0D75137}"/>
+              </a:ext>
+            </a:extLst>
+          </p:cNvPr>
+          <p:cNvSpPr/>
+          <p:nvPr/>
+        </p:nvSpPr>
+        <p:spPr>
+          <a:xfrm flipH="1">
+            <a:off x="6881432" y="936000"/>
+            <a:ext cx="731520" cy="274320"/>
+          </a:xfrm>
+          <a:prstGeom prst="rect">
+            <a:avLst/>
+          </a:prstGeom>
+          <a:solidFill>
+            <a:schemeClr val="tx2"/>
+          </a:solidFill>
+          <a:ln>
+            <a:noFill/>
+          </a:ln>
+          <a:effectLst>
+            <a:outerShdw blurRad="50800" dist="38100" dir="2700000" algn="tl" rotWithShape="0">
+              <a:prstClr val="black">
+                <a:alpha val="40000"/>
+              </a:prstClr>
+            </a:outerShdw>
+          </a:effectLst>
+        </p:spPr>
+        <p:style>
+          <a:lnRef idx="2">
+            <a:schemeClr val="accent1">
+              <a:shade val="50000"/>
+            </a:schemeClr>
+          </a:lnRef>
+          <a:fillRef idx="1">
+            <a:schemeClr val="accent1"/>
+          </a:fillRef>
+          <a:effectRef idx="0">
+            <a:schemeClr val="accent1"/>
+          </a:effectRef>
+          <a:fontRef idx="minor">
+            <a:schemeClr val="lt1"/>
+          </a:fontRef>
+        </p:style>
+        <p:txBody>
+          <a:bodyPr rtlCol="0" anchor="ctr"/>
+          <a:lstStyle/>
+          <a:p>
+            <a:pPr algn="ctr"/>
+            <a:r>
+              <a:rPr lang="en-US" sz="1400" dirty="0"/>
+              <a:t>TPU</a:t>
+            </a:r>
+          </a:p>
+        </p:txBody>
+      </p:sp>
+      <p:sp>
+        <p:nvSpPr>
+          <p:cNvPr id="27" name="Rectangle 65">
+            <a:extLst>
+              <a:ext uri="{FF2B5EF4-FFF2-40B4-BE49-F238E27FC236}">
+                <a16:creationId xmlns:a16="http://schemas.microsoft.com/office/drawing/2014/main" id="{CDCEE58C-30C1-47FC-AC8E-094A6E17E8FE}"/>
+              </a:ext>
+            </a:extLst>
+          </p:cNvPr>
+          <p:cNvSpPr/>
+          <p:nvPr/>
+        </p:nvSpPr>
+        <p:spPr>
+          <a:xfrm flipH="1">
+            <a:off x="9162818" y="1242038"/>
+            <a:ext cx="731520" cy="274320"/>
+          </a:xfrm>
+          <a:prstGeom prst="rect">
+            <a:avLst/>
+          </a:prstGeom>
+          <a:solidFill>
+            <a:schemeClr val="tx2"/>
+          </a:solidFill>
+          <a:ln>
+            <a:noFill/>
+          </a:ln>
+          <a:effectLst>
+            <a:outerShdw blurRad="50800" dist="38100" dir="2700000" algn="tl" rotWithShape="0">
+              <a:prstClr val="black">
+                <a:alpha val="40000"/>
+              </a:prstClr>
+            </a:outerShdw>
+          </a:effectLst>
+        </p:spPr>
+        <p:style>
+          <a:lnRef idx="2">
+            <a:schemeClr val="accent1">
+              <a:shade val="50000"/>
+            </a:schemeClr>
+          </a:lnRef>
+          <a:fillRef idx="1">
+            <a:schemeClr val="accent1"/>
+          </a:fillRef>
+          <a:effectRef idx="0">
+            <a:schemeClr val="accent1"/>
+          </a:effectRef>
+          <a:fontRef idx="minor">
+            <a:schemeClr val="lt1"/>
+          </a:fontRef>
+        </p:style>
+        <p:txBody>
+          <a:bodyPr rtlCol="0" anchor="ctr"/>
+          <a:lstStyle/>
+          <a:p>
+            <a:pPr algn="ctr"/>
+            <a:r>
+              <a:rPr lang="en-US" sz="1400" dirty="0"/>
+              <a:t>SWDT</a:t>
+            </a:r>
+          </a:p>
+        </p:txBody>
+      </p:sp>
+      <p:sp>
+        <p:nvSpPr>
+          <p:cNvPr id="28" name="Rectangle 65">
+            <a:extLst>
+              <a:ext uri="{FF2B5EF4-FFF2-40B4-BE49-F238E27FC236}">
+                <a16:creationId xmlns:a16="http://schemas.microsoft.com/office/drawing/2014/main" id="{214F3349-F9B9-4FA5-B313-4303DD4B2A7B}"/>
+              </a:ext>
+            </a:extLst>
+          </p:cNvPr>
+          <p:cNvSpPr/>
+          <p:nvPr/>
+        </p:nvSpPr>
+        <p:spPr>
+          <a:xfrm flipH="1">
+            <a:off x="7641894" y="1242038"/>
+            <a:ext cx="731520" cy="274320"/>
+          </a:xfrm>
+          <a:prstGeom prst="rect">
+            <a:avLst/>
+          </a:prstGeom>
+          <a:solidFill>
+            <a:schemeClr val="tx2"/>
+          </a:solidFill>
+          <a:ln>
+            <a:noFill/>
+          </a:ln>
+          <a:effectLst>
+            <a:outerShdw blurRad="50800" dist="38100" dir="2700000" algn="tl" rotWithShape="0">
+              <a:prstClr val="black">
+                <a:alpha val="40000"/>
+              </a:prstClr>
+            </a:outerShdw>
+          </a:effectLst>
+        </p:spPr>
+        <p:style>
+          <a:lnRef idx="2">
+            <a:schemeClr val="accent1">
+              <a:shade val="50000"/>
+            </a:schemeClr>
+          </a:lnRef>
+          <a:fillRef idx="1">
+            <a:schemeClr val="accent1"/>
+          </a:fillRef>
+          <a:effectRef idx="0">
+            <a:schemeClr val="accent1"/>
+          </a:effectRef>
+          <a:fontRef idx="minor">
+            <a:schemeClr val="lt1"/>
+          </a:fontRef>
+        </p:style>
+        <p:txBody>
+          <a:bodyPr rtlCol="0" anchor="ctr"/>
+          <a:lstStyle/>
+          <a:p>
+            <a:pPr algn="ctr"/>
+            <a:r>
+              <a:rPr lang="en-US" sz="1400" dirty="0"/>
+              <a:t>TMU</a:t>
+            </a:r>
+          </a:p>
+        </p:txBody>
+      </p:sp>
+      <p:sp>
+        <p:nvSpPr>
+          <p:cNvPr id="29" name="Rectangle 65">
+            <a:extLst>
+              <a:ext uri="{FF2B5EF4-FFF2-40B4-BE49-F238E27FC236}">
+                <a16:creationId xmlns:a16="http://schemas.microsoft.com/office/drawing/2014/main" id="{72436A4A-07F9-46C0-8AAA-42D54B6C4ECD}"/>
+              </a:ext>
+            </a:extLst>
+          </p:cNvPr>
+          <p:cNvSpPr/>
+          <p:nvPr/>
+        </p:nvSpPr>
+        <p:spPr>
+          <a:xfrm flipH="1">
+            <a:off x="8402356" y="1242038"/>
+            <a:ext cx="731520" cy="274320"/>
+          </a:xfrm>
+          <a:prstGeom prst="rect">
+            <a:avLst/>
+          </a:prstGeom>
+          <a:solidFill>
+            <a:schemeClr val="tx2"/>
+          </a:solidFill>
+          <a:ln>
+            <a:noFill/>
+          </a:ln>
+          <a:effectLst>
+            <a:outerShdw blurRad="50800" dist="38100" dir="2700000" algn="tl" rotWithShape="0">
+              <a:prstClr val="black">
+                <a:alpha val="40000"/>
+              </a:prstClr>
+            </a:outerShdw>
+          </a:effectLst>
+        </p:spPr>
+        <p:style>
+          <a:lnRef idx="2">
+            <a:schemeClr val="accent1">
+              <a:shade val="50000"/>
+            </a:schemeClr>
+          </a:lnRef>
+          <a:fillRef idx="1">
+            <a:schemeClr val="accent1"/>
+          </a:fillRef>
+          <a:effectRef idx="0">
+            <a:schemeClr val="accent1"/>
+          </a:effectRef>
+          <a:fontRef idx="minor">
+            <a:schemeClr val="lt1"/>
+          </a:fontRef>
+        </p:style>
+        <p:txBody>
+          <a:bodyPr rtlCol="0" anchor="ctr"/>
+          <a:lstStyle/>
+          <a:p>
+            <a:pPr algn="ctr"/>
+            <a:r>
+              <a:rPr lang="en-US" sz="1400" dirty="0"/>
+              <a:t>RWDT</a:t>
+            </a:r>
+          </a:p>
+        </p:txBody>
+      </p:sp>
+      <p:sp>
+        <p:nvSpPr>
+          <p:cNvPr id="30" name="Rectangle 65">
+            <a:extLst>
+              <a:ext uri="{FF2B5EF4-FFF2-40B4-BE49-F238E27FC236}">
+                <a16:creationId xmlns:a16="http://schemas.microsoft.com/office/drawing/2014/main" id="{BF84A264-4CCB-467A-AF91-18BBD08CAC9F}"/>
+              </a:ext>
+            </a:extLst>
+          </p:cNvPr>
+          <p:cNvSpPr/>
+          <p:nvPr/>
+        </p:nvSpPr>
+        <p:spPr>
+          <a:xfrm flipH="1">
+            <a:off x="6881432" y="1242038"/>
+            <a:ext cx="731520" cy="274320"/>
+          </a:xfrm>
+          <a:prstGeom prst="rect">
+            <a:avLst/>
+          </a:prstGeom>
+          <a:solidFill>
+            <a:schemeClr val="tx2"/>
+          </a:solidFill>
+          <a:ln>
+            <a:noFill/>
+          </a:ln>
+          <a:effectLst>
+            <a:outerShdw blurRad="50800" dist="38100" dir="2700000" algn="tl" rotWithShape="0">
+              <a:prstClr val="black">
+                <a:alpha val="40000"/>
+              </a:prstClr>
+            </a:outerShdw>
+          </a:effectLst>
+        </p:spPr>
+        <p:style>
+          <a:lnRef idx="2">
+            <a:schemeClr val="accent1">
+              <a:shade val="50000"/>
+            </a:schemeClr>
+          </a:lnRef>
+          <a:fillRef idx="1">
+            <a:schemeClr val="accent1"/>
+          </a:fillRef>
+          <a:effectRef idx="0">
+            <a:schemeClr val="accent1"/>
+          </a:effectRef>
+          <a:fontRef idx="minor">
+            <a:schemeClr val="lt1"/>
+          </a:fontRef>
+        </p:style>
+        <p:txBody>
+          <a:bodyPr rtlCol="0" anchor="ctr"/>
+          <a:lstStyle/>
+          <a:p>
+            <a:pPr algn="ctr"/>
+            <a:r>
+              <a:rPr lang="en-US" sz="1400" dirty="0"/>
+              <a:t>TPU</a:t>
+            </a:r>
+          </a:p>
+        </p:txBody>
+      </p:sp>
       <p:grpSp>
         <p:nvGrpSpPr>
-          <p:cNvPr id="12" name="Nhóm 11">
+          <p:cNvPr id="31" name="Nhóm 30">
             <a:extLst>
               <a:ext uri="{FF2B5EF4-FFF2-40B4-BE49-F238E27FC236}">
-                <a16:creationId xmlns="" xmlns:a16="http://schemas.microsoft.com/office/drawing/2014/main" id="{E9824CE2-871E-49FD-8B66-EC2EABC88AD6}"/>
+                <a16:creationId xmlns:a16="http://schemas.microsoft.com/office/drawing/2014/main" id="{02487500-F09C-4C3F-BB36-87DEAF9E15CC}"/>
               </a:ext>
             </a:extLst>
           </p:cNvPr>
@@ -29988,18 +30459,18 @@
         </p:nvGrpSpPr>
         <p:grpSpPr>
           <a:xfrm>
-            <a:off x="1140486" y="1685476"/>
-            <a:ext cx="5643235" cy="615553"/>
-            <a:chOff x="506534" y="4095924"/>
-            <a:chExt cx="5643235" cy="615553"/>
+            <a:off x="1080000" y="1672429"/>
+            <a:ext cx="10032000" cy="1107996"/>
+            <a:chOff x="506534" y="2939553"/>
+            <a:chExt cx="10032000" cy="1107996"/>
           </a:xfrm>
         </p:grpSpPr>
         <p:pic>
           <p:nvPicPr>
-            <p:cNvPr id="13" name="Đồ họa 12" descr="Cơ sở dữ liệu">
+            <p:cNvPr id="32" name="Đồ họa 31" descr="Danh sách">
               <a:extLst>
                 <a:ext uri="{FF2B5EF4-FFF2-40B4-BE49-F238E27FC236}">
-                  <a16:creationId xmlns="" xmlns:a16="http://schemas.microsoft.com/office/drawing/2014/main" id="{ABA56C2A-B7DB-4C66-AF59-C25EDA3F0BA1}"/>
+                  <a16:creationId xmlns:a16="http://schemas.microsoft.com/office/drawing/2014/main" id="{729351E3-F50E-4404-A38F-19EFEF8CCC5F}"/>
                 </a:ext>
               </a:extLst>
             </p:cNvPr>
@@ -30015,7 +30486,267 @@
                   <a14:useLocalDpi xmlns:a14="http://schemas.microsoft.com/office/drawing/2010/main" val="0"/>
                 </a:ext>
                 <a:ext uri="{96DAC541-7B7A-43D3-8B79-37D633B846F1}">
-                  <asvg:svgBlip xmlns="" xmlns:asvg="http://schemas.microsoft.com/office/drawing/2016/SVG/main" r:embed="rId3"/>
+                  <asvg:svgBlip xmlns:asvg="http://schemas.microsoft.com/office/drawing/2016/SVG/main" r:embed="rId3"/>
+                </a:ext>
+              </a:extLst>
+            </a:blip>
+            <a:stretch>
+              <a:fillRect/>
+            </a:stretch>
+          </p:blipFill>
+          <p:spPr>
+            <a:xfrm>
+              <a:off x="506534" y="2939553"/>
+              <a:ext cx="457200" cy="457200"/>
+            </a:xfrm>
+            <a:prstGeom prst="rect">
+              <a:avLst/>
+            </a:prstGeom>
+          </p:spPr>
+        </p:pic>
+        <p:sp>
+          <p:nvSpPr>
+            <p:cNvPr id="33" name="Hộp Văn bản 32">
+              <a:extLst>
+                <a:ext uri="{FF2B5EF4-FFF2-40B4-BE49-F238E27FC236}">
+                  <a16:creationId xmlns:a16="http://schemas.microsoft.com/office/drawing/2014/main" id="{7CF5324D-2FB4-4957-9939-81304296EF65}"/>
+                </a:ext>
+              </a:extLst>
+            </p:cNvPr>
+            <p:cNvSpPr txBox="1"/>
+            <p:nvPr/>
+          </p:nvSpPr>
+          <p:spPr>
+            <a:xfrm>
+              <a:off x="963734" y="2939553"/>
+              <a:ext cx="9574800" cy="1107996"/>
+            </a:xfrm>
+            <a:prstGeom prst="rect">
+              <a:avLst/>
+            </a:prstGeom>
+            <a:noFill/>
+          </p:spPr>
+          <p:txBody>
+            <a:bodyPr wrap="square" rtlCol="0">
+              <a:spAutoFit/>
+            </a:bodyPr>
+            <a:lstStyle/>
+            <a:p>
+              <a:r>
+                <a:rPr lang="en-US" b="1" dirty="0"/>
+                <a:t>Check specification</a:t>
+              </a:r>
+            </a:p>
+            <a:p>
+              <a:r>
+                <a:rPr lang="en-US" sz="1600" dirty="0"/>
+                <a:t>+ </a:t>
+              </a:r>
+              <a:r>
+                <a:rPr lang="en-US" sz="1600" u="sng" dirty="0"/>
+                <a:t>Check</a:t>
+              </a:r>
+              <a:r>
+                <a:rPr lang="en-US" sz="1600" dirty="0"/>
+                <a:t> the consistency between I2C specs and the legacy check items</a:t>
+              </a:r>
+            </a:p>
+            <a:p>
+              <a:r>
+                <a:rPr lang="en-US" sz="1600" dirty="0"/>
+                <a:t>+ </a:t>
+              </a:r>
+              <a:r>
+                <a:rPr lang="en-US" sz="1600" u="sng" dirty="0"/>
+                <a:t>Feedback</a:t>
+              </a:r>
+              <a:r>
+                <a:rPr lang="en-US" sz="1600" dirty="0"/>
+                <a:t> for issue related to legacy check items (missing necessary check items, unnecessary check items)</a:t>
+              </a:r>
+            </a:p>
+          </p:txBody>
+        </p:sp>
+      </p:grpSp>
+      <p:grpSp>
+        <p:nvGrpSpPr>
+          <p:cNvPr id="34" name="Nhóm 33">
+            <a:extLst>
+              <a:ext uri="{FF2B5EF4-FFF2-40B4-BE49-F238E27FC236}">
+                <a16:creationId xmlns:a16="http://schemas.microsoft.com/office/drawing/2014/main" id="{A984C068-678E-419E-B1E1-80D56B0C13A9}"/>
+              </a:ext>
+            </a:extLst>
+          </p:cNvPr>
+          <p:cNvGrpSpPr/>
+          <p:nvPr/>
+        </p:nvGrpSpPr>
+        <p:grpSpPr>
+          <a:xfrm>
+            <a:off x="1080000" y="3047787"/>
+            <a:ext cx="10032000" cy="1354217"/>
+            <a:chOff x="506534" y="3426903"/>
+            <a:chExt cx="10032000" cy="1354217"/>
+          </a:xfrm>
+        </p:grpSpPr>
+        <p:pic>
+          <p:nvPicPr>
+            <p:cNvPr id="35" name="Đồ họa 34" descr="Danh sách kiểm tra">
+              <a:extLst>
+                <a:ext uri="{FF2B5EF4-FFF2-40B4-BE49-F238E27FC236}">
+                  <a16:creationId xmlns:a16="http://schemas.microsoft.com/office/drawing/2014/main" id="{443ADA12-0D7D-42B8-84C1-C8204B506EC8}"/>
+                </a:ext>
+              </a:extLst>
+            </p:cNvPr>
+            <p:cNvPicPr>
+              <a:picLocks noChangeAspect="1"/>
+            </p:cNvPicPr>
+            <p:nvPr/>
+          </p:nvPicPr>
+          <p:blipFill>
+            <a:blip r:embed="rId4" cstate="print">
+              <a:extLst>
+                <a:ext uri="{28A0092B-C50C-407E-A947-70E740481C1C}">
+                  <a14:useLocalDpi xmlns:a14="http://schemas.microsoft.com/office/drawing/2010/main" val="0"/>
+                </a:ext>
+                <a:ext uri="{96DAC541-7B7A-43D3-8B79-37D633B846F1}">
+                  <asvg:svgBlip xmlns:asvg="http://schemas.microsoft.com/office/drawing/2016/SVG/main" r:embed="rId5"/>
+                </a:ext>
+              </a:extLst>
+            </a:blip>
+            <a:stretch>
+              <a:fillRect/>
+            </a:stretch>
+          </p:blipFill>
+          <p:spPr>
+            <a:xfrm>
+              <a:off x="506534" y="3426903"/>
+              <a:ext cx="457200" cy="457200"/>
+            </a:xfrm>
+            <a:prstGeom prst="rect">
+              <a:avLst/>
+            </a:prstGeom>
+          </p:spPr>
+        </p:pic>
+        <p:sp>
+          <p:nvSpPr>
+            <p:cNvPr id="36" name="Hộp Văn bản 35">
+              <a:extLst>
+                <a:ext uri="{FF2B5EF4-FFF2-40B4-BE49-F238E27FC236}">
+                  <a16:creationId xmlns:a16="http://schemas.microsoft.com/office/drawing/2014/main" id="{EAB97C9B-3585-4B6F-B630-5468D27A73E9}"/>
+                </a:ext>
+              </a:extLst>
+            </p:cNvPr>
+            <p:cNvSpPr txBox="1"/>
+            <p:nvPr/>
+          </p:nvSpPr>
+          <p:spPr>
+            <a:xfrm>
+              <a:off x="963734" y="3426903"/>
+              <a:ext cx="9574800" cy="1354217"/>
+            </a:xfrm>
+            <a:prstGeom prst="rect">
+              <a:avLst/>
+            </a:prstGeom>
+            <a:noFill/>
+          </p:spPr>
+          <p:txBody>
+            <a:bodyPr wrap="square" rtlCol="0">
+              <a:spAutoFit/>
+            </a:bodyPr>
+            <a:lstStyle/>
+            <a:p>
+              <a:r>
+                <a:rPr lang="en-US" b="1" dirty="0"/>
+                <a:t>Create verification items check list</a:t>
+              </a:r>
+            </a:p>
+            <a:p>
+              <a:r>
+                <a:rPr lang="en-US" sz="1600" dirty="0"/>
+                <a:t>+ </a:t>
+              </a:r>
+              <a:r>
+                <a:rPr lang="en-US" sz="1600" u="sng" dirty="0"/>
+                <a:t>Reflect</a:t>
+              </a:r>
+              <a:r>
+                <a:rPr lang="en-US" sz="1600" dirty="0"/>
+                <a:t> necessary check items into the I2C check list</a:t>
+              </a:r>
+            </a:p>
+            <a:p>
+              <a:r>
+                <a:rPr lang="en-US" sz="1600" dirty="0"/>
+                <a:t>+ </a:t>
+              </a:r>
+              <a:r>
+                <a:rPr lang="en-US" sz="1600" u="sng" dirty="0"/>
+                <a:t>Organize</a:t>
+              </a:r>
+              <a:r>
+                <a:rPr lang="en-US" sz="1600" dirty="0"/>
+                <a:t> check items into correct groups</a:t>
+              </a:r>
+            </a:p>
+            <a:p>
+              <a:r>
+                <a:rPr lang="en-US" sz="1600" dirty="0"/>
+                <a:t>+ </a:t>
+              </a:r>
+              <a:r>
+                <a:rPr lang="en-US" sz="1600" u="sng" dirty="0"/>
+                <a:t>Support verification management team</a:t>
+              </a:r>
+              <a:r>
+                <a:rPr lang="en-US" sz="1600" dirty="0"/>
+                <a:t> to create a VBA macro to retrieve patterns list from CT check list</a:t>
+              </a:r>
+            </a:p>
+          </p:txBody>
+        </p:sp>
+      </p:grpSp>
+      <p:grpSp>
+        <p:nvGrpSpPr>
+          <p:cNvPr id="37" name="Nhóm 36">
+            <a:extLst>
+              <a:ext uri="{FF2B5EF4-FFF2-40B4-BE49-F238E27FC236}">
+                <a16:creationId xmlns:a16="http://schemas.microsoft.com/office/drawing/2014/main" id="{7DB14E9D-2A91-4277-9D20-B45CD3CF1C0C}"/>
+              </a:ext>
+            </a:extLst>
+          </p:cNvPr>
+          <p:cNvGrpSpPr/>
+          <p:nvPr/>
+        </p:nvGrpSpPr>
+        <p:grpSpPr>
+          <a:xfrm>
+            <a:off x="1080000" y="4669365"/>
+            <a:ext cx="10032000" cy="1600438"/>
+            <a:chOff x="506534" y="4095924"/>
+            <a:chExt cx="10032000" cy="1600438"/>
+          </a:xfrm>
+        </p:grpSpPr>
+        <p:pic>
+          <p:nvPicPr>
+            <p:cNvPr id="38" name="Đồ họa 37" descr="Cơ sở dữ liệu">
+              <a:extLst>
+                <a:ext uri="{FF2B5EF4-FFF2-40B4-BE49-F238E27FC236}">
+                  <a16:creationId xmlns:a16="http://schemas.microsoft.com/office/drawing/2014/main" id="{0A08F0E3-261C-40A5-B069-AACFBB1EC026}"/>
+                </a:ext>
+              </a:extLst>
+            </p:cNvPr>
+            <p:cNvPicPr>
+              <a:picLocks noChangeAspect="1"/>
+            </p:cNvPicPr>
+            <p:nvPr/>
+          </p:nvPicPr>
+          <p:blipFill>
+            <a:blip r:embed="rId6" cstate="print">
+              <a:extLst>
+                <a:ext uri="{28A0092B-C50C-407E-A947-70E740481C1C}">
+                  <a14:useLocalDpi xmlns:a14="http://schemas.microsoft.com/office/drawing/2010/main" val="0"/>
+                </a:ext>
+                <a:ext uri="{96DAC541-7B7A-43D3-8B79-37D633B846F1}">
+                  <asvg:svgBlip xmlns:asvg="http://schemas.microsoft.com/office/drawing/2016/SVG/main" r:embed="rId7"/>
                 </a:ext>
               </a:extLst>
             </a:blip>
@@ -30035,10 +30766,10 @@
         </p:pic>
         <p:sp>
           <p:nvSpPr>
-            <p:cNvPr id="14" name="Hộp Văn bản 13">
+            <p:cNvPr id="39" name="Hộp Văn bản 38">
               <a:extLst>
                 <a:ext uri="{FF2B5EF4-FFF2-40B4-BE49-F238E27FC236}">
-                  <a16:creationId xmlns="" xmlns:a16="http://schemas.microsoft.com/office/drawing/2014/main" id="{F9C4A32F-A02E-4F23-9B87-EDF40562F1D1}"/>
+                  <a16:creationId xmlns:a16="http://schemas.microsoft.com/office/drawing/2014/main" id="{B1915974-D675-41FB-8310-CD6DF283ABB7}"/>
                 </a:ext>
               </a:extLst>
             </p:cNvPr>
@@ -30048,7 +30779,7 @@
           <p:spPr>
             <a:xfrm>
               <a:off x="963734" y="4095924"/>
-              <a:ext cx="5186035" cy="615553"/>
+              <a:ext cx="9574800" cy="1600438"/>
             </a:xfrm>
             <a:prstGeom prst="rect">
               <a:avLst/>
@@ -30056,7 +30787,7 @@
             <a:noFill/>
           </p:spPr>
           <p:txBody>
-            <a:bodyPr wrap="none" rtlCol="0">
+            <a:bodyPr wrap="square" rtlCol="0">
               <a:spAutoFit/>
             </a:bodyPr>
             <a:lstStyle/>
@@ -30069,1267 +30800,7 @@
             <a:p>
               <a:r>
                 <a:rPr lang="en-US" sz="1600" dirty="0"/>
-                <a:t>+ SWDT(27), RWDT(27), TMU(145), TPU(8)</a:t>
-              </a:r>
-              <a:endParaRPr lang="en-US" dirty="0"/>
-            </a:p>
-          </p:txBody>
-        </p:sp>
-      </p:grpSp>
-      <p:grpSp>
-        <p:nvGrpSpPr>
-          <p:cNvPr id="15" name="Nhóm 14">
-            <a:extLst>
-              <a:ext uri="{FF2B5EF4-FFF2-40B4-BE49-F238E27FC236}">
-                <a16:creationId xmlns="" xmlns:a16="http://schemas.microsoft.com/office/drawing/2014/main" id="{C3CDC543-7412-4CB3-90F0-C5847D7D2FA0}"/>
-              </a:ext>
-            </a:extLst>
-          </p:cNvPr>
-          <p:cNvGrpSpPr/>
-          <p:nvPr/>
-        </p:nvGrpSpPr>
-        <p:grpSpPr>
-          <a:xfrm>
-            <a:off x="1140486" y="2567393"/>
-            <a:ext cx="5399579" cy="615553"/>
-            <a:chOff x="506534" y="4764945"/>
-            <a:chExt cx="5399579" cy="615553"/>
-          </a:xfrm>
-        </p:grpSpPr>
-        <p:pic>
-          <p:nvPicPr>
-            <p:cNvPr id="16" name="Đồ họa 15" descr="Xe chở bê tông">
-              <a:extLst>
-                <a:ext uri="{FF2B5EF4-FFF2-40B4-BE49-F238E27FC236}">
-                  <a16:creationId xmlns="" xmlns:a16="http://schemas.microsoft.com/office/drawing/2014/main" id="{859E4CEA-2B4B-4FFB-A38A-A335DB44BD26}"/>
-                </a:ext>
-              </a:extLst>
-            </p:cNvPr>
-            <p:cNvPicPr>
-              <a:picLocks noChangeAspect="1"/>
-            </p:cNvPicPr>
-            <p:nvPr/>
-          </p:nvPicPr>
-          <p:blipFill>
-            <a:blip r:embed="rId4" cstate="print">
-              <a:extLst>
-                <a:ext uri="{28A0092B-C50C-407E-A947-70E740481C1C}">
-                  <a14:useLocalDpi xmlns:a14="http://schemas.microsoft.com/office/drawing/2010/main" val="0"/>
-                </a:ext>
-                <a:ext uri="{96DAC541-7B7A-43D3-8B79-37D633B846F1}">
-                  <asvg:svgBlip xmlns="" xmlns:asvg="http://schemas.microsoft.com/office/drawing/2016/SVG/main" r:embed="rId5"/>
-                </a:ext>
-              </a:extLst>
-            </a:blip>
-            <a:stretch>
-              <a:fillRect/>
-            </a:stretch>
-          </p:blipFill>
-          <p:spPr>
-            <a:xfrm>
-              <a:off x="506534" y="4764945"/>
-              <a:ext cx="457200" cy="457200"/>
-            </a:xfrm>
-            <a:prstGeom prst="rect">
-              <a:avLst/>
-            </a:prstGeom>
-          </p:spPr>
-        </p:pic>
-        <p:sp>
-          <p:nvSpPr>
-            <p:cNvPr id="17" name="Hộp Văn bản 16">
-              <a:extLst>
-                <a:ext uri="{FF2B5EF4-FFF2-40B4-BE49-F238E27FC236}">
-                  <a16:creationId xmlns="" xmlns:a16="http://schemas.microsoft.com/office/drawing/2014/main" id="{11D433E5-6663-4CD0-8F30-FE649F167225}"/>
-                </a:ext>
-              </a:extLst>
-            </p:cNvPr>
-            <p:cNvSpPr txBox="1"/>
-            <p:nvPr/>
-          </p:nvSpPr>
-          <p:spPr>
-            <a:xfrm>
-              <a:off x="963734" y="4764945"/>
-              <a:ext cx="4942379" cy="615553"/>
-            </a:xfrm>
-            <a:prstGeom prst="rect">
-              <a:avLst/>
-            </a:prstGeom>
-            <a:noFill/>
-          </p:spPr>
-          <p:txBody>
-            <a:bodyPr wrap="none" rtlCol="0">
-              <a:spAutoFit/>
-            </a:bodyPr>
-            <a:lstStyle/>
-            <a:p>
-              <a:r>
-                <a:rPr lang="en-US" b="1" dirty="0"/>
-                <a:t>Conduct functional verification at RTL level</a:t>
-              </a:r>
-            </a:p>
-            <a:p>
-              <a:r>
-                <a:rPr lang="en-US" sz="1600" dirty="0"/>
-                <a:t>+ SWDT(35), RWDT(35), TMU(210), TPU(47)</a:t>
-              </a:r>
-              <a:endParaRPr lang="en-US" dirty="0"/>
-            </a:p>
-          </p:txBody>
-        </p:sp>
-      </p:grpSp>
-      <p:grpSp>
-        <p:nvGrpSpPr>
-          <p:cNvPr id="18" name="Nhóm 17">
-            <a:extLst>
-              <a:ext uri="{FF2B5EF4-FFF2-40B4-BE49-F238E27FC236}">
-                <a16:creationId xmlns="" xmlns:a16="http://schemas.microsoft.com/office/drawing/2014/main" id="{448CC9C4-2936-44B7-B175-A57AEA2D0D4D}"/>
-              </a:ext>
-            </a:extLst>
-          </p:cNvPr>
-          <p:cNvGrpSpPr/>
-          <p:nvPr/>
-        </p:nvGrpSpPr>
-        <p:grpSpPr>
-          <a:xfrm>
-            <a:off x="1140486" y="3384113"/>
-            <a:ext cx="4745552" cy="861774"/>
-            <a:chOff x="506534" y="5328765"/>
-            <a:chExt cx="4745552" cy="861774"/>
-          </a:xfrm>
-        </p:grpSpPr>
-        <p:pic>
-          <p:nvPicPr>
-            <p:cNvPr id="19" name="Đồ họa 18" descr="Kính hiển vi">
-              <a:extLst>
-                <a:ext uri="{FF2B5EF4-FFF2-40B4-BE49-F238E27FC236}">
-                  <a16:creationId xmlns="" xmlns:a16="http://schemas.microsoft.com/office/drawing/2014/main" id="{9F48E957-8DA2-415F-96A4-D62D38AE41C1}"/>
-                </a:ext>
-              </a:extLst>
-            </p:cNvPr>
-            <p:cNvPicPr>
-              <a:picLocks noChangeAspect="1"/>
-            </p:cNvPicPr>
-            <p:nvPr/>
-          </p:nvPicPr>
-          <p:blipFill>
-            <a:blip r:embed="rId6" cstate="print">
-              <a:extLst>
-                <a:ext uri="{28A0092B-C50C-407E-A947-70E740481C1C}">
-                  <a14:useLocalDpi xmlns:a14="http://schemas.microsoft.com/office/drawing/2010/main" val="0"/>
-                </a:ext>
-                <a:ext uri="{96DAC541-7B7A-43D3-8B79-37D633B846F1}">
-                  <asvg:svgBlip xmlns="" xmlns:asvg="http://schemas.microsoft.com/office/drawing/2016/SVG/main" r:embed="rId7"/>
-                </a:ext>
-              </a:extLst>
-            </a:blip>
-            <a:stretch>
-              <a:fillRect/>
-            </a:stretch>
-          </p:blipFill>
-          <p:spPr>
-            <a:xfrm>
-              <a:off x="506534" y="5328765"/>
-              <a:ext cx="457200" cy="457200"/>
-            </a:xfrm>
-            <a:prstGeom prst="rect">
-              <a:avLst/>
-            </a:prstGeom>
-          </p:spPr>
-        </p:pic>
-        <p:sp>
-          <p:nvSpPr>
-            <p:cNvPr id="20" name="Hộp Văn bản 19">
-              <a:extLst>
-                <a:ext uri="{FF2B5EF4-FFF2-40B4-BE49-F238E27FC236}">
-                  <a16:creationId xmlns="" xmlns:a16="http://schemas.microsoft.com/office/drawing/2014/main" id="{1EFFA4D1-5A09-4C62-B15B-B087783C0747}"/>
-                </a:ext>
-              </a:extLst>
-            </p:cNvPr>
-            <p:cNvSpPr txBox="1"/>
-            <p:nvPr/>
-          </p:nvSpPr>
-          <p:spPr>
-            <a:xfrm>
-              <a:off x="963733" y="5328765"/>
-              <a:ext cx="4288353" cy="861774"/>
-            </a:xfrm>
-            <a:prstGeom prst="rect">
-              <a:avLst/>
-            </a:prstGeom>
-            <a:noFill/>
-          </p:spPr>
-          <p:txBody>
-            <a:bodyPr wrap="none" rtlCol="0">
-              <a:spAutoFit/>
-            </a:bodyPr>
-            <a:lstStyle/>
-            <a:p>
-              <a:r>
-                <a:rPr lang="en-US" b="1" dirty="0"/>
-                <a:t>Evaluate functional verification result</a:t>
-              </a:r>
-            </a:p>
-            <a:p>
-              <a:r>
-                <a:rPr lang="en-US" sz="1600" dirty="0"/>
-                <a:t>+ Evaluate functional verification result</a:t>
-              </a:r>
-            </a:p>
-            <a:p>
-              <a:r>
-                <a:rPr lang="en-US" sz="1600" dirty="0"/>
-                <a:t>+ Evaluate coverage result</a:t>
-              </a:r>
-              <a:endParaRPr lang="en-US" dirty="0"/>
-            </a:p>
-          </p:txBody>
-        </p:sp>
-      </p:grpSp>
-      <p:sp>
-        <p:nvSpPr>
-          <p:cNvPr id="21" name="Rectangle 64">
-            <a:extLst>
-              <a:ext uri="{FF2B5EF4-FFF2-40B4-BE49-F238E27FC236}">
-                <a16:creationId xmlns="" xmlns:a16="http://schemas.microsoft.com/office/drawing/2014/main" id="{9212E872-B7EE-4FF4-A826-2CC7F7CB805C}"/>
-              </a:ext>
-            </a:extLst>
-          </p:cNvPr>
-          <p:cNvSpPr/>
-          <p:nvPr/>
-        </p:nvSpPr>
-        <p:spPr>
-          <a:xfrm flipH="1">
-            <a:off x="9923280" y="936000"/>
-            <a:ext cx="1188720" cy="274320"/>
-          </a:xfrm>
-          <a:prstGeom prst="rect">
-            <a:avLst/>
-          </a:prstGeom>
-          <a:solidFill>
-            <a:schemeClr val="tx1"/>
-          </a:solidFill>
-          <a:ln>
-            <a:noFill/>
-          </a:ln>
-          <a:effectLst>
-            <a:outerShdw blurRad="50800" dist="38100" dir="2700000" algn="tl" rotWithShape="0">
-              <a:prstClr val="black">
-                <a:alpha val="40000"/>
-              </a:prstClr>
-            </a:outerShdw>
-          </a:effectLst>
-        </p:spPr>
-        <p:style>
-          <a:lnRef idx="2">
-            <a:schemeClr val="accent1">
-              <a:shade val="50000"/>
-            </a:schemeClr>
-          </a:lnRef>
-          <a:fillRef idx="1">
-            <a:schemeClr val="accent1"/>
-          </a:fillRef>
-          <a:effectRef idx="0">
-            <a:schemeClr val="accent1"/>
-          </a:effectRef>
-          <a:fontRef idx="minor">
-            <a:schemeClr val="lt1"/>
-          </a:fontRef>
-        </p:style>
-        <p:txBody>
-          <a:bodyPr rtlCol="0" anchor="ctr"/>
-          <a:lstStyle/>
-          <a:p>
-            <a:pPr algn="ctr"/>
-            <a:r>
-              <a:rPr lang="en-US" sz="1400" dirty="0"/>
-              <a:t>M3W-ES3.0</a:t>
-            </a:r>
-          </a:p>
-        </p:txBody>
-      </p:sp>
-      <p:sp>
-        <p:nvSpPr>
-          <p:cNvPr id="22" name="Rectangle 65">
-            <a:extLst>
-              <a:ext uri="{FF2B5EF4-FFF2-40B4-BE49-F238E27FC236}">
-                <a16:creationId xmlns="" xmlns:a16="http://schemas.microsoft.com/office/drawing/2014/main" id="{F9F0E454-12D1-4F2B-9B6B-085594800E55}"/>
-              </a:ext>
-            </a:extLst>
-          </p:cNvPr>
-          <p:cNvSpPr/>
-          <p:nvPr/>
-        </p:nvSpPr>
-        <p:spPr>
-          <a:xfrm flipH="1">
-            <a:off x="9923280" y="1242038"/>
-            <a:ext cx="1188720" cy="274320"/>
-          </a:xfrm>
-          <a:prstGeom prst="rect">
-            <a:avLst/>
-          </a:prstGeom>
-          <a:solidFill>
-            <a:schemeClr val="tx1"/>
-          </a:solidFill>
-          <a:ln>
-            <a:noFill/>
-          </a:ln>
-          <a:effectLst>
-            <a:outerShdw blurRad="50800" dist="38100" dir="2700000" algn="tl" rotWithShape="0">
-              <a:prstClr val="black">
-                <a:alpha val="40000"/>
-              </a:prstClr>
-            </a:outerShdw>
-          </a:effectLst>
-        </p:spPr>
-        <p:style>
-          <a:lnRef idx="2">
-            <a:schemeClr val="accent1">
-              <a:shade val="50000"/>
-            </a:schemeClr>
-          </a:lnRef>
-          <a:fillRef idx="1">
-            <a:schemeClr val="accent1"/>
-          </a:fillRef>
-          <a:effectRef idx="0">
-            <a:schemeClr val="accent1"/>
-          </a:effectRef>
-          <a:fontRef idx="minor">
-            <a:schemeClr val="lt1"/>
-          </a:fontRef>
-        </p:style>
-        <p:txBody>
-          <a:bodyPr rtlCol="0" anchor="ctr"/>
-          <a:lstStyle/>
-          <a:p>
-            <a:pPr algn="ctr"/>
-            <a:r>
-              <a:rPr lang="en-US" sz="1400" dirty="0"/>
-              <a:t>D3-ES1.1</a:t>
-            </a:r>
-          </a:p>
-        </p:txBody>
-      </p:sp>
-      <p:sp>
-        <p:nvSpPr>
-          <p:cNvPr id="23" name="Rectangle 65">
-            <a:extLst>
-              <a:ext uri="{FF2B5EF4-FFF2-40B4-BE49-F238E27FC236}">
-                <a16:creationId xmlns="" xmlns:a16="http://schemas.microsoft.com/office/drawing/2014/main" id="{685D350F-0757-46DD-9591-D0F366F8DFE9}"/>
-              </a:ext>
-            </a:extLst>
-          </p:cNvPr>
-          <p:cNvSpPr/>
-          <p:nvPr/>
-        </p:nvSpPr>
-        <p:spPr>
-          <a:xfrm flipH="1">
-            <a:off x="9162818" y="936000"/>
-            <a:ext cx="731520" cy="274320"/>
-          </a:xfrm>
-          <a:prstGeom prst="rect">
-            <a:avLst/>
-          </a:prstGeom>
-          <a:solidFill>
-            <a:schemeClr val="tx2"/>
-          </a:solidFill>
-          <a:ln>
-            <a:noFill/>
-          </a:ln>
-          <a:effectLst>
-            <a:outerShdw blurRad="50800" dist="38100" dir="2700000" algn="tl" rotWithShape="0">
-              <a:prstClr val="black">
-                <a:alpha val="40000"/>
-              </a:prstClr>
-            </a:outerShdw>
-          </a:effectLst>
-        </p:spPr>
-        <p:style>
-          <a:lnRef idx="2">
-            <a:schemeClr val="accent1">
-              <a:shade val="50000"/>
-            </a:schemeClr>
-          </a:lnRef>
-          <a:fillRef idx="1">
-            <a:schemeClr val="accent1"/>
-          </a:fillRef>
-          <a:effectRef idx="0">
-            <a:schemeClr val="accent1"/>
-          </a:effectRef>
-          <a:fontRef idx="minor">
-            <a:schemeClr val="lt1"/>
-          </a:fontRef>
-        </p:style>
-        <p:txBody>
-          <a:bodyPr rtlCol="0" anchor="ctr"/>
-          <a:lstStyle/>
-          <a:p>
-            <a:pPr algn="ctr"/>
-            <a:r>
-              <a:rPr lang="en-US" sz="1400" dirty="0"/>
-              <a:t>SWDT</a:t>
-            </a:r>
-          </a:p>
-        </p:txBody>
-      </p:sp>
-      <p:sp>
-        <p:nvSpPr>
-          <p:cNvPr id="24" name="Rectangle 65">
-            <a:extLst>
-              <a:ext uri="{FF2B5EF4-FFF2-40B4-BE49-F238E27FC236}">
-                <a16:creationId xmlns="" xmlns:a16="http://schemas.microsoft.com/office/drawing/2014/main" id="{D6E63C8D-03AC-4F1B-8AD5-6F2D08DC26BD}"/>
-              </a:ext>
-            </a:extLst>
-          </p:cNvPr>
-          <p:cNvSpPr/>
-          <p:nvPr/>
-        </p:nvSpPr>
-        <p:spPr>
-          <a:xfrm flipH="1">
-            <a:off x="7641894" y="936000"/>
-            <a:ext cx="731520" cy="274320"/>
-          </a:xfrm>
-          <a:prstGeom prst="rect">
-            <a:avLst/>
-          </a:prstGeom>
-          <a:solidFill>
-            <a:schemeClr val="tx2"/>
-          </a:solidFill>
-          <a:ln>
-            <a:noFill/>
-          </a:ln>
-          <a:effectLst>
-            <a:outerShdw blurRad="50800" dist="38100" dir="2700000" algn="tl" rotWithShape="0">
-              <a:prstClr val="black">
-                <a:alpha val="40000"/>
-              </a:prstClr>
-            </a:outerShdw>
-          </a:effectLst>
-        </p:spPr>
-        <p:style>
-          <a:lnRef idx="2">
-            <a:schemeClr val="accent1">
-              <a:shade val="50000"/>
-            </a:schemeClr>
-          </a:lnRef>
-          <a:fillRef idx="1">
-            <a:schemeClr val="accent1"/>
-          </a:fillRef>
-          <a:effectRef idx="0">
-            <a:schemeClr val="accent1"/>
-          </a:effectRef>
-          <a:fontRef idx="minor">
-            <a:schemeClr val="lt1"/>
-          </a:fontRef>
-        </p:style>
-        <p:txBody>
-          <a:bodyPr rtlCol="0" anchor="ctr"/>
-          <a:lstStyle/>
-          <a:p>
-            <a:pPr algn="ctr"/>
-            <a:r>
-              <a:rPr lang="en-US" sz="1400" dirty="0"/>
-              <a:t>TMU</a:t>
-            </a:r>
-          </a:p>
-        </p:txBody>
-      </p:sp>
-      <p:sp>
-        <p:nvSpPr>
-          <p:cNvPr id="25" name="Rectangle 65">
-            <a:extLst>
-              <a:ext uri="{FF2B5EF4-FFF2-40B4-BE49-F238E27FC236}">
-                <a16:creationId xmlns="" xmlns:a16="http://schemas.microsoft.com/office/drawing/2014/main" id="{D896A0E3-0E6C-4A36-999A-F4C3215F8259}"/>
-              </a:ext>
-            </a:extLst>
-          </p:cNvPr>
-          <p:cNvSpPr/>
-          <p:nvPr/>
-        </p:nvSpPr>
-        <p:spPr>
-          <a:xfrm flipH="1">
-            <a:off x="8402356" y="936000"/>
-            <a:ext cx="731520" cy="274320"/>
-          </a:xfrm>
-          <a:prstGeom prst="rect">
-            <a:avLst/>
-          </a:prstGeom>
-          <a:solidFill>
-            <a:schemeClr val="tx2"/>
-          </a:solidFill>
-          <a:ln>
-            <a:noFill/>
-          </a:ln>
-          <a:effectLst>
-            <a:outerShdw blurRad="50800" dist="38100" dir="2700000" algn="tl" rotWithShape="0">
-              <a:prstClr val="black">
-                <a:alpha val="40000"/>
-              </a:prstClr>
-            </a:outerShdw>
-          </a:effectLst>
-        </p:spPr>
-        <p:style>
-          <a:lnRef idx="2">
-            <a:schemeClr val="accent1">
-              <a:shade val="50000"/>
-            </a:schemeClr>
-          </a:lnRef>
-          <a:fillRef idx="1">
-            <a:schemeClr val="accent1"/>
-          </a:fillRef>
-          <a:effectRef idx="0">
-            <a:schemeClr val="accent1"/>
-          </a:effectRef>
-          <a:fontRef idx="minor">
-            <a:schemeClr val="lt1"/>
-          </a:fontRef>
-        </p:style>
-        <p:txBody>
-          <a:bodyPr rtlCol="0" anchor="ctr"/>
-          <a:lstStyle/>
-          <a:p>
-            <a:pPr algn="ctr"/>
-            <a:r>
-              <a:rPr lang="en-US" sz="1400" dirty="0"/>
-              <a:t>RWDT</a:t>
-            </a:r>
-          </a:p>
-        </p:txBody>
-      </p:sp>
-      <p:sp>
-        <p:nvSpPr>
-          <p:cNvPr id="26" name="Rectangle 65">
-            <a:extLst>
-              <a:ext uri="{FF2B5EF4-FFF2-40B4-BE49-F238E27FC236}">
-                <a16:creationId xmlns="" xmlns:a16="http://schemas.microsoft.com/office/drawing/2014/main" id="{1BE34E05-DEE9-4BC0-96A4-CB51D0D75137}"/>
-              </a:ext>
-            </a:extLst>
-          </p:cNvPr>
-          <p:cNvSpPr/>
-          <p:nvPr/>
-        </p:nvSpPr>
-        <p:spPr>
-          <a:xfrm flipH="1">
-            <a:off x="6881432" y="936000"/>
-            <a:ext cx="731520" cy="274320"/>
-          </a:xfrm>
-          <a:prstGeom prst="rect">
-            <a:avLst/>
-          </a:prstGeom>
-          <a:solidFill>
-            <a:schemeClr val="tx2"/>
-          </a:solidFill>
-          <a:ln>
-            <a:noFill/>
-          </a:ln>
-          <a:effectLst>
-            <a:outerShdw blurRad="50800" dist="38100" dir="2700000" algn="tl" rotWithShape="0">
-              <a:prstClr val="black">
-                <a:alpha val="40000"/>
-              </a:prstClr>
-            </a:outerShdw>
-          </a:effectLst>
-        </p:spPr>
-        <p:style>
-          <a:lnRef idx="2">
-            <a:schemeClr val="accent1">
-              <a:shade val="50000"/>
-            </a:schemeClr>
-          </a:lnRef>
-          <a:fillRef idx="1">
-            <a:schemeClr val="accent1"/>
-          </a:fillRef>
-          <a:effectRef idx="0">
-            <a:schemeClr val="accent1"/>
-          </a:effectRef>
-          <a:fontRef idx="minor">
-            <a:schemeClr val="lt1"/>
-          </a:fontRef>
-        </p:style>
-        <p:txBody>
-          <a:bodyPr rtlCol="0" anchor="ctr"/>
-          <a:lstStyle/>
-          <a:p>
-            <a:pPr algn="ctr"/>
-            <a:r>
-              <a:rPr lang="en-US" sz="1400" dirty="0"/>
-              <a:t>TPU</a:t>
-            </a:r>
-          </a:p>
-        </p:txBody>
-      </p:sp>
-      <p:sp>
-        <p:nvSpPr>
-          <p:cNvPr id="27" name="Rectangle 65">
-            <a:extLst>
-              <a:ext uri="{FF2B5EF4-FFF2-40B4-BE49-F238E27FC236}">
-                <a16:creationId xmlns="" xmlns:a16="http://schemas.microsoft.com/office/drawing/2014/main" id="{CDCEE58C-30C1-47FC-AC8E-094A6E17E8FE}"/>
-              </a:ext>
-            </a:extLst>
-          </p:cNvPr>
-          <p:cNvSpPr/>
-          <p:nvPr/>
-        </p:nvSpPr>
-        <p:spPr>
-          <a:xfrm flipH="1">
-            <a:off x="9162818" y="1242038"/>
-            <a:ext cx="731520" cy="274320"/>
-          </a:xfrm>
-          <a:prstGeom prst="rect">
-            <a:avLst/>
-          </a:prstGeom>
-          <a:solidFill>
-            <a:schemeClr val="tx2"/>
-          </a:solidFill>
-          <a:ln>
-            <a:noFill/>
-          </a:ln>
-          <a:effectLst>
-            <a:outerShdw blurRad="50800" dist="38100" dir="2700000" algn="tl" rotWithShape="0">
-              <a:prstClr val="black">
-                <a:alpha val="40000"/>
-              </a:prstClr>
-            </a:outerShdw>
-          </a:effectLst>
-        </p:spPr>
-        <p:style>
-          <a:lnRef idx="2">
-            <a:schemeClr val="accent1">
-              <a:shade val="50000"/>
-            </a:schemeClr>
-          </a:lnRef>
-          <a:fillRef idx="1">
-            <a:schemeClr val="accent1"/>
-          </a:fillRef>
-          <a:effectRef idx="0">
-            <a:schemeClr val="accent1"/>
-          </a:effectRef>
-          <a:fontRef idx="minor">
-            <a:schemeClr val="lt1"/>
-          </a:fontRef>
-        </p:style>
-        <p:txBody>
-          <a:bodyPr rtlCol="0" anchor="ctr"/>
-          <a:lstStyle/>
-          <a:p>
-            <a:pPr algn="ctr"/>
-            <a:r>
-              <a:rPr lang="en-US" sz="1400" dirty="0"/>
-              <a:t>SWDT</a:t>
-            </a:r>
-          </a:p>
-        </p:txBody>
-      </p:sp>
-      <p:sp>
-        <p:nvSpPr>
-          <p:cNvPr id="28" name="Rectangle 65">
-            <a:extLst>
-              <a:ext uri="{FF2B5EF4-FFF2-40B4-BE49-F238E27FC236}">
-                <a16:creationId xmlns="" xmlns:a16="http://schemas.microsoft.com/office/drawing/2014/main" id="{214F3349-F9B9-4FA5-B313-4303DD4B2A7B}"/>
-              </a:ext>
-            </a:extLst>
-          </p:cNvPr>
-          <p:cNvSpPr/>
-          <p:nvPr/>
-        </p:nvSpPr>
-        <p:spPr>
-          <a:xfrm flipH="1">
-            <a:off x="7641894" y="1242038"/>
-            <a:ext cx="731520" cy="274320"/>
-          </a:xfrm>
-          <a:prstGeom prst="rect">
-            <a:avLst/>
-          </a:prstGeom>
-          <a:solidFill>
-            <a:schemeClr val="tx2"/>
-          </a:solidFill>
-          <a:ln>
-            <a:noFill/>
-          </a:ln>
-          <a:effectLst>
-            <a:outerShdw blurRad="50800" dist="38100" dir="2700000" algn="tl" rotWithShape="0">
-              <a:prstClr val="black">
-                <a:alpha val="40000"/>
-              </a:prstClr>
-            </a:outerShdw>
-          </a:effectLst>
-        </p:spPr>
-        <p:style>
-          <a:lnRef idx="2">
-            <a:schemeClr val="accent1">
-              <a:shade val="50000"/>
-            </a:schemeClr>
-          </a:lnRef>
-          <a:fillRef idx="1">
-            <a:schemeClr val="accent1"/>
-          </a:fillRef>
-          <a:effectRef idx="0">
-            <a:schemeClr val="accent1"/>
-          </a:effectRef>
-          <a:fontRef idx="minor">
-            <a:schemeClr val="lt1"/>
-          </a:fontRef>
-        </p:style>
-        <p:txBody>
-          <a:bodyPr rtlCol="0" anchor="ctr"/>
-          <a:lstStyle/>
-          <a:p>
-            <a:pPr algn="ctr"/>
-            <a:r>
-              <a:rPr lang="en-US" sz="1400" dirty="0"/>
-              <a:t>TMU</a:t>
-            </a:r>
-          </a:p>
-        </p:txBody>
-      </p:sp>
-      <p:sp>
-        <p:nvSpPr>
-          <p:cNvPr id="29" name="Rectangle 65">
-            <a:extLst>
-              <a:ext uri="{FF2B5EF4-FFF2-40B4-BE49-F238E27FC236}">
-                <a16:creationId xmlns="" xmlns:a16="http://schemas.microsoft.com/office/drawing/2014/main" id="{72436A4A-07F9-46C0-8AAA-42D54B6C4ECD}"/>
-              </a:ext>
-            </a:extLst>
-          </p:cNvPr>
-          <p:cNvSpPr/>
-          <p:nvPr/>
-        </p:nvSpPr>
-        <p:spPr>
-          <a:xfrm flipH="1">
-            <a:off x="8402356" y="1242038"/>
-            <a:ext cx="731520" cy="274320"/>
-          </a:xfrm>
-          <a:prstGeom prst="rect">
-            <a:avLst/>
-          </a:prstGeom>
-          <a:solidFill>
-            <a:schemeClr val="tx2"/>
-          </a:solidFill>
-          <a:ln>
-            <a:noFill/>
-          </a:ln>
-          <a:effectLst>
-            <a:outerShdw blurRad="50800" dist="38100" dir="2700000" algn="tl" rotWithShape="0">
-              <a:prstClr val="black">
-                <a:alpha val="40000"/>
-              </a:prstClr>
-            </a:outerShdw>
-          </a:effectLst>
-        </p:spPr>
-        <p:style>
-          <a:lnRef idx="2">
-            <a:schemeClr val="accent1">
-              <a:shade val="50000"/>
-            </a:schemeClr>
-          </a:lnRef>
-          <a:fillRef idx="1">
-            <a:schemeClr val="accent1"/>
-          </a:fillRef>
-          <a:effectRef idx="0">
-            <a:schemeClr val="accent1"/>
-          </a:effectRef>
-          <a:fontRef idx="minor">
-            <a:schemeClr val="lt1"/>
-          </a:fontRef>
-        </p:style>
-        <p:txBody>
-          <a:bodyPr rtlCol="0" anchor="ctr"/>
-          <a:lstStyle/>
-          <a:p>
-            <a:pPr algn="ctr"/>
-            <a:r>
-              <a:rPr lang="en-US" sz="1400" dirty="0"/>
-              <a:t>RWDT</a:t>
-            </a:r>
-          </a:p>
-        </p:txBody>
-      </p:sp>
-      <p:sp>
-        <p:nvSpPr>
-          <p:cNvPr id="30" name="Rectangle 65">
-            <a:extLst>
-              <a:ext uri="{FF2B5EF4-FFF2-40B4-BE49-F238E27FC236}">
-                <a16:creationId xmlns="" xmlns:a16="http://schemas.microsoft.com/office/drawing/2014/main" id="{BF84A264-4CCB-467A-AF91-18BBD08CAC9F}"/>
-              </a:ext>
-            </a:extLst>
-          </p:cNvPr>
-          <p:cNvSpPr/>
-          <p:nvPr/>
-        </p:nvSpPr>
-        <p:spPr>
-          <a:xfrm flipH="1">
-            <a:off x="6881432" y="1242038"/>
-            <a:ext cx="731520" cy="274320"/>
-          </a:xfrm>
-          <a:prstGeom prst="rect">
-            <a:avLst/>
-          </a:prstGeom>
-          <a:solidFill>
-            <a:schemeClr val="tx2"/>
-          </a:solidFill>
-          <a:ln>
-            <a:noFill/>
-          </a:ln>
-          <a:effectLst>
-            <a:outerShdw blurRad="50800" dist="38100" dir="2700000" algn="tl" rotWithShape="0">
-              <a:prstClr val="black">
-                <a:alpha val="40000"/>
-              </a:prstClr>
-            </a:outerShdw>
-          </a:effectLst>
-        </p:spPr>
-        <p:style>
-          <a:lnRef idx="2">
-            <a:schemeClr val="accent1">
-              <a:shade val="50000"/>
-            </a:schemeClr>
-          </a:lnRef>
-          <a:fillRef idx="1">
-            <a:schemeClr val="accent1"/>
-          </a:fillRef>
-          <a:effectRef idx="0">
-            <a:schemeClr val="accent1"/>
-          </a:effectRef>
-          <a:fontRef idx="minor">
-            <a:schemeClr val="lt1"/>
-          </a:fontRef>
-        </p:style>
-        <p:txBody>
-          <a:bodyPr rtlCol="0" anchor="ctr"/>
-          <a:lstStyle/>
-          <a:p>
-            <a:pPr algn="ctr"/>
-            <a:r>
-              <a:rPr lang="en-US" sz="1400" dirty="0"/>
-              <a:t>TPU</a:t>
-            </a:r>
-          </a:p>
-        </p:txBody>
-      </p:sp>
-    </p:spTree>
-    <p:extLst>
-      <p:ext uri="{BB962C8B-B14F-4D97-AF65-F5344CB8AC3E}">
-        <p14:creationId xmlns:p14="http://schemas.microsoft.com/office/powerpoint/2010/main" val="1954927421"/>
-      </p:ext>
-    </p:extLst>
-  </p:cSld>
-  <p:clrMapOvr>
-    <a:masterClrMapping/>
-  </p:clrMapOvr>
-</p:sld>
-</file>
-
-<file path=ppt/slides/slide9.xml><?xml version="1.0" encoding="utf-8"?>
-<p:sld xmlns:a="http://schemas.openxmlformats.org/drawingml/2006/main" xmlns:r="http://schemas.openxmlformats.org/officeDocument/2006/relationships" xmlns:p="http://schemas.openxmlformats.org/presentationml/2006/main">
-  <p:cSld>
-    <p:spTree>
-      <p:nvGrpSpPr>
-        <p:cNvPr id="1" name=""/>
-        <p:cNvGrpSpPr/>
-        <p:nvPr/>
-      </p:nvGrpSpPr>
-      <p:grpSpPr>
-        <a:xfrm>
-          <a:off x="0" y="0"/>
-          <a:ext cx="0" cy="0"/>
-          <a:chOff x="0" y="0"/>
-          <a:chExt cx="0" cy="0"/>
-        </a:xfrm>
-      </p:grpSpPr>
-      <p:sp>
-        <p:nvSpPr>
-          <p:cNvPr id="2" name="Title 1"/>
-          <p:cNvSpPr>
-            <a:spLocks noGrp="1"/>
-          </p:cNvSpPr>
-          <p:nvPr>
-            <p:ph type="title"/>
-          </p:nvPr>
-        </p:nvSpPr>
-        <p:spPr/>
-        <p:txBody>
-          <a:bodyPr/>
-          <a:lstStyle/>
-          <a:p>
-            <a:r>
-              <a:rPr lang="en-US" dirty="0"/>
-              <a:t>FUNCTIONAL VERIFICATION</a:t>
-            </a:r>
-          </a:p>
-        </p:txBody>
-      </p:sp>
-      <p:sp>
-        <p:nvSpPr>
-          <p:cNvPr id="3" name="Slide Number Placeholder 2"/>
-          <p:cNvSpPr>
-            <a:spLocks noGrp="1"/>
-          </p:cNvSpPr>
-          <p:nvPr>
-            <p:ph type="sldNum" sz="quarter" idx="10"/>
-          </p:nvPr>
-        </p:nvSpPr>
-        <p:spPr/>
-        <p:txBody>
-          <a:bodyPr/>
-          <a:lstStyle/>
-          <a:p>
-            <a:pPr algn="l"/>
-            <a:r>
-              <a:rPr lang="de-DE"/>
-              <a:t>Page </a:t>
-            </a:r>
-            <a:fld id="{3FD030EF-7044-4946-962A-5D7D09BD1B34}" type="slidenum">
-              <a:rPr lang="de-DE" smtClean="0"/>
-              <a:pPr algn="l"/>
-              <a:t>9</a:t>
-            </a:fld>
-            <a:endParaRPr lang="de-DE" dirty="0"/>
-          </a:p>
-        </p:txBody>
-      </p:sp>
-      <p:grpSp>
-        <p:nvGrpSpPr>
-          <p:cNvPr id="28" name="Nhóm 27">
-            <a:extLst>
-              <a:ext uri="{FF2B5EF4-FFF2-40B4-BE49-F238E27FC236}">
-                <a16:creationId xmlns="" xmlns:a16="http://schemas.microsoft.com/office/drawing/2014/main" id="{A22FA561-2E1E-4D0D-9D58-75839BA6075C}"/>
-              </a:ext>
-            </a:extLst>
-          </p:cNvPr>
-          <p:cNvGrpSpPr/>
-          <p:nvPr/>
-        </p:nvGrpSpPr>
-        <p:grpSpPr>
-          <a:xfrm>
-            <a:off x="1080000" y="1672429"/>
-            <a:ext cx="6367792" cy="923330"/>
-            <a:chOff x="506534" y="2939553"/>
-            <a:chExt cx="6367792" cy="923330"/>
-          </a:xfrm>
-        </p:grpSpPr>
-        <p:pic>
-          <p:nvPicPr>
-            <p:cNvPr id="11" name="Đồ họa 10" descr="Danh sách">
-              <a:extLst>
-                <a:ext uri="{FF2B5EF4-FFF2-40B4-BE49-F238E27FC236}">
-                  <a16:creationId xmlns="" xmlns:a16="http://schemas.microsoft.com/office/drawing/2014/main" id="{B9D46646-FACA-4589-BAD1-3CD8D5E3477A}"/>
-                </a:ext>
-              </a:extLst>
-            </p:cNvPr>
-            <p:cNvPicPr>
-              <a:picLocks noChangeAspect="1"/>
-            </p:cNvPicPr>
-            <p:nvPr/>
-          </p:nvPicPr>
-          <p:blipFill>
-            <a:blip r:embed="rId2" cstate="print">
-              <a:extLst>
-                <a:ext uri="{28A0092B-C50C-407E-A947-70E740481C1C}">
-                  <a14:useLocalDpi xmlns:a14="http://schemas.microsoft.com/office/drawing/2010/main" val="0"/>
-                </a:ext>
-                <a:ext uri="{96DAC541-7B7A-43D3-8B79-37D633B846F1}">
-                  <asvg:svgBlip xmlns="" xmlns:asvg="http://schemas.microsoft.com/office/drawing/2016/SVG/main" r:embed="rId3"/>
-                </a:ext>
-              </a:extLst>
-            </a:blip>
-            <a:stretch>
-              <a:fillRect/>
-            </a:stretch>
-          </p:blipFill>
-          <p:spPr>
-            <a:xfrm>
-              <a:off x="506534" y="2939553"/>
-              <a:ext cx="457200" cy="457200"/>
-            </a:xfrm>
-            <a:prstGeom prst="rect">
-              <a:avLst/>
-            </a:prstGeom>
-          </p:spPr>
-        </p:pic>
-        <p:sp>
-          <p:nvSpPr>
-            <p:cNvPr id="20" name="Hộp Văn bản 19">
-              <a:extLst>
-                <a:ext uri="{FF2B5EF4-FFF2-40B4-BE49-F238E27FC236}">
-                  <a16:creationId xmlns="" xmlns:a16="http://schemas.microsoft.com/office/drawing/2014/main" id="{B7CF234B-BE45-4E9C-A67F-CD4A7B347EAD}"/>
-                </a:ext>
-              </a:extLst>
-            </p:cNvPr>
-            <p:cNvSpPr txBox="1"/>
-            <p:nvPr/>
-          </p:nvSpPr>
-          <p:spPr>
-            <a:xfrm>
-              <a:off x="963734" y="2939553"/>
-              <a:ext cx="5910592" cy="923330"/>
-            </a:xfrm>
-            <a:prstGeom prst="rect">
-              <a:avLst/>
-            </a:prstGeom>
-            <a:noFill/>
-          </p:spPr>
-          <p:txBody>
-            <a:bodyPr wrap="none" rtlCol="0">
-              <a:spAutoFit/>
-            </a:bodyPr>
-            <a:lstStyle/>
-            <a:p>
-              <a:r>
-                <a:rPr lang="en-US" b="1" dirty="0"/>
-                <a:t>Check specification (I2C)</a:t>
-              </a:r>
-            </a:p>
-            <a:p>
-              <a:r>
-                <a:rPr lang="en-US" dirty="0"/>
-                <a:t>+ </a:t>
-              </a:r>
-              <a:r>
-                <a:rPr lang="en-US" u="sng" dirty="0"/>
-                <a:t>Check</a:t>
-              </a:r>
-              <a:r>
-                <a:rPr lang="en-US" dirty="0"/>
-                <a:t> the current specs and the new change </a:t>
-              </a:r>
-              <a:r>
-                <a:rPr lang="en-US" dirty="0" smtClean="0"/>
-                <a:t>points</a:t>
-              </a:r>
-              <a:endParaRPr lang="en-US" dirty="0"/>
-            </a:p>
-            <a:p>
-              <a:r>
-                <a:rPr lang="en-US" dirty="0"/>
-                <a:t>+ </a:t>
-              </a:r>
-              <a:r>
-                <a:rPr lang="en-US" u="sng" dirty="0"/>
-                <a:t>Feedback</a:t>
-              </a:r>
-              <a:r>
-                <a:rPr lang="en-US" dirty="0"/>
-                <a:t> for specs problem, </a:t>
-              </a:r>
-              <a:r>
-                <a:rPr lang="en-US" u="sng" dirty="0"/>
-                <a:t>propose</a:t>
-              </a:r>
-              <a:r>
-                <a:rPr lang="en-US" dirty="0"/>
-                <a:t> </a:t>
-              </a:r>
-              <a:r>
-                <a:rPr lang="en-US" dirty="0" smtClean="0"/>
-                <a:t>idea </a:t>
-              </a:r>
-              <a:r>
-                <a:rPr lang="en-US" dirty="0"/>
-                <a:t>to the REL</a:t>
-              </a:r>
-            </a:p>
-          </p:txBody>
-        </p:sp>
-      </p:grpSp>
-      <p:grpSp>
-        <p:nvGrpSpPr>
-          <p:cNvPr id="29" name="Nhóm 28">
-            <a:extLst>
-              <a:ext uri="{FF2B5EF4-FFF2-40B4-BE49-F238E27FC236}">
-                <a16:creationId xmlns="" xmlns:a16="http://schemas.microsoft.com/office/drawing/2014/main" id="{B509A667-22C3-445E-8ECD-9783ED13AA98}"/>
-              </a:ext>
-            </a:extLst>
-          </p:cNvPr>
-          <p:cNvGrpSpPr/>
-          <p:nvPr/>
-        </p:nvGrpSpPr>
-        <p:grpSpPr>
-          <a:xfrm>
-            <a:off x="1080000" y="2619336"/>
-            <a:ext cx="8028503" cy="615553"/>
-            <a:chOff x="506534" y="3426903"/>
-            <a:chExt cx="8028503" cy="615553"/>
-          </a:xfrm>
-        </p:grpSpPr>
-        <p:pic>
-          <p:nvPicPr>
-            <p:cNvPr id="9" name="Đồ họa 8" descr="Danh sách kiểm tra">
-              <a:extLst>
-                <a:ext uri="{FF2B5EF4-FFF2-40B4-BE49-F238E27FC236}">
-                  <a16:creationId xmlns="" xmlns:a16="http://schemas.microsoft.com/office/drawing/2014/main" id="{E2F29AF9-A4F2-4A84-AEFB-4DDDE94500AF}"/>
-                </a:ext>
-              </a:extLst>
-            </p:cNvPr>
-            <p:cNvPicPr>
-              <a:picLocks noChangeAspect="1"/>
-            </p:cNvPicPr>
-            <p:nvPr/>
-          </p:nvPicPr>
-          <p:blipFill>
-            <a:blip r:embed="rId4" cstate="print">
-              <a:extLst>
-                <a:ext uri="{28A0092B-C50C-407E-A947-70E740481C1C}">
-                  <a14:useLocalDpi xmlns:a14="http://schemas.microsoft.com/office/drawing/2010/main" val="0"/>
-                </a:ext>
-                <a:ext uri="{96DAC541-7B7A-43D3-8B79-37D633B846F1}">
-                  <asvg:svgBlip xmlns="" xmlns:asvg="http://schemas.microsoft.com/office/drawing/2016/SVG/main" r:embed="rId5"/>
-                </a:ext>
-              </a:extLst>
-            </a:blip>
-            <a:stretch>
-              <a:fillRect/>
-            </a:stretch>
-          </p:blipFill>
-          <p:spPr>
-            <a:xfrm>
-              <a:off x="506534" y="3426903"/>
-              <a:ext cx="457200" cy="457200"/>
-            </a:xfrm>
-            <a:prstGeom prst="rect">
-              <a:avLst/>
-            </a:prstGeom>
-          </p:spPr>
-        </p:pic>
-        <p:sp>
-          <p:nvSpPr>
-            <p:cNvPr id="21" name="Hộp Văn bản 20">
-              <a:extLst>
-                <a:ext uri="{FF2B5EF4-FFF2-40B4-BE49-F238E27FC236}">
-                  <a16:creationId xmlns="" xmlns:a16="http://schemas.microsoft.com/office/drawing/2014/main" id="{23A44B04-637F-443B-B249-D55F2E3875A3}"/>
-                </a:ext>
-              </a:extLst>
-            </p:cNvPr>
-            <p:cNvSpPr txBox="1"/>
-            <p:nvPr/>
-          </p:nvSpPr>
-          <p:spPr>
-            <a:xfrm>
-              <a:off x="963734" y="3426903"/>
-              <a:ext cx="7571303" cy="615553"/>
-            </a:xfrm>
-            <a:prstGeom prst="rect">
-              <a:avLst/>
-            </a:prstGeom>
-            <a:noFill/>
-          </p:spPr>
-          <p:txBody>
-            <a:bodyPr wrap="none" rtlCol="0">
-              <a:spAutoFit/>
-            </a:bodyPr>
-            <a:lstStyle/>
-            <a:p>
-              <a:r>
-                <a:rPr lang="en-US" b="1" dirty="0"/>
-                <a:t>Create verification items check list (I2C)</a:t>
-              </a:r>
-            </a:p>
-            <a:p>
-              <a:r>
-                <a:rPr lang="en-US" sz="1600" dirty="0"/>
-                <a:t>+ </a:t>
-              </a:r>
-              <a:r>
-                <a:rPr lang="en-US" sz="1600" u="sng" dirty="0"/>
-                <a:t>Determine</a:t>
-              </a:r>
-              <a:r>
-                <a:rPr lang="en-US" sz="1600" dirty="0"/>
-                <a:t> necessary check items based on the specs and the legacy check list</a:t>
-              </a:r>
-            </a:p>
-          </p:txBody>
-        </p:sp>
-      </p:grpSp>
-      <p:grpSp>
-        <p:nvGrpSpPr>
-          <p:cNvPr id="30" name="Nhóm 29">
-            <a:extLst>
-              <a:ext uri="{FF2B5EF4-FFF2-40B4-BE49-F238E27FC236}">
-                <a16:creationId xmlns="" xmlns:a16="http://schemas.microsoft.com/office/drawing/2014/main" id="{ADD44F73-D7E6-4184-9C5D-80B134FE1311}"/>
-              </a:ext>
-            </a:extLst>
-          </p:cNvPr>
-          <p:cNvGrpSpPr/>
-          <p:nvPr/>
-        </p:nvGrpSpPr>
-        <p:grpSpPr>
-          <a:xfrm>
-            <a:off x="1080000" y="3260013"/>
-            <a:ext cx="9871444" cy="1107996"/>
-            <a:chOff x="506534" y="4095924"/>
-            <a:chExt cx="9871444" cy="1107996"/>
-          </a:xfrm>
-        </p:grpSpPr>
-        <p:pic>
-          <p:nvPicPr>
-            <p:cNvPr id="13" name="Đồ họa 12" descr="Cơ sở dữ liệu">
-              <a:extLst>
-                <a:ext uri="{FF2B5EF4-FFF2-40B4-BE49-F238E27FC236}">
-                  <a16:creationId xmlns="" xmlns:a16="http://schemas.microsoft.com/office/drawing/2014/main" id="{4FBF62DF-BF53-406D-9929-0B695643BD68}"/>
-                </a:ext>
-              </a:extLst>
-            </p:cNvPr>
-            <p:cNvPicPr>
-              <a:picLocks noChangeAspect="1"/>
-            </p:cNvPicPr>
-            <p:nvPr/>
-          </p:nvPicPr>
-          <p:blipFill>
-            <a:blip r:embed="rId6" cstate="print">
-              <a:extLst>
-                <a:ext uri="{28A0092B-C50C-407E-A947-70E740481C1C}">
-                  <a14:useLocalDpi xmlns:a14="http://schemas.microsoft.com/office/drawing/2010/main" val="0"/>
-                </a:ext>
-                <a:ext uri="{96DAC541-7B7A-43D3-8B79-37D633B846F1}">
-                  <asvg:svgBlip xmlns="" xmlns:asvg="http://schemas.microsoft.com/office/drawing/2016/SVG/main" r:embed="rId7"/>
-                </a:ext>
-              </a:extLst>
-            </a:blip>
-            <a:stretch>
-              <a:fillRect/>
-            </a:stretch>
-          </p:blipFill>
-          <p:spPr>
-            <a:xfrm>
-              <a:off x="506534" y="4095924"/>
-              <a:ext cx="457200" cy="457200"/>
-            </a:xfrm>
-            <a:prstGeom prst="rect">
-              <a:avLst/>
-            </a:prstGeom>
-          </p:spPr>
-        </p:pic>
-        <p:sp>
-          <p:nvSpPr>
-            <p:cNvPr id="22" name="Hộp Văn bản 21">
-              <a:extLst>
-                <a:ext uri="{FF2B5EF4-FFF2-40B4-BE49-F238E27FC236}">
-                  <a16:creationId xmlns="" xmlns:a16="http://schemas.microsoft.com/office/drawing/2014/main" id="{80318687-91C5-4D9C-8EC5-E227278A1053}"/>
-                </a:ext>
-              </a:extLst>
-            </p:cNvPr>
-            <p:cNvSpPr txBox="1"/>
-            <p:nvPr/>
-          </p:nvSpPr>
-          <p:spPr>
-            <a:xfrm>
-              <a:off x="963734" y="4095924"/>
-              <a:ext cx="9414244" cy="1107996"/>
-            </a:xfrm>
-            <a:prstGeom prst="rect">
-              <a:avLst/>
-            </a:prstGeom>
-            <a:noFill/>
-          </p:spPr>
-          <p:txBody>
-            <a:bodyPr wrap="none" rtlCol="0">
-              <a:spAutoFit/>
-            </a:bodyPr>
-            <a:lstStyle/>
-            <a:p>
-              <a:r>
-                <a:rPr lang="en-US" b="1" dirty="0"/>
-                <a:t>Create test patterns for functional verification</a:t>
+                <a:t>+ Modify assembly patterns for SWDT(27), RWDT(27), TMU(145), TPU(8)</a:t>
               </a:r>
             </a:p>
             <a:p>
@@ -31347,7 +30818,7 @@
               </a:r>
               <a:r>
                 <a:rPr lang="en-US" sz="1600" u="sng" dirty="0"/>
-                <a:t>24 patterns in C</a:t>
+                <a:t>30 patterns in C</a:t>
               </a:r>
               <a:r>
                 <a:rPr lang="en-US" sz="1600" dirty="0"/>
@@ -31379,22 +30850,285 @@
               </a:r>
               <a:r>
                 <a:rPr lang="en-US" sz="1600" dirty="0"/>
-                <a:t> (CT Pattern Builder) that </a:t>
-              </a:r>
-              <a:r>
-                <a:rPr lang="en-US" sz="1600" u="sng" dirty="0"/>
-                <a:t>reduces a lot of work load</a:t>
+                <a:t> (CT Pattern Builder) that can apply for any module and any kind of pattern with high output quality</a:t>
               </a:r>
             </a:p>
           </p:txBody>
         </p:sp>
       </p:grpSp>
+      <p:sp>
+        <p:nvSpPr>
+          <p:cNvPr id="40" name="Rectangle 65">
+            <a:extLst>
+              <a:ext uri="{FF2B5EF4-FFF2-40B4-BE49-F238E27FC236}">
+                <a16:creationId xmlns:a16="http://schemas.microsoft.com/office/drawing/2014/main" id="{EAEB1B0D-15B1-402C-948F-8263E99DCFED}"/>
+              </a:ext>
+            </a:extLst>
+          </p:cNvPr>
+          <p:cNvSpPr/>
+          <p:nvPr/>
+        </p:nvSpPr>
+        <p:spPr>
+          <a:xfrm flipH="1">
+            <a:off x="9923280" y="1545963"/>
+            <a:ext cx="1188720" cy="274320"/>
+          </a:xfrm>
+          <a:prstGeom prst="rect">
+            <a:avLst/>
+          </a:prstGeom>
+          <a:solidFill>
+            <a:schemeClr val="tx1"/>
+          </a:solidFill>
+          <a:ln>
+            <a:noFill/>
+          </a:ln>
+          <a:effectLst>
+            <a:outerShdw blurRad="50800" dist="38100" dir="2700000" algn="tl" rotWithShape="0">
+              <a:prstClr val="black">
+                <a:alpha val="40000"/>
+              </a:prstClr>
+            </a:outerShdw>
+          </a:effectLst>
+        </p:spPr>
+        <p:style>
+          <a:lnRef idx="2">
+            <a:schemeClr val="accent1">
+              <a:shade val="50000"/>
+            </a:schemeClr>
+          </a:lnRef>
+          <a:fillRef idx="1">
+            <a:schemeClr val="accent1"/>
+          </a:fillRef>
+          <a:effectRef idx="0">
+            <a:schemeClr val="accent1"/>
+          </a:effectRef>
+          <a:fontRef idx="minor">
+            <a:schemeClr val="lt1"/>
+          </a:fontRef>
+        </p:style>
+        <p:txBody>
+          <a:bodyPr rtlCol="0" anchor="ctr"/>
+          <a:lstStyle/>
+          <a:p>
+            <a:pPr algn="ctr"/>
+            <a:r>
+              <a:rPr lang="en-US" sz="1400" dirty="0"/>
+              <a:t>V3U-AD</a:t>
+            </a:r>
+          </a:p>
+        </p:txBody>
+      </p:sp>
+      <p:sp>
+        <p:nvSpPr>
+          <p:cNvPr id="41" name="Rectangle 65">
+            <a:extLst>
+              <a:ext uri="{FF2B5EF4-FFF2-40B4-BE49-F238E27FC236}">
+                <a16:creationId xmlns:a16="http://schemas.microsoft.com/office/drawing/2014/main" id="{BCBFFD49-0A24-4D02-9923-B2A6870F6855}"/>
+              </a:ext>
+            </a:extLst>
+          </p:cNvPr>
+          <p:cNvSpPr/>
+          <p:nvPr/>
+        </p:nvSpPr>
+        <p:spPr>
+          <a:xfrm flipH="1">
+            <a:off x="9162818" y="1545963"/>
+            <a:ext cx="731520" cy="274320"/>
+          </a:xfrm>
+          <a:prstGeom prst="rect">
+            <a:avLst/>
+          </a:prstGeom>
+          <a:solidFill>
+            <a:schemeClr val="tx2"/>
+          </a:solidFill>
+          <a:ln>
+            <a:noFill/>
+          </a:ln>
+          <a:effectLst>
+            <a:outerShdw blurRad="50800" dist="38100" dir="2700000" algn="tl" rotWithShape="0">
+              <a:prstClr val="black">
+                <a:alpha val="40000"/>
+              </a:prstClr>
+            </a:outerShdw>
+          </a:effectLst>
+        </p:spPr>
+        <p:style>
+          <a:lnRef idx="2">
+            <a:schemeClr val="accent1">
+              <a:shade val="50000"/>
+            </a:schemeClr>
+          </a:lnRef>
+          <a:fillRef idx="1">
+            <a:schemeClr val="accent1"/>
+          </a:fillRef>
+          <a:effectRef idx="0">
+            <a:schemeClr val="accent1"/>
+          </a:effectRef>
+          <a:fontRef idx="minor">
+            <a:schemeClr val="lt1"/>
+          </a:fontRef>
+        </p:style>
+        <p:txBody>
+          <a:bodyPr rtlCol="0" anchor="ctr"/>
+          <a:lstStyle/>
+          <a:p>
+            <a:pPr algn="ctr"/>
+            <a:r>
+              <a:rPr lang="en-US" sz="1400" dirty="0"/>
+              <a:t>I2C</a:t>
+            </a:r>
+          </a:p>
+        </p:txBody>
+      </p:sp>
+      <p:sp>
+        <p:nvSpPr>
+          <p:cNvPr id="42" name="Rectangle 65">
+            <a:extLst>
+              <a:ext uri="{FF2B5EF4-FFF2-40B4-BE49-F238E27FC236}">
+                <a16:creationId xmlns:a16="http://schemas.microsoft.com/office/drawing/2014/main" id="{96235D11-C898-45BD-AF74-73C518B8ED31}"/>
+              </a:ext>
+            </a:extLst>
+          </p:cNvPr>
+          <p:cNvSpPr/>
+          <p:nvPr/>
+        </p:nvSpPr>
+        <p:spPr>
+          <a:xfrm flipH="1">
+            <a:off x="8402356" y="1545963"/>
+            <a:ext cx="731520" cy="274320"/>
+          </a:xfrm>
+          <a:prstGeom prst="rect">
+            <a:avLst/>
+          </a:prstGeom>
+          <a:solidFill>
+            <a:schemeClr val="tx2"/>
+          </a:solidFill>
+          <a:ln>
+            <a:noFill/>
+          </a:ln>
+          <a:effectLst>
+            <a:outerShdw blurRad="50800" dist="38100" dir="2700000" algn="tl" rotWithShape="0">
+              <a:prstClr val="black">
+                <a:alpha val="40000"/>
+              </a:prstClr>
+            </a:outerShdw>
+          </a:effectLst>
+        </p:spPr>
+        <p:style>
+          <a:lnRef idx="2">
+            <a:schemeClr val="accent1">
+              <a:shade val="50000"/>
+            </a:schemeClr>
+          </a:lnRef>
+          <a:fillRef idx="1">
+            <a:schemeClr val="accent1"/>
+          </a:fillRef>
+          <a:effectRef idx="0">
+            <a:schemeClr val="accent1"/>
+          </a:effectRef>
+          <a:fontRef idx="minor">
+            <a:schemeClr val="lt1"/>
+          </a:fontRef>
+        </p:style>
+        <p:txBody>
+          <a:bodyPr rtlCol="0" anchor="ctr"/>
+          <a:lstStyle/>
+          <a:p>
+            <a:pPr algn="ctr"/>
+            <a:r>
+              <a:rPr lang="en-US" sz="1400" dirty="0"/>
+              <a:t>DMAC</a:t>
+            </a:r>
+          </a:p>
+        </p:txBody>
+      </p:sp>
+    </p:spTree>
+    <p:extLst>
+      <p:ext uri="{BB962C8B-B14F-4D97-AF65-F5344CB8AC3E}">
+        <p14:creationId xmlns:p14="http://schemas.microsoft.com/office/powerpoint/2010/main" val="1954927421"/>
+      </p:ext>
+    </p:extLst>
+  </p:cSld>
+  <p:clrMapOvr>
+    <a:masterClrMapping/>
+  </p:clrMapOvr>
+</p:sld>
+</file>
+
+<file path=ppt/slides/slide9.xml><?xml version="1.0" encoding="utf-8"?>
+<p:sld xmlns:a="http://schemas.openxmlformats.org/drawingml/2006/main" xmlns:r="http://schemas.openxmlformats.org/officeDocument/2006/relationships" xmlns:p="http://schemas.openxmlformats.org/presentationml/2006/main">
+  <p:cSld>
+    <p:spTree>
+      <p:nvGrpSpPr>
+        <p:cNvPr id="1" name=""/>
+        <p:cNvGrpSpPr/>
+        <p:nvPr/>
+      </p:nvGrpSpPr>
+      <p:grpSpPr>
+        <a:xfrm>
+          <a:off x="0" y="0"/>
+          <a:ext cx="0" cy="0"/>
+          <a:chOff x="0" y="0"/>
+          <a:chExt cx="0" cy="0"/>
+        </a:xfrm>
+      </p:grpSpPr>
+      <p:sp>
+        <p:nvSpPr>
+          <p:cNvPr id="2" name="Title 1"/>
+          <p:cNvSpPr>
+            <a:spLocks noGrp="1"/>
+          </p:cNvSpPr>
+          <p:nvPr>
+            <p:ph type="title"/>
+          </p:nvPr>
+        </p:nvSpPr>
+        <p:spPr/>
+        <p:txBody>
+          <a:bodyPr/>
+          <a:lstStyle/>
+          <a:p>
+            <a:r>
+              <a:rPr lang="en-US" dirty="0"/>
+              <a:t>FUNCTIONAL VERIFICATION</a:t>
+            </a:r>
+          </a:p>
+        </p:txBody>
+      </p:sp>
+      <p:sp>
+        <p:nvSpPr>
+          <p:cNvPr id="3" name="Slide Number Placeholder 2"/>
+          <p:cNvSpPr>
+            <a:spLocks noGrp="1"/>
+          </p:cNvSpPr>
+          <p:nvPr>
+            <p:ph type="sldNum" sz="quarter" idx="10"/>
+          </p:nvPr>
+        </p:nvSpPr>
+        <p:spPr/>
+        <p:txBody>
+          <a:bodyPr/>
+          <a:lstStyle/>
+          <a:p>
+            <a:pPr algn="l"/>
+            <a:r>
+              <a:rPr lang="de-DE"/>
+              <a:t>Page </a:t>
+            </a:r>
+            <a:fld id="{3FD030EF-7044-4946-962A-5D7D09BD1B34}" type="slidenum">
+              <a:rPr lang="de-DE" smtClean="0"/>
+              <a:pPr algn="l"/>
+              <a:t>9</a:t>
+            </a:fld>
+            <a:endParaRPr lang="de-DE" dirty="0"/>
+          </a:p>
+        </p:txBody>
+      </p:sp>
       <p:grpSp>
         <p:nvGrpSpPr>
           <p:cNvPr id="31" name="Nhóm 30">
             <a:extLst>
               <a:ext uri="{FF2B5EF4-FFF2-40B4-BE49-F238E27FC236}">
-                <a16:creationId xmlns="" xmlns:a16="http://schemas.microsoft.com/office/drawing/2014/main" id="{22BF9D0B-136C-408B-B280-6963B306BB83}"/>
+                <a16:creationId xmlns:a16="http://schemas.microsoft.com/office/drawing/2014/main" id="{22BF9D0B-136C-408B-B280-6963B306BB83}"/>
               </a:ext>
             </a:extLst>
           </p:cNvPr>
@@ -31403,10 +31137,10 @@
         </p:nvGrpSpPr>
         <p:grpSpPr>
           <a:xfrm>
-            <a:off x="1080000" y="4394515"/>
-            <a:ext cx="5649519" cy="861774"/>
+            <a:off x="1080000" y="1726813"/>
+            <a:ext cx="10032001" cy="1600438"/>
             <a:chOff x="506534" y="4764945"/>
-            <a:chExt cx="5649519" cy="861774"/>
+            <a:chExt cx="10032001" cy="1600438"/>
           </a:xfrm>
         </p:grpSpPr>
         <p:pic>
@@ -31414,7 +31148,7 @@
             <p:cNvPr id="15" name="Đồ họa 14" descr="Xe chở bê tông">
               <a:extLst>
                 <a:ext uri="{FF2B5EF4-FFF2-40B4-BE49-F238E27FC236}">
-                  <a16:creationId xmlns="" xmlns:a16="http://schemas.microsoft.com/office/drawing/2014/main" id="{AC7D20A8-684D-4D88-9B22-11B0C258E6BA}"/>
+                  <a16:creationId xmlns:a16="http://schemas.microsoft.com/office/drawing/2014/main" id="{AC7D20A8-684D-4D88-9B22-11B0C258E6BA}"/>
                 </a:ext>
               </a:extLst>
             </p:cNvPr>
@@ -31424,13 +31158,13 @@
             <p:nvPr/>
           </p:nvPicPr>
           <p:blipFill>
-            <a:blip r:embed="rId8" cstate="print">
+            <a:blip r:embed="rId2" cstate="print">
               <a:extLst>
                 <a:ext uri="{28A0092B-C50C-407E-A947-70E740481C1C}">
                   <a14:useLocalDpi xmlns:a14="http://schemas.microsoft.com/office/drawing/2010/main" val="0"/>
                 </a:ext>
                 <a:ext uri="{96DAC541-7B7A-43D3-8B79-37D633B846F1}">
-                  <asvg:svgBlip xmlns="" xmlns:asvg="http://schemas.microsoft.com/office/drawing/2016/SVG/main" r:embed="rId9"/>
+                  <asvg:svgBlip xmlns:asvg="http://schemas.microsoft.com/office/drawing/2016/SVG/main" r:embed="rId3"/>
                 </a:ext>
               </a:extLst>
             </a:blip>
@@ -31453,7 +31187,7 @@
             <p:cNvPr id="23" name="Hộp Văn bản 22">
               <a:extLst>
                 <a:ext uri="{FF2B5EF4-FFF2-40B4-BE49-F238E27FC236}">
-                  <a16:creationId xmlns="" xmlns:a16="http://schemas.microsoft.com/office/drawing/2014/main" id="{6108A849-1640-4BDF-A81C-732BD39F495A}"/>
+                  <a16:creationId xmlns:a16="http://schemas.microsoft.com/office/drawing/2014/main" id="{6108A849-1640-4BDF-A81C-732BD39F495A}"/>
                 </a:ext>
               </a:extLst>
             </p:cNvPr>
@@ -31462,8 +31196,8 @@
           </p:nvSpPr>
           <p:spPr>
             <a:xfrm>
-              <a:off x="963734" y="4764945"/>
-              <a:ext cx="5192319" cy="861774"/>
+              <a:off x="963735" y="4764945"/>
+              <a:ext cx="9574800" cy="1600438"/>
             </a:xfrm>
             <a:prstGeom prst="rect">
               <a:avLst/>
@@ -31471,7 +31205,7 @@
             <a:noFill/>
           </p:spPr>
           <p:txBody>
-            <a:bodyPr wrap="none" rtlCol="0">
+            <a:bodyPr wrap="square" rtlCol="0">
               <a:spAutoFit/>
             </a:bodyPr>
             <a:lstStyle/>
@@ -31479,6 +31213,12 @@
               <a:r>
                 <a:rPr lang="en-US" b="1" dirty="0"/>
                 <a:t>Conduct functional verification at RTL level</a:t>
+              </a:r>
+            </a:p>
+            <a:p>
+              <a:r>
+                <a:rPr lang="en-US" sz="1600" dirty="0"/>
+                <a:t>+ Verify for SWDT(35), RWDT(35), TMU(210), TPU(47)</a:t>
               </a:r>
             </a:p>
             <a:p>
@@ -31506,15 +31246,29 @@
             <a:p>
               <a:r>
                 <a:rPr lang="en-US" sz="1600" dirty="0"/>
+                <a:t>+ Compilation and simulation </a:t>
+              </a:r>
+              <a:r>
+                <a:rPr lang="en-US" sz="1600" u="sng" dirty="0"/>
+                <a:t>debugging support</a:t>
+              </a:r>
+              <a:r>
+                <a:rPr lang="en-US" sz="1600" dirty="0"/>
+                <a:t> for DMAC, PAD, LBSC, RWDT, SWDT, TMU, TPU, IPMMU</a:t>
+              </a:r>
+            </a:p>
+            <a:p>
+              <a:r>
+                <a:rPr lang="en-US" sz="1600" dirty="0"/>
                 <a:t>+ </a:t>
               </a:r>
               <a:r>
                 <a:rPr lang="en-US" sz="1600" u="sng" dirty="0"/>
-                <a:t>Debugging support</a:t>
+                <a:t>Propose idea</a:t>
               </a:r>
               <a:r>
                 <a:rPr lang="en-US" sz="1600" dirty="0"/>
-                <a:t> to other engineers</a:t>
+                <a:t> about CT verification management method to verification management team</a:t>
               </a:r>
             </a:p>
           </p:txBody>
@@ -31525,7 +31279,7 @@
           <p:cNvPr id="32" name="Nhóm 31">
             <a:extLst>
               <a:ext uri="{FF2B5EF4-FFF2-40B4-BE49-F238E27FC236}">
-                <a16:creationId xmlns="" xmlns:a16="http://schemas.microsoft.com/office/drawing/2014/main" id="{DD9360C9-B1EB-45B1-BEA4-C2DDA8E4FEF5}"/>
+                <a16:creationId xmlns:a16="http://schemas.microsoft.com/office/drawing/2014/main" id="{DD9360C9-B1EB-45B1-BEA4-C2DDA8E4FEF5}"/>
               </a:ext>
             </a:extLst>
           </p:cNvPr>
@@ -31534,10 +31288,10 @@
         </p:nvGrpSpPr>
         <p:grpSpPr>
           <a:xfrm>
-            <a:off x="1080000" y="5300417"/>
-            <a:ext cx="8005932" cy="1354217"/>
+            <a:off x="1080000" y="3538727"/>
+            <a:ext cx="8278571" cy="1354217"/>
             <a:chOff x="506534" y="5328765"/>
-            <a:chExt cx="8005932" cy="1354217"/>
+            <a:chExt cx="8278571" cy="1354217"/>
           </a:xfrm>
         </p:grpSpPr>
         <p:pic>
@@ -31545,7 +31299,7 @@
             <p:cNvPr id="17" name="Đồ họa 16" descr="Kính hiển vi">
               <a:extLst>
                 <a:ext uri="{FF2B5EF4-FFF2-40B4-BE49-F238E27FC236}">
-                  <a16:creationId xmlns="" xmlns:a16="http://schemas.microsoft.com/office/drawing/2014/main" id="{E43F761C-1B61-4311-9BB3-B7173F547F55}"/>
+                  <a16:creationId xmlns:a16="http://schemas.microsoft.com/office/drawing/2014/main" id="{E43F761C-1B61-4311-9BB3-B7173F547F55}"/>
                 </a:ext>
               </a:extLst>
             </p:cNvPr>
@@ -31555,13 +31309,13 @@
             <p:nvPr/>
           </p:nvPicPr>
           <p:blipFill>
-            <a:blip r:embed="rId10" cstate="print">
+            <a:blip r:embed="rId4" cstate="print">
               <a:extLst>
                 <a:ext uri="{28A0092B-C50C-407E-A947-70E740481C1C}">
                   <a14:useLocalDpi xmlns:a14="http://schemas.microsoft.com/office/drawing/2010/main" val="0"/>
                 </a:ext>
                 <a:ext uri="{96DAC541-7B7A-43D3-8B79-37D633B846F1}">
-                  <asvg:svgBlip xmlns="" xmlns:asvg="http://schemas.microsoft.com/office/drawing/2016/SVG/main" r:embed="rId11"/>
+                  <asvg:svgBlip xmlns:asvg="http://schemas.microsoft.com/office/drawing/2016/SVG/main" r:embed="rId5"/>
                 </a:ext>
               </a:extLst>
             </a:blip>
@@ -31584,7 +31338,7 @@
             <p:cNvPr id="24" name="Hộp Văn bản 23">
               <a:extLst>
                 <a:ext uri="{FF2B5EF4-FFF2-40B4-BE49-F238E27FC236}">
-                  <a16:creationId xmlns="" xmlns:a16="http://schemas.microsoft.com/office/drawing/2014/main" id="{B9CB2816-9F0C-4F34-98C6-7DD180E361F9}"/>
+                  <a16:creationId xmlns:a16="http://schemas.microsoft.com/office/drawing/2014/main" id="{B9CB2816-9F0C-4F34-98C6-7DD180E361F9}"/>
                 </a:ext>
               </a:extLst>
             </p:cNvPr>
@@ -31594,7 +31348,7 @@
           <p:spPr>
             <a:xfrm>
               <a:off x="963733" y="5328765"/>
-              <a:ext cx="7548733" cy="1354217"/>
+              <a:ext cx="7821372" cy="1354217"/>
             </a:xfrm>
             <a:prstGeom prst="rect">
               <a:avLst/>
@@ -31637,11 +31391,7 @@
               </a:r>
               <a:r>
                 <a:rPr lang="en-US" sz="1600" dirty="0"/>
-                <a:t> for </a:t>
-              </a:r>
-              <a:r>
-                <a:rPr lang="en-US" sz="1600" dirty="0"/>
-                <a:t>I2C</a:t>
+                <a:t> for I2C</a:t>
               </a:r>
             </a:p>
             <a:p>
@@ -31655,15 +31405,7 @@
               </a:r>
               <a:r>
                 <a:rPr lang="en-US" sz="1600" dirty="0"/>
-                <a:t> waveform </a:t>
-              </a:r>
-              <a:r>
-                <a:rPr lang="en-US" sz="1600" dirty="0" smtClean="0"/>
-                <a:t>eyes check </a:t>
-              </a:r>
-              <a:r>
-                <a:rPr lang="en-US" sz="1600" dirty="0"/>
-                <a:t>method by </a:t>
+                <a:t> waveform eyes check method by </a:t>
               </a:r>
               <a:r>
                 <a:rPr lang="en-US" sz="1600" dirty="0" err="1"/>
@@ -31677,9 +31419,16 @@
             <a:p>
               <a:r>
                 <a:rPr lang="en-US" sz="1600" dirty="0"/>
-                <a:t>+ Apply software checking method to increase the automated level for verification</a:t>
+                <a:t>+ </a:t>
               </a:r>
-              <a:endParaRPr lang="en-US" sz="1600" dirty="0"/>
+              <a:r>
+                <a:rPr lang="en-US" sz="1600" u="sng" dirty="0"/>
+                <a:t>Apply software checking method</a:t>
+              </a:r>
+              <a:r>
+                <a:rPr lang="en-US" sz="1600" dirty="0"/>
+                <a:t> to increase the automated level of CT verification</a:t>
+              </a:r>
             </a:p>
           </p:txBody>
         </p:sp>
@@ -31689,7 +31438,7 @@
           <p:cNvPr id="34" name="Rectangle 65">
             <a:extLst>
               <a:ext uri="{FF2B5EF4-FFF2-40B4-BE49-F238E27FC236}">
-                <a16:creationId xmlns="" xmlns:a16="http://schemas.microsoft.com/office/drawing/2014/main" id="{AA4513F4-801C-4D2A-AB44-CAE5F0B3A8B3}"/>
+                <a16:creationId xmlns:a16="http://schemas.microsoft.com/office/drawing/2014/main" id="{AA4513F4-801C-4D2A-AB44-CAE5F0B3A8B3}"/>
               </a:ext>
             </a:extLst>
           </p:cNvPr>
@@ -31751,7 +31500,7 @@
           <p:cNvPr id="35" name="Rectangle 65">
             <a:extLst>
               <a:ext uri="{FF2B5EF4-FFF2-40B4-BE49-F238E27FC236}">
-                <a16:creationId xmlns="" xmlns:a16="http://schemas.microsoft.com/office/drawing/2014/main" id="{B0A0EC76-636C-42AB-8305-8CC78D5E295D}"/>
+                <a16:creationId xmlns:a16="http://schemas.microsoft.com/office/drawing/2014/main" id="{B0A0EC76-636C-42AB-8305-8CC78D5E295D}"/>
               </a:ext>
             </a:extLst>
           </p:cNvPr>
@@ -31813,7 +31562,7 @@
           <p:cNvPr id="25" name="Rectangle 65">
             <a:extLst>
               <a:ext uri="{FF2B5EF4-FFF2-40B4-BE49-F238E27FC236}">
-                <a16:creationId xmlns="" xmlns:a16="http://schemas.microsoft.com/office/drawing/2014/main" id="{B0A0EC76-636C-42AB-8305-8CC78D5E295D}"/>
+                <a16:creationId xmlns:a16="http://schemas.microsoft.com/office/drawing/2014/main" id="{B0A0EC76-636C-42AB-8305-8CC78D5E295D}"/>
               </a:ext>
             </a:extLst>
           </p:cNvPr>

--- a/2082_HauSyLe_PER_MentorMentee_26G.pptx
+++ b/2082_HauSyLe_PER_MentorMentee_26G.pptx
@@ -7,7 +7,7 @@
     <p:sldMasterId id="2147483697" r:id="rId3"/>
   </p:sldMasterIdLst>
   <p:notesMasterIdLst>
-    <p:notesMasterId r:id="rId20"/>
+    <p:notesMasterId r:id="rId21"/>
   </p:notesMasterIdLst>
   <p:sldIdLst>
     <p:sldId id="256" r:id="rId4"/>
@@ -24,8 +24,9 @@
     <p:sldId id="288" r:id="rId15"/>
     <p:sldId id="290" r:id="rId16"/>
     <p:sldId id="291" r:id="rId17"/>
-    <p:sldId id="292" r:id="rId18"/>
-    <p:sldId id="277" r:id="rId19"/>
+    <p:sldId id="293" r:id="rId18"/>
+    <p:sldId id="292" r:id="rId19"/>
+    <p:sldId id="277" r:id="rId20"/>
   </p:sldIdLst>
   <p:sldSz cx="12192000" cy="6858000"/>
   <p:notesSz cx="6858000" cy="9144000"/>
@@ -155,6 +156,7 @@
             <p14:sldId id="288"/>
             <p14:sldId id="290"/>
             <p14:sldId id="291"/>
+            <p14:sldId id="293"/>
             <p14:sldId id="292"/>
           </p14:sldIdLst>
         </p14:section>
@@ -269,7 +271,7 @@
           <a:p>
             <a:fld id="{FF3BB0D2-B4AB-46DD-8353-5863A644691C}" type="datetimeFigureOut">
               <a:rPr lang="en-US" smtClean="0"/>
-              <a:t>12/13/2018</a:t>
+              <a:t>12/14/2018</a:t>
             </a:fld>
             <a:endParaRPr lang="en-US"/>
           </a:p>
@@ -2824,7 +2826,7 @@
           <a:p>
             <a:fld id="{E3E9F078-88ED-41ED-832F-7AC4AFAA4DE4}" type="datetimeFigureOut">
               <a:rPr lang="en-US" smtClean="0"/>
-              <a:t>12/13/2018</a:t>
+              <a:t>12/14/2018</a:t>
             </a:fld>
             <a:endParaRPr lang="en-US"/>
           </a:p>
@@ -22075,7 +22077,15 @@
           <a:p>
             <a:r>
               <a:rPr lang="en-US" dirty="0"/>
-              <a:t>FUCNTIONAL DESIGN</a:t>
+              <a:t>FUCNTIONAL DESIGN – 2</a:t>
+            </a:r>
+            <a:r>
+              <a:rPr lang="en-US" baseline="30000" dirty="0"/>
+              <a:t>nd</a:t>
+            </a:r>
+            <a:r>
+              <a:rPr lang="en-US" dirty="0"/>
+              <a:t> year target</a:t>
             </a:r>
           </a:p>
         </p:txBody>
@@ -22301,6 +22311,520 @@
           </a:p>
         </p:txBody>
       </p:sp>
+      <p:grpSp>
+        <p:nvGrpSpPr>
+          <p:cNvPr id="7" name="Nhóm 6">
+            <a:extLst>
+              <a:ext uri="{FF2B5EF4-FFF2-40B4-BE49-F238E27FC236}">
+                <a16:creationId xmlns:a16="http://schemas.microsoft.com/office/drawing/2014/main" id="{C8A9785A-4480-43C0-B479-6622A6F3D3EA}"/>
+              </a:ext>
+            </a:extLst>
+          </p:cNvPr>
+          <p:cNvGrpSpPr/>
+          <p:nvPr/>
+        </p:nvGrpSpPr>
+        <p:grpSpPr>
+          <a:xfrm>
+            <a:off x="1080000" y="1617809"/>
+            <a:ext cx="9639522" cy="861774"/>
+            <a:chOff x="1051339" y="1599457"/>
+            <a:chExt cx="9639522" cy="861774"/>
+          </a:xfrm>
+        </p:grpSpPr>
+        <p:pic>
+          <p:nvPicPr>
+            <p:cNvPr id="8" name="Đồ họa 7" descr="Danh sách">
+              <a:extLst>
+                <a:ext uri="{FF2B5EF4-FFF2-40B4-BE49-F238E27FC236}">
+                  <a16:creationId xmlns:a16="http://schemas.microsoft.com/office/drawing/2014/main" id="{C69E9DCC-B9E1-4A50-A442-24634550EECE}"/>
+                </a:ext>
+              </a:extLst>
+            </p:cNvPr>
+            <p:cNvPicPr>
+              <a:picLocks noChangeAspect="1"/>
+            </p:cNvPicPr>
+            <p:nvPr/>
+          </p:nvPicPr>
+          <p:blipFill>
+            <a:blip r:embed="rId2" cstate="print">
+              <a:extLst>
+                <a:ext uri="{28A0092B-C50C-407E-A947-70E740481C1C}">
+                  <a14:useLocalDpi xmlns:a14="http://schemas.microsoft.com/office/drawing/2010/main" val="0"/>
+                </a:ext>
+                <a:ext uri="{96DAC541-7B7A-43D3-8B79-37D633B846F1}">
+                  <asvg:svgBlip xmlns:asvg="http://schemas.microsoft.com/office/drawing/2016/SVG/main" r:embed="rId3"/>
+                </a:ext>
+              </a:extLst>
+            </a:blip>
+            <a:stretch>
+              <a:fillRect/>
+            </a:stretch>
+          </p:blipFill>
+          <p:spPr>
+            <a:xfrm>
+              <a:off x="1051339" y="1599457"/>
+              <a:ext cx="457200" cy="457200"/>
+            </a:xfrm>
+            <a:prstGeom prst="rect">
+              <a:avLst/>
+            </a:prstGeom>
+          </p:spPr>
+        </p:pic>
+        <p:sp>
+          <p:nvSpPr>
+            <p:cNvPr id="9" name="Hình chữ nhật 8">
+              <a:extLst>
+                <a:ext uri="{FF2B5EF4-FFF2-40B4-BE49-F238E27FC236}">
+                  <a16:creationId xmlns:a16="http://schemas.microsoft.com/office/drawing/2014/main" id="{CAE0C8FC-5A57-4DB6-8480-4B3EA05E18C0}"/>
+                </a:ext>
+              </a:extLst>
+            </p:cNvPr>
+            <p:cNvSpPr/>
+            <p:nvPr/>
+          </p:nvSpPr>
+          <p:spPr>
+            <a:xfrm>
+              <a:off x="1508539" y="1599457"/>
+              <a:ext cx="9182322" cy="861774"/>
+            </a:xfrm>
+            <a:prstGeom prst="rect">
+              <a:avLst/>
+            </a:prstGeom>
+          </p:spPr>
+          <p:txBody>
+            <a:bodyPr wrap="none">
+              <a:spAutoFit/>
+            </a:bodyPr>
+            <a:lstStyle/>
+            <a:p>
+              <a:r>
+                <a:rPr lang="en-US" b="1" dirty="0"/>
+                <a:t>Create module design specifications</a:t>
+              </a:r>
+            </a:p>
+            <a:p>
+              <a:r>
+                <a:rPr lang="en-US" sz="1600" dirty="0"/>
+                <a:t>+ Claim more design tasks for I2C and GYRO</a:t>
+              </a:r>
+            </a:p>
+            <a:p>
+              <a:r>
+                <a:rPr lang="en-US" sz="1600" dirty="0"/>
+                <a:t>+ Make my design idea become more significant, become a key design member for I2C and GYRO</a:t>
+              </a:r>
+            </a:p>
+          </p:txBody>
+        </p:sp>
+      </p:grpSp>
+      <p:grpSp>
+        <p:nvGrpSpPr>
+          <p:cNvPr id="22" name="Nhóm 21">
+            <a:extLst>
+              <a:ext uri="{FF2B5EF4-FFF2-40B4-BE49-F238E27FC236}">
+                <a16:creationId xmlns:a16="http://schemas.microsoft.com/office/drawing/2014/main" id="{F535CB84-DC4C-4FA1-A0F5-48B90CB669B3}"/>
+              </a:ext>
+            </a:extLst>
+          </p:cNvPr>
+          <p:cNvGrpSpPr/>
+          <p:nvPr/>
+        </p:nvGrpSpPr>
+        <p:grpSpPr>
+          <a:xfrm>
+            <a:off x="1080000" y="5636471"/>
+            <a:ext cx="2950190" cy="457200"/>
+            <a:chOff x="1051339" y="5794288"/>
+            <a:chExt cx="2950190" cy="457200"/>
+          </a:xfrm>
+        </p:grpSpPr>
+        <p:pic>
+          <p:nvPicPr>
+            <p:cNvPr id="23" name="Đồ họa 22" descr="Biểu đồ hình tròn">
+              <a:extLst>
+                <a:ext uri="{FF2B5EF4-FFF2-40B4-BE49-F238E27FC236}">
+                  <a16:creationId xmlns:a16="http://schemas.microsoft.com/office/drawing/2014/main" id="{C0361789-D1B4-47B7-A67D-6F919F70C3F3}"/>
+                </a:ext>
+              </a:extLst>
+            </p:cNvPr>
+            <p:cNvPicPr>
+              <a:picLocks noChangeAspect="1"/>
+            </p:cNvPicPr>
+            <p:nvPr/>
+          </p:nvPicPr>
+          <p:blipFill>
+            <a:blip r:embed="rId4" cstate="print">
+              <a:extLst>
+                <a:ext uri="{28A0092B-C50C-407E-A947-70E740481C1C}">
+                  <a14:useLocalDpi xmlns:a14="http://schemas.microsoft.com/office/drawing/2010/main" val="0"/>
+                </a:ext>
+                <a:ext uri="{96DAC541-7B7A-43D3-8B79-37D633B846F1}">
+                  <asvg:svgBlip xmlns:asvg="http://schemas.microsoft.com/office/drawing/2016/SVG/main" r:embed="rId5"/>
+                </a:ext>
+              </a:extLst>
+            </a:blip>
+            <a:stretch>
+              <a:fillRect/>
+            </a:stretch>
+          </p:blipFill>
+          <p:spPr>
+            <a:xfrm>
+              <a:off x="1051339" y="5794288"/>
+              <a:ext cx="457200" cy="457200"/>
+            </a:xfrm>
+            <a:prstGeom prst="rect">
+              <a:avLst/>
+            </a:prstGeom>
+          </p:spPr>
+        </p:pic>
+        <p:sp>
+          <p:nvSpPr>
+            <p:cNvPr id="24" name="Hình chữ nhật 23">
+              <a:extLst>
+                <a:ext uri="{FF2B5EF4-FFF2-40B4-BE49-F238E27FC236}">
+                  <a16:creationId xmlns:a16="http://schemas.microsoft.com/office/drawing/2014/main" id="{9285F7A5-C648-4723-A5B7-D6EE4D790E4A}"/>
+                </a:ext>
+              </a:extLst>
+            </p:cNvPr>
+            <p:cNvSpPr/>
+            <p:nvPr/>
+          </p:nvSpPr>
+          <p:spPr>
+            <a:xfrm>
+              <a:off x="1508539" y="5794288"/>
+              <a:ext cx="2492990" cy="369332"/>
+            </a:xfrm>
+            <a:prstGeom prst="rect">
+              <a:avLst/>
+            </a:prstGeom>
+          </p:spPr>
+          <p:txBody>
+            <a:bodyPr wrap="none">
+              <a:spAutoFit/>
+            </a:bodyPr>
+            <a:lstStyle/>
+            <a:p>
+              <a:r>
+                <a:rPr lang="en-US" b="1" dirty="0"/>
+                <a:t>Create timing budget</a:t>
+              </a:r>
+            </a:p>
+          </p:txBody>
+        </p:sp>
+      </p:grpSp>
+      <p:grpSp>
+        <p:nvGrpSpPr>
+          <p:cNvPr id="27" name="Nhóm 26">
+            <a:extLst>
+              <a:ext uri="{FF2B5EF4-FFF2-40B4-BE49-F238E27FC236}">
+                <a16:creationId xmlns:a16="http://schemas.microsoft.com/office/drawing/2014/main" id="{B8E754F6-2CC3-45D2-8504-4EF5645E78D1}"/>
+              </a:ext>
+            </a:extLst>
+          </p:cNvPr>
+          <p:cNvGrpSpPr/>
+          <p:nvPr/>
+        </p:nvGrpSpPr>
+        <p:grpSpPr>
+          <a:xfrm>
+            <a:off x="1080000" y="3513755"/>
+            <a:ext cx="4997225" cy="615553"/>
+            <a:chOff x="1051339" y="3283679"/>
+            <a:chExt cx="4997225" cy="615553"/>
+          </a:xfrm>
+        </p:grpSpPr>
+        <p:pic>
+          <p:nvPicPr>
+            <p:cNvPr id="28" name="Đồ họa 27" descr="Hợp đồng">
+              <a:extLst>
+                <a:ext uri="{FF2B5EF4-FFF2-40B4-BE49-F238E27FC236}">
+                  <a16:creationId xmlns:a16="http://schemas.microsoft.com/office/drawing/2014/main" id="{090FDE5E-9A5F-49F4-87C7-7AB7C4829D41}"/>
+                </a:ext>
+              </a:extLst>
+            </p:cNvPr>
+            <p:cNvPicPr>
+              <a:picLocks noChangeAspect="1"/>
+            </p:cNvPicPr>
+            <p:nvPr/>
+          </p:nvPicPr>
+          <p:blipFill>
+            <a:blip r:embed="rId6" cstate="print">
+              <a:extLst>
+                <a:ext uri="{28A0092B-C50C-407E-A947-70E740481C1C}">
+                  <a14:useLocalDpi xmlns:a14="http://schemas.microsoft.com/office/drawing/2010/main" val="0"/>
+                </a:ext>
+                <a:ext uri="{96DAC541-7B7A-43D3-8B79-37D633B846F1}">
+                  <asvg:svgBlip xmlns:asvg="http://schemas.microsoft.com/office/drawing/2016/SVG/main" r:embed="rId7"/>
+                </a:ext>
+              </a:extLst>
+            </a:blip>
+            <a:stretch>
+              <a:fillRect/>
+            </a:stretch>
+          </p:blipFill>
+          <p:spPr>
+            <a:xfrm>
+              <a:off x="1051339" y="3283679"/>
+              <a:ext cx="457200" cy="457200"/>
+            </a:xfrm>
+            <a:prstGeom prst="rect">
+              <a:avLst/>
+            </a:prstGeom>
+          </p:spPr>
+        </p:pic>
+        <p:sp>
+          <p:nvSpPr>
+            <p:cNvPr id="29" name="Hình chữ nhật 28">
+              <a:extLst>
+                <a:ext uri="{FF2B5EF4-FFF2-40B4-BE49-F238E27FC236}">
+                  <a16:creationId xmlns:a16="http://schemas.microsoft.com/office/drawing/2014/main" id="{A4CF563E-D506-4DBE-B7E9-0CD3AC8DAEFA}"/>
+                </a:ext>
+              </a:extLst>
+            </p:cNvPr>
+            <p:cNvSpPr/>
+            <p:nvPr/>
+          </p:nvSpPr>
+          <p:spPr>
+            <a:xfrm>
+              <a:off x="1508539" y="3283679"/>
+              <a:ext cx="4540025" cy="615553"/>
+            </a:xfrm>
+            <a:prstGeom prst="rect">
+              <a:avLst/>
+            </a:prstGeom>
+          </p:spPr>
+          <p:txBody>
+            <a:bodyPr wrap="none">
+              <a:spAutoFit/>
+            </a:bodyPr>
+            <a:lstStyle/>
+            <a:p>
+              <a:r>
+                <a:rPr lang="en-US" b="1" dirty="0"/>
+                <a:t>Analyze and fix RTL checker (Spyglass)</a:t>
+              </a:r>
+            </a:p>
+            <a:p>
+              <a:r>
+                <a:rPr lang="en-US" sz="1600" dirty="0"/>
+                <a:t>+ Improve </a:t>
+              </a:r>
+              <a:r>
+                <a:rPr lang="en-US" sz="1600" dirty="0" err="1"/>
+                <a:t>SpyGlass</a:t>
+              </a:r>
+              <a:r>
+                <a:rPr lang="en-US" sz="1600" dirty="0"/>
+                <a:t> report analysis skill</a:t>
+              </a:r>
+            </a:p>
+          </p:txBody>
+        </p:sp>
+      </p:grpSp>
+      <p:grpSp>
+        <p:nvGrpSpPr>
+          <p:cNvPr id="34" name="Nhóm 33">
+            <a:extLst>
+              <a:ext uri="{FF2B5EF4-FFF2-40B4-BE49-F238E27FC236}">
+                <a16:creationId xmlns:a16="http://schemas.microsoft.com/office/drawing/2014/main" id="{58C90B79-F430-4825-9813-79A101951EF0}"/>
+              </a:ext>
+            </a:extLst>
+          </p:cNvPr>
+          <p:cNvGrpSpPr/>
+          <p:nvPr/>
+        </p:nvGrpSpPr>
+        <p:grpSpPr>
+          <a:xfrm>
+            <a:off x="1080000" y="2444863"/>
+            <a:ext cx="8028503" cy="1107996"/>
+            <a:chOff x="1051339" y="2441568"/>
+            <a:chExt cx="8028503" cy="1107996"/>
+          </a:xfrm>
+        </p:grpSpPr>
+        <p:pic>
+          <p:nvPicPr>
+            <p:cNvPr id="35" name="Đồ họa 34" descr="Trò chơi đố">
+              <a:extLst>
+                <a:ext uri="{FF2B5EF4-FFF2-40B4-BE49-F238E27FC236}">
+                  <a16:creationId xmlns:a16="http://schemas.microsoft.com/office/drawing/2014/main" id="{1DB87EE1-5CB8-444F-9535-3ACF9F5DA84E}"/>
+                </a:ext>
+              </a:extLst>
+            </p:cNvPr>
+            <p:cNvPicPr>
+              <a:picLocks noChangeAspect="1"/>
+            </p:cNvPicPr>
+            <p:nvPr/>
+          </p:nvPicPr>
+          <p:blipFill>
+            <a:blip r:embed="rId8" cstate="print">
+              <a:extLst>
+                <a:ext uri="{28A0092B-C50C-407E-A947-70E740481C1C}">
+                  <a14:useLocalDpi xmlns:a14="http://schemas.microsoft.com/office/drawing/2010/main" val="0"/>
+                </a:ext>
+                <a:ext uri="{96DAC541-7B7A-43D3-8B79-37D633B846F1}">
+                  <asvg:svgBlip xmlns:asvg="http://schemas.microsoft.com/office/drawing/2016/SVG/main" r:embed="rId9"/>
+                </a:ext>
+              </a:extLst>
+            </a:blip>
+            <a:stretch>
+              <a:fillRect/>
+            </a:stretch>
+          </p:blipFill>
+          <p:spPr>
+            <a:xfrm>
+              <a:off x="1051339" y="2441568"/>
+              <a:ext cx="457200" cy="457200"/>
+            </a:xfrm>
+            <a:prstGeom prst="rect">
+              <a:avLst/>
+            </a:prstGeom>
+          </p:spPr>
+        </p:pic>
+        <p:sp>
+          <p:nvSpPr>
+            <p:cNvPr id="36" name="Hình chữ nhật 35">
+              <a:extLst>
+                <a:ext uri="{FF2B5EF4-FFF2-40B4-BE49-F238E27FC236}">
+                  <a16:creationId xmlns:a16="http://schemas.microsoft.com/office/drawing/2014/main" id="{7BDD3D97-91A9-49EE-B87B-7240FF07DCFC}"/>
+                </a:ext>
+              </a:extLst>
+            </p:cNvPr>
+            <p:cNvSpPr/>
+            <p:nvPr/>
+          </p:nvSpPr>
+          <p:spPr>
+            <a:xfrm>
+              <a:off x="1508539" y="2441568"/>
+              <a:ext cx="7571303" cy="1107996"/>
+            </a:xfrm>
+            <a:prstGeom prst="rect">
+              <a:avLst/>
+            </a:prstGeom>
+          </p:spPr>
+          <p:txBody>
+            <a:bodyPr wrap="none">
+              <a:spAutoFit/>
+            </a:bodyPr>
+            <a:lstStyle/>
+            <a:p>
+              <a:r>
+                <a:rPr lang="en-US" b="1" dirty="0"/>
+                <a:t>Create RTL description</a:t>
+              </a:r>
+            </a:p>
+            <a:p>
+              <a:r>
+                <a:rPr lang="en-US" sz="1600" dirty="0"/>
+                <a:t>+ Become main RTL coding member</a:t>
+              </a:r>
+            </a:p>
+            <a:p>
+              <a:r>
+                <a:rPr lang="en-US" sz="1600" dirty="0"/>
+                <a:t>+ Make design description at detailed blocks level</a:t>
+              </a:r>
+            </a:p>
+            <a:p>
+              <a:r>
+                <a:rPr lang="en-US" sz="1600" dirty="0"/>
+                <a:t>+ Investigate hardware modeling method using System C and apply a trial for I2C</a:t>
+              </a:r>
+            </a:p>
+          </p:txBody>
+        </p:sp>
+      </p:grpSp>
+      <p:grpSp>
+        <p:nvGrpSpPr>
+          <p:cNvPr id="41" name="Nhóm 40">
+            <a:extLst>
+              <a:ext uri="{FF2B5EF4-FFF2-40B4-BE49-F238E27FC236}">
+                <a16:creationId xmlns:a16="http://schemas.microsoft.com/office/drawing/2014/main" id="{99CEF966-9117-4150-A584-2071A0680687}"/>
+              </a:ext>
+            </a:extLst>
+          </p:cNvPr>
+          <p:cNvGrpSpPr/>
+          <p:nvPr/>
+        </p:nvGrpSpPr>
+        <p:grpSpPr>
+          <a:xfrm>
+            <a:off x="1080000" y="4281586"/>
+            <a:ext cx="5797123" cy="457200"/>
+            <a:chOff x="1051339" y="4984002"/>
+            <a:chExt cx="5797123" cy="457200"/>
+          </a:xfrm>
+        </p:grpSpPr>
+        <p:pic>
+          <p:nvPicPr>
+            <p:cNvPr id="42" name="Đồ họa 41" descr="Đầu có bánh răng">
+              <a:extLst>
+                <a:ext uri="{FF2B5EF4-FFF2-40B4-BE49-F238E27FC236}">
+                  <a16:creationId xmlns:a16="http://schemas.microsoft.com/office/drawing/2014/main" id="{9C76CD55-1193-4F19-BB8A-FF7816EC37B9}"/>
+                </a:ext>
+              </a:extLst>
+            </p:cNvPr>
+            <p:cNvPicPr>
+              <a:picLocks noChangeAspect="1"/>
+            </p:cNvPicPr>
+            <p:nvPr/>
+          </p:nvPicPr>
+          <p:blipFill>
+            <a:blip r:embed="rId10" cstate="print">
+              <a:extLst>
+                <a:ext uri="{28A0092B-C50C-407E-A947-70E740481C1C}">
+                  <a14:useLocalDpi xmlns:a14="http://schemas.microsoft.com/office/drawing/2010/main" val="0"/>
+                </a:ext>
+                <a:ext uri="{96DAC541-7B7A-43D3-8B79-37D633B846F1}">
+                  <asvg:svgBlip xmlns:asvg="http://schemas.microsoft.com/office/drawing/2016/SVG/main" r:embed="rId11"/>
+                </a:ext>
+              </a:extLst>
+            </a:blip>
+            <a:stretch>
+              <a:fillRect/>
+            </a:stretch>
+          </p:blipFill>
+          <p:spPr>
+            <a:xfrm>
+              <a:off x="1051339" y="4984002"/>
+              <a:ext cx="457200" cy="457200"/>
+            </a:xfrm>
+            <a:prstGeom prst="rect">
+              <a:avLst/>
+            </a:prstGeom>
+          </p:spPr>
+        </p:pic>
+        <p:sp>
+          <p:nvSpPr>
+            <p:cNvPr id="43" name="Hình chữ nhật 42">
+              <a:extLst>
+                <a:ext uri="{FF2B5EF4-FFF2-40B4-BE49-F238E27FC236}">
+                  <a16:creationId xmlns:a16="http://schemas.microsoft.com/office/drawing/2014/main" id="{346C1300-62A2-4014-BA02-298CFD26FE27}"/>
+                </a:ext>
+              </a:extLst>
+            </p:cNvPr>
+            <p:cNvSpPr/>
+            <p:nvPr/>
+          </p:nvSpPr>
+          <p:spPr>
+            <a:xfrm>
+              <a:off x="1508539" y="4984002"/>
+              <a:ext cx="5339923" cy="369332"/>
+            </a:xfrm>
+            <a:prstGeom prst="rect">
+              <a:avLst/>
+            </a:prstGeom>
+          </p:spPr>
+          <p:txBody>
+            <a:bodyPr wrap="none">
+              <a:spAutoFit/>
+            </a:bodyPr>
+            <a:lstStyle/>
+            <a:p>
+              <a:r>
+                <a:rPr lang="en-US" b="1" dirty="0"/>
+                <a:t>Determine strategies for evaluation and testing</a:t>
+              </a:r>
+            </a:p>
+          </p:txBody>
+        </p:sp>
+      </p:grpSp>
     </p:spTree>
     <p:extLst>
       <p:ext uri="{BB962C8B-B14F-4D97-AF65-F5344CB8AC3E}">
@@ -22402,12 +22926,240 @@
           </a:p>
         </p:txBody>
       </p:sp>
-      <p:sp>
-        <p:nvSpPr>
-          <p:cNvPr id="5" name="Rectangle 64">
+      <p:grpSp>
+        <p:nvGrpSpPr>
+          <p:cNvPr id="9" name="Nhóm 8">
             <a:extLst>
               <a:ext uri="{FF2B5EF4-FFF2-40B4-BE49-F238E27FC236}">
-                <a16:creationId xmlns:a16="http://schemas.microsoft.com/office/drawing/2014/main" id="{22433B83-6ACF-4BDF-9D30-A76108D3871D}"/>
+                <a16:creationId xmlns:a16="http://schemas.microsoft.com/office/drawing/2014/main" id="{9F442CF3-8128-4957-9992-1ED5078BEB10}"/>
+              </a:ext>
+            </a:extLst>
+          </p:cNvPr>
+          <p:cNvGrpSpPr/>
+          <p:nvPr/>
+        </p:nvGrpSpPr>
+        <p:grpSpPr>
+          <a:xfrm>
+            <a:off x="1080000" y="1804832"/>
+            <a:ext cx="7986825" cy="861774"/>
+            <a:chOff x="1080000" y="3540561"/>
+            <a:chExt cx="7986825" cy="861774"/>
+          </a:xfrm>
+        </p:grpSpPr>
+        <p:sp>
+          <p:nvSpPr>
+            <p:cNvPr id="10" name="Hình chữ nhật 9">
+              <a:extLst>
+                <a:ext uri="{FF2B5EF4-FFF2-40B4-BE49-F238E27FC236}">
+                  <a16:creationId xmlns:a16="http://schemas.microsoft.com/office/drawing/2014/main" id="{021F2F26-FEA1-4940-A225-6A2D3A978E6A}"/>
+                </a:ext>
+              </a:extLst>
+            </p:cNvPr>
+            <p:cNvSpPr/>
+            <p:nvPr/>
+          </p:nvSpPr>
+          <p:spPr>
+            <a:xfrm>
+              <a:off x="1537200" y="3540561"/>
+              <a:ext cx="7529625" cy="861774"/>
+            </a:xfrm>
+            <a:prstGeom prst="rect">
+              <a:avLst/>
+            </a:prstGeom>
+          </p:spPr>
+          <p:txBody>
+            <a:bodyPr wrap="none">
+              <a:spAutoFit/>
+            </a:bodyPr>
+            <a:lstStyle/>
+            <a:p>
+              <a:r>
+                <a:rPr lang="en-US" b="1" dirty="0"/>
+                <a:t>Analyze and fix checker errors (HLDRC, </a:t>
+              </a:r>
+              <a:r>
+                <a:rPr lang="en-US" b="1" dirty="0" err="1"/>
+                <a:t>DFTcheck</a:t>
+              </a:r>
+              <a:r>
+                <a:rPr lang="en-US" b="1" dirty="0"/>
+                <a:t>, </a:t>
+              </a:r>
+              <a:r>
+                <a:rPr lang="en-US" b="1" dirty="0" err="1"/>
+                <a:t>STAcheck</a:t>
+              </a:r>
+              <a:r>
+                <a:rPr lang="en-US" b="1" dirty="0"/>
+                <a:t>)</a:t>
+              </a:r>
+            </a:p>
+            <a:p>
+              <a:r>
+                <a:rPr lang="en-US" sz="1600" dirty="0"/>
+                <a:t>+ Investigate checker document to understand more deeply about checker errors</a:t>
+              </a:r>
+            </a:p>
+            <a:p>
+              <a:r>
+                <a:rPr lang="en-US" sz="1600" dirty="0"/>
+                <a:t>+ Keep the design away from real checker errors</a:t>
+              </a:r>
+            </a:p>
+          </p:txBody>
+        </p:sp>
+        <p:pic>
+          <p:nvPicPr>
+            <p:cNvPr id="11" name="Đồ họa 10" descr="Kính hiển vi">
+              <a:extLst>
+                <a:ext uri="{FF2B5EF4-FFF2-40B4-BE49-F238E27FC236}">
+                  <a16:creationId xmlns:a16="http://schemas.microsoft.com/office/drawing/2014/main" id="{59D75368-E0C3-45DB-BD88-6DB97476C208}"/>
+                </a:ext>
+              </a:extLst>
+            </p:cNvPr>
+            <p:cNvPicPr>
+              <a:picLocks noChangeAspect="1"/>
+            </p:cNvPicPr>
+            <p:nvPr/>
+          </p:nvPicPr>
+          <p:blipFill>
+            <a:blip r:embed="rId2" cstate="print">
+              <a:extLst>
+                <a:ext uri="{28A0092B-C50C-407E-A947-70E740481C1C}">
+                  <a14:useLocalDpi xmlns:a14="http://schemas.microsoft.com/office/drawing/2010/main" val="0"/>
+                </a:ext>
+                <a:ext uri="{96DAC541-7B7A-43D3-8B79-37D633B846F1}">
+                  <asvg:svgBlip xmlns:asvg="http://schemas.microsoft.com/office/drawing/2016/SVG/main" r:embed="rId3"/>
+                </a:ext>
+              </a:extLst>
+            </a:blip>
+            <a:stretch>
+              <a:fillRect/>
+            </a:stretch>
+          </p:blipFill>
+          <p:spPr>
+            <a:xfrm>
+              <a:off x="1080000" y="3540561"/>
+              <a:ext cx="457200" cy="457200"/>
+            </a:xfrm>
+            <a:prstGeom prst="rect">
+              <a:avLst/>
+            </a:prstGeom>
+          </p:spPr>
+        </p:pic>
+      </p:grpSp>
+      <p:grpSp>
+        <p:nvGrpSpPr>
+          <p:cNvPr id="16" name="Nhóm 15">
+            <a:extLst>
+              <a:ext uri="{FF2B5EF4-FFF2-40B4-BE49-F238E27FC236}">
+                <a16:creationId xmlns:a16="http://schemas.microsoft.com/office/drawing/2014/main" id="{F4529AD2-18B5-4D36-8016-6FEAD63E33A7}"/>
+              </a:ext>
+            </a:extLst>
+          </p:cNvPr>
+          <p:cNvGrpSpPr/>
+          <p:nvPr/>
+        </p:nvGrpSpPr>
+        <p:grpSpPr>
+          <a:xfrm>
+            <a:off x="1080000" y="2857909"/>
+            <a:ext cx="9062441" cy="861774"/>
+            <a:chOff x="1080000" y="5382998"/>
+            <a:chExt cx="9062441" cy="861774"/>
+          </a:xfrm>
+        </p:grpSpPr>
+        <p:sp>
+          <p:nvSpPr>
+            <p:cNvPr id="17" name="Hình chữ nhật 16">
+              <a:extLst>
+                <a:ext uri="{FF2B5EF4-FFF2-40B4-BE49-F238E27FC236}">
+                  <a16:creationId xmlns:a16="http://schemas.microsoft.com/office/drawing/2014/main" id="{D20F6019-36EF-4EE9-9184-A312B4C358FE}"/>
+                </a:ext>
+              </a:extLst>
+            </p:cNvPr>
+            <p:cNvSpPr/>
+            <p:nvPr/>
+          </p:nvSpPr>
+          <p:spPr>
+            <a:xfrm>
+              <a:off x="1537200" y="5382998"/>
+              <a:ext cx="8605241" cy="861774"/>
+            </a:xfrm>
+            <a:prstGeom prst="rect">
+              <a:avLst/>
+            </a:prstGeom>
+          </p:spPr>
+          <p:txBody>
+            <a:bodyPr wrap="none">
+              <a:spAutoFit/>
+            </a:bodyPr>
+            <a:lstStyle/>
+            <a:p>
+              <a:r>
+                <a:rPr lang="en-US" b="1" dirty="0"/>
+                <a:t>Analyze timing report and optimize timing</a:t>
+              </a:r>
+            </a:p>
+            <a:p>
+              <a:r>
+                <a:rPr lang="en-US" sz="1600" dirty="0"/>
+                <a:t>+ Investigate the GYRO’s timing issue in Gen 3 and make a detailed timing design document</a:t>
+              </a:r>
+            </a:p>
+            <a:p>
+              <a:r>
+                <a:rPr lang="en-US" sz="1600" dirty="0"/>
+                <a:t>+ Update the STA report summarizing script to support to check for GYRO’s special case</a:t>
+              </a:r>
+            </a:p>
+          </p:txBody>
+        </p:sp>
+        <p:pic>
+          <p:nvPicPr>
+            <p:cNvPr id="18" name="Đồ họa 17" descr="Đồng hồ bấm giờ">
+              <a:extLst>
+                <a:ext uri="{FF2B5EF4-FFF2-40B4-BE49-F238E27FC236}">
+                  <a16:creationId xmlns:a16="http://schemas.microsoft.com/office/drawing/2014/main" id="{FA5CEA4E-FE04-42B7-A00B-F8F4EA4B8EF7}"/>
+                </a:ext>
+              </a:extLst>
+            </p:cNvPr>
+            <p:cNvPicPr>
+              <a:picLocks noChangeAspect="1"/>
+            </p:cNvPicPr>
+            <p:nvPr/>
+          </p:nvPicPr>
+          <p:blipFill>
+            <a:blip r:embed="rId4" cstate="print">
+              <a:extLst>
+                <a:ext uri="{28A0092B-C50C-407E-A947-70E740481C1C}">
+                  <a14:useLocalDpi xmlns:a14="http://schemas.microsoft.com/office/drawing/2010/main" val="0"/>
+                </a:ext>
+                <a:ext uri="{96DAC541-7B7A-43D3-8B79-37D633B846F1}">
+                  <asvg:svgBlip xmlns:asvg="http://schemas.microsoft.com/office/drawing/2016/SVG/main" r:embed="rId5"/>
+                </a:ext>
+              </a:extLst>
+            </a:blip>
+            <a:stretch>
+              <a:fillRect/>
+            </a:stretch>
+          </p:blipFill>
+          <p:spPr>
+            <a:xfrm>
+              <a:off x="1080000" y="5382998"/>
+              <a:ext cx="457200" cy="457200"/>
+            </a:xfrm>
+            <a:prstGeom prst="rect">
+              <a:avLst/>
+            </a:prstGeom>
+          </p:spPr>
+        </p:pic>
+      </p:grpSp>
+      <p:sp>
+        <p:nvSpPr>
+          <p:cNvPr id="23" name="Rectangle 64">
+            <a:extLst>
+              <a:ext uri="{FF2B5EF4-FFF2-40B4-BE49-F238E27FC236}">
+                <a16:creationId xmlns:a16="http://schemas.microsoft.com/office/drawing/2014/main" id="{AC38B050-B3A5-42C7-87E4-B5D12691C08A}"/>
               </a:ext>
             </a:extLst>
           </p:cNvPr>
@@ -22415,8 +23167,8 @@
           <p:nvPr/>
         </p:nvSpPr>
         <p:spPr>
-          <a:xfrm>
-            <a:off x="9600000" y="1379198"/>
+          <a:xfrm flipH="1">
+            <a:off x="9923280" y="936000"/>
             <a:ext cx="1188720" cy="274320"/>
           </a:xfrm>
           <a:prstGeom prst="rect">
@@ -22459,17 +23211,17 @@
             <a:pPr algn="ctr"/>
             <a:r>
               <a:rPr lang="en-US" sz="1400" dirty="0"/>
-              <a:t>R-Car 4</a:t>
-            </a:r>
-          </a:p>
-        </p:txBody>
-      </p:sp>
-      <p:sp>
-        <p:nvSpPr>
-          <p:cNvPr id="6" name="Rectangle 65">
+              <a:t>R-Car Gen 4</a:t>
+            </a:r>
+          </a:p>
+        </p:txBody>
+      </p:sp>
+      <p:sp>
+        <p:nvSpPr>
+          <p:cNvPr id="24" name="Rectangle 65">
             <a:extLst>
               <a:ext uri="{FF2B5EF4-FFF2-40B4-BE49-F238E27FC236}">
-                <a16:creationId xmlns:a16="http://schemas.microsoft.com/office/drawing/2014/main" id="{AC8DCC0C-3384-4C73-96D5-84869E31D118}"/>
+                <a16:creationId xmlns:a16="http://schemas.microsoft.com/office/drawing/2014/main" id="{1FE2747C-899D-4D1D-8BCC-5A0A8EEBC0F4}"/>
               </a:ext>
             </a:extLst>
           </p:cNvPr>
@@ -22477,8 +23229,8 @@
           <p:nvPr/>
         </p:nvSpPr>
         <p:spPr>
-          <a:xfrm>
-            <a:off x="10842735" y="1379198"/>
+          <a:xfrm flipH="1">
+            <a:off x="9162818" y="936000"/>
             <a:ext cx="731520" cy="274320"/>
           </a:xfrm>
           <a:prstGeom prst="rect">
@@ -22528,10 +23280,10 @@
       </p:sp>
       <p:sp>
         <p:nvSpPr>
-          <p:cNvPr id="7" name="Rectangle 65">
+          <p:cNvPr id="25" name="Rectangle 65">
             <a:extLst>
               <a:ext uri="{FF2B5EF4-FFF2-40B4-BE49-F238E27FC236}">
-                <a16:creationId xmlns:a16="http://schemas.microsoft.com/office/drawing/2014/main" id="{C04E0C06-45C6-405C-B9F6-68A8C8C74E98}"/>
+                <a16:creationId xmlns:a16="http://schemas.microsoft.com/office/drawing/2014/main" id="{8CC4EAE2-802D-4D32-A7B9-A5FF3CC2DBF2}"/>
               </a:ext>
             </a:extLst>
           </p:cNvPr>
@@ -22539,8 +23291,8 @@
           <p:nvPr/>
         </p:nvSpPr>
         <p:spPr>
-          <a:xfrm>
-            <a:off x="10842735" y="1702574"/>
+          <a:xfrm flipH="1">
+            <a:off x="8402356" y="936000"/>
             <a:ext cx="731520" cy="274320"/>
           </a:xfrm>
           <a:prstGeom prst="rect">
@@ -22588,12 +23340,440 @@
           </a:p>
         </p:txBody>
       </p:sp>
-      <p:sp>
-        <p:nvSpPr>
-          <p:cNvPr id="8" name="Rectangle 65">
+    </p:spTree>
+    <p:extLst>
+      <p:ext uri="{BB962C8B-B14F-4D97-AF65-F5344CB8AC3E}">
+        <p14:creationId xmlns:p14="http://schemas.microsoft.com/office/powerpoint/2010/main" val="2826024009"/>
+      </p:ext>
+    </p:extLst>
+  </p:cSld>
+  <p:clrMapOvr>
+    <a:masterClrMapping/>
+  </p:clrMapOvr>
+</p:sld>
+</file>
+
+<file path=ppt/slides/slide14.xml><?xml version="1.0" encoding="utf-8"?>
+<p:sld xmlns:a="http://schemas.openxmlformats.org/drawingml/2006/main" xmlns:r="http://schemas.openxmlformats.org/officeDocument/2006/relationships" xmlns:p="http://schemas.openxmlformats.org/presentationml/2006/main">
+  <p:cSld>
+    <p:spTree>
+      <p:nvGrpSpPr>
+        <p:cNvPr id="1" name=""/>
+        <p:cNvGrpSpPr/>
+        <p:nvPr/>
+      </p:nvGrpSpPr>
+      <p:grpSpPr>
+        <a:xfrm>
+          <a:off x="0" y="0"/>
+          <a:ext cx="0" cy="0"/>
+          <a:chOff x="0" y="0"/>
+          <a:chExt cx="0" cy="0"/>
+        </a:xfrm>
+      </p:grpSpPr>
+      <p:sp>
+        <p:nvSpPr>
+          <p:cNvPr id="2" name="Tiêu đề 1">
             <a:extLst>
               <a:ext uri="{FF2B5EF4-FFF2-40B4-BE49-F238E27FC236}">
-                <a16:creationId xmlns:a16="http://schemas.microsoft.com/office/drawing/2014/main" id="{84CE7410-85B5-4A57-9C60-1A0EED6F1CF2}"/>
+                <a16:creationId xmlns:a16="http://schemas.microsoft.com/office/drawing/2014/main" id="{A0F182BA-CF59-4626-B3C8-EAD431F8CBBD}"/>
+              </a:ext>
+            </a:extLst>
+          </p:cNvPr>
+          <p:cNvSpPr>
+            <a:spLocks noGrp="1"/>
+          </p:cNvSpPr>
+          <p:nvPr>
+            <p:ph type="title"/>
+          </p:nvPr>
+        </p:nvSpPr>
+        <p:spPr/>
+        <p:txBody>
+          <a:bodyPr/>
+          <a:lstStyle/>
+          <a:p>
+            <a:r>
+              <a:rPr lang="en-US" dirty="0"/>
+              <a:t>FUNCTIONAL VERIFICATION – 2</a:t>
+            </a:r>
+            <a:r>
+              <a:rPr lang="en-US" baseline="30000" dirty="0"/>
+              <a:t>nd</a:t>
+            </a:r>
+            <a:r>
+              <a:rPr lang="en-US" dirty="0"/>
+              <a:t> year target</a:t>
+            </a:r>
+          </a:p>
+        </p:txBody>
+      </p:sp>
+      <p:sp>
+        <p:nvSpPr>
+          <p:cNvPr id="3" name="Chỗ dành sẵn cho Số hiệu Bản chiếu 2">
+            <a:extLst>
+              <a:ext uri="{FF2B5EF4-FFF2-40B4-BE49-F238E27FC236}">
+                <a16:creationId xmlns:a16="http://schemas.microsoft.com/office/drawing/2014/main" id="{39FFEB49-67CF-457D-841C-15A465F85961}"/>
+              </a:ext>
+            </a:extLst>
+          </p:cNvPr>
+          <p:cNvSpPr>
+            <a:spLocks noGrp="1"/>
+          </p:cNvSpPr>
+          <p:nvPr>
+            <p:ph type="sldNum" sz="quarter" idx="10"/>
+          </p:nvPr>
+        </p:nvSpPr>
+        <p:spPr/>
+        <p:txBody>
+          <a:bodyPr/>
+          <a:lstStyle/>
+          <a:p>
+            <a:pPr algn="l"/>
+            <a:r>
+              <a:rPr lang="de-DE"/>
+              <a:t>Page </a:t>
+            </a:r>
+            <a:fld id="{3FD030EF-7044-4946-962A-5D7D09BD1B34}" type="slidenum">
+              <a:rPr lang="de-DE" smtClean="0"/>
+              <a:pPr algn="l"/>
+              <a:t>14</a:t>
+            </a:fld>
+            <a:endParaRPr lang="de-DE" dirty="0"/>
+          </a:p>
+        </p:txBody>
+      </p:sp>
+      <p:grpSp>
+        <p:nvGrpSpPr>
+          <p:cNvPr id="10" name="Nhóm 27">
+            <a:extLst>
+              <a:ext uri="{FF2B5EF4-FFF2-40B4-BE49-F238E27FC236}">
+                <a16:creationId xmlns:a16="http://schemas.microsoft.com/office/drawing/2014/main" id="{D015D9A6-EE8D-4E06-B5A8-D4151CEC1387}"/>
+              </a:ext>
+            </a:extLst>
+          </p:cNvPr>
+          <p:cNvGrpSpPr/>
+          <p:nvPr/>
+        </p:nvGrpSpPr>
+        <p:grpSpPr>
+          <a:xfrm>
+            <a:off x="1080000" y="1607973"/>
+            <a:ext cx="6608243" cy="615553"/>
+            <a:chOff x="506534" y="2939553"/>
+            <a:chExt cx="6608243" cy="615553"/>
+          </a:xfrm>
+        </p:grpSpPr>
+        <p:pic>
+          <p:nvPicPr>
+            <p:cNvPr id="15" name="Đồ họa 10" descr="Danh sách">
+              <a:extLst>
+                <a:ext uri="{FF2B5EF4-FFF2-40B4-BE49-F238E27FC236}">
+                  <a16:creationId xmlns:a16="http://schemas.microsoft.com/office/drawing/2014/main" id="{A3627CEC-9F90-4181-B7E9-49AE9EE917CE}"/>
+                </a:ext>
+              </a:extLst>
+            </p:cNvPr>
+            <p:cNvPicPr>
+              <a:picLocks noChangeAspect="1"/>
+            </p:cNvPicPr>
+            <p:nvPr/>
+          </p:nvPicPr>
+          <p:blipFill>
+            <a:blip r:embed="rId2" cstate="print">
+              <a:extLst>
+                <a:ext uri="{28A0092B-C50C-407E-A947-70E740481C1C}">
+                  <a14:useLocalDpi xmlns:a14="http://schemas.microsoft.com/office/drawing/2010/main" val="0"/>
+                </a:ext>
+                <a:ext uri="{96DAC541-7B7A-43D3-8B79-37D633B846F1}">
+                  <asvg:svgBlip xmlns:asvg="http://schemas.microsoft.com/office/drawing/2016/SVG/main" r:embed="rId3"/>
+                </a:ext>
+              </a:extLst>
+            </a:blip>
+            <a:stretch>
+              <a:fillRect/>
+            </a:stretch>
+          </p:blipFill>
+          <p:spPr>
+            <a:xfrm>
+              <a:off x="506534" y="2939553"/>
+              <a:ext cx="457200" cy="457200"/>
+            </a:xfrm>
+            <a:prstGeom prst="rect">
+              <a:avLst/>
+            </a:prstGeom>
+          </p:spPr>
+        </p:pic>
+        <p:sp>
+          <p:nvSpPr>
+            <p:cNvPr id="16" name="Hộp Văn bản 19">
+              <a:extLst>
+                <a:ext uri="{FF2B5EF4-FFF2-40B4-BE49-F238E27FC236}">
+                  <a16:creationId xmlns:a16="http://schemas.microsoft.com/office/drawing/2014/main" id="{0317A90E-46CD-4C41-9C30-69D673EE8191}"/>
+                </a:ext>
+              </a:extLst>
+            </p:cNvPr>
+            <p:cNvSpPr txBox="1"/>
+            <p:nvPr/>
+          </p:nvSpPr>
+          <p:spPr>
+            <a:xfrm>
+              <a:off x="963734" y="2939553"/>
+              <a:ext cx="6151043" cy="615553"/>
+            </a:xfrm>
+            <a:prstGeom prst="rect">
+              <a:avLst/>
+            </a:prstGeom>
+            <a:noFill/>
+          </p:spPr>
+          <p:txBody>
+            <a:bodyPr wrap="none" rtlCol="0">
+              <a:spAutoFit/>
+            </a:bodyPr>
+            <a:lstStyle/>
+            <a:p>
+              <a:r>
+                <a:rPr lang="en-US" b="1" dirty="0"/>
+                <a:t>Check specification</a:t>
+              </a:r>
+            </a:p>
+            <a:p>
+              <a:r>
+                <a:rPr lang="en-US" sz="1600" dirty="0"/>
+                <a:t>+ Check the consistency between GYRO’s specs and its checklist</a:t>
+              </a:r>
+            </a:p>
+          </p:txBody>
+        </p:sp>
+      </p:grpSp>
+      <p:grpSp>
+        <p:nvGrpSpPr>
+          <p:cNvPr id="18" name="Nhóm 28">
+            <a:extLst>
+              <a:ext uri="{FF2B5EF4-FFF2-40B4-BE49-F238E27FC236}">
+                <a16:creationId xmlns:a16="http://schemas.microsoft.com/office/drawing/2014/main" id="{DED047AB-8FE6-4DB9-B1D0-5D6A7C5CE640}"/>
+              </a:ext>
+            </a:extLst>
+          </p:cNvPr>
+          <p:cNvGrpSpPr/>
+          <p:nvPr/>
+        </p:nvGrpSpPr>
+        <p:grpSpPr>
+          <a:xfrm>
+            <a:off x="1080000" y="2334582"/>
+            <a:ext cx="4437777" cy="615553"/>
+            <a:chOff x="506534" y="3426903"/>
+            <a:chExt cx="4437777" cy="615553"/>
+          </a:xfrm>
+        </p:grpSpPr>
+        <p:pic>
+          <p:nvPicPr>
+            <p:cNvPr id="24" name="Đồ họa 8" descr="Danh sách kiểm tra">
+              <a:extLst>
+                <a:ext uri="{FF2B5EF4-FFF2-40B4-BE49-F238E27FC236}">
+                  <a16:creationId xmlns:a16="http://schemas.microsoft.com/office/drawing/2014/main" id="{16FE61A0-DA01-4CC8-B120-ECDBE25891A7}"/>
+                </a:ext>
+              </a:extLst>
+            </p:cNvPr>
+            <p:cNvPicPr>
+              <a:picLocks noChangeAspect="1"/>
+            </p:cNvPicPr>
+            <p:nvPr/>
+          </p:nvPicPr>
+          <p:blipFill>
+            <a:blip r:embed="rId4" cstate="print">
+              <a:extLst>
+                <a:ext uri="{28A0092B-C50C-407E-A947-70E740481C1C}">
+                  <a14:useLocalDpi xmlns:a14="http://schemas.microsoft.com/office/drawing/2010/main" val="0"/>
+                </a:ext>
+                <a:ext uri="{96DAC541-7B7A-43D3-8B79-37D633B846F1}">
+                  <asvg:svgBlip xmlns:asvg="http://schemas.microsoft.com/office/drawing/2016/SVG/main" r:embed="rId5"/>
+                </a:ext>
+              </a:extLst>
+            </a:blip>
+            <a:stretch>
+              <a:fillRect/>
+            </a:stretch>
+          </p:blipFill>
+          <p:spPr>
+            <a:xfrm>
+              <a:off x="506534" y="3426903"/>
+              <a:ext cx="457200" cy="457200"/>
+            </a:xfrm>
+            <a:prstGeom prst="rect">
+              <a:avLst/>
+            </a:prstGeom>
+          </p:spPr>
+        </p:pic>
+        <p:sp>
+          <p:nvSpPr>
+            <p:cNvPr id="25" name="Hộp Văn bản 20">
+              <a:extLst>
+                <a:ext uri="{FF2B5EF4-FFF2-40B4-BE49-F238E27FC236}">
+                  <a16:creationId xmlns:a16="http://schemas.microsoft.com/office/drawing/2014/main" id="{8587F760-EDF9-4E9C-8D11-EF3CAE367B85}"/>
+                </a:ext>
+              </a:extLst>
+            </p:cNvPr>
+            <p:cNvSpPr txBox="1"/>
+            <p:nvPr/>
+          </p:nvSpPr>
+          <p:spPr>
+            <a:xfrm>
+              <a:off x="963734" y="3426903"/>
+              <a:ext cx="3980577" cy="615553"/>
+            </a:xfrm>
+            <a:prstGeom prst="rect">
+              <a:avLst/>
+            </a:prstGeom>
+            <a:noFill/>
+          </p:spPr>
+          <p:txBody>
+            <a:bodyPr wrap="none" rtlCol="0">
+              <a:spAutoFit/>
+            </a:bodyPr>
+            <a:lstStyle/>
+            <a:p>
+              <a:r>
+                <a:rPr lang="en-US" b="1" dirty="0"/>
+                <a:t>Create verification items check list</a:t>
+              </a:r>
+            </a:p>
+            <a:p>
+              <a:r>
+                <a:rPr lang="en-US" sz="1600" dirty="0"/>
+                <a:t>+</a:t>
+              </a:r>
+            </a:p>
+          </p:txBody>
+        </p:sp>
+      </p:grpSp>
+      <p:grpSp>
+        <p:nvGrpSpPr>
+          <p:cNvPr id="27" name="Nhóm 29">
+            <a:extLst>
+              <a:ext uri="{FF2B5EF4-FFF2-40B4-BE49-F238E27FC236}">
+                <a16:creationId xmlns:a16="http://schemas.microsoft.com/office/drawing/2014/main" id="{4B9B7103-966B-49F2-B78A-FC054D5D4CF7}"/>
+              </a:ext>
+            </a:extLst>
+          </p:cNvPr>
+          <p:cNvGrpSpPr/>
+          <p:nvPr/>
+        </p:nvGrpSpPr>
+        <p:grpSpPr>
+          <a:xfrm>
+            <a:off x="1080000" y="2963895"/>
+            <a:ext cx="10094135" cy="1846659"/>
+            <a:chOff x="506534" y="4095924"/>
+            <a:chExt cx="10094135" cy="1846659"/>
+          </a:xfrm>
+        </p:grpSpPr>
+        <p:pic>
+          <p:nvPicPr>
+            <p:cNvPr id="33" name="Đồ họa 12" descr="Cơ sở dữ liệu">
+              <a:extLst>
+                <a:ext uri="{FF2B5EF4-FFF2-40B4-BE49-F238E27FC236}">
+                  <a16:creationId xmlns:a16="http://schemas.microsoft.com/office/drawing/2014/main" id="{5FF13001-DE5D-4506-B6E9-0E0341CA15FF}"/>
+                </a:ext>
+              </a:extLst>
+            </p:cNvPr>
+            <p:cNvPicPr>
+              <a:picLocks noChangeAspect="1"/>
+            </p:cNvPicPr>
+            <p:nvPr/>
+          </p:nvPicPr>
+          <p:blipFill>
+            <a:blip r:embed="rId6" cstate="print">
+              <a:extLst>
+                <a:ext uri="{28A0092B-C50C-407E-A947-70E740481C1C}">
+                  <a14:useLocalDpi xmlns:a14="http://schemas.microsoft.com/office/drawing/2010/main" val="0"/>
+                </a:ext>
+                <a:ext uri="{96DAC541-7B7A-43D3-8B79-37D633B846F1}">
+                  <asvg:svgBlip xmlns:asvg="http://schemas.microsoft.com/office/drawing/2016/SVG/main" r:embed="rId7"/>
+                </a:ext>
+              </a:extLst>
+            </a:blip>
+            <a:stretch>
+              <a:fillRect/>
+            </a:stretch>
+          </p:blipFill>
+          <p:spPr>
+            <a:xfrm>
+              <a:off x="506534" y="4095924"/>
+              <a:ext cx="457200" cy="457200"/>
+            </a:xfrm>
+            <a:prstGeom prst="rect">
+              <a:avLst/>
+            </a:prstGeom>
+          </p:spPr>
+        </p:pic>
+        <p:sp>
+          <p:nvSpPr>
+            <p:cNvPr id="34" name="Hộp Văn bản 21">
+              <a:extLst>
+                <a:ext uri="{FF2B5EF4-FFF2-40B4-BE49-F238E27FC236}">
+                  <a16:creationId xmlns:a16="http://schemas.microsoft.com/office/drawing/2014/main" id="{F40F794D-16B5-46FB-8C78-1DA8742371C9}"/>
+                </a:ext>
+              </a:extLst>
+            </p:cNvPr>
+            <p:cNvSpPr txBox="1"/>
+            <p:nvPr/>
+          </p:nvSpPr>
+          <p:spPr>
+            <a:xfrm>
+              <a:off x="963734" y="4095924"/>
+              <a:ext cx="9636935" cy="1846659"/>
+            </a:xfrm>
+            <a:prstGeom prst="rect">
+              <a:avLst/>
+            </a:prstGeom>
+            <a:noFill/>
+          </p:spPr>
+          <p:txBody>
+            <a:bodyPr wrap="square" rtlCol="0">
+              <a:spAutoFit/>
+            </a:bodyPr>
+            <a:lstStyle/>
+            <a:p>
+              <a:r>
+                <a:rPr lang="en-US" b="1" dirty="0"/>
+                <a:t>Create test patterns for functional verification</a:t>
+              </a:r>
+            </a:p>
+            <a:p>
+              <a:r>
+                <a:rPr lang="en-US" sz="1600" dirty="0"/>
+                <a:t>+ Replace GYRO’s assembly patterns by new C patterns and make a software driver package for GYRO</a:t>
+              </a:r>
+            </a:p>
+            <a:p>
+              <a:r>
+                <a:rPr lang="en-US" sz="1600" dirty="0"/>
+                <a:t>+ Apply new verification method for I2C and GYRO such as Jasper Gold, UVM.</a:t>
+              </a:r>
+            </a:p>
+            <a:p>
+              <a:r>
+                <a:rPr lang="en-US" sz="1600" dirty="0"/>
+                <a:t>+ Maintain, update the software drivers package, introduce it to the other engineers</a:t>
+              </a:r>
+            </a:p>
+            <a:p>
+              <a:r>
+                <a:rPr lang="en-US" sz="1600" dirty="0"/>
+                <a:t>+ Maintain, update the CT Pattern Builder tool, expand the usage to whole section</a:t>
+              </a:r>
+            </a:p>
+            <a:p>
+              <a:r>
+                <a:rPr lang="en-US" sz="1600" dirty="0"/>
+                <a:t>+ Share my embedded software programming experience, become the pioneer in bringing advanced software methods to the hardware verification</a:t>
+              </a:r>
+            </a:p>
+          </p:txBody>
+        </p:sp>
+      </p:grpSp>
+      <p:sp>
+        <p:nvSpPr>
+          <p:cNvPr id="53" name="Rectangle 64">
+            <a:extLst>
+              <a:ext uri="{FF2B5EF4-FFF2-40B4-BE49-F238E27FC236}">
+                <a16:creationId xmlns:a16="http://schemas.microsoft.com/office/drawing/2014/main" id="{DBAF8B0C-A338-46CF-8721-716441EDC5C7}"/>
               </a:ext>
             </a:extLst>
           </p:cNvPr>
@@ -22601,8 +23781,70 @@
           <p:nvPr/>
         </p:nvSpPr>
         <p:spPr>
-          <a:xfrm>
-            <a:off x="10842735" y="2025950"/>
+          <a:xfrm flipH="1">
+            <a:off x="9923280" y="936000"/>
+            <a:ext cx="1188720" cy="274320"/>
+          </a:xfrm>
+          <a:prstGeom prst="rect">
+            <a:avLst/>
+          </a:prstGeom>
+          <a:solidFill>
+            <a:schemeClr val="tx1"/>
+          </a:solidFill>
+          <a:ln>
+            <a:noFill/>
+          </a:ln>
+          <a:effectLst>
+            <a:outerShdw blurRad="50800" dist="38100" dir="2700000" algn="tl" rotWithShape="0">
+              <a:prstClr val="black">
+                <a:alpha val="40000"/>
+              </a:prstClr>
+            </a:outerShdw>
+          </a:effectLst>
+        </p:spPr>
+        <p:style>
+          <a:lnRef idx="2">
+            <a:schemeClr val="accent1">
+              <a:shade val="50000"/>
+            </a:schemeClr>
+          </a:lnRef>
+          <a:fillRef idx="1">
+            <a:schemeClr val="accent1"/>
+          </a:fillRef>
+          <a:effectRef idx="0">
+            <a:schemeClr val="accent1"/>
+          </a:effectRef>
+          <a:fontRef idx="minor">
+            <a:schemeClr val="lt1"/>
+          </a:fontRef>
+        </p:style>
+        <p:txBody>
+          <a:bodyPr rtlCol="0" anchor="ctr"/>
+          <a:lstStyle/>
+          <a:p>
+            <a:pPr algn="ctr"/>
+            <a:r>
+              <a:rPr lang="en-US" sz="1400" dirty="0"/>
+              <a:t>R-Car Gen 4</a:t>
+            </a:r>
+          </a:p>
+        </p:txBody>
+      </p:sp>
+      <p:sp>
+        <p:nvSpPr>
+          <p:cNvPr id="54" name="Rectangle 65">
+            <a:extLst>
+              <a:ext uri="{FF2B5EF4-FFF2-40B4-BE49-F238E27FC236}">
+                <a16:creationId xmlns:a16="http://schemas.microsoft.com/office/drawing/2014/main" id="{B2ED4FF5-DFF8-485F-A9AA-8AC2C37433E9}"/>
+              </a:ext>
+            </a:extLst>
+          </p:cNvPr>
+          <p:cNvSpPr/>
+          <p:nvPr/>
+        </p:nvSpPr>
+        <p:spPr>
+          <a:xfrm flipH="1">
+            <a:off x="9162818" y="936000"/>
             <a:ext cx="731520" cy="274320"/>
           </a:xfrm>
           <a:prstGeom prst="rect">
@@ -22645,7 +23887,69 @@
             <a:pPr algn="ctr"/>
             <a:r>
               <a:rPr lang="en-US" sz="1400" dirty="0"/>
-              <a:t>TBD</a:t>
+              <a:t>I2C</a:t>
+            </a:r>
+          </a:p>
+        </p:txBody>
+      </p:sp>
+      <p:sp>
+        <p:nvSpPr>
+          <p:cNvPr id="55" name="Rectangle 65">
+            <a:extLst>
+              <a:ext uri="{FF2B5EF4-FFF2-40B4-BE49-F238E27FC236}">
+                <a16:creationId xmlns:a16="http://schemas.microsoft.com/office/drawing/2014/main" id="{921374CA-B349-4072-B3EB-D75C7344C43E}"/>
+              </a:ext>
+            </a:extLst>
+          </p:cNvPr>
+          <p:cNvSpPr/>
+          <p:nvPr/>
+        </p:nvSpPr>
+        <p:spPr>
+          <a:xfrm flipH="1">
+            <a:off x="8402356" y="936000"/>
+            <a:ext cx="731520" cy="274320"/>
+          </a:xfrm>
+          <a:prstGeom prst="rect">
+            <a:avLst/>
+          </a:prstGeom>
+          <a:solidFill>
+            <a:schemeClr val="tx2"/>
+          </a:solidFill>
+          <a:ln>
+            <a:noFill/>
+          </a:ln>
+          <a:effectLst>
+            <a:outerShdw blurRad="50800" dist="38100" dir="2700000" algn="tl" rotWithShape="0">
+              <a:prstClr val="black">
+                <a:alpha val="40000"/>
+              </a:prstClr>
+            </a:outerShdw>
+          </a:effectLst>
+        </p:spPr>
+        <p:style>
+          <a:lnRef idx="2">
+            <a:schemeClr val="accent1">
+              <a:shade val="50000"/>
+            </a:schemeClr>
+          </a:lnRef>
+          <a:fillRef idx="1">
+            <a:schemeClr val="accent1"/>
+          </a:fillRef>
+          <a:effectRef idx="0">
+            <a:schemeClr val="accent1"/>
+          </a:effectRef>
+          <a:fontRef idx="minor">
+            <a:schemeClr val="lt1"/>
+          </a:fontRef>
+        </p:style>
+        <p:txBody>
+          <a:bodyPr rtlCol="0" anchor="ctr"/>
+          <a:lstStyle/>
+          <a:p>
+            <a:pPr algn="ctr"/>
+            <a:r>
+              <a:rPr lang="en-US" sz="1400" dirty="0"/>
+              <a:t>GYRO</a:t>
             </a:r>
           </a:p>
         </p:txBody>
@@ -22653,7 +23957,7 @@
     </p:spTree>
     <p:extLst>
       <p:ext uri="{BB962C8B-B14F-4D97-AF65-F5344CB8AC3E}">
-        <p14:creationId xmlns:p14="http://schemas.microsoft.com/office/powerpoint/2010/main" val="2826024009"/>
+        <p14:creationId xmlns:p14="http://schemas.microsoft.com/office/powerpoint/2010/main" val="2292448605"/>
       </p:ext>
     </p:extLst>
   </p:cSld>
@@ -22663,7 +23967,7 @@
 </p:sld>
 </file>
 
-<file path=ppt/slides/slide14.xml><?xml version="1.0" encoding="utf-8"?>
+<file path=ppt/slides/slide15.xml><?xml version="1.0" encoding="utf-8"?>
 <p:sld xmlns:a="http://schemas.openxmlformats.org/drawingml/2006/main" xmlns:r="http://schemas.openxmlformats.org/officeDocument/2006/relationships" xmlns:p="http://schemas.openxmlformats.org/presentationml/2006/main">
   <p:cSld>
     <p:spTree>
@@ -22682,10 +23986,259 @@
       </p:grpSpPr>
       <p:sp>
         <p:nvSpPr>
-          <p:cNvPr id="2" name="Tiêu đề 1">
+          <p:cNvPr id="3" name="Chỗ dành sẵn cho Số hiệu Bản chiếu 2">
             <a:extLst>
               <a:ext uri="{FF2B5EF4-FFF2-40B4-BE49-F238E27FC236}">
-                <a16:creationId xmlns:a16="http://schemas.microsoft.com/office/drawing/2014/main" id="{A0F182BA-CF59-4626-B3C8-EAD431F8CBBD}"/>
+                <a16:creationId xmlns:a16="http://schemas.microsoft.com/office/drawing/2014/main" id="{32ADCF16-E537-4506-BABF-09A53B0E5482}"/>
+              </a:ext>
+            </a:extLst>
+          </p:cNvPr>
+          <p:cNvSpPr>
+            <a:spLocks noGrp="1"/>
+          </p:cNvSpPr>
+          <p:nvPr>
+            <p:ph type="sldNum" sz="quarter" idx="10"/>
+          </p:nvPr>
+        </p:nvSpPr>
+        <p:spPr/>
+        <p:txBody>
+          <a:bodyPr/>
+          <a:lstStyle/>
+          <a:p>
+            <a:pPr algn="l"/>
+            <a:r>
+              <a:rPr lang="de-DE"/>
+              <a:t>Page </a:t>
+            </a:r>
+            <a:fld id="{3FD030EF-7044-4946-962A-5D7D09BD1B34}" type="slidenum">
+              <a:rPr lang="de-DE" smtClean="0"/>
+              <a:pPr algn="l"/>
+              <a:t>15</a:t>
+            </a:fld>
+            <a:endParaRPr lang="de-DE" dirty="0"/>
+          </a:p>
+        </p:txBody>
+      </p:sp>
+      <p:grpSp>
+        <p:nvGrpSpPr>
+          <p:cNvPr id="5" name="Nhóm 30">
+            <a:extLst>
+              <a:ext uri="{FF2B5EF4-FFF2-40B4-BE49-F238E27FC236}">
+                <a16:creationId xmlns:a16="http://schemas.microsoft.com/office/drawing/2014/main" id="{18ABBC7C-1E6D-4F7E-AA54-C51B2B19A720}"/>
+              </a:ext>
+            </a:extLst>
+          </p:cNvPr>
+          <p:cNvGrpSpPr/>
+          <p:nvPr/>
+        </p:nvGrpSpPr>
+        <p:grpSpPr>
+          <a:xfrm>
+            <a:off x="1080000" y="2687725"/>
+            <a:ext cx="10032000" cy="1107996"/>
+            <a:chOff x="506534" y="4764945"/>
+            <a:chExt cx="10032000" cy="1107996"/>
+          </a:xfrm>
+        </p:grpSpPr>
+        <p:pic>
+          <p:nvPicPr>
+            <p:cNvPr id="6" name="Đồ họa 14" descr="Xe chở bê tông">
+              <a:extLst>
+                <a:ext uri="{FF2B5EF4-FFF2-40B4-BE49-F238E27FC236}">
+                  <a16:creationId xmlns:a16="http://schemas.microsoft.com/office/drawing/2014/main" id="{1EDA0239-307A-44D2-BA83-C67DE668ECC4}"/>
+                </a:ext>
+              </a:extLst>
+            </p:cNvPr>
+            <p:cNvPicPr>
+              <a:picLocks noChangeAspect="1"/>
+            </p:cNvPicPr>
+            <p:nvPr/>
+          </p:nvPicPr>
+          <p:blipFill>
+            <a:blip r:embed="rId2" cstate="print">
+              <a:extLst>
+                <a:ext uri="{28A0092B-C50C-407E-A947-70E740481C1C}">
+                  <a14:useLocalDpi xmlns:a14="http://schemas.microsoft.com/office/drawing/2010/main" val="0"/>
+                </a:ext>
+                <a:ext uri="{96DAC541-7B7A-43D3-8B79-37D633B846F1}">
+                  <asvg:svgBlip xmlns:asvg="http://schemas.microsoft.com/office/drawing/2016/SVG/main" r:embed="rId3"/>
+                </a:ext>
+              </a:extLst>
+            </a:blip>
+            <a:stretch>
+              <a:fillRect/>
+            </a:stretch>
+          </p:blipFill>
+          <p:spPr>
+            <a:xfrm>
+              <a:off x="506534" y="4764945"/>
+              <a:ext cx="457200" cy="457200"/>
+            </a:xfrm>
+            <a:prstGeom prst="rect">
+              <a:avLst/>
+            </a:prstGeom>
+          </p:spPr>
+        </p:pic>
+        <p:sp>
+          <p:nvSpPr>
+            <p:cNvPr id="7" name="Hộp Văn bản 22">
+              <a:extLst>
+                <a:ext uri="{FF2B5EF4-FFF2-40B4-BE49-F238E27FC236}">
+                  <a16:creationId xmlns:a16="http://schemas.microsoft.com/office/drawing/2014/main" id="{76488C0B-4276-49C5-9230-AD3F875D0BFF}"/>
+                </a:ext>
+              </a:extLst>
+            </p:cNvPr>
+            <p:cNvSpPr txBox="1"/>
+            <p:nvPr/>
+          </p:nvSpPr>
+          <p:spPr>
+            <a:xfrm>
+              <a:off x="963734" y="4764945"/>
+              <a:ext cx="9574800" cy="1107996"/>
+            </a:xfrm>
+            <a:prstGeom prst="rect">
+              <a:avLst/>
+            </a:prstGeom>
+            <a:noFill/>
+          </p:spPr>
+          <p:txBody>
+            <a:bodyPr wrap="square" rtlCol="0">
+              <a:spAutoFit/>
+            </a:bodyPr>
+            <a:lstStyle/>
+            <a:p>
+              <a:r>
+                <a:rPr lang="en-US" b="1" dirty="0"/>
+                <a:t>Conduct functional verification at RTL level</a:t>
+              </a:r>
+            </a:p>
+            <a:p>
+              <a:r>
+                <a:rPr lang="en-US" sz="1600" dirty="0"/>
+                <a:t>+ Perform CT verification for I2C and GYRO</a:t>
+              </a:r>
+            </a:p>
+            <a:p>
+              <a:r>
+                <a:rPr lang="en-US" sz="1600" dirty="0"/>
+                <a:t>+ Debugging support to other engineers</a:t>
+              </a:r>
+            </a:p>
+            <a:p>
+              <a:r>
+                <a:rPr lang="en-US" sz="1600" dirty="0"/>
+                <a:t>+ Give advices to the verification management team to improve the quality and reduce the work load</a:t>
+              </a:r>
+            </a:p>
+          </p:txBody>
+        </p:sp>
+      </p:grpSp>
+      <p:grpSp>
+        <p:nvGrpSpPr>
+          <p:cNvPr id="8" name="Nhóm 31">
+            <a:extLst>
+              <a:ext uri="{FF2B5EF4-FFF2-40B4-BE49-F238E27FC236}">
+                <a16:creationId xmlns:a16="http://schemas.microsoft.com/office/drawing/2014/main" id="{8F5E5FB6-563F-4B72-917C-2E0A56CD7ABE}"/>
+              </a:ext>
+            </a:extLst>
+          </p:cNvPr>
+          <p:cNvGrpSpPr/>
+          <p:nvPr/>
+        </p:nvGrpSpPr>
+        <p:grpSpPr>
+          <a:xfrm>
+            <a:off x="1080000" y="4551541"/>
+            <a:ext cx="10031999" cy="861774"/>
+            <a:chOff x="506534" y="5328765"/>
+            <a:chExt cx="10031999" cy="861774"/>
+          </a:xfrm>
+        </p:grpSpPr>
+        <p:pic>
+          <p:nvPicPr>
+            <p:cNvPr id="9" name="Đồ họa 8" descr="Kính hiển vi">
+              <a:extLst>
+                <a:ext uri="{FF2B5EF4-FFF2-40B4-BE49-F238E27FC236}">
+                  <a16:creationId xmlns:a16="http://schemas.microsoft.com/office/drawing/2014/main" id="{EEC7D31B-ECFE-4402-8599-CD48FA8A3E29}"/>
+                </a:ext>
+              </a:extLst>
+            </p:cNvPr>
+            <p:cNvPicPr>
+              <a:picLocks noChangeAspect="1"/>
+            </p:cNvPicPr>
+            <p:nvPr/>
+          </p:nvPicPr>
+          <p:blipFill>
+            <a:blip r:embed="rId4" cstate="print">
+              <a:extLst>
+                <a:ext uri="{28A0092B-C50C-407E-A947-70E740481C1C}">
+                  <a14:useLocalDpi xmlns:a14="http://schemas.microsoft.com/office/drawing/2010/main" val="0"/>
+                </a:ext>
+                <a:ext uri="{96DAC541-7B7A-43D3-8B79-37D633B846F1}">
+                  <asvg:svgBlip xmlns:asvg="http://schemas.microsoft.com/office/drawing/2016/SVG/main" r:embed="rId5"/>
+                </a:ext>
+              </a:extLst>
+            </a:blip>
+            <a:stretch>
+              <a:fillRect/>
+            </a:stretch>
+          </p:blipFill>
+          <p:spPr>
+            <a:xfrm>
+              <a:off x="506534" y="5328765"/>
+              <a:ext cx="457200" cy="457200"/>
+            </a:xfrm>
+            <a:prstGeom prst="rect">
+              <a:avLst/>
+            </a:prstGeom>
+          </p:spPr>
+        </p:pic>
+        <p:sp>
+          <p:nvSpPr>
+            <p:cNvPr id="10" name="Hộp Văn bản 23">
+              <a:extLst>
+                <a:ext uri="{FF2B5EF4-FFF2-40B4-BE49-F238E27FC236}">
+                  <a16:creationId xmlns:a16="http://schemas.microsoft.com/office/drawing/2014/main" id="{83E773E0-186C-4AA2-8F11-B7C58BB94C50}"/>
+                </a:ext>
+              </a:extLst>
+            </p:cNvPr>
+            <p:cNvSpPr txBox="1"/>
+            <p:nvPr/>
+          </p:nvSpPr>
+          <p:spPr>
+            <a:xfrm>
+              <a:off x="963733" y="5328765"/>
+              <a:ext cx="9574800" cy="861774"/>
+            </a:xfrm>
+            <a:prstGeom prst="rect">
+              <a:avLst/>
+            </a:prstGeom>
+            <a:noFill/>
+          </p:spPr>
+          <p:txBody>
+            <a:bodyPr wrap="square" rtlCol="0">
+              <a:spAutoFit/>
+            </a:bodyPr>
+            <a:lstStyle/>
+            <a:p>
+              <a:r>
+                <a:rPr lang="en-US" b="1" dirty="0"/>
+                <a:t>Evaluate functional verification result</a:t>
+              </a:r>
+            </a:p>
+            <a:p>
+              <a:r>
+                <a:rPr lang="en-US" sz="1600" dirty="0"/>
+                <a:t>+ Introduce the software checking method to other engineers to reduce the work load, reduce simulation time, increase test quality and increase the automated level</a:t>
+              </a:r>
+            </a:p>
+          </p:txBody>
+        </p:sp>
+      </p:grpSp>
+      <p:sp>
+        <p:nvSpPr>
+          <p:cNvPr id="11" name="Tiêu đề 1">
+            <a:extLst>
+              <a:ext uri="{FF2B5EF4-FFF2-40B4-BE49-F238E27FC236}">
+                <a16:creationId xmlns:a16="http://schemas.microsoft.com/office/drawing/2014/main" id="{8140A418-E822-4A04-B1C4-B11AB5859564}"/>
               </a:ext>
             </a:extLst>
           </p:cNvPr>
@@ -22696,14 +24249,19 @@
             <p:ph type="title"/>
           </p:nvPr>
         </p:nvSpPr>
-        <p:spPr/>
+        <p:spPr>
+          <a:xfrm>
+            <a:off x="1080000" y="936000"/>
+            <a:ext cx="8520000" cy="443198"/>
+          </a:xfrm>
+        </p:spPr>
         <p:txBody>
           <a:bodyPr/>
           <a:lstStyle/>
           <a:p>
             <a:r>
               <a:rPr lang="en-US" dirty="0"/>
-              <a:t>FUCNTIONAL VERIFICATION – 2</a:t>
+              <a:t>FUNCTIONAL VERIFICATION – 2</a:t>
             </a:r>
             <a:r>
               <a:rPr lang="en-US" baseline="30000" dirty="0"/>
@@ -22718,45 +24276,10 @@
       </p:sp>
       <p:sp>
         <p:nvSpPr>
-          <p:cNvPr id="3" name="Chỗ dành sẵn cho Số hiệu Bản chiếu 2">
+          <p:cNvPr id="12" name="Rectangle 64">
             <a:extLst>
               <a:ext uri="{FF2B5EF4-FFF2-40B4-BE49-F238E27FC236}">
-                <a16:creationId xmlns:a16="http://schemas.microsoft.com/office/drawing/2014/main" id="{39FFEB49-67CF-457D-841C-15A465F85961}"/>
-              </a:ext>
-            </a:extLst>
-          </p:cNvPr>
-          <p:cNvSpPr>
-            <a:spLocks noGrp="1"/>
-          </p:cNvSpPr>
-          <p:nvPr>
-            <p:ph type="sldNum" sz="quarter" idx="10"/>
-          </p:nvPr>
-        </p:nvSpPr>
-        <p:spPr/>
-        <p:txBody>
-          <a:bodyPr/>
-          <a:lstStyle/>
-          <a:p>
-            <a:pPr algn="l"/>
-            <a:r>
-              <a:rPr lang="de-DE"/>
-              <a:t>Page </a:t>
-            </a:r>
-            <a:fld id="{3FD030EF-7044-4946-962A-5D7D09BD1B34}" type="slidenum">
-              <a:rPr lang="de-DE" smtClean="0"/>
-              <a:pPr algn="l"/>
-              <a:t>14</a:t>
-            </a:fld>
-            <a:endParaRPr lang="de-DE" dirty="0"/>
-          </a:p>
-        </p:txBody>
-      </p:sp>
-      <p:sp>
-        <p:nvSpPr>
-          <p:cNvPr id="5" name="Rectangle 64">
-            <a:extLst>
-              <a:ext uri="{FF2B5EF4-FFF2-40B4-BE49-F238E27FC236}">
-                <a16:creationId xmlns:a16="http://schemas.microsoft.com/office/drawing/2014/main" id="{C555B850-9A47-4D3F-ADFA-4BC10CCD0DEE}"/>
+                <a16:creationId xmlns:a16="http://schemas.microsoft.com/office/drawing/2014/main" id="{9EBEC1F7-E50A-4304-AE7C-5B194725D3A3}"/>
               </a:ext>
             </a:extLst>
           </p:cNvPr>
@@ -22764,8 +24287,8 @@
           <p:nvPr/>
         </p:nvSpPr>
         <p:spPr>
-          <a:xfrm>
-            <a:off x="9600000" y="1379198"/>
+          <a:xfrm flipH="1">
+            <a:off x="9923280" y="936000"/>
             <a:ext cx="1188720" cy="274320"/>
           </a:xfrm>
           <a:prstGeom prst="rect">
@@ -22808,17 +24331,17 @@
             <a:pPr algn="ctr"/>
             <a:r>
               <a:rPr lang="en-US" sz="1400" dirty="0"/>
-              <a:t>R-Car 4</a:t>
-            </a:r>
-          </a:p>
-        </p:txBody>
-      </p:sp>
-      <p:sp>
-        <p:nvSpPr>
-          <p:cNvPr id="6" name="Rectangle 65">
+              <a:t>R-Car Gen 4</a:t>
+            </a:r>
+          </a:p>
+        </p:txBody>
+      </p:sp>
+      <p:sp>
+        <p:nvSpPr>
+          <p:cNvPr id="13" name="Rectangle 65">
             <a:extLst>
               <a:ext uri="{FF2B5EF4-FFF2-40B4-BE49-F238E27FC236}">
-                <a16:creationId xmlns:a16="http://schemas.microsoft.com/office/drawing/2014/main" id="{A6FF694E-3F5F-44A5-A096-2FB3B4855F16}"/>
+                <a16:creationId xmlns:a16="http://schemas.microsoft.com/office/drawing/2014/main" id="{5948D4B9-3F36-4F83-8DD3-6E403BC9B88B}"/>
               </a:ext>
             </a:extLst>
           </p:cNvPr>
@@ -22826,8 +24349,8 @@
           <p:nvPr/>
         </p:nvSpPr>
         <p:spPr>
-          <a:xfrm>
-            <a:off x="10842735" y="1379198"/>
+          <a:xfrm flipH="1">
+            <a:off x="9162818" y="936000"/>
             <a:ext cx="731520" cy="274320"/>
           </a:xfrm>
           <a:prstGeom prst="rect">
@@ -22877,10 +24400,10 @@
       </p:sp>
       <p:sp>
         <p:nvSpPr>
-          <p:cNvPr id="7" name="Rectangle 65">
+          <p:cNvPr id="14" name="Rectangle 65">
             <a:extLst>
               <a:ext uri="{FF2B5EF4-FFF2-40B4-BE49-F238E27FC236}">
-                <a16:creationId xmlns:a16="http://schemas.microsoft.com/office/drawing/2014/main" id="{465A5013-890C-4639-B61E-4120CD167AC5}"/>
+                <a16:creationId xmlns:a16="http://schemas.microsoft.com/office/drawing/2014/main" id="{566BECD8-5BF6-4AB2-89A0-E46C0591C72B}"/>
               </a:ext>
             </a:extLst>
           </p:cNvPr>
@@ -22888,8 +24411,8 @@
           <p:nvPr/>
         </p:nvSpPr>
         <p:spPr>
-          <a:xfrm>
-            <a:off x="10842735" y="1702574"/>
+          <a:xfrm flipH="1">
+            <a:off x="8402356" y="936000"/>
             <a:ext cx="731520" cy="274320"/>
           </a:xfrm>
           <a:prstGeom prst="rect">
@@ -22937,12 +24460,118 @@
           </a:p>
         </p:txBody>
       </p:sp>
-      <p:sp>
-        <p:nvSpPr>
-          <p:cNvPr id="8" name="Rectangle 65">
+    </p:spTree>
+    <p:extLst>
+      <p:ext uri="{BB962C8B-B14F-4D97-AF65-F5344CB8AC3E}">
+        <p14:creationId xmlns:p14="http://schemas.microsoft.com/office/powerpoint/2010/main" val="1747527619"/>
+      </p:ext>
+    </p:extLst>
+  </p:cSld>
+  <p:clrMapOvr>
+    <a:masterClrMapping/>
+  </p:clrMapOvr>
+</p:sld>
+</file>
+
+<file path=ppt/slides/slide16.xml><?xml version="1.0" encoding="utf-8"?>
+<p:sld xmlns:a="http://schemas.openxmlformats.org/drawingml/2006/main" xmlns:r="http://schemas.openxmlformats.org/officeDocument/2006/relationships" xmlns:p="http://schemas.openxmlformats.org/presentationml/2006/main">
+  <p:cSld>
+    <p:spTree>
+      <p:nvGrpSpPr>
+        <p:cNvPr id="1" name=""/>
+        <p:cNvGrpSpPr/>
+        <p:nvPr/>
+      </p:nvGrpSpPr>
+      <p:grpSpPr>
+        <a:xfrm>
+          <a:off x="0" y="0"/>
+          <a:ext cx="0" cy="0"/>
+          <a:chOff x="0" y="0"/>
+          <a:chExt cx="0" cy="0"/>
+        </a:xfrm>
+      </p:grpSpPr>
+      <p:sp>
+        <p:nvSpPr>
+          <p:cNvPr id="2" name="Tiêu đề 1">
             <a:extLst>
               <a:ext uri="{FF2B5EF4-FFF2-40B4-BE49-F238E27FC236}">
-                <a16:creationId xmlns:a16="http://schemas.microsoft.com/office/drawing/2014/main" id="{81889B08-C2A0-419B-9EC1-C02C0B3FD426}"/>
+                <a16:creationId xmlns:a16="http://schemas.microsoft.com/office/drawing/2014/main" id="{A0F182BA-CF59-4626-B3C8-EAD431F8CBBD}"/>
+              </a:ext>
+            </a:extLst>
+          </p:cNvPr>
+          <p:cNvSpPr>
+            <a:spLocks noGrp="1"/>
+          </p:cNvSpPr>
+          <p:nvPr>
+            <p:ph type="title"/>
+          </p:nvPr>
+        </p:nvSpPr>
+        <p:spPr>
+          <a:xfrm>
+            <a:off x="1080000" y="936000"/>
+            <a:ext cx="8520000" cy="443198"/>
+          </a:xfrm>
+        </p:spPr>
+        <p:txBody>
+          <a:bodyPr/>
+          <a:lstStyle/>
+          <a:p>
+            <a:r>
+              <a:rPr lang="en-US" dirty="0"/>
+              <a:t>TESTER – 2</a:t>
+            </a:r>
+            <a:r>
+              <a:rPr lang="en-US" baseline="30000" dirty="0"/>
+              <a:t>nd</a:t>
+            </a:r>
+            <a:r>
+              <a:rPr lang="en-US" dirty="0"/>
+              <a:t> year target</a:t>
+            </a:r>
+          </a:p>
+        </p:txBody>
+      </p:sp>
+      <p:sp>
+        <p:nvSpPr>
+          <p:cNvPr id="3" name="Chỗ dành sẵn cho Số hiệu Bản chiếu 2">
+            <a:extLst>
+              <a:ext uri="{FF2B5EF4-FFF2-40B4-BE49-F238E27FC236}">
+                <a16:creationId xmlns:a16="http://schemas.microsoft.com/office/drawing/2014/main" id="{39FFEB49-67CF-457D-841C-15A465F85961}"/>
+              </a:ext>
+            </a:extLst>
+          </p:cNvPr>
+          <p:cNvSpPr>
+            <a:spLocks noGrp="1"/>
+          </p:cNvSpPr>
+          <p:nvPr>
+            <p:ph type="sldNum" sz="quarter" idx="10"/>
+          </p:nvPr>
+        </p:nvSpPr>
+        <p:spPr/>
+        <p:txBody>
+          <a:bodyPr/>
+          <a:lstStyle/>
+          <a:p>
+            <a:pPr algn="l"/>
+            <a:r>
+              <a:rPr lang="de-DE"/>
+              <a:t>Page </a:t>
+            </a:r>
+            <a:fld id="{3FD030EF-7044-4946-962A-5D7D09BD1B34}" type="slidenum">
+              <a:rPr lang="de-DE" smtClean="0"/>
+              <a:pPr algn="l"/>
+              <a:t>16</a:t>
+            </a:fld>
+            <a:endParaRPr lang="de-DE" dirty="0"/>
+          </a:p>
+        </p:txBody>
+      </p:sp>
+      <p:sp>
+        <p:nvSpPr>
+          <p:cNvPr id="15" name="Rectangle 65">
+            <a:extLst>
+              <a:ext uri="{FF2B5EF4-FFF2-40B4-BE49-F238E27FC236}">
+                <a16:creationId xmlns:a16="http://schemas.microsoft.com/office/drawing/2014/main" id="{91CC5E65-B111-4898-9277-14D29022C4DF}"/>
               </a:ext>
             </a:extLst>
           </p:cNvPr>
@@ -22950,8 +24579,70 @@
           <p:nvPr/>
         </p:nvSpPr>
         <p:spPr>
-          <a:xfrm>
-            <a:off x="10842735" y="2025950"/>
+          <a:xfrm flipH="1">
+            <a:off x="9923280" y="936000"/>
+            <a:ext cx="1188720" cy="274320"/>
+          </a:xfrm>
+          <a:prstGeom prst="rect">
+            <a:avLst/>
+          </a:prstGeom>
+          <a:solidFill>
+            <a:schemeClr val="tx1"/>
+          </a:solidFill>
+          <a:ln>
+            <a:noFill/>
+          </a:ln>
+          <a:effectLst>
+            <a:outerShdw blurRad="50800" dist="38100" dir="2700000" algn="tl" rotWithShape="0">
+              <a:prstClr val="black">
+                <a:alpha val="40000"/>
+              </a:prstClr>
+            </a:outerShdw>
+          </a:effectLst>
+        </p:spPr>
+        <p:style>
+          <a:lnRef idx="2">
+            <a:schemeClr val="accent1">
+              <a:shade val="50000"/>
+            </a:schemeClr>
+          </a:lnRef>
+          <a:fillRef idx="1">
+            <a:schemeClr val="accent1"/>
+          </a:fillRef>
+          <a:effectRef idx="0">
+            <a:schemeClr val="accent1"/>
+          </a:effectRef>
+          <a:fontRef idx="minor">
+            <a:schemeClr val="lt1"/>
+          </a:fontRef>
+        </p:style>
+        <p:txBody>
+          <a:bodyPr rtlCol="0" anchor="ctr"/>
+          <a:lstStyle/>
+          <a:p>
+            <a:pPr algn="ctr"/>
+            <a:r>
+              <a:rPr lang="en-US" sz="1400" dirty="0"/>
+              <a:t>M3W-ES3.0</a:t>
+            </a:r>
+          </a:p>
+        </p:txBody>
+      </p:sp>
+      <p:sp>
+        <p:nvSpPr>
+          <p:cNvPr id="21" name="Rectangle 65">
+            <a:extLst>
+              <a:ext uri="{FF2B5EF4-FFF2-40B4-BE49-F238E27FC236}">
+                <a16:creationId xmlns:a16="http://schemas.microsoft.com/office/drawing/2014/main" id="{15CE529C-325C-4007-ACBC-75733367074D}"/>
+              </a:ext>
+            </a:extLst>
+          </p:cNvPr>
+          <p:cNvSpPr/>
+          <p:nvPr/>
+        </p:nvSpPr>
+        <p:spPr>
+          <a:xfrm flipH="1">
+            <a:off x="9162818" y="936000"/>
             <a:ext cx="731520" cy="274320"/>
           </a:xfrm>
           <a:prstGeom prst="rect">
@@ -22994,123 +24685,17 @@
             <a:pPr algn="ctr"/>
             <a:r>
               <a:rPr lang="en-US" sz="1400" dirty="0"/>
-              <a:t>TBD</a:t>
-            </a:r>
-          </a:p>
-        </p:txBody>
-      </p:sp>
-    </p:spTree>
-    <p:extLst>
-      <p:ext uri="{BB962C8B-B14F-4D97-AF65-F5344CB8AC3E}">
-        <p14:creationId xmlns:p14="http://schemas.microsoft.com/office/powerpoint/2010/main" val="2292448605"/>
-      </p:ext>
-    </p:extLst>
-  </p:cSld>
-  <p:clrMapOvr>
-    <a:masterClrMapping/>
-  </p:clrMapOvr>
-</p:sld>
-</file>
-
-<file path=ppt/slides/slide15.xml><?xml version="1.0" encoding="utf-8"?>
-<p:sld xmlns:a="http://schemas.openxmlformats.org/drawingml/2006/main" xmlns:r="http://schemas.openxmlformats.org/officeDocument/2006/relationships" xmlns:p="http://schemas.openxmlformats.org/presentationml/2006/main">
-  <p:cSld>
-    <p:spTree>
-      <p:nvGrpSpPr>
-        <p:cNvPr id="1" name=""/>
-        <p:cNvGrpSpPr/>
-        <p:nvPr/>
-      </p:nvGrpSpPr>
-      <p:grpSpPr>
-        <a:xfrm>
-          <a:off x="0" y="0"/>
-          <a:ext cx="0" cy="0"/>
-          <a:chOff x="0" y="0"/>
-          <a:chExt cx="0" cy="0"/>
-        </a:xfrm>
-      </p:grpSpPr>
-      <p:sp>
-        <p:nvSpPr>
-          <p:cNvPr id="2" name="Tiêu đề 1">
+              <a:t>I2C</a:t>
+            </a:r>
+          </a:p>
+        </p:txBody>
+      </p:sp>
+      <p:sp>
+        <p:nvSpPr>
+          <p:cNvPr id="22" name="Rectangle 65">
             <a:extLst>
               <a:ext uri="{FF2B5EF4-FFF2-40B4-BE49-F238E27FC236}">
-                <a16:creationId xmlns:a16="http://schemas.microsoft.com/office/drawing/2014/main" id="{A0F182BA-CF59-4626-B3C8-EAD431F8CBBD}"/>
-              </a:ext>
-            </a:extLst>
-          </p:cNvPr>
-          <p:cNvSpPr>
-            <a:spLocks noGrp="1"/>
-          </p:cNvSpPr>
-          <p:nvPr>
-            <p:ph type="title"/>
-          </p:nvPr>
-        </p:nvSpPr>
-        <p:spPr>
-          <a:xfrm>
-            <a:off x="1080000" y="936000"/>
-            <a:ext cx="8520000" cy="443198"/>
-          </a:xfrm>
-        </p:spPr>
-        <p:txBody>
-          <a:bodyPr/>
-          <a:lstStyle/>
-          <a:p>
-            <a:r>
-              <a:rPr lang="en-US" dirty="0"/>
-              <a:t>TESTER – 2</a:t>
-            </a:r>
-            <a:r>
-              <a:rPr lang="en-US" baseline="30000" dirty="0"/>
-              <a:t>nd</a:t>
-            </a:r>
-            <a:r>
-              <a:rPr lang="en-US" dirty="0"/>
-              <a:t> year target</a:t>
-            </a:r>
-          </a:p>
-        </p:txBody>
-      </p:sp>
-      <p:sp>
-        <p:nvSpPr>
-          <p:cNvPr id="3" name="Chỗ dành sẵn cho Số hiệu Bản chiếu 2">
-            <a:extLst>
-              <a:ext uri="{FF2B5EF4-FFF2-40B4-BE49-F238E27FC236}">
-                <a16:creationId xmlns:a16="http://schemas.microsoft.com/office/drawing/2014/main" id="{39FFEB49-67CF-457D-841C-15A465F85961}"/>
-              </a:ext>
-            </a:extLst>
-          </p:cNvPr>
-          <p:cNvSpPr>
-            <a:spLocks noGrp="1"/>
-          </p:cNvSpPr>
-          <p:nvPr>
-            <p:ph type="sldNum" sz="quarter" idx="10"/>
-          </p:nvPr>
-        </p:nvSpPr>
-        <p:spPr/>
-        <p:txBody>
-          <a:bodyPr/>
-          <a:lstStyle/>
-          <a:p>
-            <a:pPr algn="l"/>
-            <a:r>
-              <a:rPr lang="de-DE"/>
-              <a:t>Page </a:t>
-            </a:r>
-            <a:fld id="{3FD030EF-7044-4946-962A-5D7D09BD1B34}" type="slidenum">
-              <a:rPr lang="de-DE" smtClean="0"/>
-              <a:pPr algn="l"/>
-              <a:t>15</a:t>
-            </a:fld>
-            <a:endParaRPr lang="de-DE" dirty="0"/>
-          </a:p>
-        </p:txBody>
-      </p:sp>
-      <p:sp>
-        <p:nvSpPr>
-          <p:cNvPr id="15" name="Rectangle 65">
-            <a:extLst>
-              <a:ext uri="{FF2B5EF4-FFF2-40B4-BE49-F238E27FC236}">
-                <a16:creationId xmlns:a16="http://schemas.microsoft.com/office/drawing/2014/main" id="{91CC5E65-B111-4898-9277-14D29022C4DF}"/>
+                <a16:creationId xmlns:a16="http://schemas.microsoft.com/office/drawing/2014/main" id="{AA6FCB8A-26A1-4809-BCD3-37E2F968FAB5}"/>
               </a:ext>
             </a:extLst>
           </p:cNvPr>
@@ -23119,70 +24704,8 @@
         </p:nvSpPr>
         <p:spPr>
           <a:xfrm flipH="1">
-            <a:off x="9923280" y="936000"/>
-            <a:ext cx="1188720" cy="274320"/>
-          </a:xfrm>
-          <a:prstGeom prst="rect">
-            <a:avLst/>
-          </a:prstGeom>
-          <a:solidFill>
-            <a:schemeClr val="tx1"/>
-          </a:solidFill>
-          <a:ln>
-            <a:noFill/>
-          </a:ln>
-          <a:effectLst>
-            <a:outerShdw blurRad="50800" dist="38100" dir="2700000" algn="tl" rotWithShape="0">
-              <a:prstClr val="black">
-                <a:alpha val="40000"/>
-              </a:prstClr>
-            </a:outerShdw>
-          </a:effectLst>
-        </p:spPr>
-        <p:style>
-          <a:lnRef idx="2">
-            <a:schemeClr val="accent1">
-              <a:shade val="50000"/>
-            </a:schemeClr>
-          </a:lnRef>
-          <a:fillRef idx="1">
-            <a:schemeClr val="accent1"/>
-          </a:fillRef>
-          <a:effectRef idx="0">
-            <a:schemeClr val="accent1"/>
-          </a:effectRef>
-          <a:fontRef idx="minor">
-            <a:schemeClr val="lt1"/>
-          </a:fontRef>
-        </p:style>
-        <p:txBody>
-          <a:bodyPr rtlCol="0" anchor="ctr"/>
-          <a:lstStyle/>
-          <a:p>
-            <a:pPr algn="ctr"/>
-            <a:r>
-              <a:rPr lang="en-US" sz="1400" dirty="0"/>
-              <a:t>M3W-ES3.0</a:t>
-            </a:r>
-          </a:p>
-        </p:txBody>
-      </p:sp>
-      <p:sp>
-        <p:nvSpPr>
-          <p:cNvPr id="21" name="Rectangle 65">
-            <a:extLst>
-              <a:ext uri="{FF2B5EF4-FFF2-40B4-BE49-F238E27FC236}">
-                <a16:creationId xmlns:a16="http://schemas.microsoft.com/office/drawing/2014/main" id="{15CE529C-325C-4007-ACBC-75733367074D}"/>
-              </a:ext>
-            </a:extLst>
-          </p:cNvPr>
-          <p:cNvSpPr/>
-          <p:nvPr/>
-        </p:nvSpPr>
-        <p:spPr>
-          <a:xfrm flipH="1">
-            <a:off x="9162818" y="936000"/>
-            <a:ext cx="731520" cy="274320"/>
+            <a:off x="8219476" y="936000"/>
+            <a:ext cx="914400" cy="274320"/>
           </a:xfrm>
           <a:prstGeom prst="rect">
             <a:avLst/>
@@ -23224,17 +24747,17 @@
             <a:pPr algn="ctr"/>
             <a:r>
               <a:rPr lang="en-US" sz="1400" dirty="0"/>
-              <a:t>I2C</a:t>
-            </a:r>
-          </a:p>
-        </p:txBody>
-      </p:sp>
-      <p:sp>
-        <p:nvSpPr>
-          <p:cNvPr id="22" name="Rectangle 65">
+              <a:t>IICDVFS</a:t>
+            </a:r>
+          </a:p>
+        </p:txBody>
+      </p:sp>
+      <p:sp>
+        <p:nvSpPr>
+          <p:cNvPr id="9" name="Rectangle 65">
             <a:extLst>
               <a:ext uri="{FF2B5EF4-FFF2-40B4-BE49-F238E27FC236}">
-                <a16:creationId xmlns:a16="http://schemas.microsoft.com/office/drawing/2014/main" id="{AA6FCB8A-26A1-4809-BCD3-37E2F968FAB5}"/>
+                <a16:creationId xmlns:a16="http://schemas.microsoft.com/office/drawing/2014/main" id="{0E7C93B1-59BB-4C0E-8F46-A5E99C01F785}"/>
               </a:ext>
             </a:extLst>
           </p:cNvPr>
@@ -23243,8 +24766,8 @@
         </p:nvSpPr>
         <p:spPr>
           <a:xfrm flipH="1">
-            <a:off x="7641894" y="936000"/>
-            <a:ext cx="1491982" cy="274320"/>
+            <a:off x="9162818" y="1242038"/>
+            <a:ext cx="731520" cy="274320"/>
           </a:xfrm>
           <a:prstGeom prst="rect">
             <a:avLst/>
@@ -23286,7 +24809,193 @@
             <a:pPr algn="ctr"/>
             <a:r>
               <a:rPr lang="en-US" sz="1400" dirty="0"/>
-              <a:t>IIC-DVFS</a:t>
+              <a:t>SWDT</a:t>
+            </a:r>
+          </a:p>
+        </p:txBody>
+      </p:sp>
+      <p:sp>
+        <p:nvSpPr>
+          <p:cNvPr id="10" name="Rectangle 65">
+            <a:extLst>
+              <a:ext uri="{FF2B5EF4-FFF2-40B4-BE49-F238E27FC236}">
+                <a16:creationId xmlns:a16="http://schemas.microsoft.com/office/drawing/2014/main" id="{151A8157-CC80-4156-B186-BA63E4A65E84}"/>
+              </a:ext>
+            </a:extLst>
+          </p:cNvPr>
+          <p:cNvSpPr/>
+          <p:nvPr/>
+        </p:nvSpPr>
+        <p:spPr>
+          <a:xfrm flipH="1">
+            <a:off x="7641894" y="1242038"/>
+            <a:ext cx="731520" cy="274320"/>
+          </a:xfrm>
+          <a:prstGeom prst="rect">
+            <a:avLst/>
+          </a:prstGeom>
+          <a:solidFill>
+            <a:schemeClr val="tx2"/>
+          </a:solidFill>
+          <a:ln>
+            <a:noFill/>
+          </a:ln>
+          <a:effectLst>
+            <a:outerShdw blurRad="50800" dist="38100" dir="2700000" algn="tl" rotWithShape="0">
+              <a:prstClr val="black">
+                <a:alpha val="40000"/>
+              </a:prstClr>
+            </a:outerShdw>
+          </a:effectLst>
+        </p:spPr>
+        <p:style>
+          <a:lnRef idx="2">
+            <a:schemeClr val="accent1">
+              <a:shade val="50000"/>
+            </a:schemeClr>
+          </a:lnRef>
+          <a:fillRef idx="1">
+            <a:schemeClr val="accent1"/>
+          </a:fillRef>
+          <a:effectRef idx="0">
+            <a:schemeClr val="accent1"/>
+          </a:effectRef>
+          <a:fontRef idx="minor">
+            <a:schemeClr val="lt1"/>
+          </a:fontRef>
+        </p:style>
+        <p:txBody>
+          <a:bodyPr rtlCol="0" anchor="ctr"/>
+          <a:lstStyle/>
+          <a:p>
+            <a:pPr algn="ctr"/>
+            <a:r>
+              <a:rPr lang="en-US" sz="1400" dirty="0"/>
+              <a:t>TMU</a:t>
+            </a:r>
+          </a:p>
+        </p:txBody>
+      </p:sp>
+      <p:sp>
+        <p:nvSpPr>
+          <p:cNvPr id="11" name="Rectangle 65">
+            <a:extLst>
+              <a:ext uri="{FF2B5EF4-FFF2-40B4-BE49-F238E27FC236}">
+                <a16:creationId xmlns:a16="http://schemas.microsoft.com/office/drawing/2014/main" id="{89A7541E-A9CF-4D08-82D5-DDD56E1AE77F}"/>
+              </a:ext>
+            </a:extLst>
+          </p:cNvPr>
+          <p:cNvSpPr/>
+          <p:nvPr/>
+        </p:nvSpPr>
+        <p:spPr>
+          <a:xfrm flipH="1">
+            <a:off x="8402356" y="1242038"/>
+            <a:ext cx="731520" cy="274320"/>
+          </a:xfrm>
+          <a:prstGeom prst="rect">
+            <a:avLst/>
+          </a:prstGeom>
+          <a:solidFill>
+            <a:schemeClr val="tx2"/>
+          </a:solidFill>
+          <a:ln>
+            <a:noFill/>
+          </a:ln>
+          <a:effectLst>
+            <a:outerShdw blurRad="50800" dist="38100" dir="2700000" algn="tl" rotWithShape="0">
+              <a:prstClr val="black">
+                <a:alpha val="40000"/>
+              </a:prstClr>
+            </a:outerShdw>
+          </a:effectLst>
+        </p:spPr>
+        <p:style>
+          <a:lnRef idx="2">
+            <a:schemeClr val="accent1">
+              <a:shade val="50000"/>
+            </a:schemeClr>
+          </a:lnRef>
+          <a:fillRef idx="1">
+            <a:schemeClr val="accent1"/>
+          </a:fillRef>
+          <a:effectRef idx="0">
+            <a:schemeClr val="accent1"/>
+          </a:effectRef>
+          <a:fontRef idx="minor">
+            <a:schemeClr val="lt1"/>
+          </a:fontRef>
+        </p:style>
+        <p:txBody>
+          <a:bodyPr rtlCol="0" anchor="ctr"/>
+          <a:lstStyle/>
+          <a:p>
+            <a:pPr algn="ctr"/>
+            <a:r>
+              <a:rPr lang="en-US" sz="1400" dirty="0"/>
+              <a:t>RWDT</a:t>
+            </a:r>
+          </a:p>
+        </p:txBody>
+      </p:sp>
+      <p:sp>
+        <p:nvSpPr>
+          <p:cNvPr id="12" name="Rectangle 65">
+            <a:extLst>
+              <a:ext uri="{FF2B5EF4-FFF2-40B4-BE49-F238E27FC236}">
+                <a16:creationId xmlns:a16="http://schemas.microsoft.com/office/drawing/2014/main" id="{9DBA2E9C-80E5-47B1-AE12-1CB2D9C16829}"/>
+              </a:ext>
+            </a:extLst>
+          </p:cNvPr>
+          <p:cNvSpPr/>
+          <p:nvPr/>
+        </p:nvSpPr>
+        <p:spPr>
+          <a:xfrm flipH="1">
+            <a:off x="6881432" y="1242038"/>
+            <a:ext cx="731520" cy="274320"/>
+          </a:xfrm>
+          <a:prstGeom prst="rect">
+            <a:avLst/>
+          </a:prstGeom>
+          <a:solidFill>
+            <a:schemeClr val="tx2"/>
+          </a:solidFill>
+          <a:ln>
+            <a:noFill/>
+          </a:ln>
+          <a:effectLst>
+            <a:outerShdw blurRad="50800" dist="38100" dir="2700000" algn="tl" rotWithShape="0">
+              <a:prstClr val="black">
+                <a:alpha val="40000"/>
+              </a:prstClr>
+            </a:outerShdw>
+          </a:effectLst>
+        </p:spPr>
+        <p:style>
+          <a:lnRef idx="2">
+            <a:schemeClr val="accent1">
+              <a:shade val="50000"/>
+            </a:schemeClr>
+          </a:lnRef>
+          <a:fillRef idx="1">
+            <a:schemeClr val="accent1"/>
+          </a:fillRef>
+          <a:effectRef idx="0">
+            <a:schemeClr val="accent1"/>
+          </a:effectRef>
+          <a:fontRef idx="minor">
+            <a:schemeClr val="lt1"/>
+          </a:fontRef>
+        </p:style>
+        <p:txBody>
+          <a:bodyPr rtlCol="0" anchor="ctr"/>
+          <a:lstStyle/>
+          <a:p>
+            <a:pPr algn="ctr"/>
+            <a:r>
+              <a:rPr lang="en-US" sz="1400" dirty="0"/>
+              <a:t>TPU</a:t>
             </a:r>
           </a:p>
         </p:txBody>
@@ -23304,7 +25013,7 @@
 </p:sld>
 </file>
 
-<file path=ppt/slides/slide16.xml><?xml version="1.0" encoding="utf-8"?>
+<file path=ppt/slides/slide17.xml><?xml version="1.0" encoding="utf-8"?>
 <p:sld xmlns:a="http://schemas.openxmlformats.org/drawingml/2006/main" xmlns:r="http://schemas.openxmlformats.org/officeDocument/2006/relationships" xmlns:p="http://schemas.openxmlformats.org/presentationml/2006/main">
   <p:cSld>
     <p:spTree>
@@ -23405,7 +25114,7 @@
             <a:fld id="{3FD030EF-7044-4946-962A-5D7D09BD1B34}" type="slidenum">
               <a:rPr lang="de-DE" smtClean="0"/>
               <a:pPr algn="l"/>
-              <a:t>16</a:t>
+              <a:t>17</a:t>
             </a:fld>
             <a:endParaRPr lang="de-DE" dirty="0"/>
           </a:p>
@@ -27498,9 +29207,9 @@
         <p:grpSpPr>
           <a:xfrm>
             <a:off x="1078537" y="3673672"/>
-            <a:ext cx="5348283" cy="861774"/>
+            <a:ext cx="10033463" cy="1354217"/>
             <a:chOff x="1080000" y="5382998"/>
-            <a:chExt cx="5348283" cy="861774"/>
+            <a:chExt cx="10033463" cy="1354217"/>
           </a:xfrm>
         </p:grpSpPr>
         <p:sp>
@@ -27518,14 +29227,14 @@
           <p:spPr>
             <a:xfrm>
               <a:off x="1537200" y="5382998"/>
-              <a:ext cx="4891083" cy="861774"/>
+              <a:ext cx="9576263" cy="1354217"/>
             </a:xfrm>
             <a:prstGeom prst="rect">
               <a:avLst/>
             </a:prstGeom>
           </p:spPr>
           <p:txBody>
-            <a:bodyPr wrap="none">
+            <a:bodyPr wrap="square">
               <a:spAutoFit/>
             </a:bodyPr>
             <a:lstStyle/>
@@ -27562,7 +29271,11 @@
               </a:r>
               <a:r>
                 <a:rPr lang="en-US" sz="1600" dirty="0"/>
-                <a:t> timing report result</a:t>
+                <a:t> timing </a:t>
+              </a:r>
+              <a:r>
+                <a:rPr lang="en-US" sz="1600" u="sng" dirty="0"/>
+                <a:t>report result</a:t>
               </a:r>
             </a:p>
             <a:p>
@@ -27572,12 +29285,35 @@
               </a:r>
               <a:r>
                 <a:rPr lang="en-US" sz="1600" u="sng" dirty="0"/>
-                <a:t>Fix</a:t>
+                <a:t>Fix timing violation</a:t>
               </a:r>
               <a:r>
                 <a:rPr lang="en-US" sz="1600" dirty="0"/>
-                <a:t> timing violation by doing timing ECO for TPU</a:t>
+                <a:t> by doing timing ECO for TPU</a:t>
               </a:r>
+            </a:p>
+            <a:p>
+              <a:r>
+                <a:rPr lang="en-US" sz="1600" dirty="0"/>
+                <a:t>+ </a:t>
+              </a:r>
+              <a:r>
+                <a:rPr lang="en-US" sz="1600" u="sng" dirty="0"/>
+                <a:t>Create</a:t>
+              </a:r>
+              <a:r>
+                <a:rPr lang="en-US" sz="1600" dirty="0"/>
+                <a:t> a high speed and high quality STA timing report summarizing </a:t>
+              </a:r>
+              <a:r>
+                <a:rPr lang="en-US" sz="1600" u="sng" dirty="0"/>
+                <a:t>script</a:t>
+              </a:r>
+              <a:r>
+                <a:rPr lang="en-US" sz="1600" dirty="0"/>
+                <a:t>, it supports to check the I2C’s special case</a:t>
+              </a:r>
+              <a:endParaRPr lang="en-US" sz="1600" u="sng" dirty="0"/>
             </a:p>
           </p:txBody>
         </p:sp>
@@ -28014,293 +29750,6 @@
               <a:t>7</a:t>
             </a:fld>
             <a:endParaRPr lang="de-DE" dirty="0"/>
-          </a:p>
-        </p:txBody>
-      </p:sp>
-      <p:sp>
-        <p:nvSpPr>
-          <p:cNvPr id="4" name="Hình chữ nhật 3">
-            <a:extLst>
-              <a:ext uri="{FF2B5EF4-FFF2-40B4-BE49-F238E27FC236}">
-                <a16:creationId xmlns:a16="http://schemas.microsoft.com/office/drawing/2014/main" id="{580BD9E0-5CE5-415F-9BE2-DDF968E527B5}"/>
-              </a:ext>
-            </a:extLst>
-          </p:cNvPr>
-          <p:cNvSpPr/>
-          <p:nvPr/>
-        </p:nvSpPr>
-        <p:spPr>
-          <a:xfrm>
-            <a:off x="1537200" y="1698123"/>
-            <a:ext cx="4237057" cy="369332"/>
-          </a:xfrm>
-          <a:prstGeom prst="rect">
-            <a:avLst/>
-          </a:prstGeom>
-        </p:spPr>
-        <p:txBody>
-          <a:bodyPr wrap="none">
-            <a:spAutoFit/>
-          </a:bodyPr>
-          <a:lstStyle/>
-          <a:p>
-            <a:r>
-              <a:rPr lang="en-US" b="1" dirty="0"/>
-              <a:t>Synthesis and do formal verification</a:t>
-            </a:r>
-          </a:p>
-        </p:txBody>
-      </p:sp>
-      <p:pic>
-        <p:nvPicPr>
-          <p:cNvPr id="29" name="Đồ họa 28" descr="Nguyên tử">
-            <a:extLst>
-              <a:ext uri="{FF2B5EF4-FFF2-40B4-BE49-F238E27FC236}">
-                <a16:creationId xmlns:a16="http://schemas.microsoft.com/office/drawing/2014/main" id="{6310B9CD-AABA-4968-A05A-F0955D6BF0B9}"/>
-              </a:ext>
-            </a:extLst>
-          </p:cNvPr>
-          <p:cNvPicPr>
-            <a:picLocks noChangeAspect="1"/>
-          </p:cNvPicPr>
-          <p:nvPr/>
-        </p:nvPicPr>
-        <p:blipFill>
-          <a:blip r:embed="rId2" cstate="print">
-            <a:extLst>
-              <a:ext uri="{28A0092B-C50C-407E-A947-70E740481C1C}">
-                <a14:useLocalDpi xmlns:a14="http://schemas.microsoft.com/office/drawing/2010/main" val="0"/>
-              </a:ext>
-              <a:ext uri="{96DAC541-7B7A-43D3-8B79-37D633B846F1}">
-                <asvg:svgBlip xmlns:asvg="http://schemas.microsoft.com/office/drawing/2016/SVG/main" r:embed="rId3"/>
-              </a:ext>
-            </a:extLst>
-          </a:blip>
-          <a:stretch>
-            <a:fillRect/>
-          </a:stretch>
-        </p:blipFill>
-        <p:spPr>
-          <a:xfrm>
-            <a:off x="1080000" y="1698123"/>
-            <a:ext cx="457200" cy="457200"/>
-          </a:xfrm>
-          <a:prstGeom prst="rect">
-            <a:avLst/>
-          </a:prstGeom>
-        </p:spPr>
-      </p:pic>
-      <p:sp>
-        <p:nvSpPr>
-          <p:cNvPr id="30" name="Rectangle 47">
-            <a:extLst>
-              <a:ext uri="{FF2B5EF4-FFF2-40B4-BE49-F238E27FC236}">
-                <a16:creationId xmlns:a16="http://schemas.microsoft.com/office/drawing/2014/main" id="{69BA1A2C-DF2C-4345-BA96-D0C78BC382D6}"/>
-              </a:ext>
-            </a:extLst>
-          </p:cNvPr>
-          <p:cNvSpPr/>
-          <p:nvPr/>
-        </p:nvSpPr>
-        <p:spPr>
-          <a:xfrm>
-            <a:off x="1537200" y="2154462"/>
-            <a:ext cx="2743200" cy="91440"/>
-          </a:xfrm>
-          <a:prstGeom prst="rect">
-            <a:avLst/>
-          </a:prstGeom>
-          <a:solidFill>
-            <a:schemeClr val="tx2"/>
-          </a:solidFill>
-          <a:ln>
-            <a:noFill/>
-          </a:ln>
-        </p:spPr>
-        <p:style>
-          <a:lnRef idx="2">
-            <a:schemeClr val="accent1">
-              <a:shade val="50000"/>
-            </a:schemeClr>
-          </a:lnRef>
-          <a:fillRef idx="1">
-            <a:schemeClr val="accent1"/>
-          </a:fillRef>
-          <a:effectRef idx="0">
-            <a:schemeClr val="accent1"/>
-          </a:effectRef>
-          <a:fontRef idx="minor">
-            <a:schemeClr val="lt1"/>
-          </a:fontRef>
-        </p:style>
-        <p:txBody>
-          <a:bodyPr rtlCol="0" anchor="ctr"/>
-          <a:lstStyle/>
-          <a:p>
-            <a:pPr algn="r"/>
-            <a:r>
-              <a:rPr lang="en-US" sz="700" dirty="0"/>
-              <a:t>1</a:t>
-            </a:r>
-          </a:p>
-        </p:txBody>
-      </p:sp>
-      <p:sp>
-        <p:nvSpPr>
-          <p:cNvPr id="31" name="Rectangle 48">
-            <a:extLst>
-              <a:ext uri="{FF2B5EF4-FFF2-40B4-BE49-F238E27FC236}">
-                <a16:creationId xmlns:a16="http://schemas.microsoft.com/office/drawing/2014/main" id="{C57CCD74-FB83-4332-9BB0-778D0D186CBD}"/>
-              </a:ext>
-            </a:extLst>
-          </p:cNvPr>
-          <p:cNvSpPr/>
-          <p:nvPr/>
-        </p:nvSpPr>
-        <p:spPr>
-          <a:xfrm>
-            <a:off x="1537200" y="2258052"/>
-            <a:ext cx="2743200" cy="91440"/>
-          </a:xfrm>
-          <a:prstGeom prst="rect">
-            <a:avLst/>
-          </a:prstGeom>
-          <a:solidFill>
-            <a:srgbClr val="FF0000"/>
-          </a:solidFill>
-          <a:ln>
-            <a:noFill/>
-          </a:ln>
-        </p:spPr>
-        <p:style>
-          <a:lnRef idx="2">
-            <a:schemeClr val="accent1">
-              <a:shade val="50000"/>
-            </a:schemeClr>
-          </a:lnRef>
-          <a:fillRef idx="1">
-            <a:schemeClr val="accent1"/>
-          </a:fillRef>
-          <a:effectRef idx="0">
-            <a:schemeClr val="accent1"/>
-          </a:effectRef>
-          <a:fontRef idx="minor">
-            <a:schemeClr val="lt1"/>
-          </a:fontRef>
-        </p:style>
-        <p:txBody>
-          <a:bodyPr rtlCol="0" anchor="ctr"/>
-          <a:lstStyle/>
-          <a:p>
-            <a:pPr algn="r"/>
-            <a:endParaRPr lang="en-US" sz="700" dirty="0"/>
-          </a:p>
-        </p:txBody>
-      </p:sp>
-      <p:sp>
-        <p:nvSpPr>
-          <p:cNvPr id="32" name="Rectangle 49">
-            <a:extLst>
-              <a:ext uri="{FF2B5EF4-FFF2-40B4-BE49-F238E27FC236}">
-                <a16:creationId xmlns:a16="http://schemas.microsoft.com/office/drawing/2014/main" id="{F575F433-2A64-43FC-8409-1CEE1CEE0E4A}"/>
-              </a:ext>
-            </a:extLst>
-          </p:cNvPr>
-          <p:cNvSpPr/>
-          <p:nvPr/>
-        </p:nvSpPr>
-        <p:spPr>
-          <a:xfrm>
-            <a:off x="4292382" y="2154462"/>
-            <a:ext cx="2743200" cy="91440"/>
-          </a:xfrm>
-          <a:prstGeom prst="rect">
-            <a:avLst/>
-          </a:prstGeom>
-          <a:solidFill>
-            <a:schemeClr val="tx2"/>
-          </a:solidFill>
-          <a:ln>
-            <a:noFill/>
-          </a:ln>
-        </p:spPr>
-        <p:style>
-          <a:lnRef idx="2">
-            <a:schemeClr val="accent1">
-              <a:shade val="50000"/>
-            </a:schemeClr>
-          </a:lnRef>
-          <a:fillRef idx="1">
-            <a:schemeClr val="accent1"/>
-          </a:fillRef>
-          <a:effectRef idx="0">
-            <a:schemeClr val="accent1"/>
-          </a:effectRef>
-          <a:fontRef idx="minor">
-            <a:schemeClr val="lt1"/>
-          </a:fontRef>
-        </p:style>
-        <p:txBody>
-          <a:bodyPr rtlCol="0" anchor="ctr"/>
-          <a:lstStyle/>
-          <a:p>
-            <a:pPr algn="r"/>
-            <a:r>
-              <a:rPr lang="en-US" sz="700" dirty="0"/>
-              <a:t>2</a:t>
-            </a:r>
-          </a:p>
-        </p:txBody>
-      </p:sp>
-      <p:sp>
-        <p:nvSpPr>
-          <p:cNvPr id="33" name="Rectangle 61">
-            <a:extLst>
-              <a:ext uri="{FF2B5EF4-FFF2-40B4-BE49-F238E27FC236}">
-                <a16:creationId xmlns:a16="http://schemas.microsoft.com/office/drawing/2014/main" id="{238710A1-86CF-456E-AF00-ACD3E352C17F}"/>
-              </a:ext>
-            </a:extLst>
-          </p:cNvPr>
-          <p:cNvSpPr/>
-          <p:nvPr/>
-        </p:nvSpPr>
-        <p:spPr>
-          <a:xfrm>
-            <a:off x="4292382" y="2258052"/>
-            <a:ext cx="2743200" cy="91440"/>
-          </a:xfrm>
-          <a:prstGeom prst="rect">
-            <a:avLst/>
-          </a:prstGeom>
-          <a:solidFill>
-            <a:srgbClr val="FF0000"/>
-          </a:solidFill>
-          <a:ln>
-            <a:noFill/>
-          </a:ln>
-        </p:spPr>
-        <p:style>
-          <a:lnRef idx="2">
-            <a:schemeClr val="accent1">
-              <a:shade val="50000"/>
-            </a:schemeClr>
-          </a:lnRef>
-          <a:fillRef idx="1">
-            <a:schemeClr val="accent1"/>
-          </a:fillRef>
-          <a:effectRef idx="0">
-            <a:schemeClr val="accent1"/>
-          </a:effectRef>
-          <a:fontRef idx="minor">
-            <a:schemeClr val="lt1"/>
-          </a:fontRef>
-        </p:style>
-        <p:txBody>
-          <a:bodyPr rtlCol="0" anchor="ctr"/>
-          <a:lstStyle/>
-          <a:p>
-            <a:pPr algn="r"/>
-            <a:endParaRPr lang="en-US" sz="700" dirty="0"/>
           </a:p>
         </p:txBody>
       </p:sp>
@@ -28373,13 +29822,13 @@
             <p:nvPr/>
           </p:nvPicPr>
           <p:blipFill>
-            <a:blip r:embed="rId4" cstate="print">
+            <a:blip r:embed="rId2" cstate="print">
               <a:extLst>
                 <a:ext uri="{28A0092B-C50C-407E-A947-70E740481C1C}">
                   <a14:useLocalDpi xmlns:a14="http://schemas.microsoft.com/office/drawing/2010/main" val="0"/>
                 </a:ext>
                 <a:ext uri="{96DAC541-7B7A-43D3-8B79-37D633B846F1}">
-                  <asvg:svgBlip xmlns:asvg="http://schemas.microsoft.com/office/drawing/2016/SVG/main" r:embed="rId5"/>
+                  <asvg:svgBlip xmlns:asvg="http://schemas.microsoft.com/office/drawing/2016/SVG/main" r:embed="rId3"/>
                 </a:ext>
               </a:extLst>
             </a:blip>
@@ -28593,13 +30042,13 @@
             <p:nvPr/>
           </p:nvPicPr>
           <p:blipFill>
-            <a:blip r:embed="rId6" cstate="print">
+            <a:blip r:embed="rId4" cstate="print">
               <a:extLst>
                 <a:ext uri="{28A0092B-C50C-407E-A947-70E740481C1C}">
                   <a14:useLocalDpi xmlns:a14="http://schemas.microsoft.com/office/drawing/2010/main" val="0"/>
                 </a:ext>
                 <a:ext uri="{96DAC541-7B7A-43D3-8B79-37D633B846F1}">
-                  <asvg:svgBlip xmlns:asvg="http://schemas.microsoft.com/office/drawing/2016/SVG/main" r:embed="rId7"/>
+                  <asvg:svgBlip xmlns:asvg="http://schemas.microsoft.com/office/drawing/2016/SVG/main" r:embed="rId5"/>
                 </a:ext>
               </a:extLst>
             </a:blip>
@@ -28904,13 +30353,13 @@
             <p:nvPr/>
           </p:nvPicPr>
           <p:blipFill>
-            <a:blip r:embed="rId8" cstate="print">
+            <a:blip r:embed="rId6" cstate="print">
               <a:extLst>
                 <a:ext uri="{28A0092B-C50C-407E-A947-70E740481C1C}">
                   <a14:useLocalDpi xmlns:a14="http://schemas.microsoft.com/office/drawing/2010/main" val="0"/>
                 </a:ext>
                 <a:ext uri="{96DAC541-7B7A-43D3-8B79-37D633B846F1}">
-                  <asvg:svgBlip xmlns:asvg="http://schemas.microsoft.com/office/drawing/2016/SVG/main" r:embed="rId9"/>
+                  <asvg:svgBlip xmlns:asvg="http://schemas.microsoft.com/office/drawing/2016/SVG/main" r:embed="rId7"/>
                 </a:ext>
               </a:extLst>
             </a:blip>
@@ -29160,13 +30609,13 @@
             <p:nvPr/>
           </p:nvPicPr>
           <p:blipFill>
-            <a:blip r:embed="rId10" cstate="print">
+            <a:blip r:embed="rId8" cstate="print">
               <a:extLst>
                 <a:ext uri="{28A0092B-C50C-407E-A947-70E740481C1C}">
                   <a14:useLocalDpi xmlns:a14="http://schemas.microsoft.com/office/drawing/2010/main" val="0"/>
                 </a:ext>
                 <a:ext uri="{96DAC541-7B7A-43D3-8B79-37D633B846F1}">
-                  <asvg:svgBlip xmlns:asvg="http://schemas.microsoft.com/office/drawing/2016/SVG/main" r:embed="rId11"/>
+                  <asvg:svgBlip xmlns:asvg="http://schemas.microsoft.com/office/drawing/2016/SVG/main" r:embed="rId9"/>
                 </a:ext>
               </a:extLst>
             </a:blip>
@@ -29417,13 +30866,13 @@
           <p:nvPr/>
         </p:nvPicPr>
         <p:blipFill>
-          <a:blip r:embed="rId12">
+          <a:blip r:embed="rId10">
             <a:extLst>
               <a:ext uri="{28A0092B-C50C-407E-A947-70E740481C1C}">
                 <a14:useLocalDpi xmlns:a14="http://schemas.microsoft.com/office/drawing/2010/main" val="0"/>
               </a:ext>
               <a:ext uri="{96DAC541-7B7A-43D3-8B79-37D633B846F1}">
-                <asvg:svgBlip xmlns:asvg="http://schemas.microsoft.com/office/drawing/2016/SVG/main" r:embed="rId13"/>
+                <asvg:svgBlip xmlns:asvg="http://schemas.microsoft.com/office/drawing/2016/SVG/main" r:embed="rId11"/>
               </a:ext>
             </a:extLst>
           </a:blip>
@@ -29494,61 +30943,369 @@
           </a:p>
         </p:txBody>
       </p:sp>
-      <p:sp>
-        <p:nvSpPr>
-          <p:cNvPr id="61" name="Rectangle 61">
+      <p:grpSp>
+        <p:nvGrpSpPr>
+          <p:cNvPr id="7" name="Nhóm 6">
             <a:extLst>
               <a:ext uri="{FF2B5EF4-FFF2-40B4-BE49-F238E27FC236}">
-                <a16:creationId xmlns:a16="http://schemas.microsoft.com/office/drawing/2014/main" id="{D3F9E258-8CFF-40E2-BF57-1ACB69FD21CA}"/>
+                <a16:creationId xmlns:a16="http://schemas.microsoft.com/office/drawing/2014/main" id="{70D6C2D2-9D02-44B0-8658-6E743AC9FE71}"/>
               </a:ext>
             </a:extLst>
           </p:cNvPr>
-          <p:cNvSpPr/>
+          <p:cNvGrpSpPr/>
           <p:nvPr/>
-        </p:nvSpPr>
-        <p:spPr>
+        </p:nvGrpSpPr>
+        <p:grpSpPr>
           <a:xfrm>
-            <a:off x="7055953" y="2258052"/>
-            <a:ext cx="2743200" cy="91440"/>
-          </a:xfrm>
-          <a:prstGeom prst="rect">
-            <a:avLst/>
-          </a:prstGeom>
-          <a:solidFill>
-            <a:srgbClr val="FF0000"/>
-          </a:solidFill>
-          <a:ln>
-            <a:noFill/>
-          </a:ln>
-        </p:spPr>
-        <p:style>
-          <a:lnRef idx="2">
-            <a:schemeClr val="accent1">
-              <a:shade val="50000"/>
-            </a:schemeClr>
-          </a:lnRef>
-          <a:fillRef idx="1">
-            <a:schemeClr val="accent1"/>
-          </a:fillRef>
-          <a:effectRef idx="0">
-            <a:schemeClr val="accent1"/>
-          </a:effectRef>
-          <a:fontRef idx="minor">
-            <a:schemeClr val="lt1"/>
-          </a:fontRef>
-        </p:style>
-        <p:txBody>
-          <a:bodyPr rtlCol="0" anchor="ctr"/>
-          <a:lstStyle/>
-          <a:p>
-            <a:pPr algn="r"/>
-            <a:r>
-              <a:rPr lang="en-US" sz="700" dirty="0"/>
-              <a:t>3</a:t>
-            </a:r>
-          </a:p>
-        </p:txBody>
-      </p:sp>
+            <a:off x="1080000" y="1698123"/>
+            <a:ext cx="8719153" cy="651369"/>
+            <a:chOff x="1080000" y="1698123"/>
+            <a:chExt cx="8719153" cy="651369"/>
+          </a:xfrm>
+        </p:grpSpPr>
+        <p:sp>
+          <p:nvSpPr>
+            <p:cNvPr id="4" name="Hình chữ nhật 3">
+              <a:extLst>
+                <a:ext uri="{FF2B5EF4-FFF2-40B4-BE49-F238E27FC236}">
+                  <a16:creationId xmlns:a16="http://schemas.microsoft.com/office/drawing/2014/main" id="{580BD9E0-5CE5-415F-9BE2-DDF968E527B5}"/>
+                </a:ext>
+              </a:extLst>
+            </p:cNvPr>
+            <p:cNvSpPr/>
+            <p:nvPr/>
+          </p:nvSpPr>
+          <p:spPr>
+            <a:xfrm>
+              <a:off x="1537200" y="1698123"/>
+              <a:ext cx="4237057" cy="369332"/>
+            </a:xfrm>
+            <a:prstGeom prst="rect">
+              <a:avLst/>
+            </a:prstGeom>
+          </p:spPr>
+          <p:txBody>
+            <a:bodyPr wrap="none">
+              <a:spAutoFit/>
+            </a:bodyPr>
+            <a:lstStyle/>
+            <a:p>
+              <a:r>
+                <a:rPr lang="en-US" b="1" dirty="0"/>
+                <a:t>Synthesis and do formal verification</a:t>
+              </a:r>
+            </a:p>
+          </p:txBody>
+        </p:sp>
+        <p:pic>
+          <p:nvPicPr>
+            <p:cNvPr id="29" name="Đồ họa 28" descr="Nguyên tử">
+              <a:extLst>
+                <a:ext uri="{FF2B5EF4-FFF2-40B4-BE49-F238E27FC236}">
+                  <a16:creationId xmlns:a16="http://schemas.microsoft.com/office/drawing/2014/main" id="{6310B9CD-AABA-4968-A05A-F0955D6BF0B9}"/>
+                </a:ext>
+              </a:extLst>
+            </p:cNvPr>
+            <p:cNvPicPr>
+              <a:picLocks noChangeAspect="1"/>
+            </p:cNvPicPr>
+            <p:nvPr/>
+          </p:nvPicPr>
+          <p:blipFill>
+            <a:blip r:embed="rId12" cstate="print">
+              <a:extLst>
+                <a:ext uri="{28A0092B-C50C-407E-A947-70E740481C1C}">
+                  <a14:useLocalDpi xmlns:a14="http://schemas.microsoft.com/office/drawing/2010/main" val="0"/>
+                </a:ext>
+                <a:ext uri="{96DAC541-7B7A-43D3-8B79-37D633B846F1}">
+                  <asvg:svgBlip xmlns:asvg="http://schemas.microsoft.com/office/drawing/2016/SVG/main" r:embed="rId13"/>
+                </a:ext>
+              </a:extLst>
+            </a:blip>
+            <a:stretch>
+              <a:fillRect/>
+            </a:stretch>
+          </p:blipFill>
+          <p:spPr>
+            <a:xfrm>
+              <a:off x="1080000" y="1698123"/>
+              <a:ext cx="457200" cy="457200"/>
+            </a:xfrm>
+            <a:prstGeom prst="rect">
+              <a:avLst/>
+            </a:prstGeom>
+          </p:spPr>
+        </p:pic>
+        <p:sp>
+          <p:nvSpPr>
+            <p:cNvPr id="30" name="Rectangle 47">
+              <a:extLst>
+                <a:ext uri="{FF2B5EF4-FFF2-40B4-BE49-F238E27FC236}">
+                  <a16:creationId xmlns:a16="http://schemas.microsoft.com/office/drawing/2014/main" id="{69BA1A2C-DF2C-4345-BA96-D0C78BC382D6}"/>
+                </a:ext>
+              </a:extLst>
+            </p:cNvPr>
+            <p:cNvSpPr/>
+            <p:nvPr/>
+          </p:nvSpPr>
+          <p:spPr>
+            <a:xfrm>
+              <a:off x="1537200" y="2154462"/>
+              <a:ext cx="2743200" cy="91440"/>
+            </a:xfrm>
+            <a:prstGeom prst="rect">
+              <a:avLst/>
+            </a:prstGeom>
+            <a:solidFill>
+              <a:schemeClr val="tx2"/>
+            </a:solidFill>
+            <a:ln>
+              <a:noFill/>
+            </a:ln>
+          </p:spPr>
+          <p:style>
+            <a:lnRef idx="2">
+              <a:schemeClr val="accent1">
+                <a:shade val="50000"/>
+              </a:schemeClr>
+            </a:lnRef>
+            <a:fillRef idx="1">
+              <a:schemeClr val="accent1"/>
+            </a:fillRef>
+            <a:effectRef idx="0">
+              <a:schemeClr val="accent1"/>
+            </a:effectRef>
+            <a:fontRef idx="minor">
+              <a:schemeClr val="lt1"/>
+            </a:fontRef>
+          </p:style>
+          <p:txBody>
+            <a:bodyPr rtlCol="0" anchor="ctr"/>
+            <a:lstStyle/>
+            <a:p>
+              <a:pPr algn="r"/>
+              <a:r>
+                <a:rPr lang="en-US" sz="700" dirty="0"/>
+                <a:t>1</a:t>
+              </a:r>
+            </a:p>
+          </p:txBody>
+        </p:sp>
+        <p:sp>
+          <p:nvSpPr>
+            <p:cNvPr id="31" name="Rectangle 48">
+              <a:extLst>
+                <a:ext uri="{FF2B5EF4-FFF2-40B4-BE49-F238E27FC236}">
+                  <a16:creationId xmlns:a16="http://schemas.microsoft.com/office/drawing/2014/main" id="{C57CCD74-FB83-4332-9BB0-778D0D186CBD}"/>
+                </a:ext>
+              </a:extLst>
+            </p:cNvPr>
+            <p:cNvSpPr/>
+            <p:nvPr/>
+          </p:nvSpPr>
+          <p:spPr>
+            <a:xfrm>
+              <a:off x="1537200" y="2258052"/>
+              <a:ext cx="2743200" cy="91440"/>
+            </a:xfrm>
+            <a:prstGeom prst="rect">
+              <a:avLst/>
+            </a:prstGeom>
+            <a:solidFill>
+              <a:srgbClr val="FF0000"/>
+            </a:solidFill>
+            <a:ln>
+              <a:noFill/>
+            </a:ln>
+          </p:spPr>
+          <p:style>
+            <a:lnRef idx="2">
+              <a:schemeClr val="accent1">
+                <a:shade val="50000"/>
+              </a:schemeClr>
+            </a:lnRef>
+            <a:fillRef idx="1">
+              <a:schemeClr val="accent1"/>
+            </a:fillRef>
+            <a:effectRef idx="0">
+              <a:schemeClr val="accent1"/>
+            </a:effectRef>
+            <a:fontRef idx="minor">
+              <a:schemeClr val="lt1"/>
+            </a:fontRef>
+          </p:style>
+          <p:txBody>
+            <a:bodyPr rtlCol="0" anchor="ctr"/>
+            <a:lstStyle/>
+            <a:p>
+              <a:pPr algn="r"/>
+              <a:endParaRPr lang="en-US" sz="700" dirty="0"/>
+            </a:p>
+          </p:txBody>
+        </p:sp>
+        <p:sp>
+          <p:nvSpPr>
+            <p:cNvPr id="32" name="Rectangle 49">
+              <a:extLst>
+                <a:ext uri="{FF2B5EF4-FFF2-40B4-BE49-F238E27FC236}">
+                  <a16:creationId xmlns:a16="http://schemas.microsoft.com/office/drawing/2014/main" id="{F575F433-2A64-43FC-8409-1CEE1CEE0E4A}"/>
+                </a:ext>
+              </a:extLst>
+            </p:cNvPr>
+            <p:cNvSpPr/>
+            <p:nvPr/>
+          </p:nvSpPr>
+          <p:spPr>
+            <a:xfrm>
+              <a:off x="4292382" y="2154462"/>
+              <a:ext cx="2743200" cy="91440"/>
+            </a:xfrm>
+            <a:prstGeom prst="rect">
+              <a:avLst/>
+            </a:prstGeom>
+            <a:solidFill>
+              <a:schemeClr val="tx2"/>
+            </a:solidFill>
+            <a:ln>
+              <a:noFill/>
+            </a:ln>
+          </p:spPr>
+          <p:style>
+            <a:lnRef idx="2">
+              <a:schemeClr val="accent1">
+                <a:shade val="50000"/>
+              </a:schemeClr>
+            </a:lnRef>
+            <a:fillRef idx="1">
+              <a:schemeClr val="accent1"/>
+            </a:fillRef>
+            <a:effectRef idx="0">
+              <a:schemeClr val="accent1"/>
+            </a:effectRef>
+            <a:fontRef idx="minor">
+              <a:schemeClr val="lt1"/>
+            </a:fontRef>
+          </p:style>
+          <p:txBody>
+            <a:bodyPr rtlCol="0" anchor="ctr"/>
+            <a:lstStyle/>
+            <a:p>
+              <a:pPr algn="r"/>
+              <a:r>
+                <a:rPr lang="en-US" sz="700" dirty="0"/>
+                <a:t>2</a:t>
+              </a:r>
+            </a:p>
+          </p:txBody>
+        </p:sp>
+        <p:sp>
+          <p:nvSpPr>
+            <p:cNvPr id="33" name="Rectangle 61">
+              <a:extLst>
+                <a:ext uri="{FF2B5EF4-FFF2-40B4-BE49-F238E27FC236}">
+                  <a16:creationId xmlns:a16="http://schemas.microsoft.com/office/drawing/2014/main" id="{238710A1-86CF-456E-AF00-ACD3E352C17F}"/>
+                </a:ext>
+              </a:extLst>
+            </p:cNvPr>
+            <p:cNvSpPr/>
+            <p:nvPr/>
+          </p:nvSpPr>
+          <p:spPr>
+            <a:xfrm>
+              <a:off x="4292382" y="2258052"/>
+              <a:ext cx="2743200" cy="91440"/>
+            </a:xfrm>
+            <a:prstGeom prst="rect">
+              <a:avLst/>
+            </a:prstGeom>
+            <a:solidFill>
+              <a:srgbClr val="FF0000"/>
+            </a:solidFill>
+            <a:ln>
+              <a:noFill/>
+            </a:ln>
+          </p:spPr>
+          <p:style>
+            <a:lnRef idx="2">
+              <a:schemeClr val="accent1">
+                <a:shade val="50000"/>
+              </a:schemeClr>
+            </a:lnRef>
+            <a:fillRef idx="1">
+              <a:schemeClr val="accent1"/>
+            </a:fillRef>
+            <a:effectRef idx="0">
+              <a:schemeClr val="accent1"/>
+            </a:effectRef>
+            <a:fontRef idx="minor">
+              <a:schemeClr val="lt1"/>
+            </a:fontRef>
+          </p:style>
+          <p:txBody>
+            <a:bodyPr rtlCol="0" anchor="ctr"/>
+            <a:lstStyle/>
+            <a:p>
+              <a:pPr algn="r"/>
+              <a:endParaRPr lang="en-US" sz="700" dirty="0"/>
+            </a:p>
+          </p:txBody>
+        </p:sp>
+        <p:sp>
+          <p:nvSpPr>
+            <p:cNvPr id="61" name="Rectangle 61">
+              <a:extLst>
+                <a:ext uri="{FF2B5EF4-FFF2-40B4-BE49-F238E27FC236}">
+                  <a16:creationId xmlns:a16="http://schemas.microsoft.com/office/drawing/2014/main" id="{D3F9E258-8CFF-40E2-BF57-1ACB69FD21CA}"/>
+                </a:ext>
+              </a:extLst>
+            </p:cNvPr>
+            <p:cNvSpPr/>
+            <p:nvPr/>
+          </p:nvSpPr>
+          <p:spPr>
+            <a:xfrm>
+              <a:off x="7055953" y="2258052"/>
+              <a:ext cx="2743200" cy="91440"/>
+            </a:xfrm>
+            <a:prstGeom prst="rect">
+              <a:avLst/>
+            </a:prstGeom>
+            <a:solidFill>
+              <a:srgbClr val="FF0000"/>
+            </a:solidFill>
+            <a:ln>
+              <a:noFill/>
+            </a:ln>
+          </p:spPr>
+          <p:style>
+            <a:lnRef idx="2">
+              <a:schemeClr val="accent1">
+                <a:shade val="50000"/>
+              </a:schemeClr>
+            </a:lnRef>
+            <a:fillRef idx="1">
+              <a:schemeClr val="accent1"/>
+            </a:fillRef>
+            <a:effectRef idx="0">
+              <a:schemeClr val="accent1"/>
+            </a:effectRef>
+            <a:fontRef idx="minor">
+              <a:schemeClr val="lt1"/>
+            </a:fontRef>
+          </p:style>
+          <p:txBody>
+            <a:bodyPr rtlCol="0" anchor="ctr"/>
+            <a:lstStyle/>
+            <a:p>
+              <a:pPr algn="r"/>
+              <a:r>
+                <a:rPr lang="en-US" sz="700" dirty="0"/>
+                <a:t>3</a:t>
+              </a:r>
+            </a:p>
+          </p:txBody>
+        </p:sp>
+      </p:grpSp>
       <p:grpSp>
         <p:nvGrpSpPr>
           <p:cNvPr id="50" name="Group 60">
@@ -30800,7 +32557,15 @@
             <a:p>
               <a:r>
                 <a:rPr lang="en-US" sz="1600" dirty="0"/>
-                <a:t>+ Modify assembly patterns for SWDT(27), RWDT(27), TMU(145), TPU(8)</a:t>
+                <a:t>+ Modify </a:t>
+              </a:r>
+              <a:r>
+                <a:rPr lang="en-US" sz="1600" u="sng" dirty="0"/>
+                <a:t>27/27/145/8 assembly patterns</a:t>
+              </a:r>
+              <a:r>
+                <a:rPr lang="en-US" sz="1600" dirty="0"/>
+                <a:t> for SWDT/RWDT/TMU/TPU</a:t>
               </a:r>
             </a:p>
             <a:p>
@@ -31435,10 +33200,10 @@
       </p:grpSp>
       <p:sp>
         <p:nvSpPr>
-          <p:cNvPr id="34" name="Rectangle 65">
+          <p:cNvPr id="13" name="Rectangle 64">
             <a:extLst>
               <a:ext uri="{FF2B5EF4-FFF2-40B4-BE49-F238E27FC236}">
-                <a16:creationId xmlns:a16="http://schemas.microsoft.com/office/drawing/2014/main" id="{AA4513F4-801C-4D2A-AB44-CAE5F0B3A8B3}"/>
+                <a16:creationId xmlns:a16="http://schemas.microsoft.com/office/drawing/2014/main" id="{07577D3F-8E61-49E2-A95C-958291525B04}"/>
               </a:ext>
             </a:extLst>
           </p:cNvPr>
@@ -31447,7 +33212,7 @@
         </p:nvSpPr>
         <p:spPr>
           <a:xfrm flipH="1">
-            <a:off x="9923280" y="932966"/>
+            <a:off x="9923280" y="936000"/>
             <a:ext cx="1188720" cy="274320"/>
           </a:xfrm>
           <a:prstGeom prst="rect">
@@ -31490,17 +33255,17 @@
             <a:pPr algn="ctr"/>
             <a:r>
               <a:rPr lang="en-US" sz="1400" dirty="0"/>
-              <a:t>V3U-AD</a:t>
-            </a:r>
-          </a:p>
-        </p:txBody>
-      </p:sp>
-      <p:sp>
-        <p:nvSpPr>
-          <p:cNvPr id="35" name="Rectangle 65">
+              <a:t>M3W-ES3.0</a:t>
+            </a:r>
+          </a:p>
+        </p:txBody>
+      </p:sp>
+      <p:sp>
+        <p:nvSpPr>
+          <p:cNvPr id="14" name="Rectangle 65">
             <a:extLst>
               <a:ext uri="{FF2B5EF4-FFF2-40B4-BE49-F238E27FC236}">
-                <a16:creationId xmlns:a16="http://schemas.microsoft.com/office/drawing/2014/main" id="{B0A0EC76-636C-42AB-8305-8CC78D5E295D}"/>
+                <a16:creationId xmlns:a16="http://schemas.microsoft.com/office/drawing/2014/main" id="{4CE736B6-A236-49E7-8233-039DD205FA30}"/>
               </a:ext>
             </a:extLst>
           </p:cNvPr>
@@ -31509,7 +33274,69 @@
         </p:nvSpPr>
         <p:spPr>
           <a:xfrm flipH="1">
-            <a:off x="9136307" y="932966"/>
+            <a:off x="9923280" y="1242038"/>
+            <a:ext cx="1188720" cy="274320"/>
+          </a:xfrm>
+          <a:prstGeom prst="rect">
+            <a:avLst/>
+          </a:prstGeom>
+          <a:solidFill>
+            <a:schemeClr val="tx1"/>
+          </a:solidFill>
+          <a:ln>
+            <a:noFill/>
+          </a:ln>
+          <a:effectLst>
+            <a:outerShdw blurRad="50800" dist="38100" dir="2700000" algn="tl" rotWithShape="0">
+              <a:prstClr val="black">
+                <a:alpha val="40000"/>
+              </a:prstClr>
+            </a:outerShdw>
+          </a:effectLst>
+        </p:spPr>
+        <p:style>
+          <a:lnRef idx="2">
+            <a:schemeClr val="accent1">
+              <a:shade val="50000"/>
+            </a:schemeClr>
+          </a:lnRef>
+          <a:fillRef idx="1">
+            <a:schemeClr val="accent1"/>
+          </a:fillRef>
+          <a:effectRef idx="0">
+            <a:schemeClr val="accent1"/>
+          </a:effectRef>
+          <a:fontRef idx="minor">
+            <a:schemeClr val="lt1"/>
+          </a:fontRef>
+        </p:style>
+        <p:txBody>
+          <a:bodyPr rtlCol="0" anchor="ctr"/>
+          <a:lstStyle/>
+          <a:p>
+            <a:pPr algn="ctr"/>
+            <a:r>
+              <a:rPr lang="en-US" sz="1400" dirty="0"/>
+              <a:t>D3-ES1.1</a:t>
+            </a:r>
+          </a:p>
+        </p:txBody>
+      </p:sp>
+      <p:sp>
+        <p:nvSpPr>
+          <p:cNvPr id="16" name="Rectangle 65">
+            <a:extLst>
+              <a:ext uri="{FF2B5EF4-FFF2-40B4-BE49-F238E27FC236}">
+                <a16:creationId xmlns:a16="http://schemas.microsoft.com/office/drawing/2014/main" id="{6F8F9951-5569-4063-93F4-747F18985637}"/>
+              </a:ext>
+            </a:extLst>
+          </p:cNvPr>
+          <p:cNvSpPr/>
+          <p:nvPr/>
+        </p:nvSpPr>
+        <p:spPr>
+          <a:xfrm flipH="1">
+            <a:off x="9162818" y="936000"/>
             <a:ext cx="731520" cy="274320"/>
           </a:xfrm>
           <a:prstGeom prst="rect">
@@ -31552,17 +33379,17 @@
             <a:pPr algn="ctr"/>
             <a:r>
               <a:rPr lang="en-US" sz="1400" dirty="0"/>
-              <a:t>I2C</a:t>
-            </a:r>
-          </a:p>
-        </p:txBody>
-      </p:sp>
-      <p:sp>
-        <p:nvSpPr>
-          <p:cNvPr id="25" name="Rectangle 65">
+              <a:t>SWDT</a:t>
+            </a:r>
+          </a:p>
+        </p:txBody>
+      </p:sp>
+      <p:sp>
+        <p:nvSpPr>
+          <p:cNvPr id="18" name="Rectangle 65">
             <a:extLst>
               <a:ext uri="{FF2B5EF4-FFF2-40B4-BE49-F238E27FC236}">
-                <a16:creationId xmlns:a16="http://schemas.microsoft.com/office/drawing/2014/main" id="{B0A0EC76-636C-42AB-8305-8CC78D5E295D}"/>
+                <a16:creationId xmlns:a16="http://schemas.microsoft.com/office/drawing/2014/main" id="{C9BD6A0C-8D1B-411E-BCDC-7FFD7A36A705}"/>
               </a:ext>
             </a:extLst>
           </p:cNvPr>
@@ -31571,7 +33398,565 @@
         </p:nvSpPr>
         <p:spPr>
           <a:xfrm flipH="1">
-            <a:off x="8349334" y="932966"/>
+            <a:off x="7641894" y="936000"/>
+            <a:ext cx="731520" cy="274320"/>
+          </a:xfrm>
+          <a:prstGeom prst="rect">
+            <a:avLst/>
+          </a:prstGeom>
+          <a:solidFill>
+            <a:schemeClr val="tx2"/>
+          </a:solidFill>
+          <a:ln>
+            <a:noFill/>
+          </a:ln>
+          <a:effectLst>
+            <a:outerShdw blurRad="50800" dist="38100" dir="2700000" algn="tl" rotWithShape="0">
+              <a:prstClr val="black">
+                <a:alpha val="40000"/>
+              </a:prstClr>
+            </a:outerShdw>
+          </a:effectLst>
+        </p:spPr>
+        <p:style>
+          <a:lnRef idx="2">
+            <a:schemeClr val="accent1">
+              <a:shade val="50000"/>
+            </a:schemeClr>
+          </a:lnRef>
+          <a:fillRef idx="1">
+            <a:schemeClr val="accent1"/>
+          </a:fillRef>
+          <a:effectRef idx="0">
+            <a:schemeClr val="accent1"/>
+          </a:effectRef>
+          <a:fontRef idx="minor">
+            <a:schemeClr val="lt1"/>
+          </a:fontRef>
+        </p:style>
+        <p:txBody>
+          <a:bodyPr rtlCol="0" anchor="ctr"/>
+          <a:lstStyle/>
+          <a:p>
+            <a:pPr algn="ctr"/>
+            <a:r>
+              <a:rPr lang="en-US" sz="1400" dirty="0"/>
+              <a:t>TMU</a:t>
+            </a:r>
+          </a:p>
+        </p:txBody>
+      </p:sp>
+      <p:sp>
+        <p:nvSpPr>
+          <p:cNvPr id="19" name="Rectangle 65">
+            <a:extLst>
+              <a:ext uri="{FF2B5EF4-FFF2-40B4-BE49-F238E27FC236}">
+                <a16:creationId xmlns:a16="http://schemas.microsoft.com/office/drawing/2014/main" id="{89E2C4F6-C066-404D-8FF3-F7D553E83D73}"/>
+              </a:ext>
+            </a:extLst>
+          </p:cNvPr>
+          <p:cNvSpPr/>
+          <p:nvPr/>
+        </p:nvSpPr>
+        <p:spPr>
+          <a:xfrm flipH="1">
+            <a:off x="8402356" y="936000"/>
+            <a:ext cx="731520" cy="274320"/>
+          </a:xfrm>
+          <a:prstGeom prst="rect">
+            <a:avLst/>
+          </a:prstGeom>
+          <a:solidFill>
+            <a:schemeClr val="tx2"/>
+          </a:solidFill>
+          <a:ln>
+            <a:noFill/>
+          </a:ln>
+          <a:effectLst>
+            <a:outerShdw blurRad="50800" dist="38100" dir="2700000" algn="tl" rotWithShape="0">
+              <a:prstClr val="black">
+                <a:alpha val="40000"/>
+              </a:prstClr>
+            </a:outerShdw>
+          </a:effectLst>
+        </p:spPr>
+        <p:style>
+          <a:lnRef idx="2">
+            <a:schemeClr val="accent1">
+              <a:shade val="50000"/>
+            </a:schemeClr>
+          </a:lnRef>
+          <a:fillRef idx="1">
+            <a:schemeClr val="accent1"/>
+          </a:fillRef>
+          <a:effectRef idx="0">
+            <a:schemeClr val="accent1"/>
+          </a:effectRef>
+          <a:fontRef idx="minor">
+            <a:schemeClr val="lt1"/>
+          </a:fontRef>
+        </p:style>
+        <p:txBody>
+          <a:bodyPr rtlCol="0" anchor="ctr"/>
+          <a:lstStyle/>
+          <a:p>
+            <a:pPr algn="ctr"/>
+            <a:r>
+              <a:rPr lang="en-US" sz="1400" dirty="0"/>
+              <a:t>RWDT</a:t>
+            </a:r>
+          </a:p>
+        </p:txBody>
+      </p:sp>
+      <p:sp>
+        <p:nvSpPr>
+          <p:cNvPr id="20" name="Rectangle 65">
+            <a:extLst>
+              <a:ext uri="{FF2B5EF4-FFF2-40B4-BE49-F238E27FC236}">
+                <a16:creationId xmlns:a16="http://schemas.microsoft.com/office/drawing/2014/main" id="{8DC9BAF2-A82D-459B-9F77-B775822B4406}"/>
+              </a:ext>
+            </a:extLst>
+          </p:cNvPr>
+          <p:cNvSpPr/>
+          <p:nvPr/>
+        </p:nvSpPr>
+        <p:spPr>
+          <a:xfrm flipH="1">
+            <a:off x="6881432" y="936000"/>
+            <a:ext cx="731520" cy="274320"/>
+          </a:xfrm>
+          <a:prstGeom prst="rect">
+            <a:avLst/>
+          </a:prstGeom>
+          <a:solidFill>
+            <a:schemeClr val="tx2"/>
+          </a:solidFill>
+          <a:ln>
+            <a:noFill/>
+          </a:ln>
+          <a:effectLst>
+            <a:outerShdw blurRad="50800" dist="38100" dir="2700000" algn="tl" rotWithShape="0">
+              <a:prstClr val="black">
+                <a:alpha val="40000"/>
+              </a:prstClr>
+            </a:outerShdw>
+          </a:effectLst>
+        </p:spPr>
+        <p:style>
+          <a:lnRef idx="2">
+            <a:schemeClr val="accent1">
+              <a:shade val="50000"/>
+            </a:schemeClr>
+          </a:lnRef>
+          <a:fillRef idx="1">
+            <a:schemeClr val="accent1"/>
+          </a:fillRef>
+          <a:effectRef idx="0">
+            <a:schemeClr val="accent1"/>
+          </a:effectRef>
+          <a:fontRef idx="minor">
+            <a:schemeClr val="lt1"/>
+          </a:fontRef>
+        </p:style>
+        <p:txBody>
+          <a:bodyPr rtlCol="0" anchor="ctr"/>
+          <a:lstStyle/>
+          <a:p>
+            <a:pPr algn="ctr"/>
+            <a:r>
+              <a:rPr lang="en-US" sz="1400" dirty="0"/>
+              <a:t>TPU</a:t>
+            </a:r>
+          </a:p>
+        </p:txBody>
+      </p:sp>
+      <p:sp>
+        <p:nvSpPr>
+          <p:cNvPr id="21" name="Rectangle 65">
+            <a:extLst>
+              <a:ext uri="{FF2B5EF4-FFF2-40B4-BE49-F238E27FC236}">
+                <a16:creationId xmlns:a16="http://schemas.microsoft.com/office/drawing/2014/main" id="{6081A406-E8A9-43CE-9D08-836228B2F634}"/>
+              </a:ext>
+            </a:extLst>
+          </p:cNvPr>
+          <p:cNvSpPr/>
+          <p:nvPr/>
+        </p:nvSpPr>
+        <p:spPr>
+          <a:xfrm flipH="1">
+            <a:off x="9162818" y="1242038"/>
+            <a:ext cx="731520" cy="274320"/>
+          </a:xfrm>
+          <a:prstGeom prst="rect">
+            <a:avLst/>
+          </a:prstGeom>
+          <a:solidFill>
+            <a:schemeClr val="tx2"/>
+          </a:solidFill>
+          <a:ln>
+            <a:noFill/>
+          </a:ln>
+          <a:effectLst>
+            <a:outerShdw blurRad="50800" dist="38100" dir="2700000" algn="tl" rotWithShape="0">
+              <a:prstClr val="black">
+                <a:alpha val="40000"/>
+              </a:prstClr>
+            </a:outerShdw>
+          </a:effectLst>
+        </p:spPr>
+        <p:style>
+          <a:lnRef idx="2">
+            <a:schemeClr val="accent1">
+              <a:shade val="50000"/>
+            </a:schemeClr>
+          </a:lnRef>
+          <a:fillRef idx="1">
+            <a:schemeClr val="accent1"/>
+          </a:fillRef>
+          <a:effectRef idx="0">
+            <a:schemeClr val="accent1"/>
+          </a:effectRef>
+          <a:fontRef idx="minor">
+            <a:schemeClr val="lt1"/>
+          </a:fontRef>
+        </p:style>
+        <p:txBody>
+          <a:bodyPr rtlCol="0" anchor="ctr"/>
+          <a:lstStyle/>
+          <a:p>
+            <a:pPr algn="ctr"/>
+            <a:r>
+              <a:rPr lang="en-US" sz="1400" dirty="0"/>
+              <a:t>SWDT</a:t>
+            </a:r>
+          </a:p>
+        </p:txBody>
+      </p:sp>
+      <p:sp>
+        <p:nvSpPr>
+          <p:cNvPr id="22" name="Rectangle 65">
+            <a:extLst>
+              <a:ext uri="{FF2B5EF4-FFF2-40B4-BE49-F238E27FC236}">
+                <a16:creationId xmlns:a16="http://schemas.microsoft.com/office/drawing/2014/main" id="{2C298FE7-4604-4244-8F9F-740AAF91EB86}"/>
+              </a:ext>
+            </a:extLst>
+          </p:cNvPr>
+          <p:cNvSpPr/>
+          <p:nvPr/>
+        </p:nvSpPr>
+        <p:spPr>
+          <a:xfrm flipH="1">
+            <a:off x="7641894" y="1242038"/>
+            <a:ext cx="731520" cy="274320"/>
+          </a:xfrm>
+          <a:prstGeom prst="rect">
+            <a:avLst/>
+          </a:prstGeom>
+          <a:solidFill>
+            <a:schemeClr val="tx2"/>
+          </a:solidFill>
+          <a:ln>
+            <a:noFill/>
+          </a:ln>
+          <a:effectLst>
+            <a:outerShdw blurRad="50800" dist="38100" dir="2700000" algn="tl" rotWithShape="0">
+              <a:prstClr val="black">
+                <a:alpha val="40000"/>
+              </a:prstClr>
+            </a:outerShdw>
+          </a:effectLst>
+        </p:spPr>
+        <p:style>
+          <a:lnRef idx="2">
+            <a:schemeClr val="accent1">
+              <a:shade val="50000"/>
+            </a:schemeClr>
+          </a:lnRef>
+          <a:fillRef idx="1">
+            <a:schemeClr val="accent1"/>
+          </a:fillRef>
+          <a:effectRef idx="0">
+            <a:schemeClr val="accent1"/>
+          </a:effectRef>
+          <a:fontRef idx="minor">
+            <a:schemeClr val="lt1"/>
+          </a:fontRef>
+        </p:style>
+        <p:txBody>
+          <a:bodyPr rtlCol="0" anchor="ctr"/>
+          <a:lstStyle/>
+          <a:p>
+            <a:pPr algn="ctr"/>
+            <a:r>
+              <a:rPr lang="en-US" sz="1400" dirty="0"/>
+              <a:t>TMU</a:t>
+            </a:r>
+          </a:p>
+        </p:txBody>
+      </p:sp>
+      <p:sp>
+        <p:nvSpPr>
+          <p:cNvPr id="26" name="Rectangle 65">
+            <a:extLst>
+              <a:ext uri="{FF2B5EF4-FFF2-40B4-BE49-F238E27FC236}">
+                <a16:creationId xmlns:a16="http://schemas.microsoft.com/office/drawing/2014/main" id="{CD565A09-978B-4FA2-BFC7-0C26B94BDD0A}"/>
+              </a:ext>
+            </a:extLst>
+          </p:cNvPr>
+          <p:cNvSpPr/>
+          <p:nvPr/>
+        </p:nvSpPr>
+        <p:spPr>
+          <a:xfrm flipH="1">
+            <a:off x="8402356" y="1242038"/>
+            <a:ext cx="731520" cy="274320"/>
+          </a:xfrm>
+          <a:prstGeom prst="rect">
+            <a:avLst/>
+          </a:prstGeom>
+          <a:solidFill>
+            <a:schemeClr val="tx2"/>
+          </a:solidFill>
+          <a:ln>
+            <a:noFill/>
+          </a:ln>
+          <a:effectLst>
+            <a:outerShdw blurRad="50800" dist="38100" dir="2700000" algn="tl" rotWithShape="0">
+              <a:prstClr val="black">
+                <a:alpha val="40000"/>
+              </a:prstClr>
+            </a:outerShdw>
+          </a:effectLst>
+        </p:spPr>
+        <p:style>
+          <a:lnRef idx="2">
+            <a:schemeClr val="accent1">
+              <a:shade val="50000"/>
+            </a:schemeClr>
+          </a:lnRef>
+          <a:fillRef idx="1">
+            <a:schemeClr val="accent1"/>
+          </a:fillRef>
+          <a:effectRef idx="0">
+            <a:schemeClr val="accent1"/>
+          </a:effectRef>
+          <a:fontRef idx="minor">
+            <a:schemeClr val="lt1"/>
+          </a:fontRef>
+        </p:style>
+        <p:txBody>
+          <a:bodyPr rtlCol="0" anchor="ctr"/>
+          <a:lstStyle/>
+          <a:p>
+            <a:pPr algn="ctr"/>
+            <a:r>
+              <a:rPr lang="en-US" sz="1400" dirty="0"/>
+              <a:t>RWDT</a:t>
+            </a:r>
+          </a:p>
+        </p:txBody>
+      </p:sp>
+      <p:sp>
+        <p:nvSpPr>
+          <p:cNvPr id="27" name="Rectangle 65">
+            <a:extLst>
+              <a:ext uri="{FF2B5EF4-FFF2-40B4-BE49-F238E27FC236}">
+                <a16:creationId xmlns:a16="http://schemas.microsoft.com/office/drawing/2014/main" id="{62B016A8-2A69-41E8-826C-C0BAA45F0DA1}"/>
+              </a:ext>
+            </a:extLst>
+          </p:cNvPr>
+          <p:cNvSpPr/>
+          <p:nvPr/>
+        </p:nvSpPr>
+        <p:spPr>
+          <a:xfrm flipH="1">
+            <a:off x="6881432" y="1242038"/>
+            <a:ext cx="731520" cy="274320"/>
+          </a:xfrm>
+          <a:prstGeom prst="rect">
+            <a:avLst/>
+          </a:prstGeom>
+          <a:solidFill>
+            <a:schemeClr val="tx2"/>
+          </a:solidFill>
+          <a:ln>
+            <a:noFill/>
+          </a:ln>
+          <a:effectLst>
+            <a:outerShdw blurRad="50800" dist="38100" dir="2700000" algn="tl" rotWithShape="0">
+              <a:prstClr val="black">
+                <a:alpha val="40000"/>
+              </a:prstClr>
+            </a:outerShdw>
+          </a:effectLst>
+        </p:spPr>
+        <p:style>
+          <a:lnRef idx="2">
+            <a:schemeClr val="accent1">
+              <a:shade val="50000"/>
+            </a:schemeClr>
+          </a:lnRef>
+          <a:fillRef idx="1">
+            <a:schemeClr val="accent1"/>
+          </a:fillRef>
+          <a:effectRef idx="0">
+            <a:schemeClr val="accent1"/>
+          </a:effectRef>
+          <a:fontRef idx="minor">
+            <a:schemeClr val="lt1"/>
+          </a:fontRef>
+        </p:style>
+        <p:txBody>
+          <a:bodyPr rtlCol="0" anchor="ctr"/>
+          <a:lstStyle/>
+          <a:p>
+            <a:pPr algn="ctr"/>
+            <a:r>
+              <a:rPr lang="en-US" sz="1400" dirty="0"/>
+              <a:t>TPU</a:t>
+            </a:r>
+          </a:p>
+        </p:txBody>
+      </p:sp>
+      <p:sp>
+        <p:nvSpPr>
+          <p:cNvPr id="28" name="Rectangle 65">
+            <a:extLst>
+              <a:ext uri="{FF2B5EF4-FFF2-40B4-BE49-F238E27FC236}">
+                <a16:creationId xmlns:a16="http://schemas.microsoft.com/office/drawing/2014/main" id="{9AB89C10-25DE-4A2D-88CA-82318B820A7B}"/>
+              </a:ext>
+            </a:extLst>
+          </p:cNvPr>
+          <p:cNvSpPr/>
+          <p:nvPr/>
+        </p:nvSpPr>
+        <p:spPr>
+          <a:xfrm flipH="1">
+            <a:off x="9923280" y="1545963"/>
+            <a:ext cx="1188720" cy="274320"/>
+          </a:xfrm>
+          <a:prstGeom prst="rect">
+            <a:avLst/>
+          </a:prstGeom>
+          <a:solidFill>
+            <a:schemeClr val="tx1"/>
+          </a:solidFill>
+          <a:ln>
+            <a:noFill/>
+          </a:ln>
+          <a:effectLst>
+            <a:outerShdw blurRad="50800" dist="38100" dir="2700000" algn="tl" rotWithShape="0">
+              <a:prstClr val="black">
+                <a:alpha val="40000"/>
+              </a:prstClr>
+            </a:outerShdw>
+          </a:effectLst>
+        </p:spPr>
+        <p:style>
+          <a:lnRef idx="2">
+            <a:schemeClr val="accent1">
+              <a:shade val="50000"/>
+            </a:schemeClr>
+          </a:lnRef>
+          <a:fillRef idx="1">
+            <a:schemeClr val="accent1"/>
+          </a:fillRef>
+          <a:effectRef idx="0">
+            <a:schemeClr val="accent1"/>
+          </a:effectRef>
+          <a:fontRef idx="minor">
+            <a:schemeClr val="lt1"/>
+          </a:fontRef>
+        </p:style>
+        <p:txBody>
+          <a:bodyPr rtlCol="0" anchor="ctr"/>
+          <a:lstStyle/>
+          <a:p>
+            <a:pPr algn="ctr"/>
+            <a:r>
+              <a:rPr lang="en-US" sz="1400" dirty="0"/>
+              <a:t>V3U-AD</a:t>
+            </a:r>
+          </a:p>
+        </p:txBody>
+      </p:sp>
+      <p:sp>
+        <p:nvSpPr>
+          <p:cNvPr id="29" name="Rectangle 65">
+            <a:extLst>
+              <a:ext uri="{FF2B5EF4-FFF2-40B4-BE49-F238E27FC236}">
+                <a16:creationId xmlns:a16="http://schemas.microsoft.com/office/drawing/2014/main" id="{B9B658B2-7D45-40EE-A031-00BEB6014653}"/>
+              </a:ext>
+            </a:extLst>
+          </p:cNvPr>
+          <p:cNvSpPr/>
+          <p:nvPr/>
+        </p:nvSpPr>
+        <p:spPr>
+          <a:xfrm flipH="1">
+            <a:off x="9162818" y="1545963"/>
+            <a:ext cx="731520" cy="274320"/>
+          </a:xfrm>
+          <a:prstGeom prst="rect">
+            <a:avLst/>
+          </a:prstGeom>
+          <a:solidFill>
+            <a:schemeClr val="tx2"/>
+          </a:solidFill>
+          <a:ln>
+            <a:noFill/>
+          </a:ln>
+          <a:effectLst>
+            <a:outerShdw blurRad="50800" dist="38100" dir="2700000" algn="tl" rotWithShape="0">
+              <a:prstClr val="black">
+                <a:alpha val="40000"/>
+              </a:prstClr>
+            </a:outerShdw>
+          </a:effectLst>
+        </p:spPr>
+        <p:style>
+          <a:lnRef idx="2">
+            <a:schemeClr val="accent1">
+              <a:shade val="50000"/>
+            </a:schemeClr>
+          </a:lnRef>
+          <a:fillRef idx="1">
+            <a:schemeClr val="accent1"/>
+          </a:fillRef>
+          <a:effectRef idx="0">
+            <a:schemeClr val="accent1"/>
+          </a:effectRef>
+          <a:fontRef idx="minor">
+            <a:schemeClr val="lt1"/>
+          </a:fontRef>
+        </p:style>
+        <p:txBody>
+          <a:bodyPr rtlCol="0" anchor="ctr"/>
+          <a:lstStyle/>
+          <a:p>
+            <a:pPr algn="ctr"/>
+            <a:r>
+              <a:rPr lang="en-US" sz="1400" dirty="0"/>
+              <a:t>I2C</a:t>
+            </a:r>
+          </a:p>
+        </p:txBody>
+      </p:sp>
+      <p:sp>
+        <p:nvSpPr>
+          <p:cNvPr id="30" name="Rectangle 65">
+            <a:extLst>
+              <a:ext uri="{FF2B5EF4-FFF2-40B4-BE49-F238E27FC236}">
+                <a16:creationId xmlns:a16="http://schemas.microsoft.com/office/drawing/2014/main" id="{0F292B6F-DA86-4F44-A64B-10F583C4EC84}"/>
+              </a:ext>
+            </a:extLst>
+          </p:cNvPr>
+          <p:cNvSpPr/>
+          <p:nvPr/>
+        </p:nvSpPr>
+        <p:spPr>
+          <a:xfrm flipH="1">
+            <a:off x="8402356" y="1545963"/>
             <a:ext cx="731520" cy="274320"/>
           </a:xfrm>
           <a:prstGeom prst="rect">

--- a/2082_HauSyLe_PER_MentorMentee_26G.pptx
+++ b/2082_HauSyLe_PER_MentorMentee_26G.pptx
@@ -200,9 +200,9 @@
 </file>
 
 <file path=ppt/charts/chart1.xml><?xml version="1.0" encoding="utf-8"?>
-<c:chartSpace xmlns:c="http://schemas.openxmlformats.org/drawingml/2006/chart" xmlns:a="http://schemas.openxmlformats.org/drawingml/2006/main" xmlns:r="http://schemas.openxmlformats.org/officeDocument/2006/relationships">
+<c:chartSpace xmlns:c="http://schemas.openxmlformats.org/drawingml/2006/chart" xmlns:a="http://schemas.openxmlformats.org/drawingml/2006/main" xmlns:r="http://schemas.openxmlformats.org/officeDocument/2006/relationships" xmlns:c16r2="http://schemas.microsoft.com/office/drawing/2015/06/chart">
   <c:date1904 val="0"/>
-  <c:lang val="en-US"/>
+  <c:lang val="vi-VN"/>
   <c:roundedCorners val="0"/>
   <mc:AlternateContent xmlns:mc="http://schemas.openxmlformats.org/markup-compatibility/2006">
     <mc:Choice xmlns:c14="http://schemas.microsoft.com/office/drawing/2007/8/2/chart" Requires="c14">
@@ -257,7 +257,6 @@
           <c:dLbls>
             <c:dLbl>
               <c:idx val="13"/>
-              <c:layout/>
               <c:tx>
                 <c:rich>
                   <a:bodyPr/>
@@ -266,7 +265,7 @@
                     <a:fld id="{397A2836-DC82-49B8-A211-6A7A8747A958}" type="VALUE">
                       <a:rPr lang="en-US"/>
                       <a:pPr/>
-                      <a:t>[VALUE]</a:t>
+                      <a:t>[GIÁ TRỊ]</a:t>
                     </a:fld>
                     <a:endParaRPr lang="en-US"/>
                   </a:p>
@@ -280,9 +279,11 @@
               <c:showBubbleSize val="0"/>
               <c:extLst>
                 <c:ext xmlns:c15="http://schemas.microsoft.com/office/drawing/2012/chart" uri="{CE6537A1-D6FC-4f65-9D91-7224C49458BB}">
-                  <c15:layout/>
                   <c15:dlblFieldTable/>
                   <c15:showDataLabelsRange val="0"/>
+                </c:ext>
+                <c:ext xmlns:c16="http://schemas.microsoft.com/office/drawing/2014/chart" uri="{C3380CC4-5D6E-409C-BE32-E72D297353CC}">
+                  <c16:uniqueId val="{00000000-496B-44C7-BC08-23827BB64643}"/>
                 </c:ext>
               </c:extLst>
             </c:dLbl>
@@ -440,6 +441,11 @@
               </c:numCache>
             </c:numRef>
           </c:val>
+          <c:extLst>
+            <c:ext xmlns:c16="http://schemas.microsoft.com/office/drawing/2014/chart" uri="{C3380CC4-5D6E-409C-BE32-E72D297353CC}">
+              <c16:uniqueId val="{00000001-496B-44C7-BC08-23827BB64643}"/>
+            </c:ext>
+          </c:extLst>
         </c:ser>
         <c:ser>
           <c:idx val="1"/>
@@ -468,7 +474,6 @@
           <c:dLbls>
             <c:dLbl>
               <c:idx val="13"/>
-              <c:layout/>
               <c:numFmt formatCode="#,##0.0" sourceLinked="0"/>
               <c:spPr>
                 <a:noFill/>
@@ -503,8 +508,9 @@
               <c:showPercent val="0"/>
               <c:showBubbleSize val="0"/>
               <c:extLst>
-                <c:ext xmlns:c15="http://schemas.microsoft.com/office/drawing/2012/chart" uri="{CE6537A1-D6FC-4f65-9D91-7224C49458BB}">
-                  <c15:layout/>
+                <c:ext xmlns:c15="http://schemas.microsoft.com/office/drawing/2012/chart" uri="{CE6537A1-D6FC-4f65-9D91-7224C49458BB}"/>
+                <c:ext xmlns:c16="http://schemas.microsoft.com/office/drawing/2014/chart" uri="{C3380CC4-5D6E-409C-BE32-E72D297353CC}">
+                  <c16:uniqueId val="{00000002-496B-44C7-BC08-23827BB64643}"/>
                 </c:ext>
               </c:extLst>
             </c:dLbl>
@@ -661,6 +667,11 @@
               </c:numCache>
             </c:numRef>
           </c:val>
+          <c:extLst>
+            <c:ext xmlns:c16="http://schemas.microsoft.com/office/drawing/2014/chart" uri="{C3380CC4-5D6E-409C-BE32-E72D297353CC}">
+              <c16:uniqueId val="{00000003-496B-44C7-BC08-23827BB64643}"/>
+            </c:ext>
+          </c:extLst>
         </c:ser>
         <c:ser>
           <c:idx val="2"/>
@@ -689,7 +700,6 @@
           <c:dLbls>
             <c:dLbl>
               <c:idx val="13"/>
-              <c:layout/>
               <c:showLegendKey val="0"/>
               <c:showVal val="1"/>
               <c:showCatName val="0"/>
@@ -697,8 +707,9 @@
               <c:showPercent val="0"/>
               <c:showBubbleSize val="0"/>
               <c:extLst>
-                <c:ext xmlns:c15="http://schemas.microsoft.com/office/drawing/2012/chart" uri="{CE6537A1-D6FC-4f65-9D91-7224C49458BB}">
-                  <c15:layout/>
+                <c:ext xmlns:c15="http://schemas.microsoft.com/office/drawing/2012/chart" uri="{CE6537A1-D6FC-4f65-9D91-7224C49458BB}"/>
+                <c:ext xmlns:c16="http://schemas.microsoft.com/office/drawing/2014/chart" uri="{C3380CC4-5D6E-409C-BE32-E72D297353CC}">
+                  <c16:uniqueId val="{00000004-496B-44C7-BC08-23827BB64643}"/>
                 </c:ext>
               </c:extLst>
             </c:dLbl>
@@ -855,6 +866,11 @@
               </c:numCache>
             </c:numRef>
           </c:val>
+          <c:extLst>
+            <c:ext xmlns:c16="http://schemas.microsoft.com/office/drawing/2014/chart" uri="{C3380CC4-5D6E-409C-BE32-E72D297353CC}">
+              <c16:uniqueId val="{00000005-496B-44C7-BC08-23827BB64643}"/>
+            </c:ext>
+          </c:extLst>
         </c:ser>
         <c:dLbls>
           <c:showLegendKey val="0"/>
@@ -965,7 +981,6 @@
               </a:p>
             </c:rich>
           </c:tx>
-          <c:layout/>
           <c:overlay val="0"/>
           <c:spPr>
             <a:noFill/>
@@ -1038,7 +1053,6 @@
     </c:plotArea>
     <c:legend>
       <c:legendPos val="b"/>
-      <c:layout/>
       <c:overlay val="0"/>
       <c:spPr>
         <a:noFill/>
@@ -2039,30 +2053,28 @@
           <a:p>
             <a:r>
               <a:rPr lang="en-US" dirty="0"/>
-              <a:t>Hello every</a:t>
-            </a:r>
-            <a:r>
-              <a:rPr lang="en-US" baseline="0" dirty="0"/>
-              <a:t> one, I’m </a:t>
-            </a:r>
-            <a:r>
-              <a:rPr lang="en-US" baseline="0" dirty="0" err="1"/>
+              <a:t>Hi everyone.</a:t>
+            </a:r>
+          </a:p>
+          <a:p>
+            <a:r>
+              <a:rPr lang="en-US" dirty="0"/>
+              <a:t>I’m </a:t>
+            </a:r>
+            <a:r>
+              <a:rPr lang="en-US" dirty="0" err="1"/>
               <a:t>Hau</a:t>
             </a:r>
             <a:r>
-              <a:rPr lang="en-US" baseline="0" dirty="0"/>
-              <a:t> Le from AIS2, FED1.</a:t>
-            </a:r>
-          </a:p>
-          <a:p>
-            <a:endParaRPr lang="en-US" baseline="0" dirty="0"/>
-          </a:p>
-          <a:p>
-            <a:r>
-              <a:rPr lang="en-US" baseline="0" dirty="0"/>
-              <a:t>Today, I’m going to introduce my MMT plan for you.</a:t>
-            </a:r>
-            <a:endParaRPr lang="en-US" dirty="0"/>
+              <a:rPr lang="en-US" dirty="0"/>
+              <a:t> Le, a 26G engineer. 22G engineer Thu Vo is my mentor.</a:t>
+            </a:r>
+          </a:p>
+          <a:p>
+            <a:r>
+              <a:rPr lang="en-US" dirty="0"/>
+              <a:t>Thank you so much for spending time to join this midterm report.</a:t>
+            </a:r>
           </a:p>
         </p:txBody>
       </p:sp>
@@ -2147,51 +2159,8 @@
           <a:lstStyle/>
           <a:p>
             <a:r>
-              <a:rPr lang="en-US" dirty="0"/>
-              <a:t>My presentation</a:t>
-            </a:r>
-            <a:r>
               <a:rPr lang="en-US" baseline="0" dirty="0"/>
-              <a:t> has 5 main parts.</a:t>
-            </a:r>
-          </a:p>
-          <a:p>
-            <a:r>
-              <a:rPr lang="en-US" baseline="0" dirty="0"/>
-              <a:t>The first one is a sort introduction about mentor, mentee.</a:t>
-            </a:r>
-          </a:p>
-          <a:p>
-            <a:r>
-              <a:rPr lang="en-US" baseline="0" dirty="0"/>
-              <a:t>The second one is a overview about the target that I aiming after this MMT finish.</a:t>
-            </a:r>
-          </a:p>
-          <a:p>
-            <a:r>
-              <a:rPr lang="en-US" baseline="0" dirty="0"/>
-              <a:t>The third one, I’ll talk about the methods that will be applied in order to archive the target.</a:t>
-            </a:r>
-          </a:p>
-          <a:p>
-            <a:r>
-              <a:rPr lang="en-US" baseline="0" dirty="0"/>
-              <a:t>After that, I’ll talk about the communication channel between mentor and mentee.</a:t>
-            </a:r>
-          </a:p>
-          <a:p>
-            <a:r>
-              <a:rPr lang="en-US" baseline="0" dirty="0"/>
-              <a:t>The final one is Q&amp;A.</a:t>
-            </a:r>
-          </a:p>
-          <a:p>
-            <a:endParaRPr lang="en-US" baseline="0" dirty="0"/>
-          </a:p>
-          <a:p>
-            <a:r>
-              <a:rPr lang="en-US" baseline="0" dirty="0"/>
-              <a:t>So, firstly, let me take a quick introduction.</a:t>
+              <a:t>My presentation have divided into 5 sections as shown in the screen.</a:t>
             </a:r>
           </a:p>
         </p:txBody>
@@ -2278,42 +2247,28 @@
           <a:p>
             <a:r>
               <a:rPr lang="en-US" dirty="0"/>
-              <a:t>My mentor is Thu</a:t>
-            </a:r>
-            <a:r>
-              <a:rPr lang="en-US" baseline="0" dirty="0"/>
-              <a:t> Vo. He is a 22G engineer.</a:t>
-            </a:r>
-          </a:p>
-          <a:p>
-            <a:r>
-              <a:rPr lang="en-US" baseline="0" dirty="0"/>
-              <a:t>I’m </a:t>
-            </a:r>
-            <a:r>
-              <a:rPr lang="en-US" baseline="0" dirty="0" err="1"/>
-              <a:t>Hau</a:t>
-            </a:r>
-            <a:r>
-              <a:rPr lang="en-US" baseline="0" dirty="0"/>
-              <a:t> Le, I’m a 26G engineer and I’m the mentee.</a:t>
-            </a:r>
-          </a:p>
-          <a:p>
-            <a:r>
-              <a:rPr lang="en-US" baseline="0" dirty="0"/>
-              <a:t>And we come from AISS2 group.</a:t>
-            </a:r>
-          </a:p>
-          <a:p>
-            <a:endParaRPr lang="en-US" baseline="0" dirty="0"/>
-          </a:p>
-          <a:p>
-            <a:r>
-              <a:rPr lang="en-US" baseline="0" dirty="0"/>
-              <a:t>Now, I’m going to show you guys my target in this MMT.</a:t>
-            </a:r>
-            <a:endParaRPr lang="en-US" dirty="0"/>
+              <a:t>In the 1</a:t>
+            </a:r>
+            <a:r>
+              <a:rPr lang="en-US" baseline="30000" dirty="0"/>
+              <a:t>st</a:t>
+            </a:r>
+            <a:r>
+              <a:rPr lang="en-US" dirty="0"/>
+              <a:t> year, my mentor and I have used this method to work with each other.</a:t>
+            </a:r>
+          </a:p>
+          <a:p>
+            <a:r>
+              <a:rPr lang="en-US" dirty="0"/>
+              <a:t>It looks like a state machine as you can see.</a:t>
+            </a:r>
+          </a:p>
+          <a:p>
+            <a:r>
+              <a:rPr lang="en-US" dirty="0"/>
+              <a:t>To operate this state machine, we used Redmine system for assigning tasks and usually communicate with each other directly, sometimes via mail, Skype.</a:t>
+            </a:r>
           </a:p>
         </p:txBody>
       </p:sp>
@@ -2344,6 +2299,112 @@
     <p:extLst>
       <p:ext uri="{BB962C8B-B14F-4D97-AF65-F5344CB8AC3E}">
         <p14:creationId xmlns:p14="http://schemas.microsoft.com/office/powerpoint/2010/main" val="187093220"/>
+      </p:ext>
+    </p:extLst>
+  </p:cSld>
+  <p:clrMapOvr>
+    <a:masterClrMapping/>
+  </p:clrMapOvr>
+</p:notes>
+</file>
+
+<file path=ppt/notesSlides/notesSlide4.xml><?xml version="1.0" encoding="utf-8"?>
+<p:notes xmlns:a="http://schemas.openxmlformats.org/drawingml/2006/main" xmlns:r="http://schemas.openxmlformats.org/officeDocument/2006/relationships" xmlns:p="http://schemas.openxmlformats.org/presentationml/2006/main">
+  <p:cSld>
+    <p:spTree>
+      <p:nvGrpSpPr>
+        <p:cNvPr id="1" name=""/>
+        <p:cNvGrpSpPr/>
+        <p:nvPr/>
+      </p:nvGrpSpPr>
+      <p:grpSpPr>
+        <a:xfrm>
+          <a:off x="0" y="0"/>
+          <a:ext cx="0" cy="0"/>
+          <a:chOff x="0" y="0"/>
+          <a:chExt cx="0" cy="0"/>
+        </a:xfrm>
+      </p:grpSpPr>
+      <p:sp>
+        <p:nvSpPr>
+          <p:cNvPr id="2" name="Chỗ dành sẵn cho Hình ảnh của Bản chiếu 1"/>
+          <p:cNvSpPr>
+            <a:spLocks noGrp="1" noRot="1" noChangeAspect="1"/>
+          </p:cNvSpPr>
+          <p:nvPr>
+            <p:ph type="sldImg"/>
+          </p:nvPr>
+        </p:nvSpPr>
+        <p:spPr/>
+      </p:sp>
+      <p:sp>
+        <p:nvSpPr>
+          <p:cNvPr id="3" name="Chỗ dành sẵn cho Ghi chú 2"/>
+          <p:cNvSpPr>
+            <a:spLocks noGrp="1"/>
+          </p:cNvSpPr>
+          <p:nvPr>
+            <p:ph type="body" idx="1"/>
+          </p:nvPr>
+        </p:nvSpPr>
+        <p:spPr/>
+        <p:txBody>
+          <a:bodyPr/>
+          <a:lstStyle/>
+          <a:p>
+            <a:r>
+              <a:rPr lang="en-US" dirty="0"/>
+              <a:t>This slide shows the overview of the training result month by month from the beginning until now.</a:t>
+            </a:r>
+          </a:p>
+          <a:p>
+            <a:r>
+              <a:rPr lang="en-US" dirty="0"/>
+              <a:t>In overall, I’ve archived my 1</a:t>
+            </a:r>
+            <a:r>
+              <a:rPr lang="en-US" baseline="30000" dirty="0"/>
+              <a:t>st</a:t>
+            </a:r>
+            <a:r>
+              <a:rPr lang="en-US" dirty="0"/>
+              <a:t> year target. To know how, let’s go to </a:t>
+            </a:r>
+            <a:r>
+              <a:rPr lang="en-US"/>
+              <a:t>the detail.</a:t>
+            </a:r>
+            <a:endParaRPr lang="en-US" dirty="0"/>
+          </a:p>
+        </p:txBody>
+      </p:sp>
+      <p:sp>
+        <p:nvSpPr>
+          <p:cNvPr id="4" name="Chỗ dành sẵn cho Số hiệu Bản chiếu 3"/>
+          <p:cNvSpPr>
+            <a:spLocks noGrp="1"/>
+          </p:cNvSpPr>
+          <p:nvPr>
+            <p:ph type="sldNum" sz="quarter" idx="5"/>
+          </p:nvPr>
+        </p:nvSpPr>
+        <p:spPr/>
+        <p:txBody>
+          <a:bodyPr/>
+          <a:lstStyle/>
+          <a:p>
+            <a:fld id="{F9E0AC63-8529-4852-8793-AD37C1250E4D}" type="slidenum">
+              <a:rPr lang="en-US" smtClean="0"/>
+              <a:t>4</a:t>
+            </a:fld>
+            <a:endParaRPr lang="en-US"/>
+          </a:p>
+        </p:txBody>
+      </p:sp>
+    </p:spTree>
+    <p:extLst>
+      <p:ext uri="{BB962C8B-B14F-4D97-AF65-F5344CB8AC3E}">
+        <p14:creationId xmlns:p14="http://schemas.microsoft.com/office/powerpoint/2010/main" val="178964060"/>
       </p:ext>
     </p:extLst>
   </p:cSld>
@@ -19858,14 +19919,11 @@
           </a:p>
           <a:p>
             <a:r>
-              <a:rPr lang="en-US" dirty="0" smtClean="0">
+              <a:rPr lang="en-US" dirty="0">
                 <a:latin typeface="+mn-lt"/>
               </a:rPr>
               <a:t>MIDTERM REPORT</a:t>
             </a:r>
-            <a:endParaRPr lang="en-US" dirty="0">
-              <a:latin typeface="+mn-lt"/>
-            </a:endParaRPr>
           </a:p>
           <a:p>
             <a:r>
@@ -19926,58 +19984,16 @@
               <a:rPr lang="en-US" b="1" dirty="0">
                 <a:latin typeface="+mn-lt"/>
               </a:rPr>
-              <a:t>Mentor:	</a:t>
-            </a:r>
-            <a:r>
-              <a:rPr lang="en-US" b="1" dirty="0" smtClean="0">
-                <a:latin typeface="+mn-lt"/>
-              </a:rPr>
-              <a:t>THU </a:t>
-            </a:r>
+              <a:t>Mentor:	THU MANH VO – 22G</a:t>
+            </a:r>
+          </a:p>
+          <a:p>
             <a:r>
               <a:rPr lang="en-US" b="1" dirty="0">
                 <a:latin typeface="+mn-lt"/>
               </a:rPr>
-              <a:t>MANH </a:t>
-            </a:r>
-            <a:r>
-              <a:rPr lang="en-US" b="1" dirty="0" smtClean="0">
-                <a:latin typeface="+mn-lt"/>
-              </a:rPr>
-              <a:t>VO – 22G</a:t>
-            </a:r>
-            <a:endParaRPr lang="en-US" b="1" dirty="0">
-              <a:latin typeface="+mn-lt"/>
-            </a:endParaRPr>
-          </a:p>
-          <a:p>
-            <a:r>
-              <a:rPr lang="en-US" b="1" dirty="0">
-                <a:latin typeface="+mn-lt"/>
-              </a:rPr>
-              <a:t>Mentee:	</a:t>
-            </a:r>
-            <a:r>
-              <a:rPr lang="en-US" b="1" dirty="0" smtClean="0">
-                <a:latin typeface="+mn-lt"/>
-              </a:rPr>
-              <a:t>HAU </a:t>
-            </a:r>
-            <a:r>
-              <a:rPr lang="en-US" b="1" dirty="0">
-                <a:latin typeface="+mn-lt"/>
-              </a:rPr>
-              <a:t>SY </a:t>
-            </a:r>
-            <a:r>
-              <a:rPr lang="en-US" b="1" dirty="0" smtClean="0">
-                <a:latin typeface="+mn-lt"/>
-              </a:rPr>
-              <a:t>LE – 26G</a:t>
-            </a:r>
-            <a:endParaRPr lang="en-US" b="1" dirty="0">
-              <a:latin typeface="+mn-lt"/>
-            </a:endParaRPr>
+              <a:t>Mentee:	HAU SY LE – 26G</a:t>
+            </a:r>
           </a:p>
         </p:txBody>
       </p:sp>
@@ -20304,7 +20320,7 @@
           <p:cNvPr id="21" name="Rectangle 64">
             <a:extLst>
               <a:ext uri="{FF2B5EF4-FFF2-40B4-BE49-F238E27FC236}">
-                <a16:creationId xmlns="" xmlns:a16="http://schemas.microsoft.com/office/drawing/2014/main" id="{9212E872-B7EE-4FF4-A826-2CC7F7CB805C}"/>
+                <a16:creationId xmlns:a16="http://schemas.microsoft.com/office/drawing/2014/main" id="{9212E872-B7EE-4FF4-A826-2CC7F7CB805C}"/>
               </a:ext>
             </a:extLst>
           </p:cNvPr>
@@ -20366,7 +20382,7 @@
           <p:cNvPr id="22" name="Rectangle 65">
             <a:extLst>
               <a:ext uri="{FF2B5EF4-FFF2-40B4-BE49-F238E27FC236}">
-                <a16:creationId xmlns="" xmlns:a16="http://schemas.microsoft.com/office/drawing/2014/main" id="{F9F0E454-12D1-4F2B-9B6B-085594800E55}"/>
+                <a16:creationId xmlns:a16="http://schemas.microsoft.com/office/drawing/2014/main" id="{F9F0E454-12D1-4F2B-9B6B-085594800E55}"/>
               </a:ext>
             </a:extLst>
           </p:cNvPr>
@@ -20428,7 +20444,7 @@
           <p:cNvPr id="23" name="Rectangle 65">
             <a:extLst>
               <a:ext uri="{FF2B5EF4-FFF2-40B4-BE49-F238E27FC236}">
-                <a16:creationId xmlns="" xmlns:a16="http://schemas.microsoft.com/office/drawing/2014/main" id="{685D350F-0757-46DD-9591-D0F366F8DFE9}"/>
+                <a16:creationId xmlns:a16="http://schemas.microsoft.com/office/drawing/2014/main" id="{685D350F-0757-46DD-9591-D0F366F8DFE9}"/>
               </a:ext>
             </a:extLst>
           </p:cNvPr>
@@ -20490,7 +20506,7 @@
           <p:cNvPr id="24" name="Rectangle 65">
             <a:extLst>
               <a:ext uri="{FF2B5EF4-FFF2-40B4-BE49-F238E27FC236}">
-                <a16:creationId xmlns="" xmlns:a16="http://schemas.microsoft.com/office/drawing/2014/main" id="{D6E63C8D-03AC-4F1B-8AD5-6F2D08DC26BD}"/>
+                <a16:creationId xmlns:a16="http://schemas.microsoft.com/office/drawing/2014/main" id="{D6E63C8D-03AC-4F1B-8AD5-6F2D08DC26BD}"/>
               </a:ext>
             </a:extLst>
           </p:cNvPr>
@@ -20552,7 +20568,7 @@
           <p:cNvPr id="25" name="Rectangle 65">
             <a:extLst>
               <a:ext uri="{FF2B5EF4-FFF2-40B4-BE49-F238E27FC236}">
-                <a16:creationId xmlns="" xmlns:a16="http://schemas.microsoft.com/office/drawing/2014/main" id="{D896A0E3-0E6C-4A36-999A-F4C3215F8259}"/>
+                <a16:creationId xmlns:a16="http://schemas.microsoft.com/office/drawing/2014/main" id="{D896A0E3-0E6C-4A36-999A-F4C3215F8259}"/>
               </a:ext>
             </a:extLst>
           </p:cNvPr>
@@ -20614,7 +20630,7 @@
           <p:cNvPr id="26" name="Rectangle 65">
             <a:extLst>
               <a:ext uri="{FF2B5EF4-FFF2-40B4-BE49-F238E27FC236}">
-                <a16:creationId xmlns="" xmlns:a16="http://schemas.microsoft.com/office/drawing/2014/main" id="{1BE34E05-DEE9-4BC0-96A4-CB51D0D75137}"/>
+                <a16:creationId xmlns:a16="http://schemas.microsoft.com/office/drawing/2014/main" id="{1BE34E05-DEE9-4BC0-96A4-CB51D0D75137}"/>
               </a:ext>
             </a:extLst>
           </p:cNvPr>
@@ -20676,7 +20692,7 @@
           <p:cNvPr id="27" name="Rectangle 65">
             <a:extLst>
               <a:ext uri="{FF2B5EF4-FFF2-40B4-BE49-F238E27FC236}">
-                <a16:creationId xmlns="" xmlns:a16="http://schemas.microsoft.com/office/drawing/2014/main" id="{CDCEE58C-30C1-47FC-AC8E-094A6E17E8FE}"/>
+                <a16:creationId xmlns:a16="http://schemas.microsoft.com/office/drawing/2014/main" id="{CDCEE58C-30C1-47FC-AC8E-094A6E17E8FE}"/>
               </a:ext>
             </a:extLst>
           </p:cNvPr>
@@ -20738,7 +20754,7 @@
           <p:cNvPr id="28" name="Rectangle 65">
             <a:extLst>
               <a:ext uri="{FF2B5EF4-FFF2-40B4-BE49-F238E27FC236}">
-                <a16:creationId xmlns="" xmlns:a16="http://schemas.microsoft.com/office/drawing/2014/main" id="{214F3349-F9B9-4FA5-B313-4303DD4B2A7B}"/>
+                <a16:creationId xmlns:a16="http://schemas.microsoft.com/office/drawing/2014/main" id="{214F3349-F9B9-4FA5-B313-4303DD4B2A7B}"/>
               </a:ext>
             </a:extLst>
           </p:cNvPr>
@@ -20800,7 +20816,7 @@
           <p:cNvPr id="29" name="Rectangle 65">
             <a:extLst>
               <a:ext uri="{FF2B5EF4-FFF2-40B4-BE49-F238E27FC236}">
-                <a16:creationId xmlns="" xmlns:a16="http://schemas.microsoft.com/office/drawing/2014/main" id="{72436A4A-07F9-46C0-8AAA-42D54B6C4ECD}"/>
+                <a16:creationId xmlns:a16="http://schemas.microsoft.com/office/drawing/2014/main" id="{72436A4A-07F9-46C0-8AAA-42D54B6C4ECD}"/>
               </a:ext>
             </a:extLst>
           </p:cNvPr>
@@ -20862,7 +20878,7 @@
           <p:cNvPr id="30" name="Rectangle 65">
             <a:extLst>
               <a:ext uri="{FF2B5EF4-FFF2-40B4-BE49-F238E27FC236}">
-                <a16:creationId xmlns="" xmlns:a16="http://schemas.microsoft.com/office/drawing/2014/main" id="{BF84A264-4CCB-467A-AF91-18BBD08CAC9F}"/>
+                <a16:creationId xmlns:a16="http://schemas.microsoft.com/office/drawing/2014/main" id="{BF84A264-4CCB-467A-AF91-18BBD08CAC9F}"/>
               </a:ext>
             </a:extLst>
           </p:cNvPr>
@@ -20924,7 +20940,7 @@
           <p:cNvPr id="31" name="Nhóm 30">
             <a:extLst>
               <a:ext uri="{FF2B5EF4-FFF2-40B4-BE49-F238E27FC236}">
-                <a16:creationId xmlns="" xmlns:a16="http://schemas.microsoft.com/office/drawing/2014/main" id="{02487500-F09C-4C3F-BB36-87DEAF9E15CC}"/>
+                <a16:creationId xmlns:a16="http://schemas.microsoft.com/office/drawing/2014/main" id="{02487500-F09C-4C3F-BB36-87DEAF9E15CC}"/>
               </a:ext>
             </a:extLst>
           </p:cNvPr>
@@ -20944,7 +20960,7 @@
             <p:cNvPr id="32" name="Đồ họa 31" descr="Danh sách">
               <a:extLst>
                 <a:ext uri="{FF2B5EF4-FFF2-40B4-BE49-F238E27FC236}">
-                  <a16:creationId xmlns="" xmlns:a16="http://schemas.microsoft.com/office/drawing/2014/main" id="{729351E3-F50E-4404-A38F-19EFEF8CCC5F}"/>
+                  <a16:creationId xmlns:a16="http://schemas.microsoft.com/office/drawing/2014/main" id="{729351E3-F50E-4404-A38F-19EFEF8CCC5F}"/>
                 </a:ext>
               </a:extLst>
             </p:cNvPr>
@@ -20960,7 +20976,7 @@
                   <a14:useLocalDpi xmlns:a14="http://schemas.microsoft.com/office/drawing/2010/main" val="0"/>
                 </a:ext>
                 <a:ext uri="{96DAC541-7B7A-43D3-8B79-37D633B846F1}">
-                  <asvg:svgBlip xmlns="" xmlns:asvg="http://schemas.microsoft.com/office/drawing/2016/SVG/main" r:embed="rId3"/>
+                  <asvg:svgBlip xmlns:asvg="http://schemas.microsoft.com/office/drawing/2016/SVG/main" r:embed="rId3"/>
                 </a:ext>
               </a:extLst>
             </a:blip>
@@ -20983,7 +20999,7 @@
             <p:cNvPr id="33" name="Hộp Văn bản 32">
               <a:extLst>
                 <a:ext uri="{FF2B5EF4-FFF2-40B4-BE49-F238E27FC236}">
-                  <a16:creationId xmlns="" xmlns:a16="http://schemas.microsoft.com/office/drawing/2014/main" id="{7CF5324D-2FB4-4957-9939-81304296EF65}"/>
+                  <a16:creationId xmlns:a16="http://schemas.microsoft.com/office/drawing/2014/main" id="{7CF5324D-2FB4-4957-9939-81304296EF65}"/>
                 </a:ext>
               </a:extLst>
             </p:cNvPr>
@@ -21063,7 +21079,7 @@
           <p:cNvPr id="34" name="Nhóm 33">
             <a:extLst>
               <a:ext uri="{FF2B5EF4-FFF2-40B4-BE49-F238E27FC236}">
-                <a16:creationId xmlns="" xmlns:a16="http://schemas.microsoft.com/office/drawing/2014/main" id="{A984C068-678E-419E-B1E1-80D56B0C13A9}"/>
+                <a16:creationId xmlns:a16="http://schemas.microsoft.com/office/drawing/2014/main" id="{A984C068-678E-419E-B1E1-80D56B0C13A9}"/>
               </a:ext>
             </a:extLst>
           </p:cNvPr>
@@ -21083,7 +21099,7 @@
             <p:cNvPr id="35" name="Đồ họa 34" descr="Danh sách kiểm tra">
               <a:extLst>
                 <a:ext uri="{FF2B5EF4-FFF2-40B4-BE49-F238E27FC236}">
-                  <a16:creationId xmlns="" xmlns:a16="http://schemas.microsoft.com/office/drawing/2014/main" id="{443ADA12-0D7D-42B8-84C1-C8204B506EC8}"/>
+                  <a16:creationId xmlns:a16="http://schemas.microsoft.com/office/drawing/2014/main" id="{443ADA12-0D7D-42B8-84C1-C8204B506EC8}"/>
                 </a:ext>
               </a:extLst>
             </p:cNvPr>
@@ -21099,7 +21115,7 @@
                   <a14:useLocalDpi xmlns:a14="http://schemas.microsoft.com/office/drawing/2010/main" val="0"/>
                 </a:ext>
                 <a:ext uri="{96DAC541-7B7A-43D3-8B79-37D633B846F1}">
-                  <asvg:svgBlip xmlns="" xmlns:asvg="http://schemas.microsoft.com/office/drawing/2016/SVG/main" r:embed="rId5"/>
+                  <asvg:svgBlip xmlns:asvg="http://schemas.microsoft.com/office/drawing/2016/SVG/main" r:embed="rId5"/>
                 </a:ext>
               </a:extLst>
             </a:blip>
@@ -21122,7 +21138,7 @@
             <p:cNvPr id="36" name="Hộp Văn bản 35">
               <a:extLst>
                 <a:ext uri="{FF2B5EF4-FFF2-40B4-BE49-F238E27FC236}">
-                  <a16:creationId xmlns="" xmlns:a16="http://schemas.microsoft.com/office/drawing/2014/main" id="{EAB97C9B-3585-4B6F-B630-5468D27A73E9}"/>
+                  <a16:creationId xmlns:a16="http://schemas.microsoft.com/office/drawing/2014/main" id="{EAB97C9B-3585-4B6F-B630-5468D27A73E9}"/>
                 </a:ext>
               </a:extLst>
             </p:cNvPr>
@@ -21203,11 +21219,7 @@
               </a:r>
               <a:r>
                 <a:rPr lang="en-US" sz="1600" dirty="0"/>
-                <a:t> to create a VBA macro to retrieve patterns list from CT check </a:t>
-              </a:r>
-              <a:r>
-                <a:rPr lang="en-US" sz="1600" dirty="0" smtClean="0"/>
-                <a:t>list</a:t>
+                <a:t> to create a VBA macro to retrieve patterns list from CT check list</a:t>
               </a:r>
               <a:endParaRPr lang="en-US" sz="1600" dirty="0">
                 <a:solidFill>
@@ -21225,7 +21237,7 @@
           <p:cNvPr id="40" name="Rectangle 65">
             <a:extLst>
               <a:ext uri="{FF2B5EF4-FFF2-40B4-BE49-F238E27FC236}">
-                <a16:creationId xmlns="" xmlns:a16="http://schemas.microsoft.com/office/drawing/2014/main" id="{EAEB1B0D-15B1-402C-948F-8263E99DCFED}"/>
+                <a16:creationId xmlns:a16="http://schemas.microsoft.com/office/drawing/2014/main" id="{EAEB1B0D-15B1-402C-948F-8263E99DCFED}"/>
               </a:ext>
             </a:extLst>
           </p:cNvPr>
@@ -21287,7 +21299,7 @@
           <p:cNvPr id="41" name="Rectangle 65">
             <a:extLst>
               <a:ext uri="{FF2B5EF4-FFF2-40B4-BE49-F238E27FC236}">
-                <a16:creationId xmlns="" xmlns:a16="http://schemas.microsoft.com/office/drawing/2014/main" id="{BCBFFD49-0A24-4D02-9923-B2A6870F6855}"/>
+                <a16:creationId xmlns:a16="http://schemas.microsoft.com/office/drawing/2014/main" id="{BCBFFD49-0A24-4D02-9923-B2A6870F6855}"/>
               </a:ext>
             </a:extLst>
           </p:cNvPr>
@@ -21349,7 +21361,7 @@
           <p:cNvPr id="42" name="Rectangle 65">
             <a:extLst>
               <a:ext uri="{FF2B5EF4-FFF2-40B4-BE49-F238E27FC236}">
-                <a16:creationId xmlns="" xmlns:a16="http://schemas.microsoft.com/office/drawing/2014/main" id="{96235D11-C898-45BD-AF74-73C518B8ED31}"/>
+                <a16:creationId xmlns:a16="http://schemas.microsoft.com/office/drawing/2014/main" id="{96235D11-C898-45BD-AF74-73C518B8ED31}"/>
               </a:ext>
             </a:extLst>
           </p:cNvPr>
@@ -21411,7 +21423,7 @@
           <p:cNvPr id="44" name="Nhóm 43">
             <a:extLst>
               <a:ext uri="{FF2B5EF4-FFF2-40B4-BE49-F238E27FC236}">
-                <a16:creationId xmlns="" xmlns:a16="http://schemas.microsoft.com/office/drawing/2014/main" id="{DCE467E2-05FD-433F-A74C-A0117108AB38}"/>
+                <a16:creationId xmlns:a16="http://schemas.microsoft.com/office/drawing/2014/main" id="{DCE467E2-05FD-433F-A74C-A0117108AB38}"/>
               </a:ext>
             </a:extLst>
           </p:cNvPr>
@@ -21431,7 +21443,7 @@
             <p:cNvPr id="48" name="Đồ họa 10" descr="Đầu có bánh răng">
               <a:extLst>
                 <a:ext uri="{FF2B5EF4-FFF2-40B4-BE49-F238E27FC236}">
-                  <a16:creationId xmlns="" xmlns:a16="http://schemas.microsoft.com/office/drawing/2014/main" id="{A04152C4-C621-4A6E-8876-6FFBE1BCF2F4}"/>
+                  <a16:creationId xmlns:a16="http://schemas.microsoft.com/office/drawing/2014/main" id="{A04152C4-C621-4A6E-8876-6FFBE1BCF2F4}"/>
                 </a:ext>
               </a:extLst>
             </p:cNvPr>
@@ -21447,7 +21459,7 @@
                   <a14:useLocalDpi xmlns:a14="http://schemas.microsoft.com/office/drawing/2010/main" val="0"/>
                 </a:ext>
                 <a:ext uri="{96DAC541-7B7A-43D3-8B79-37D633B846F1}">
-                  <asvg:svgBlip xmlns="" xmlns:asvg="http://schemas.microsoft.com/office/drawing/2016/SVG/main" r:embed="rId7"/>
+                  <asvg:svgBlip xmlns:asvg="http://schemas.microsoft.com/office/drawing/2016/SVG/main" r:embed="rId7"/>
                 </a:ext>
               </a:extLst>
             </a:blip>
@@ -21470,7 +21482,7 @@
             <p:cNvPr id="49" name="Hộp Văn bản 19">
               <a:extLst>
                 <a:ext uri="{FF2B5EF4-FFF2-40B4-BE49-F238E27FC236}">
-                  <a16:creationId xmlns="" xmlns:a16="http://schemas.microsoft.com/office/drawing/2014/main" id="{6458E1CC-162E-4736-99D7-0C9511509824}"/>
+                  <a16:creationId xmlns:a16="http://schemas.microsoft.com/office/drawing/2014/main" id="{6458E1CC-162E-4736-99D7-0C9511509824}"/>
                 </a:ext>
               </a:extLst>
             </p:cNvPr>
@@ -21509,11 +21521,7 @@
               </a:r>
               <a:r>
                 <a:rPr lang="en-US" sz="1600" dirty="0"/>
-                <a:t> for I2C’s legacy design and the new change </a:t>
-              </a:r>
-              <a:r>
-                <a:rPr lang="en-US" sz="1600" dirty="0" smtClean="0"/>
-                <a:t>points</a:t>
+                <a:t> for I2C’s legacy design and the new change points</a:t>
               </a:r>
               <a:endParaRPr lang="en-US" sz="1600" dirty="0">
                 <a:solidFill>
@@ -21629,7 +21637,7 @@
           <p:cNvPr id="21" name="Rectangle 64">
             <a:extLst>
               <a:ext uri="{FF2B5EF4-FFF2-40B4-BE49-F238E27FC236}">
-                <a16:creationId xmlns="" xmlns:a16="http://schemas.microsoft.com/office/drawing/2014/main" id="{9212E872-B7EE-4FF4-A826-2CC7F7CB805C}"/>
+                <a16:creationId xmlns:a16="http://schemas.microsoft.com/office/drawing/2014/main" id="{9212E872-B7EE-4FF4-A826-2CC7F7CB805C}"/>
               </a:ext>
             </a:extLst>
           </p:cNvPr>
@@ -21691,7 +21699,7 @@
           <p:cNvPr id="22" name="Rectangle 65">
             <a:extLst>
               <a:ext uri="{FF2B5EF4-FFF2-40B4-BE49-F238E27FC236}">
-                <a16:creationId xmlns="" xmlns:a16="http://schemas.microsoft.com/office/drawing/2014/main" id="{F9F0E454-12D1-4F2B-9B6B-085594800E55}"/>
+                <a16:creationId xmlns:a16="http://schemas.microsoft.com/office/drawing/2014/main" id="{F9F0E454-12D1-4F2B-9B6B-085594800E55}"/>
               </a:ext>
             </a:extLst>
           </p:cNvPr>
@@ -21753,7 +21761,7 @@
           <p:cNvPr id="23" name="Rectangle 65">
             <a:extLst>
               <a:ext uri="{FF2B5EF4-FFF2-40B4-BE49-F238E27FC236}">
-                <a16:creationId xmlns="" xmlns:a16="http://schemas.microsoft.com/office/drawing/2014/main" id="{685D350F-0757-46DD-9591-D0F366F8DFE9}"/>
+                <a16:creationId xmlns:a16="http://schemas.microsoft.com/office/drawing/2014/main" id="{685D350F-0757-46DD-9591-D0F366F8DFE9}"/>
               </a:ext>
             </a:extLst>
           </p:cNvPr>
@@ -21815,7 +21823,7 @@
           <p:cNvPr id="24" name="Rectangle 65">
             <a:extLst>
               <a:ext uri="{FF2B5EF4-FFF2-40B4-BE49-F238E27FC236}">
-                <a16:creationId xmlns="" xmlns:a16="http://schemas.microsoft.com/office/drawing/2014/main" id="{D6E63C8D-03AC-4F1B-8AD5-6F2D08DC26BD}"/>
+                <a16:creationId xmlns:a16="http://schemas.microsoft.com/office/drawing/2014/main" id="{D6E63C8D-03AC-4F1B-8AD5-6F2D08DC26BD}"/>
               </a:ext>
             </a:extLst>
           </p:cNvPr>
@@ -21877,7 +21885,7 @@
           <p:cNvPr id="25" name="Rectangle 65">
             <a:extLst>
               <a:ext uri="{FF2B5EF4-FFF2-40B4-BE49-F238E27FC236}">
-                <a16:creationId xmlns="" xmlns:a16="http://schemas.microsoft.com/office/drawing/2014/main" id="{D896A0E3-0E6C-4A36-999A-F4C3215F8259}"/>
+                <a16:creationId xmlns:a16="http://schemas.microsoft.com/office/drawing/2014/main" id="{D896A0E3-0E6C-4A36-999A-F4C3215F8259}"/>
               </a:ext>
             </a:extLst>
           </p:cNvPr>
@@ -21939,7 +21947,7 @@
           <p:cNvPr id="26" name="Rectangle 65">
             <a:extLst>
               <a:ext uri="{FF2B5EF4-FFF2-40B4-BE49-F238E27FC236}">
-                <a16:creationId xmlns="" xmlns:a16="http://schemas.microsoft.com/office/drawing/2014/main" id="{1BE34E05-DEE9-4BC0-96A4-CB51D0D75137}"/>
+                <a16:creationId xmlns:a16="http://schemas.microsoft.com/office/drawing/2014/main" id="{1BE34E05-DEE9-4BC0-96A4-CB51D0D75137}"/>
               </a:ext>
             </a:extLst>
           </p:cNvPr>
@@ -22001,7 +22009,7 @@
           <p:cNvPr id="27" name="Rectangle 65">
             <a:extLst>
               <a:ext uri="{FF2B5EF4-FFF2-40B4-BE49-F238E27FC236}">
-                <a16:creationId xmlns="" xmlns:a16="http://schemas.microsoft.com/office/drawing/2014/main" id="{CDCEE58C-30C1-47FC-AC8E-094A6E17E8FE}"/>
+                <a16:creationId xmlns:a16="http://schemas.microsoft.com/office/drawing/2014/main" id="{CDCEE58C-30C1-47FC-AC8E-094A6E17E8FE}"/>
               </a:ext>
             </a:extLst>
           </p:cNvPr>
@@ -22063,7 +22071,7 @@
           <p:cNvPr id="28" name="Rectangle 65">
             <a:extLst>
               <a:ext uri="{FF2B5EF4-FFF2-40B4-BE49-F238E27FC236}">
-                <a16:creationId xmlns="" xmlns:a16="http://schemas.microsoft.com/office/drawing/2014/main" id="{214F3349-F9B9-4FA5-B313-4303DD4B2A7B}"/>
+                <a16:creationId xmlns:a16="http://schemas.microsoft.com/office/drawing/2014/main" id="{214F3349-F9B9-4FA5-B313-4303DD4B2A7B}"/>
               </a:ext>
             </a:extLst>
           </p:cNvPr>
@@ -22125,7 +22133,7 @@
           <p:cNvPr id="29" name="Rectangle 65">
             <a:extLst>
               <a:ext uri="{FF2B5EF4-FFF2-40B4-BE49-F238E27FC236}">
-                <a16:creationId xmlns="" xmlns:a16="http://schemas.microsoft.com/office/drawing/2014/main" id="{72436A4A-07F9-46C0-8AAA-42D54B6C4ECD}"/>
+                <a16:creationId xmlns:a16="http://schemas.microsoft.com/office/drawing/2014/main" id="{72436A4A-07F9-46C0-8AAA-42D54B6C4ECD}"/>
               </a:ext>
             </a:extLst>
           </p:cNvPr>
@@ -22187,7 +22195,7 @@
           <p:cNvPr id="30" name="Rectangle 65">
             <a:extLst>
               <a:ext uri="{FF2B5EF4-FFF2-40B4-BE49-F238E27FC236}">
-                <a16:creationId xmlns="" xmlns:a16="http://schemas.microsoft.com/office/drawing/2014/main" id="{BF84A264-4CCB-467A-AF91-18BBD08CAC9F}"/>
+                <a16:creationId xmlns:a16="http://schemas.microsoft.com/office/drawing/2014/main" id="{BF84A264-4CCB-467A-AF91-18BBD08CAC9F}"/>
               </a:ext>
             </a:extLst>
           </p:cNvPr>
@@ -22249,7 +22257,7 @@
           <p:cNvPr id="37" name="Nhóm 36">
             <a:extLst>
               <a:ext uri="{FF2B5EF4-FFF2-40B4-BE49-F238E27FC236}">
-                <a16:creationId xmlns="" xmlns:a16="http://schemas.microsoft.com/office/drawing/2014/main" id="{7DB14E9D-2A91-4277-9D20-B45CD3CF1C0C}"/>
+                <a16:creationId xmlns:a16="http://schemas.microsoft.com/office/drawing/2014/main" id="{7DB14E9D-2A91-4277-9D20-B45CD3CF1C0C}"/>
               </a:ext>
             </a:extLst>
           </p:cNvPr>
@@ -22269,7 +22277,7 @@
             <p:cNvPr id="38" name="Đồ họa 37" descr="Cơ sở dữ liệu">
               <a:extLst>
                 <a:ext uri="{FF2B5EF4-FFF2-40B4-BE49-F238E27FC236}">
-                  <a16:creationId xmlns="" xmlns:a16="http://schemas.microsoft.com/office/drawing/2014/main" id="{0A08F0E3-261C-40A5-B069-AACFBB1EC026}"/>
+                  <a16:creationId xmlns:a16="http://schemas.microsoft.com/office/drawing/2014/main" id="{0A08F0E3-261C-40A5-B069-AACFBB1EC026}"/>
                 </a:ext>
               </a:extLst>
             </p:cNvPr>
@@ -22285,7 +22293,7 @@
                   <a14:useLocalDpi xmlns:a14="http://schemas.microsoft.com/office/drawing/2010/main" val="0"/>
                 </a:ext>
                 <a:ext uri="{96DAC541-7B7A-43D3-8B79-37D633B846F1}">
-                  <asvg:svgBlip xmlns="" xmlns:asvg="http://schemas.microsoft.com/office/drawing/2016/SVG/main" r:embed="rId3"/>
+                  <asvg:svgBlip xmlns:asvg="http://schemas.microsoft.com/office/drawing/2016/SVG/main" r:embed="rId3"/>
                 </a:ext>
               </a:extLst>
             </a:blip>
@@ -22308,7 +22316,7 @@
             <p:cNvPr id="39" name="Hộp Văn bản 38">
               <a:extLst>
                 <a:ext uri="{FF2B5EF4-FFF2-40B4-BE49-F238E27FC236}">
-                  <a16:creationId xmlns="" xmlns:a16="http://schemas.microsoft.com/office/drawing/2014/main" id="{B1915974-D675-41FB-8310-CD6DF283ABB7}"/>
+                  <a16:creationId xmlns:a16="http://schemas.microsoft.com/office/drawing/2014/main" id="{B1915974-D675-41FB-8310-CD6DF283ABB7}"/>
                 </a:ext>
               </a:extLst>
             </p:cNvPr>
@@ -22397,13 +22405,8 @@
               </a:r>
               <a:r>
                 <a:rPr lang="en-US" sz="1600" dirty="0"/>
-                <a:t> (CT Pattern Builder) that can apply for any module and any kind of pattern with high output </a:t>
+                <a:t> (CT Pattern Builder) that can apply for any module and any kind of pattern with high output quality</a:t>
               </a:r>
-              <a:r>
-                <a:rPr lang="en-US" sz="1600" dirty="0" smtClean="0"/>
-                <a:t>quality</a:t>
-              </a:r>
-              <a:endParaRPr lang="en-US" sz="1600" dirty="0"/>
             </a:p>
             <a:p>
               <a:r>
@@ -22428,27 +22431,7 @@
                     </a:schemeClr>
                   </a:solidFill>
                 </a:rPr>
-                <a:t> for I2C (use 2 I2C channels to communicate with each other is the better than using a </a:t>
-              </a:r>
-              <a:r>
-                <a:rPr lang="en-US" sz="1600" dirty="0" smtClean="0">
-                  <a:solidFill>
-                    <a:schemeClr val="bg2">
-                      <a:lumMod val="10000"/>
-                    </a:schemeClr>
-                  </a:solidFill>
-                </a:rPr>
-                <a:t>non-golden I2C </a:t>
-              </a:r>
-              <a:r>
-                <a:rPr lang="en-US" sz="1600" dirty="0">
-                  <a:solidFill>
-                    <a:schemeClr val="bg2">
-                      <a:lumMod val="10000"/>
-                    </a:schemeClr>
-                  </a:solidFill>
-                </a:rPr>
-                <a:t>model)</a:t>
+                <a:t> for I2C (use 2 I2C channels to communicate with each other is the better than using a non-golden I2C model)</a:t>
               </a:r>
             </a:p>
             <a:p>
@@ -22544,7 +22527,7 @@
           <p:cNvPr id="40" name="Rectangle 65">
             <a:extLst>
               <a:ext uri="{FF2B5EF4-FFF2-40B4-BE49-F238E27FC236}">
-                <a16:creationId xmlns="" xmlns:a16="http://schemas.microsoft.com/office/drawing/2014/main" id="{EAEB1B0D-15B1-402C-948F-8263E99DCFED}"/>
+                <a16:creationId xmlns:a16="http://schemas.microsoft.com/office/drawing/2014/main" id="{EAEB1B0D-15B1-402C-948F-8263E99DCFED}"/>
               </a:ext>
             </a:extLst>
           </p:cNvPr>
@@ -22606,7 +22589,7 @@
           <p:cNvPr id="41" name="Rectangle 65">
             <a:extLst>
               <a:ext uri="{FF2B5EF4-FFF2-40B4-BE49-F238E27FC236}">
-                <a16:creationId xmlns="" xmlns:a16="http://schemas.microsoft.com/office/drawing/2014/main" id="{BCBFFD49-0A24-4D02-9923-B2A6870F6855}"/>
+                <a16:creationId xmlns:a16="http://schemas.microsoft.com/office/drawing/2014/main" id="{BCBFFD49-0A24-4D02-9923-B2A6870F6855}"/>
               </a:ext>
             </a:extLst>
           </p:cNvPr>
@@ -22668,7 +22651,7 @@
           <p:cNvPr id="42" name="Rectangle 65">
             <a:extLst>
               <a:ext uri="{FF2B5EF4-FFF2-40B4-BE49-F238E27FC236}">
-                <a16:creationId xmlns="" xmlns:a16="http://schemas.microsoft.com/office/drawing/2014/main" id="{96235D11-C898-45BD-AF74-73C518B8ED31}"/>
+                <a16:creationId xmlns:a16="http://schemas.microsoft.com/office/drawing/2014/main" id="{96235D11-C898-45BD-AF74-73C518B8ED31}"/>
               </a:ext>
             </a:extLst>
           </p:cNvPr>
@@ -22730,7 +22713,7 @@
           <p:cNvPr id="50" name="Nhóm 49">
             <a:extLst>
               <a:ext uri="{FF2B5EF4-FFF2-40B4-BE49-F238E27FC236}">
-                <a16:creationId xmlns="" xmlns:a16="http://schemas.microsoft.com/office/drawing/2014/main" id="{C3DA138D-A6CE-4D3A-A843-180B98A17D75}"/>
+                <a16:creationId xmlns:a16="http://schemas.microsoft.com/office/drawing/2014/main" id="{C3DA138D-A6CE-4D3A-A843-180B98A17D75}"/>
               </a:ext>
             </a:extLst>
           </p:cNvPr>
@@ -22750,7 +22733,7 @@
             <p:cNvPr id="51" name="Đồ họa 50" descr="Xe chở bê tông">
               <a:extLst>
                 <a:ext uri="{FF2B5EF4-FFF2-40B4-BE49-F238E27FC236}">
-                  <a16:creationId xmlns="" xmlns:a16="http://schemas.microsoft.com/office/drawing/2014/main" id="{50E5B203-1F4B-4D15-B0E2-1A8EFE879B39}"/>
+                  <a16:creationId xmlns:a16="http://schemas.microsoft.com/office/drawing/2014/main" id="{50E5B203-1F4B-4D15-B0E2-1A8EFE879B39}"/>
                 </a:ext>
               </a:extLst>
             </p:cNvPr>
@@ -22766,7 +22749,7 @@
                   <a14:useLocalDpi xmlns:a14="http://schemas.microsoft.com/office/drawing/2010/main" val="0"/>
                 </a:ext>
                 <a:ext uri="{96DAC541-7B7A-43D3-8B79-37D633B846F1}">
-                  <asvg:svgBlip xmlns="" xmlns:asvg="http://schemas.microsoft.com/office/drawing/2016/SVG/main" r:embed="rId5"/>
+                  <asvg:svgBlip xmlns:asvg="http://schemas.microsoft.com/office/drawing/2016/SVG/main" r:embed="rId5"/>
                 </a:ext>
               </a:extLst>
             </a:blip>
@@ -22789,7 +22772,7 @@
             <p:cNvPr id="52" name="Hộp Văn bản 51">
               <a:extLst>
                 <a:ext uri="{FF2B5EF4-FFF2-40B4-BE49-F238E27FC236}">
-                  <a16:creationId xmlns="" xmlns:a16="http://schemas.microsoft.com/office/drawing/2014/main" id="{2F103B3A-3AAA-4A43-BDD3-21C8A43EC86E}"/>
+                  <a16:creationId xmlns:a16="http://schemas.microsoft.com/office/drawing/2014/main" id="{2F103B3A-3AAA-4A43-BDD3-21C8A43EC86E}"/>
                 </a:ext>
               </a:extLst>
             </p:cNvPr>
@@ -22981,7 +22964,7 @@
           <p:cNvPr id="21" name="Rectangle 64">
             <a:extLst>
               <a:ext uri="{FF2B5EF4-FFF2-40B4-BE49-F238E27FC236}">
-                <a16:creationId xmlns="" xmlns:a16="http://schemas.microsoft.com/office/drawing/2014/main" id="{9212E872-B7EE-4FF4-A826-2CC7F7CB805C}"/>
+                <a16:creationId xmlns:a16="http://schemas.microsoft.com/office/drawing/2014/main" id="{9212E872-B7EE-4FF4-A826-2CC7F7CB805C}"/>
               </a:ext>
             </a:extLst>
           </p:cNvPr>
@@ -23043,7 +23026,7 @@
           <p:cNvPr id="22" name="Rectangle 65">
             <a:extLst>
               <a:ext uri="{FF2B5EF4-FFF2-40B4-BE49-F238E27FC236}">
-                <a16:creationId xmlns="" xmlns:a16="http://schemas.microsoft.com/office/drawing/2014/main" id="{F9F0E454-12D1-4F2B-9B6B-085594800E55}"/>
+                <a16:creationId xmlns:a16="http://schemas.microsoft.com/office/drawing/2014/main" id="{F9F0E454-12D1-4F2B-9B6B-085594800E55}"/>
               </a:ext>
             </a:extLst>
           </p:cNvPr>
@@ -23105,7 +23088,7 @@
           <p:cNvPr id="23" name="Rectangle 65">
             <a:extLst>
               <a:ext uri="{FF2B5EF4-FFF2-40B4-BE49-F238E27FC236}">
-                <a16:creationId xmlns="" xmlns:a16="http://schemas.microsoft.com/office/drawing/2014/main" id="{685D350F-0757-46DD-9591-D0F366F8DFE9}"/>
+                <a16:creationId xmlns:a16="http://schemas.microsoft.com/office/drawing/2014/main" id="{685D350F-0757-46DD-9591-D0F366F8DFE9}"/>
               </a:ext>
             </a:extLst>
           </p:cNvPr>
@@ -23167,7 +23150,7 @@
           <p:cNvPr id="24" name="Rectangle 65">
             <a:extLst>
               <a:ext uri="{FF2B5EF4-FFF2-40B4-BE49-F238E27FC236}">
-                <a16:creationId xmlns="" xmlns:a16="http://schemas.microsoft.com/office/drawing/2014/main" id="{D6E63C8D-03AC-4F1B-8AD5-6F2D08DC26BD}"/>
+                <a16:creationId xmlns:a16="http://schemas.microsoft.com/office/drawing/2014/main" id="{D6E63C8D-03AC-4F1B-8AD5-6F2D08DC26BD}"/>
               </a:ext>
             </a:extLst>
           </p:cNvPr>
@@ -23229,7 +23212,7 @@
           <p:cNvPr id="25" name="Rectangle 65">
             <a:extLst>
               <a:ext uri="{FF2B5EF4-FFF2-40B4-BE49-F238E27FC236}">
-                <a16:creationId xmlns="" xmlns:a16="http://schemas.microsoft.com/office/drawing/2014/main" id="{D896A0E3-0E6C-4A36-999A-F4C3215F8259}"/>
+                <a16:creationId xmlns:a16="http://schemas.microsoft.com/office/drawing/2014/main" id="{D896A0E3-0E6C-4A36-999A-F4C3215F8259}"/>
               </a:ext>
             </a:extLst>
           </p:cNvPr>
@@ -23291,7 +23274,7 @@
           <p:cNvPr id="26" name="Rectangle 65">
             <a:extLst>
               <a:ext uri="{FF2B5EF4-FFF2-40B4-BE49-F238E27FC236}">
-                <a16:creationId xmlns="" xmlns:a16="http://schemas.microsoft.com/office/drawing/2014/main" id="{1BE34E05-DEE9-4BC0-96A4-CB51D0D75137}"/>
+                <a16:creationId xmlns:a16="http://schemas.microsoft.com/office/drawing/2014/main" id="{1BE34E05-DEE9-4BC0-96A4-CB51D0D75137}"/>
               </a:ext>
             </a:extLst>
           </p:cNvPr>
@@ -23353,7 +23336,7 @@
           <p:cNvPr id="27" name="Rectangle 65">
             <a:extLst>
               <a:ext uri="{FF2B5EF4-FFF2-40B4-BE49-F238E27FC236}">
-                <a16:creationId xmlns="" xmlns:a16="http://schemas.microsoft.com/office/drawing/2014/main" id="{CDCEE58C-30C1-47FC-AC8E-094A6E17E8FE}"/>
+                <a16:creationId xmlns:a16="http://schemas.microsoft.com/office/drawing/2014/main" id="{CDCEE58C-30C1-47FC-AC8E-094A6E17E8FE}"/>
               </a:ext>
             </a:extLst>
           </p:cNvPr>
@@ -23415,7 +23398,7 @@
           <p:cNvPr id="28" name="Rectangle 65">
             <a:extLst>
               <a:ext uri="{FF2B5EF4-FFF2-40B4-BE49-F238E27FC236}">
-                <a16:creationId xmlns="" xmlns:a16="http://schemas.microsoft.com/office/drawing/2014/main" id="{214F3349-F9B9-4FA5-B313-4303DD4B2A7B}"/>
+                <a16:creationId xmlns:a16="http://schemas.microsoft.com/office/drawing/2014/main" id="{214F3349-F9B9-4FA5-B313-4303DD4B2A7B}"/>
               </a:ext>
             </a:extLst>
           </p:cNvPr>
@@ -23477,7 +23460,7 @@
           <p:cNvPr id="29" name="Rectangle 65">
             <a:extLst>
               <a:ext uri="{FF2B5EF4-FFF2-40B4-BE49-F238E27FC236}">
-                <a16:creationId xmlns="" xmlns:a16="http://schemas.microsoft.com/office/drawing/2014/main" id="{72436A4A-07F9-46C0-8AAA-42D54B6C4ECD}"/>
+                <a16:creationId xmlns:a16="http://schemas.microsoft.com/office/drawing/2014/main" id="{72436A4A-07F9-46C0-8AAA-42D54B6C4ECD}"/>
               </a:ext>
             </a:extLst>
           </p:cNvPr>
@@ -23539,7 +23522,7 @@
           <p:cNvPr id="30" name="Rectangle 65">
             <a:extLst>
               <a:ext uri="{FF2B5EF4-FFF2-40B4-BE49-F238E27FC236}">
-                <a16:creationId xmlns="" xmlns:a16="http://schemas.microsoft.com/office/drawing/2014/main" id="{BF84A264-4CCB-467A-AF91-18BBD08CAC9F}"/>
+                <a16:creationId xmlns:a16="http://schemas.microsoft.com/office/drawing/2014/main" id="{BF84A264-4CCB-467A-AF91-18BBD08CAC9F}"/>
               </a:ext>
             </a:extLst>
           </p:cNvPr>
@@ -23601,7 +23584,7 @@
           <p:cNvPr id="40" name="Rectangle 65">
             <a:extLst>
               <a:ext uri="{FF2B5EF4-FFF2-40B4-BE49-F238E27FC236}">
-                <a16:creationId xmlns="" xmlns:a16="http://schemas.microsoft.com/office/drawing/2014/main" id="{EAEB1B0D-15B1-402C-948F-8263E99DCFED}"/>
+                <a16:creationId xmlns:a16="http://schemas.microsoft.com/office/drawing/2014/main" id="{EAEB1B0D-15B1-402C-948F-8263E99DCFED}"/>
               </a:ext>
             </a:extLst>
           </p:cNvPr>
@@ -23663,7 +23646,7 @@
           <p:cNvPr id="41" name="Rectangle 65">
             <a:extLst>
               <a:ext uri="{FF2B5EF4-FFF2-40B4-BE49-F238E27FC236}">
-                <a16:creationId xmlns="" xmlns:a16="http://schemas.microsoft.com/office/drawing/2014/main" id="{BCBFFD49-0A24-4D02-9923-B2A6870F6855}"/>
+                <a16:creationId xmlns:a16="http://schemas.microsoft.com/office/drawing/2014/main" id="{BCBFFD49-0A24-4D02-9923-B2A6870F6855}"/>
               </a:ext>
             </a:extLst>
           </p:cNvPr>
@@ -23725,7 +23708,7 @@
           <p:cNvPr id="42" name="Rectangle 65">
             <a:extLst>
               <a:ext uri="{FF2B5EF4-FFF2-40B4-BE49-F238E27FC236}">
-                <a16:creationId xmlns="" xmlns:a16="http://schemas.microsoft.com/office/drawing/2014/main" id="{96235D11-C898-45BD-AF74-73C518B8ED31}"/>
+                <a16:creationId xmlns:a16="http://schemas.microsoft.com/office/drawing/2014/main" id="{96235D11-C898-45BD-AF74-73C518B8ED31}"/>
               </a:ext>
             </a:extLst>
           </p:cNvPr>
@@ -23787,7 +23770,7 @@
           <p:cNvPr id="53" name="Nhóm 52">
             <a:extLst>
               <a:ext uri="{FF2B5EF4-FFF2-40B4-BE49-F238E27FC236}">
-                <a16:creationId xmlns="" xmlns:a16="http://schemas.microsoft.com/office/drawing/2014/main" id="{1460A974-EB71-47AB-B91E-F25B4653FFAC}"/>
+                <a16:creationId xmlns:a16="http://schemas.microsoft.com/office/drawing/2014/main" id="{1460A974-EB71-47AB-B91E-F25B4653FFAC}"/>
               </a:ext>
             </a:extLst>
           </p:cNvPr>
@@ -23807,7 +23790,7 @@
             <p:cNvPr id="54" name="Đồ họa 53" descr="Kính hiển vi">
               <a:extLst>
                 <a:ext uri="{FF2B5EF4-FFF2-40B4-BE49-F238E27FC236}">
-                  <a16:creationId xmlns="" xmlns:a16="http://schemas.microsoft.com/office/drawing/2014/main" id="{3A6C1184-CD48-43EE-9E21-68153C261D7C}"/>
+                  <a16:creationId xmlns:a16="http://schemas.microsoft.com/office/drawing/2014/main" id="{3A6C1184-CD48-43EE-9E21-68153C261D7C}"/>
                 </a:ext>
               </a:extLst>
             </p:cNvPr>
@@ -23823,7 +23806,7 @@
                   <a14:useLocalDpi xmlns:a14="http://schemas.microsoft.com/office/drawing/2010/main" val="0"/>
                 </a:ext>
                 <a:ext uri="{96DAC541-7B7A-43D3-8B79-37D633B846F1}">
-                  <asvg:svgBlip xmlns="" xmlns:asvg="http://schemas.microsoft.com/office/drawing/2016/SVG/main" r:embed="rId7"/>
+                  <asvg:svgBlip xmlns:asvg="http://schemas.microsoft.com/office/drawing/2016/SVG/main" r:embed="rId3"/>
                 </a:ext>
               </a:extLst>
             </a:blip>
@@ -23846,7 +23829,7 @@
             <p:cNvPr id="55" name="Hộp Văn bản 54">
               <a:extLst>
                 <a:ext uri="{FF2B5EF4-FFF2-40B4-BE49-F238E27FC236}">
-                  <a16:creationId xmlns="" xmlns:a16="http://schemas.microsoft.com/office/drawing/2014/main" id="{662A617B-2108-4882-97C7-A6F6D4D44B2C}"/>
+                  <a16:creationId xmlns:a16="http://schemas.microsoft.com/office/drawing/2014/main" id="{662A617B-2108-4882-97C7-A6F6D4D44B2C}"/>
                 </a:ext>
               </a:extLst>
             </p:cNvPr>
@@ -23899,27 +23882,22 @@
               </a:r>
               <a:r>
                 <a:rPr lang="en-US" sz="1600" dirty="0"/>
-                <a:t> for I2C, target </a:t>
-              </a:r>
-              <a:r>
-                <a:rPr lang="en-US" sz="1600" dirty="0" smtClean="0"/>
-                <a:t>archived</a:t>
+                <a:t> for I2C, target archived</a:t>
               </a:r>
             </a:p>
             <a:p>
               <a:r>
-                <a:rPr lang="en-US" sz="1600" dirty="0" smtClean="0"/>
+                <a:rPr lang="en-US" sz="1600" dirty="0"/>
                 <a:t>+ Evaluate </a:t>
               </a:r>
               <a:r>
-                <a:rPr lang="en-US" sz="1600" u="sng" dirty="0" smtClean="0"/>
+                <a:rPr lang="en-US" sz="1600" u="sng" dirty="0"/>
                 <a:t>sideband</a:t>
               </a:r>
               <a:r>
-                <a:rPr lang="en-US" sz="1600" dirty="0" smtClean="0"/>
+                <a:rPr lang="en-US" sz="1600" dirty="0"/>
                 <a:t> verification result</a:t>
               </a:r>
-              <a:endParaRPr lang="en-US" sz="1600" dirty="0"/>
             </a:p>
           </p:txBody>
         </p:sp>
@@ -23959,7 +23937,7 @@
           <p:cNvPr id="5" name="Đồ họa 4" descr="Đồng hồ đo">
             <a:extLst>
               <a:ext uri="{FF2B5EF4-FFF2-40B4-BE49-F238E27FC236}">
-                <a16:creationId xmlns="" xmlns:a16="http://schemas.microsoft.com/office/drawing/2014/main" id="{E9F42CF7-775F-499F-BB2F-8E514582744A}"/>
+                <a16:creationId xmlns:a16="http://schemas.microsoft.com/office/drawing/2014/main" id="{E9F42CF7-775F-499F-BB2F-8E514582744A}"/>
               </a:ext>
             </a:extLst>
           </p:cNvPr>
@@ -23975,7 +23953,7 @@
                 <a14:useLocalDpi xmlns:a14="http://schemas.microsoft.com/office/drawing/2010/main" val="0"/>
               </a:ext>
               <a:ext uri="{96DAC541-7B7A-43D3-8B79-37D633B846F1}">
-                <asvg:svgBlip xmlns="" xmlns:asvg="http://schemas.microsoft.com/office/drawing/2016/SVG/main" r:embed="rId3"/>
+                <asvg:svgBlip xmlns:asvg="http://schemas.microsoft.com/office/drawing/2016/SVG/main" r:embed="rId3"/>
               </a:ext>
             </a:extLst>
           </a:blip>
@@ -24005,7 +23983,7 @@
           <p:cNvPr id="6" name="Title 1">
             <a:extLst>
               <a:ext uri="{FF2B5EF4-FFF2-40B4-BE49-F238E27FC236}">
-                <a16:creationId xmlns="" xmlns:a16="http://schemas.microsoft.com/office/drawing/2014/main" id="{C2993987-CB6F-454E-A59E-368B5FF61A11}"/>
+                <a16:creationId xmlns:a16="http://schemas.microsoft.com/office/drawing/2014/main" id="{C2993987-CB6F-454E-A59E-368B5FF61A11}"/>
               </a:ext>
             </a:extLst>
           </p:cNvPr>
@@ -24038,7 +24016,7 @@
           <p:cNvPr id="7" name="Slide Number Placeholder 2">
             <a:extLst>
               <a:ext uri="{FF2B5EF4-FFF2-40B4-BE49-F238E27FC236}">
-                <a16:creationId xmlns="" xmlns:a16="http://schemas.microsoft.com/office/drawing/2014/main" id="{3C3C257B-E5FB-4E00-89E3-DBA7D4E00A8E}"/>
+                <a16:creationId xmlns:a16="http://schemas.microsoft.com/office/drawing/2014/main" id="{3C3C257B-E5FB-4E00-89E3-DBA7D4E00A8E}"/>
               </a:ext>
             </a:extLst>
           </p:cNvPr>
@@ -24078,7 +24056,7 @@
           <p:cNvPr id="25" name="Nhóm 24">
             <a:extLst>
               <a:ext uri="{FF2B5EF4-FFF2-40B4-BE49-F238E27FC236}">
-                <a16:creationId xmlns="" xmlns:a16="http://schemas.microsoft.com/office/drawing/2014/main" id="{BA7B8FBA-0661-4A1B-8CE3-65949B1A6F8D}"/>
+                <a16:creationId xmlns:a16="http://schemas.microsoft.com/office/drawing/2014/main" id="{BA7B8FBA-0661-4A1B-8CE3-65949B1A6F8D}"/>
               </a:ext>
             </a:extLst>
           </p:cNvPr>
@@ -24098,7 +24076,7 @@
             <p:cNvPr id="26" name="Nhóm 29">
               <a:extLst>
                 <a:ext uri="{FF2B5EF4-FFF2-40B4-BE49-F238E27FC236}">
-                  <a16:creationId xmlns="" xmlns:a16="http://schemas.microsoft.com/office/drawing/2014/main" id="{8171B00C-6CC5-4AFE-90B1-429CC72946C3}"/>
+                  <a16:creationId xmlns:a16="http://schemas.microsoft.com/office/drawing/2014/main" id="{8171B00C-6CC5-4AFE-90B1-429CC72946C3}"/>
                 </a:ext>
               </a:extLst>
             </p:cNvPr>
@@ -24118,7 +24096,7 @@
               <p:cNvPr id="32" name="Đồ họa 12" descr="Cơ sở dữ liệu">
                 <a:extLst>
                   <a:ext uri="{FF2B5EF4-FFF2-40B4-BE49-F238E27FC236}">
-                    <a16:creationId xmlns="" xmlns:a16="http://schemas.microsoft.com/office/drawing/2014/main" id="{D2708B69-A161-4901-BF90-DFE8C7053C1E}"/>
+                    <a16:creationId xmlns:a16="http://schemas.microsoft.com/office/drawing/2014/main" id="{D2708B69-A161-4901-BF90-DFE8C7053C1E}"/>
                   </a:ext>
                 </a:extLst>
               </p:cNvPr>
@@ -24134,7 +24112,7 @@
                     <a14:useLocalDpi xmlns:a14="http://schemas.microsoft.com/office/drawing/2010/main" val="0"/>
                   </a:ext>
                   <a:ext uri="{96DAC541-7B7A-43D3-8B79-37D633B846F1}">
-                    <asvg:svgBlip xmlns="" xmlns:asvg="http://schemas.microsoft.com/office/drawing/2016/SVG/main" r:embed="rId5"/>
+                    <asvg:svgBlip xmlns:asvg="http://schemas.microsoft.com/office/drawing/2016/SVG/main" r:embed="rId5"/>
                   </a:ext>
                 </a:extLst>
               </a:blip>
@@ -24157,7 +24135,7 @@
               <p:cNvPr id="33" name="Hộp Văn bản 21">
                 <a:extLst>
                   <a:ext uri="{FF2B5EF4-FFF2-40B4-BE49-F238E27FC236}">
-                    <a16:creationId xmlns="" xmlns:a16="http://schemas.microsoft.com/office/drawing/2014/main" id="{93C68615-EA32-475B-945E-8046DC354832}"/>
+                    <a16:creationId xmlns:a16="http://schemas.microsoft.com/office/drawing/2014/main" id="{93C68615-EA32-475B-945E-8046DC354832}"/>
                   </a:ext>
                 </a:extLst>
               </p:cNvPr>
@@ -24193,7 +24171,7 @@
             <p:cNvPr id="27" name="Rectangle 24">
               <a:extLst>
                 <a:ext uri="{FF2B5EF4-FFF2-40B4-BE49-F238E27FC236}">
-                  <a16:creationId xmlns="" xmlns:a16="http://schemas.microsoft.com/office/drawing/2014/main" id="{3C3B9A75-5372-448C-B512-05B37918A840}"/>
+                  <a16:creationId xmlns:a16="http://schemas.microsoft.com/office/drawing/2014/main" id="{3C3B9A75-5372-448C-B512-05B37918A840}"/>
                 </a:ext>
               </a:extLst>
             </p:cNvPr>
@@ -24245,7 +24223,7 @@
             <p:cNvPr id="28" name="Rectangle 25">
               <a:extLst>
                 <a:ext uri="{FF2B5EF4-FFF2-40B4-BE49-F238E27FC236}">
-                  <a16:creationId xmlns="" xmlns:a16="http://schemas.microsoft.com/office/drawing/2014/main" id="{B0849753-7845-4757-AA90-8C97C81D5483}"/>
+                  <a16:creationId xmlns:a16="http://schemas.microsoft.com/office/drawing/2014/main" id="{B0849753-7845-4757-AA90-8C97C81D5483}"/>
                 </a:ext>
               </a:extLst>
             </p:cNvPr>
@@ -24297,7 +24275,7 @@
             <p:cNvPr id="30" name="Rectangle 35">
               <a:extLst>
                 <a:ext uri="{FF2B5EF4-FFF2-40B4-BE49-F238E27FC236}">
-                  <a16:creationId xmlns="" xmlns:a16="http://schemas.microsoft.com/office/drawing/2014/main" id="{41FC62FA-CBCB-4527-8A7B-6BA4EB965A0B}"/>
+                  <a16:creationId xmlns:a16="http://schemas.microsoft.com/office/drawing/2014/main" id="{41FC62FA-CBCB-4527-8A7B-6BA4EB965A0B}"/>
                 </a:ext>
               </a:extLst>
             </p:cNvPr>
@@ -24353,7 +24331,7 @@
           <p:cNvPr id="43" name="Nhóm 42">
             <a:extLst>
               <a:ext uri="{FF2B5EF4-FFF2-40B4-BE49-F238E27FC236}">
-                <a16:creationId xmlns="" xmlns:a16="http://schemas.microsoft.com/office/drawing/2014/main" id="{D51606A3-94C1-4557-894D-318DB138AA53}"/>
+                <a16:creationId xmlns:a16="http://schemas.microsoft.com/office/drawing/2014/main" id="{D51606A3-94C1-4557-894D-318DB138AA53}"/>
               </a:ext>
             </a:extLst>
           </p:cNvPr>
@@ -24373,7 +24351,7 @@
             <p:cNvPr id="44" name="Nhóm 31">
               <a:extLst>
                 <a:ext uri="{FF2B5EF4-FFF2-40B4-BE49-F238E27FC236}">
-                  <a16:creationId xmlns="" xmlns:a16="http://schemas.microsoft.com/office/drawing/2014/main" id="{6FDACD5E-8B7F-4D1A-A1C8-57FAF719E520}"/>
+                  <a16:creationId xmlns:a16="http://schemas.microsoft.com/office/drawing/2014/main" id="{6FDACD5E-8B7F-4D1A-A1C8-57FAF719E520}"/>
                 </a:ext>
               </a:extLst>
             </p:cNvPr>
@@ -24393,7 +24371,7 @@
               <p:cNvPr id="50" name="Đồ họa 49" descr="Kính hiển vi">
                 <a:extLst>
                   <a:ext uri="{FF2B5EF4-FFF2-40B4-BE49-F238E27FC236}">
-                    <a16:creationId xmlns="" xmlns:a16="http://schemas.microsoft.com/office/drawing/2014/main" id="{510E52FF-ADB9-4F6B-A30F-64CD52242765}"/>
+                    <a16:creationId xmlns:a16="http://schemas.microsoft.com/office/drawing/2014/main" id="{510E52FF-ADB9-4F6B-A30F-64CD52242765}"/>
                   </a:ext>
                 </a:extLst>
               </p:cNvPr>
@@ -24409,7 +24387,7 @@
                     <a14:useLocalDpi xmlns:a14="http://schemas.microsoft.com/office/drawing/2010/main" val="0"/>
                   </a:ext>
                   <a:ext uri="{96DAC541-7B7A-43D3-8B79-37D633B846F1}">
-                    <asvg:svgBlip xmlns="" xmlns:asvg="http://schemas.microsoft.com/office/drawing/2016/SVG/main" r:embed="rId7"/>
+                    <asvg:svgBlip xmlns:asvg="http://schemas.microsoft.com/office/drawing/2016/SVG/main" r:embed="rId7"/>
                   </a:ext>
                 </a:extLst>
               </a:blip>
@@ -24432,7 +24410,7 @@
               <p:cNvPr id="51" name="Hộp Văn bản 23">
                 <a:extLst>
                   <a:ext uri="{FF2B5EF4-FFF2-40B4-BE49-F238E27FC236}">
-                    <a16:creationId xmlns="" xmlns:a16="http://schemas.microsoft.com/office/drawing/2014/main" id="{0EF2A020-BE0A-4125-8212-32321E63EA89}"/>
+                    <a16:creationId xmlns:a16="http://schemas.microsoft.com/office/drawing/2014/main" id="{0EF2A020-BE0A-4125-8212-32321E63EA89}"/>
                   </a:ext>
                 </a:extLst>
               </p:cNvPr>
@@ -24468,7 +24446,7 @@
             <p:cNvPr id="45" name="Rectangle 28">
               <a:extLst>
                 <a:ext uri="{FF2B5EF4-FFF2-40B4-BE49-F238E27FC236}">
-                  <a16:creationId xmlns="" xmlns:a16="http://schemas.microsoft.com/office/drawing/2014/main" id="{B9579B4E-E7B5-4DCF-A54D-C28336E2DBD8}"/>
+                  <a16:creationId xmlns:a16="http://schemas.microsoft.com/office/drawing/2014/main" id="{B9579B4E-E7B5-4DCF-A54D-C28336E2DBD8}"/>
                 </a:ext>
               </a:extLst>
             </p:cNvPr>
@@ -24520,7 +24498,7 @@
             <p:cNvPr id="46" name="Rectangle 29">
               <a:extLst>
                 <a:ext uri="{FF2B5EF4-FFF2-40B4-BE49-F238E27FC236}">
-                  <a16:creationId xmlns="" xmlns:a16="http://schemas.microsoft.com/office/drawing/2014/main" id="{1C483048-D10A-40AF-B337-925DFF06A458}"/>
+                  <a16:creationId xmlns:a16="http://schemas.microsoft.com/office/drawing/2014/main" id="{1C483048-D10A-40AF-B337-925DFF06A458}"/>
                 </a:ext>
               </a:extLst>
             </p:cNvPr>
@@ -24572,7 +24550,7 @@
             <p:cNvPr id="47" name="Rectangle 38">
               <a:extLst>
                 <a:ext uri="{FF2B5EF4-FFF2-40B4-BE49-F238E27FC236}">
-                  <a16:creationId xmlns="" xmlns:a16="http://schemas.microsoft.com/office/drawing/2014/main" id="{C320E512-E610-4B90-BB68-176643002C93}"/>
+                  <a16:creationId xmlns:a16="http://schemas.microsoft.com/office/drawing/2014/main" id="{C320E512-E610-4B90-BB68-176643002C93}"/>
                 </a:ext>
               </a:extLst>
             </p:cNvPr>
@@ -24627,7 +24605,7 @@
             <p:cNvPr id="48" name="Rectangle 39">
               <a:extLst>
                 <a:ext uri="{FF2B5EF4-FFF2-40B4-BE49-F238E27FC236}">
-                  <a16:creationId xmlns="" xmlns:a16="http://schemas.microsoft.com/office/drawing/2014/main" id="{BFC3E039-B5D3-4A98-A781-D5D1A84C1C2C}"/>
+                  <a16:creationId xmlns:a16="http://schemas.microsoft.com/office/drawing/2014/main" id="{BFC3E039-B5D3-4A98-A781-D5D1A84C1C2C}"/>
                 </a:ext>
               </a:extLst>
             </p:cNvPr>
@@ -24683,7 +24661,7 @@
           <p:cNvPr id="52" name="Hộp Văn bản 51">
             <a:extLst>
               <a:ext uri="{FF2B5EF4-FFF2-40B4-BE49-F238E27FC236}">
-                <a16:creationId xmlns="" xmlns:a16="http://schemas.microsoft.com/office/drawing/2014/main" id="{E3217457-0166-4B7C-9CDB-D7D3560AAE5A}"/>
+                <a16:creationId xmlns:a16="http://schemas.microsoft.com/office/drawing/2014/main" id="{E3217457-0166-4B7C-9CDB-D7D3560AAE5A}"/>
               </a:ext>
             </a:extLst>
           </p:cNvPr>
@@ -24736,7 +24714,7 @@
           <p:cNvPr id="53" name="Rectangle 57">
             <a:extLst>
               <a:ext uri="{FF2B5EF4-FFF2-40B4-BE49-F238E27FC236}">
-                <a16:creationId xmlns="" xmlns:a16="http://schemas.microsoft.com/office/drawing/2014/main" id="{CC8E8A63-218E-4DD1-89ED-D35DA8513F2B}"/>
+                <a16:creationId xmlns:a16="http://schemas.microsoft.com/office/drawing/2014/main" id="{CC8E8A63-218E-4DD1-89ED-D35DA8513F2B}"/>
               </a:ext>
             </a:extLst>
           </p:cNvPr>
@@ -24788,7 +24766,7 @@
           <p:cNvPr id="54" name="Rectangle 58">
             <a:extLst>
               <a:ext uri="{FF2B5EF4-FFF2-40B4-BE49-F238E27FC236}">
-                <a16:creationId xmlns="" xmlns:a16="http://schemas.microsoft.com/office/drawing/2014/main" id="{D13B068E-FE46-4766-8DBE-31085B6B32DC}"/>
+                <a16:creationId xmlns:a16="http://schemas.microsoft.com/office/drawing/2014/main" id="{D13B068E-FE46-4766-8DBE-31085B6B32DC}"/>
               </a:ext>
             </a:extLst>
           </p:cNvPr>
@@ -24840,7 +24818,7 @@
           <p:cNvPr id="55" name="TextBox 59">
             <a:extLst>
               <a:ext uri="{FF2B5EF4-FFF2-40B4-BE49-F238E27FC236}">
-                <a16:creationId xmlns="" xmlns:a16="http://schemas.microsoft.com/office/drawing/2014/main" id="{8CA18E74-049A-4EF8-8783-CEE86417ACD4}"/>
+                <a16:creationId xmlns:a16="http://schemas.microsoft.com/office/drawing/2014/main" id="{8CA18E74-049A-4EF8-8783-CEE86417ACD4}"/>
               </a:ext>
             </a:extLst>
           </p:cNvPr>
@@ -24905,7 +24883,7 @@
           <p:cNvPr id="66" name="Rectangle 35">
             <a:extLst>
               <a:ext uri="{FF2B5EF4-FFF2-40B4-BE49-F238E27FC236}">
-                <a16:creationId xmlns="" xmlns:a16="http://schemas.microsoft.com/office/drawing/2014/main" id="{1A55D6DC-B246-4664-B725-EC47BB301345}"/>
+                <a16:creationId xmlns:a16="http://schemas.microsoft.com/office/drawing/2014/main" id="{1A55D6DC-B246-4664-B725-EC47BB301345}"/>
               </a:ext>
             </a:extLst>
           </p:cNvPr>
@@ -25041,7 +25019,7 @@
           <p:cNvPr id="12" name="Nhóm 11">
             <a:extLst>
               <a:ext uri="{FF2B5EF4-FFF2-40B4-BE49-F238E27FC236}">
-                <a16:creationId xmlns="" xmlns:a16="http://schemas.microsoft.com/office/drawing/2014/main" id="{E9824CE2-871E-49FD-8B66-EC2EABC88AD6}"/>
+                <a16:creationId xmlns:a16="http://schemas.microsoft.com/office/drawing/2014/main" id="{E9824CE2-871E-49FD-8B66-EC2EABC88AD6}"/>
               </a:ext>
             </a:extLst>
           </p:cNvPr>
@@ -25061,7 +25039,7 @@
             <p:cNvPr id="13" name="Đồ họa 12" descr="Cơ sở dữ liệu">
               <a:extLst>
                 <a:ext uri="{FF2B5EF4-FFF2-40B4-BE49-F238E27FC236}">
-                  <a16:creationId xmlns="" xmlns:a16="http://schemas.microsoft.com/office/drawing/2014/main" id="{ABA56C2A-B7DB-4C66-AF59-C25EDA3F0BA1}"/>
+                  <a16:creationId xmlns:a16="http://schemas.microsoft.com/office/drawing/2014/main" id="{ABA56C2A-B7DB-4C66-AF59-C25EDA3F0BA1}"/>
                 </a:ext>
               </a:extLst>
             </p:cNvPr>
@@ -25077,7 +25055,7 @@
                   <a14:useLocalDpi xmlns:a14="http://schemas.microsoft.com/office/drawing/2010/main" val="0"/>
                 </a:ext>
                 <a:ext uri="{96DAC541-7B7A-43D3-8B79-37D633B846F1}">
-                  <asvg:svgBlip xmlns="" xmlns:asvg="http://schemas.microsoft.com/office/drawing/2016/SVG/main" r:embed="rId3"/>
+                  <asvg:svgBlip xmlns:asvg="http://schemas.microsoft.com/office/drawing/2016/SVG/main" r:embed="rId3"/>
                 </a:ext>
               </a:extLst>
             </a:blip>
@@ -25100,7 +25078,7 @@
             <p:cNvPr id="14" name="Hộp Văn bản 13">
               <a:extLst>
                 <a:ext uri="{FF2B5EF4-FFF2-40B4-BE49-F238E27FC236}">
-                  <a16:creationId xmlns="" xmlns:a16="http://schemas.microsoft.com/office/drawing/2014/main" id="{F9C4A32F-A02E-4F23-9B87-EDF40562F1D1}"/>
+                  <a16:creationId xmlns:a16="http://schemas.microsoft.com/office/drawing/2014/main" id="{F9C4A32F-A02E-4F23-9B87-EDF40562F1D1}"/>
                 </a:ext>
               </a:extLst>
             </p:cNvPr>
@@ -25217,7 +25195,7 @@
             <p:cNvPr id="21" name="Đồ họa 16" descr="Kính hiển vi">
               <a:extLst>
                 <a:ext uri="{FF2B5EF4-FFF2-40B4-BE49-F238E27FC236}">
-                  <a16:creationId xmlns="" xmlns:a16="http://schemas.microsoft.com/office/drawing/2014/main" id="{E43F761C-1B61-4311-9BB3-B7173F547F55}"/>
+                  <a16:creationId xmlns:a16="http://schemas.microsoft.com/office/drawing/2014/main" id="{E43F761C-1B61-4311-9BB3-B7173F547F55}"/>
                 </a:ext>
               </a:extLst>
             </p:cNvPr>
@@ -25233,7 +25211,7 @@
                   <a14:useLocalDpi xmlns:a14="http://schemas.microsoft.com/office/drawing/2010/main" val="0"/>
                 </a:ext>
                 <a:ext uri="{96DAC541-7B7A-43D3-8B79-37D633B846F1}">
-                  <asvg:svgBlip xmlns="" xmlns:asvg="http://schemas.microsoft.com/office/drawing/2016/SVG/main" r:embed="rId5"/>
+                  <asvg:svgBlip xmlns:asvg="http://schemas.microsoft.com/office/drawing/2016/SVG/main" r:embed="rId5"/>
                 </a:ext>
               </a:extLst>
             </a:blip>
@@ -25256,7 +25234,7 @@
             <p:cNvPr id="17" name="Hộp Văn bản 16">
               <a:extLst>
                 <a:ext uri="{FF2B5EF4-FFF2-40B4-BE49-F238E27FC236}">
-                  <a16:creationId xmlns="" xmlns:a16="http://schemas.microsoft.com/office/drawing/2014/main" id="{11D433E5-6663-4CD0-8F30-FE649F167225}"/>
+                  <a16:creationId xmlns:a16="http://schemas.microsoft.com/office/drawing/2014/main" id="{11D433E5-6663-4CD0-8F30-FE649F167225}"/>
                 </a:ext>
               </a:extLst>
             </p:cNvPr>
@@ -25432,7 +25410,7 @@
           <p:cNvPr id="7" name="Rectangle 65">
             <a:extLst>
               <a:ext uri="{FF2B5EF4-FFF2-40B4-BE49-F238E27FC236}">
-                <a16:creationId xmlns="" xmlns:a16="http://schemas.microsoft.com/office/drawing/2014/main" id="{86BCF2D7-265B-428E-8E7B-B4770CD5F2D6}"/>
+                <a16:creationId xmlns:a16="http://schemas.microsoft.com/office/drawing/2014/main" id="{86BCF2D7-265B-428E-8E7B-B4770CD5F2D6}"/>
               </a:ext>
             </a:extLst>
           </p:cNvPr>
@@ -25494,7 +25472,7 @@
           <p:cNvPr id="8" name="Rectangle 65">
             <a:extLst>
               <a:ext uri="{FF2B5EF4-FFF2-40B4-BE49-F238E27FC236}">
-                <a16:creationId xmlns="" xmlns:a16="http://schemas.microsoft.com/office/drawing/2014/main" id="{6E428CCA-6A2D-45E1-91D8-D9DF13D3FA8C}"/>
+                <a16:creationId xmlns:a16="http://schemas.microsoft.com/office/drawing/2014/main" id="{6E428CCA-6A2D-45E1-91D8-D9DF13D3FA8C}"/>
               </a:ext>
             </a:extLst>
           </p:cNvPr>
@@ -25556,7 +25534,7 @@
           <p:cNvPr id="9" name="Rectangle 65">
             <a:extLst>
               <a:ext uri="{FF2B5EF4-FFF2-40B4-BE49-F238E27FC236}">
-                <a16:creationId xmlns="" xmlns:a16="http://schemas.microsoft.com/office/drawing/2014/main" id="{4697D502-C568-44DC-93A0-8BD1149D2CBA}"/>
+                <a16:creationId xmlns:a16="http://schemas.microsoft.com/office/drawing/2014/main" id="{4697D502-C568-44DC-93A0-8BD1149D2CBA}"/>
               </a:ext>
             </a:extLst>
           </p:cNvPr>
@@ -25618,7 +25596,7 @@
           <p:cNvPr id="10" name="Rectangle 65">
             <a:extLst>
               <a:ext uri="{FF2B5EF4-FFF2-40B4-BE49-F238E27FC236}">
-                <a16:creationId xmlns="" xmlns:a16="http://schemas.microsoft.com/office/drawing/2014/main" id="{80551A04-DB34-4F7B-834F-E434D2132175}"/>
+                <a16:creationId xmlns:a16="http://schemas.microsoft.com/office/drawing/2014/main" id="{80551A04-DB34-4F7B-834F-E434D2132175}"/>
               </a:ext>
             </a:extLst>
           </p:cNvPr>
@@ -25680,7 +25658,7 @@
           <p:cNvPr id="18" name="Rectangle 65">
             <a:extLst>
               <a:ext uri="{FF2B5EF4-FFF2-40B4-BE49-F238E27FC236}">
-                <a16:creationId xmlns="" xmlns:a16="http://schemas.microsoft.com/office/drawing/2014/main" id="{EDF18BEF-CF4F-4625-AE11-F97B80F403D4}"/>
+                <a16:creationId xmlns:a16="http://schemas.microsoft.com/office/drawing/2014/main" id="{EDF18BEF-CF4F-4625-AE11-F97B80F403D4}"/>
               </a:ext>
             </a:extLst>
           </p:cNvPr>
@@ -25742,7 +25720,7 @@
           <p:cNvPr id="19" name="Rectangle 65">
             <a:extLst>
               <a:ext uri="{FF2B5EF4-FFF2-40B4-BE49-F238E27FC236}">
-                <a16:creationId xmlns="" xmlns:a16="http://schemas.microsoft.com/office/drawing/2014/main" id="{BB6B9935-B1E7-45AE-BD36-7B98334067F1}"/>
+                <a16:creationId xmlns:a16="http://schemas.microsoft.com/office/drawing/2014/main" id="{BB6B9935-B1E7-45AE-BD36-7B98334067F1}"/>
               </a:ext>
             </a:extLst>
           </p:cNvPr>
@@ -25804,7 +25782,7 @@
           <p:cNvPr id="20" name="Rectangle 65">
             <a:extLst>
               <a:ext uri="{FF2B5EF4-FFF2-40B4-BE49-F238E27FC236}">
-                <a16:creationId xmlns="" xmlns:a16="http://schemas.microsoft.com/office/drawing/2014/main" id="{204EADB6-04DC-4F95-A8B4-7B0BBCB01FDB}"/>
+                <a16:creationId xmlns:a16="http://schemas.microsoft.com/office/drawing/2014/main" id="{204EADB6-04DC-4F95-A8B4-7B0BBCB01FDB}"/>
               </a:ext>
             </a:extLst>
           </p:cNvPr>
@@ -25866,7 +25844,7 @@
           <p:cNvPr id="23" name="Rectangle 65">
             <a:extLst>
               <a:ext uri="{FF2B5EF4-FFF2-40B4-BE49-F238E27FC236}">
-                <a16:creationId xmlns="" xmlns:a16="http://schemas.microsoft.com/office/drawing/2014/main" id="{95E64215-285F-4B1C-B1E5-CD951EEB9F50}"/>
+                <a16:creationId xmlns:a16="http://schemas.microsoft.com/office/drawing/2014/main" id="{95E64215-285F-4B1C-B1E5-CD951EEB9F50}"/>
               </a:ext>
             </a:extLst>
           </p:cNvPr>
@@ -25958,7 +25936,7 @@
           <p:cNvPr id="2" name="Tiêu đề 1">
             <a:extLst>
               <a:ext uri="{FF2B5EF4-FFF2-40B4-BE49-F238E27FC236}">
-                <a16:creationId xmlns="" xmlns:a16="http://schemas.microsoft.com/office/drawing/2014/main" id="{A0F182BA-CF59-4626-B3C8-EAD431F8CBBD}"/>
+                <a16:creationId xmlns:a16="http://schemas.microsoft.com/office/drawing/2014/main" id="{A0F182BA-CF59-4626-B3C8-EAD431F8CBBD}"/>
               </a:ext>
             </a:extLst>
           </p:cNvPr>
@@ -25994,7 +25972,7 @@
           <p:cNvPr id="3" name="Chỗ dành sẵn cho Số hiệu Bản chiếu 2">
             <a:extLst>
               <a:ext uri="{FF2B5EF4-FFF2-40B4-BE49-F238E27FC236}">
-                <a16:creationId xmlns="" xmlns:a16="http://schemas.microsoft.com/office/drawing/2014/main" id="{39FFEB49-67CF-457D-841C-15A465F85961}"/>
+                <a16:creationId xmlns:a16="http://schemas.microsoft.com/office/drawing/2014/main" id="{39FFEB49-67CF-457D-841C-15A465F85961}"/>
               </a:ext>
             </a:extLst>
           </p:cNvPr>
@@ -26029,7 +26007,7 @@
           <p:cNvPr id="12" name="Rectangle 64">
             <a:extLst>
               <a:ext uri="{FF2B5EF4-FFF2-40B4-BE49-F238E27FC236}">
-                <a16:creationId xmlns="" xmlns:a16="http://schemas.microsoft.com/office/drawing/2014/main" id="{220FBE3A-B4B4-4F06-BBC8-32B9B590D1D9}"/>
+                <a16:creationId xmlns:a16="http://schemas.microsoft.com/office/drawing/2014/main" id="{220FBE3A-B4B4-4F06-BBC8-32B9B590D1D9}"/>
               </a:ext>
             </a:extLst>
           </p:cNvPr>
@@ -26091,7 +26069,7 @@
           <p:cNvPr id="13" name="Rectangle 65">
             <a:extLst>
               <a:ext uri="{FF2B5EF4-FFF2-40B4-BE49-F238E27FC236}">
-                <a16:creationId xmlns="" xmlns:a16="http://schemas.microsoft.com/office/drawing/2014/main" id="{2CF094B4-9D80-4AB2-8AA3-9689095A880B}"/>
+                <a16:creationId xmlns:a16="http://schemas.microsoft.com/office/drawing/2014/main" id="{2CF094B4-9D80-4AB2-8AA3-9689095A880B}"/>
               </a:ext>
             </a:extLst>
           </p:cNvPr>
@@ -26153,7 +26131,7 @@
           <p:cNvPr id="15" name="Rectangle 65">
             <a:extLst>
               <a:ext uri="{FF2B5EF4-FFF2-40B4-BE49-F238E27FC236}">
-                <a16:creationId xmlns="" xmlns:a16="http://schemas.microsoft.com/office/drawing/2014/main" id="{C496B93B-814D-407F-95E4-0F53B20A22F3}"/>
+                <a16:creationId xmlns:a16="http://schemas.microsoft.com/office/drawing/2014/main" id="{C496B93B-814D-407F-95E4-0F53B20A22F3}"/>
               </a:ext>
             </a:extLst>
           </p:cNvPr>
@@ -26215,7 +26193,7 @@
           <p:cNvPr id="7" name="Nhóm 6">
             <a:extLst>
               <a:ext uri="{FF2B5EF4-FFF2-40B4-BE49-F238E27FC236}">
-                <a16:creationId xmlns="" xmlns:a16="http://schemas.microsoft.com/office/drawing/2014/main" id="{C8A9785A-4480-43C0-B479-6622A6F3D3EA}"/>
+                <a16:creationId xmlns:a16="http://schemas.microsoft.com/office/drawing/2014/main" id="{C8A9785A-4480-43C0-B479-6622A6F3D3EA}"/>
               </a:ext>
             </a:extLst>
           </p:cNvPr>
@@ -26235,7 +26213,7 @@
             <p:cNvPr id="8" name="Đồ họa 7" descr="Danh sách">
               <a:extLst>
                 <a:ext uri="{FF2B5EF4-FFF2-40B4-BE49-F238E27FC236}">
-                  <a16:creationId xmlns="" xmlns:a16="http://schemas.microsoft.com/office/drawing/2014/main" id="{C69E9DCC-B9E1-4A50-A442-24634550EECE}"/>
+                  <a16:creationId xmlns:a16="http://schemas.microsoft.com/office/drawing/2014/main" id="{C69E9DCC-B9E1-4A50-A442-24634550EECE}"/>
                 </a:ext>
               </a:extLst>
             </p:cNvPr>
@@ -26251,7 +26229,7 @@
                   <a14:useLocalDpi xmlns:a14="http://schemas.microsoft.com/office/drawing/2010/main" val="0"/>
                 </a:ext>
                 <a:ext uri="{96DAC541-7B7A-43D3-8B79-37D633B846F1}">
-                  <asvg:svgBlip xmlns="" xmlns:asvg="http://schemas.microsoft.com/office/drawing/2016/SVG/main" r:embed="rId3"/>
+                  <asvg:svgBlip xmlns:asvg="http://schemas.microsoft.com/office/drawing/2016/SVG/main" r:embed="rId3"/>
                 </a:ext>
               </a:extLst>
             </a:blip>
@@ -26274,7 +26252,7 @@
             <p:cNvPr id="9" name="Hình chữ nhật 8">
               <a:extLst>
                 <a:ext uri="{FF2B5EF4-FFF2-40B4-BE49-F238E27FC236}">
-                  <a16:creationId xmlns="" xmlns:a16="http://schemas.microsoft.com/office/drawing/2014/main" id="{CAE0C8FC-5A57-4DB6-8480-4B3EA05E18C0}"/>
+                  <a16:creationId xmlns:a16="http://schemas.microsoft.com/office/drawing/2014/main" id="{CAE0C8FC-5A57-4DB6-8480-4B3EA05E18C0}"/>
                 </a:ext>
               </a:extLst>
             </p:cNvPr>
@@ -26396,7 +26374,7 @@
           <p:cNvPr id="22" name="Nhóm 21">
             <a:extLst>
               <a:ext uri="{FF2B5EF4-FFF2-40B4-BE49-F238E27FC236}">
-                <a16:creationId xmlns="" xmlns:a16="http://schemas.microsoft.com/office/drawing/2014/main" id="{F535CB84-DC4C-4FA1-A0F5-48B90CB669B3}"/>
+                <a16:creationId xmlns:a16="http://schemas.microsoft.com/office/drawing/2014/main" id="{F535CB84-DC4C-4FA1-A0F5-48B90CB669B3}"/>
               </a:ext>
             </a:extLst>
           </p:cNvPr>
@@ -26416,7 +26394,7 @@
             <p:cNvPr id="23" name="Đồ họa 22" descr="Biểu đồ hình tròn">
               <a:extLst>
                 <a:ext uri="{FF2B5EF4-FFF2-40B4-BE49-F238E27FC236}">
-                  <a16:creationId xmlns="" xmlns:a16="http://schemas.microsoft.com/office/drawing/2014/main" id="{C0361789-D1B4-47B7-A67D-6F919F70C3F3}"/>
+                  <a16:creationId xmlns:a16="http://schemas.microsoft.com/office/drawing/2014/main" id="{C0361789-D1B4-47B7-A67D-6F919F70C3F3}"/>
                 </a:ext>
               </a:extLst>
             </p:cNvPr>
@@ -26432,7 +26410,7 @@
                   <a14:useLocalDpi xmlns:a14="http://schemas.microsoft.com/office/drawing/2010/main" val="0"/>
                 </a:ext>
                 <a:ext uri="{96DAC541-7B7A-43D3-8B79-37D633B846F1}">
-                  <asvg:svgBlip xmlns="" xmlns:asvg="http://schemas.microsoft.com/office/drawing/2016/SVG/main" r:embed="rId5"/>
+                  <asvg:svgBlip xmlns:asvg="http://schemas.microsoft.com/office/drawing/2016/SVG/main" r:embed="rId5"/>
                 </a:ext>
               </a:extLst>
             </a:blip>
@@ -26455,7 +26433,7 @@
             <p:cNvPr id="24" name="Hình chữ nhật 23">
               <a:extLst>
                 <a:ext uri="{FF2B5EF4-FFF2-40B4-BE49-F238E27FC236}">
-                  <a16:creationId xmlns="" xmlns:a16="http://schemas.microsoft.com/office/drawing/2014/main" id="{9285F7A5-C648-4723-A5B7-D6EE4D790E4A}"/>
+                  <a16:creationId xmlns:a16="http://schemas.microsoft.com/office/drawing/2014/main" id="{9285F7A5-C648-4723-A5B7-D6EE4D790E4A}"/>
                 </a:ext>
               </a:extLst>
             </p:cNvPr>
@@ -26512,7 +26490,7 @@
           <p:cNvPr id="34" name="Nhóm 33">
             <a:extLst>
               <a:ext uri="{FF2B5EF4-FFF2-40B4-BE49-F238E27FC236}">
-                <a16:creationId xmlns="" xmlns:a16="http://schemas.microsoft.com/office/drawing/2014/main" id="{58C90B79-F430-4825-9813-79A101951EF0}"/>
+                <a16:creationId xmlns:a16="http://schemas.microsoft.com/office/drawing/2014/main" id="{58C90B79-F430-4825-9813-79A101951EF0}"/>
               </a:ext>
             </a:extLst>
           </p:cNvPr>
@@ -26532,7 +26510,7 @@
             <p:cNvPr id="35" name="Đồ họa 34" descr="Trò chơi đố">
               <a:extLst>
                 <a:ext uri="{FF2B5EF4-FFF2-40B4-BE49-F238E27FC236}">
-                  <a16:creationId xmlns="" xmlns:a16="http://schemas.microsoft.com/office/drawing/2014/main" id="{1DB87EE1-5CB8-444F-9535-3ACF9F5DA84E}"/>
+                  <a16:creationId xmlns:a16="http://schemas.microsoft.com/office/drawing/2014/main" id="{1DB87EE1-5CB8-444F-9535-3ACF9F5DA84E}"/>
                 </a:ext>
               </a:extLst>
             </p:cNvPr>
@@ -26548,7 +26526,7 @@
                   <a14:useLocalDpi xmlns:a14="http://schemas.microsoft.com/office/drawing/2010/main" val="0"/>
                 </a:ext>
                 <a:ext uri="{96DAC541-7B7A-43D3-8B79-37D633B846F1}">
-                  <asvg:svgBlip xmlns="" xmlns:asvg="http://schemas.microsoft.com/office/drawing/2016/SVG/main" r:embed="rId7"/>
+                  <asvg:svgBlip xmlns:asvg="http://schemas.microsoft.com/office/drawing/2016/SVG/main" r:embed="rId7"/>
                 </a:ext>
               </a:extLst>
             </a:blip>
@@ -26571,7 +26549,7 @@
             <p:cNvPr id="36" name="Hình chữ nhật 35">
               <a:extLst>
                 <a:ext uri="{FF2B5EF4-FFF2-40B4-BE49-F238E27FC236}">
-                  <a16:creationId xmlns="" xmlns:a16="http://schemas.microsoft.com/office/drawing/2014/main" id="{7BDD3D97-91A9-49EE-B87B-7240FF07DCFC}"/>
+                  <a16:creationId xmlns:a16="http://schemas.microsoft.com/office/drawing/2014/main" id="{7BDD3D97-91A9-49EE-B87B-7240FF07DCFC}"/>
                 </a:ext>
               </a:extLst>
             </p:cNvPr>
@@ -26631,6 +26609,115 @@
           </p:txBody>
         </p:sp>
       </p:grpSp>
+      <p:pic>
+        <p:nvPicPr>
+          <p:cNvPr id="5" name="Đồ họa 4" descr="Tên lửa">
+            <a:extLst>
+              <a:ext uri="{FF2B5EF4-FFF2-40B4-BE49-F238E27FC236}">
+                <a16:creationId xmlns:a16="http://schemas.microsoft.com/office/drawing/2014/main" id="{E3DC6F67-7310-4A9C-A2ED-702D0B97AB89}"/>
+              </a:ext>
+            </a:extLst>
+          </p:cNvPr>
+          <p:cNvPicPr>
+            <a:picLocks noChangeAspect="1"/>
+          </p:cNvPicPr>
+          <p:nvPr/>
+        </p:nvPicPr>
+        <p:blipFill>
+          <a:blip r:embed="rId8">
+            <a:extLst>
+              <a:ext uri="{28A0092B-C50C-407E-A947-70E740481C1C}">
+                <a14:useLocalDpi xmlns:a14="http://schemas.microsoft.com/office/drawing/2010/main" val="0"/>
+              </a:ext>
+              <a:ext uri="{96DAC541-7B7A-43D3-8B79-37D633B846F1}">
+                <asvg:svgBlip xmlns:asvg="http://schemas.microsoft.com/office/drawing/2016/SVG/main" r:embed="rId9"/>
+              </a:ext>
+            </a:extLst>
+          </a:blip>
+          <a:stretch>
+            <a:fillRect/>
+          </a:stretch>
+        </p:blipFill>
+        <p:spPr>
+          <a:xfrm>
+            <a:off x="9532888" y="4768811"/>
+            <a:ext cx="914400" cy="914400"/>
+          </a:xfrm>
+          <a:prstGeom prst="rect">
+            <a:avLst/>
+          </a:prstGeom>
+        </p:spPr>
+      </p:pic>
+      <p:sp>
+        <p:nvSpPr>
+          <p:cNvPr id="6" name="Hộp Văn bản 5">
+            <a:extLst>
+              <a:ext uri="{FF2B5EF4-FFF2-40B4-BE49-F238E27FC236}">
+                <a16:creationId xmlns:a16="http://schemas.microsoft.com/office/drawing/2014/main" id="{8900C78E-EE2C-485D-9516-331504667147}"/>
+              </a:ext>
+            </a:extLst>
+          </p:cNvPr>
+          <p:cNvSpPr txBox="1"/>
+          <p:nvPr/>
+        </p:nvSpPr>
+        <p:spPr>
+          <a:xfrm>
+            <a:off x="10364366" y="4365883"/>
+            <a:ext cx="684803" cy="523220"/>
+          </a:xfrm>
+          <a:prstGeom prst="rect">
+            <a:avLst/>
+          </a:prstGeom>
+          <a:noFill/>
+        </p:spPr>
+        <p:txBody>
+          <a:bodyPr wrap="none" rtlCol="0">
+            <a:spAutoFit/>
+          </a:bodyPr>
+          <a:lstStyle/>
+          <a:p>
+            <a:r>
+              <a:rPr lang="en-US" sz="2800" b="1" dirty="0"/>
+              <a:t>2.5</a:t>
+            </a:r>
+          </a:p>
+        </p:txBody>
+      </p:sp>
+      <p:sp>
+        <p:nvSpPr>
+          <p:cNvPr id="19" name="Hộp Văn bản 18">
+            <a:extLst>
+              <a:ext uri="{FF2B5EF4-FFF2-40B4-BE49-F238E27FC236}">
+                <a16:creationId xmlns:a16="http://schemas.microsoft.com/office/drawing/2014/main" id="{8A69F3EA-8E65-4F07-A107-FD5F17C7EF74}"/>
+              </a:ext>
+            </a:extLst>
+          </p:cNvPr>
+          <p:cNvSpPr txBox="1"/>
+          <p:nvPr/>
+        </p:nvSpPr>
+        <p:spPr>
+          <a:xfrm>
+            <a:off x="9065230" y="5445474"/>
+            <a:ext cx="684803" cy="523220"/>
+          </a:xfrm>
+          <a:prstGeom prst="rect">
+            <a:avLst/>
+          </a:prstGeom>
+          <a:noFill/>
+        </p:spPr>
+        <p:txBody>
+          <a:bodyPr wrap="none" rtlCol="0">
+            <a:spAutoFit/>
+          </a:bodyPr>
+          <a:lstStyle/>
+          <a:p>
+            <a:r>
+              <a:rPr lang="en-US" sz="2800" b="1" dirty="0"/>
+              <a:t>1.8</a:t>
+            </a:r>
+          </a:p>
+        </p:txBody>
+      </p:sp>
     </p:spTree>
     <p:extLst>
       <p:ext uri="{BB962C8B-B14F-4D97-AF65-F5344CB8AC3E}">
@@ -26666,7 +26753,7 @@
           <p:cNvPr id="2" name="Tiêu đề 1">
             <a:extLst>
               <a:ext uri="{FF2B5EF4-FFF2-40B4-BE49-F238E27FC236}">
-                <a16:creationId xmlns="" xmlns:a16="http://schemas.microsoft.com/office/drawing/2014/main" id="{A0F182BA-CF59-4626-B3C8-EAD431F8CBBD}"/>
+                <a16:creationId xmlns:a16="http://schemas.microsoft.com/office/drawing/2014/main" id="{A0F182BA-CF59-4626-B3C8-EAD431F8CBBD}"/>
               </a:ext>
             </a:extLst>
           </p:cNvPr>
@@ -26702,7 +26789,7 @@
           <p:cNvPr id="3" name="Chỗ dành sẵn cho Số hiệu Bản chiếu 2">
             <a:extLst>
               <a:ext uri="{FF2B5EF4-FFF2-40B4-BE49-F238E27FC236}">
-                <a16:creationId xmlns="" xmlns:a16="http://schemas.microsoft.com/office/drawing/2014/main" id="{39FFEB49-67CF-457D-841C-15A465F85961}"/>
+                <a16:creationId xmlns:a16="http://schemas.microsoft.com/office/drawing/2014/main" id="{39FFEB49-67CF-457D-841C-15A465F85961}"/>
               </a:ext>
             </a:extLst>
           </p:cNvPr>
@@ -26737,7 +26824,7 @@
           <p:cNvPr id="9" name="Nhóm 8">
             <a:extLst>
               <a:ext uri="{FF2B5EF4-FFF2-40B4-BE49-F238E27FC236}">
-                <a16:creationId xmlns="" xmlns:a16="http://schemas.microsoft.com/office/drawing/2014/main" id="{9F442CF3-8128-4957-9992-1ED5078BEB10}"/>
+                <a16:creationId xmlns:a16="http://schemas.microsoft.com/office/drawing/2014/main" id="{9F442CF3-8128-4957-9992-1ED5078BEB10}"/>
               </a:ext>
             </a:extLst>
           </p:cNvPr>
@@ -26757,7 +26844,7 @@
             <p:cNvPr id="10" name="Hình chữ nhật 9">
               <a:extLst>
                 <a:ext uri="{FF2B5EF4-FFF2-40B4-BE49-F238E27FC236}">
-                  <a16:creationId xmlns="" xmlns:a16="http://schemas.microsoft.com/office/drawing/2014/main" id="{021F2F26-FEA1-4940-A225-6A2D3A978E6A}"/>
+                  <a16:creationId xmlns:a16="http://schemas.microsoft.com/office/drawing/2014/main" id="{021F2F26-FEA1-4940-A225-6A2D3A978E6A}"/>
                 </a:ext>
               </a:extLst>
             </p:cNvPr>
@@ -26839,7 +26926,7 @@
             <p:cNvPr id="11" name="Đồ họa 10" descr="Kính hiển vi">
               <a:extLst>
                 <a:ext uri="{FF2B5EF4-FFF2-40B4-BE49-F238E27FC236}">
-                  <a16:creationId xmlns="" xmlns:a16="http://schemas.microsoft.com/office/drawing/2014/main" id="{59D75368-E0C3-45DB-BD88-6DB97476C208}"/>
+                  <a16:creationId xmlns:a16="http://schemas.microsoft.com/office/drawing/2014/main" id="{59D75368-E0C3-45DB-BD88-6DB97476C208}"/>
                 </a:ext>
               </a:extLst>
             </p:cNvPr>
@@ -26855,7 +26942,7 @@
                   <a14:useLocalDpi xmlns:a14="http://schemas.microsoft.com/office/drawing/2010/main" val="0"/>
                 </a:ext>
                 <a:ext uri="{96DAC541-7B7A-43D3-8B79-37D633B846F1}">
-                  <asvg:svgBlip xmlns="" xmlns:asvg="http://schemas.microsoft.com/office/drawing/2016/SVG/main" r:embed="rId3"/>
+                  <asvg:svgBlip xmlns:asvg="http://schemas.microsoft.com/office/drawing/2016/SVG/main" r:embed="rId3"/>
                 </a:ext>
               </a:extLst>
             </a:blip>
@@ -26879,7 +26966,7 @@
           <p:cNvPr id="16" name="Nhóm 15">
             <a:extLst>
               <a:ext uri="{FF2B5EF4-FFF2-40B4-BE49-F238E27FC236}">
-                <a16:creationId xmlns="" xmlns:a16="http://schemas.microsoft.com/office/drawing/2014/main" id="{F4529AD2-18B5-4D36-8016-6FEAD63E33A7}"/>
+                <a16:creationId xmlns:a16="http://schemas.microsoft.com/office/drawing/2014/main" id="{F4529AD2-18B5-4D36-8016-6FEAD63E33A7}"/>
               </a:ext>
             </a:extLst>
           </p:cNvPr>
@@ -26899,7 +26986,7 @@
             <p:cNvPr id="17" name="Hình chữ nhật 16">
               <a:extLst>
                 <a:ext uri="{FF2B5EF4-FFF2-40B4-BE49-F238E27FC236}">
-                  <a16:creationId xmlns="" xmlns:a16="http://schemas.microsoft.com/office/drawing/2014/main" id="{D20F6019-36EF-4EE9-9184-A312B4C358FE}"/>
+                  <a16:creationId xmlns:a16="http://schemas.microsoft.com/office/drawing/2014/main" id="{D20F6019-36EF-4EE9-9184-A312B4C358FE}"/>
                 </a:ext>
               </a:extLst>
             </p:cNvPr>
@@ -26989,7 +27076,7 @@
             <p:cNvPr id="18" name="Đồ họa 17" descr="Đồng hồ bấm giờ">
               <a:extLst>
                 <a:ext uri="{FF2B5EF4-FFF2-40B4-BE49-F238E27FC236}">
-                  <a16:creationId xmlns="" xmlns:a16="http://schemas.microsoft.com/office/drawing/2014/main" id="{FA5CEA4E-FE04-42B7-A00B-F8F4EA4B8EF7}"/>
+                  <a16:creationId xmlns:a16="http://schemas.microsoft.com/office/drawing/2014/main" id="{FA5CEA4E-FE04-42B7-A00B-F8F4EA4B8EF7}"/>
                 </a:ext>
               </a:extLst>
             </p:cNvPr>
@@ -27005,7 +27092,7 @@
                   <a14:useLocalDpi xmlns:a14="http://schemas.microsoft.com/office/drawing/2010/main" val="0"/>
                 </a:ext>
                 <a:ext uri="{96DAC541-7B7A-43D3-8B79-37D633B846F1}">
-                  <asvg:svgBlip xmlns="" xmlns:asvg="http://schemas.microsoft.com/office/drawing/2016/SVG/main" r:embed="rId5"/>
+                  <asvg:svgBlip xmlns:asvg="http://schemas.microsoft.com/office/drawing/2016/SVG/main" r:embed="rId5"/>
                 </a:ext>
               </a:extLst>
             </a:blip>
@@ -27029,7 +27116,7 @@
           <p:cNvPr id="23" name="Rectangle 64">
             <a:extLst>
               <a:ext uri="{FF2B5EF4-FFF2-40B4-BE49-F238E27FC236}">
-                <a16:creationId xmlns="" xmlns:a16="http://schemas.microsoft.com/office/drawing/2014/main" id="{AC38B050-B3A5-42C7-87E4-B5D12691C08A}"/>
+                <a16:creationId xmlns:a16="http://schemas.microsoft.com/office/drawing/2014/main" id="{AC38B050-B3A5-42C7-87E4-B5D12691C08A}"/>
               </a:ext>
             </a:extLst>
           </p:cNvPr>
@@ -27091,7 +27178,7 @@
           <p:cNvPr id="24" name="Rectangle 65">
             <a:extLst>
               <a:ext uri="{FF2B5EF4-FFF2-40B4-BE49-F238E27FC236}">
-                <a16:creationId xmlns="" xmlns:a16="http://schemas.microsoft.com/office/drawing/2014/main" id="{1FE2747C-899D-4D1D-8BCC-5A0A8EEBC0F4}"/>
+                <a16:creationId xmlns:a16="http://schemas.microsoft.com/office/drawing/2014/main" id="{1FE2747C-899D-4D1D-8BCC-5A0A8EEBC0F4}"/>
               </a:ext>
             </a:extLst>
           </p:cNvPr>
@@ -27153,7 +27240,7 @@
           <p:cNvPr id="25" name="Rectangle 65">
             <a:extLst>
               <a:ext uri="{FF2B5EF4-FFF2-40B4-BE49-F238E27FC236}">
-                <a16:creationId xmlns="" xmlns:a16="http://schemas.microsoft.com/office/drawing/2014/main" id="{8CC4EAE2-802D-4D32-A7B9-A5FF3CC2DBF2}"/>
+                <a16:creationId xmlns:a16="http://schemas.microsoft.com/office/drawing/2014/main" id="{8CC4EAE2-802D-4D32-A7B9-A5FF3CC2DBF2}"/>
               </a:ext>
             </a:extLst>
           </p:cNvPr>
@@ -27206,6 +27293,115 @@
             <a:r>
               <a:rPr lang="en-US" sz="1400" dirty="0"/>
               <a:t>GYRO</a:t>
+            </a:r>
+          </a:p>
+        </p:txBody>
+      </p:sp>
+      <p:pic>
+        <p:nvPicPr>
+          <p:cNvPr id="13" name="Đồ họa 12" descr="Tên lửa">
+            <a:extLst>
+              <a:ext uri="{FF2B5EF4-FFF2-40B4-BE49-F238E27FC236}">
+                <a16:creationId xmlns:a16="http://schemas.microsoft.com/office/drawing/2014/main" id="{5620BC26-849F-41A6-919A-530451A05945}"/>
+              </a:ext>
+            </a:extLst>
+          </p:cNvPr>
+          <p:cNvPicPr>
+            <a:picLocks noChangeAspect="1"/>
+          </p:cNvPicPr>
+          <p:nvPr/>
+        </p:nvPicPr>
+        <p:blipFill>
+          <a:blip r:embed="rId6">
+            <a:extLst>
+              <a:ext uri="{28A0092B-C50C-407E-A947-70E740481C1C}">
+                <a14:useLocalDpi xmlns:a14="http://schemas.microsoft.com/office/drawing/2010/main" val="0"/>
+              </a:ext>
+              <a:ext uri="{96DAC541-7B7A-43D3-8B79-37D633B846F1}">
+                <asvg:svgBlip xmlns:asvg="http://schemas.microsoft.com/office/drawing/2016/SVG/main" r:embed="rId7"/>
+              </a:ext>
+            </a:extLst>
+          </a:blip>
+          <a:stretch>
+            <a:fillRect/>
+          </a:stretch>
+        </p:blipFill>
+        <p:spPr>
+          <a:xfrm>
+            <a:off x="9532888" y="4768811"/>
+            <a:ext cx="914400" cy="914400"/>
+          </a:xfrm>
+          <a:prstGeom prst="rect">
+            <a:avLst/>
+          </a:prstGeom>
+        </p:spPr>
+      </p:pic>
+      <p:sp>
+        <p:nvSpPr>
+          <p:cNvPr id="14" name="Hộp Văn bản 13">
+            <a:extLst>
+              <a:ext uri="{FF2B5EF4-FFF2-40B4-BE49-F238E27FC236}">
+                <a16:creationId xmlns:a16="http://schemas.microsoft.com/office/drawing/2014/main" id="{3ED4408E-3E36-40D5-A328-8758BEA77F47}"/>
+              </a:ext>
+            </a:extLst>
+          </p:cNvPr>
+          <p:cNvSpPr txBox="1"/>
+          <p:nvPr/>
+        </p:nvSpPr>
+        <p:spPr>
+          <a:xfrm>
+            <a:off x="10364366" y="4365883"/>
+            <a:ext cx="684803" cy="523220"/>
+          </a:xfrm>
+          <a:prstGeom prst="rect">
+            <a:avLst/>
+          </a:prstGeom>
+          <a:noFill/>
+        </p:spPr>
+        <p:txBody>
+          <a:bodyPr wrap="none" rtlCol="0">
+            <a:spAutoFit/>
+          </a:bodyPr>
+          <a:lstStyle/>
+          <a:p>
+            <a:r>
+              <a:rPr lang="en-US" sz="2800" b="1" dirty="0"/>
+              <a:t>2.5</a:t>
+            </a:r>
+          </a:p>
+        </p:txBody>
+      </p:sp>
+      <p:sp>
+        <p:nvSpPr>
+          <p:cNvPr id="15" name="Hộp Văn bản 14">
+            <a:extLst>
+              <a:ext uri="{FF2B5EF4-FFF2-40B4-BE49-F238E27FC236}">
+                <a16:creationId xmlns:a16="http://schemas.microsoft.com/office/drawing/2014/main" id="{FDF4B99F-74FA-4ACA-9408-7F534AA78BC6}"/>
+              </a:ext>
+            </a:extLst>
+          </p:cNvPr>
+          <p:cNvSpPr txBox="1"/>
+          <p:nvPr/>
+        </p:nvSpPr>
+        <p:spPr>
+          <a:xfrm>
+            <a:off x="9065230" y="5445474"/>
+            <a:ext cx="684803" cy="523220"/>
+          </a:xfrm>
+          <a:prstGeom prst="rect">
+            <a:avLst/>
+          </a:prstGeom>
+          <a:noFill/>
+        </p:spPr>
+        <p:txBody>
+          <a:bodyPr wrap="none" rtlCol="0">
+            <a:spAutoFit/>
+          </a:bodyPr>
+          <a:lstStyle/>
+          <a:p>
+            <a:r>
+              <a:rPr lang="en-US" sz="2800" b="1" dirty="0"/>
+              <a:t>1.8</a:t>
             </a:r>
           </a:p>
         </p:txBody>
@@ -27245,7 +27441,7 @@
           <p:cNvPr id="2" name="Tiêu đề 1">
             <a:extLst>
               <a:ext uri="{FF2B5EF4-FFF2-40B4-BE49-F238E27FC236}">
-                <a16:creationId xmlns="" xmlns:a16="http://schemas.microsoft.com/office/drawing/2014/main" id="{A0F182BA-CF59-4626-B3C8-EAD431F8CBBD}"/>
+                <a16:creationId xmlns:a16="http://schemas.microsoft.com/office/drawing/2014/main" id="{A0F182BA-CF59-4626-B3C8-EAD431F8CBBD}"/>
               </a:ext>
             </a:extLst>
           </p:cNvPr>
@@ -27281,7 +27477,7 @@
           <p:cNvPr id="3" name="Chỗ dành sẵn cho Số hiệu Bản chiếu 2">
             <a:extLst>
               <a:ext uri="{FF2B5EF4-FFF2-40B4-BE49-F238E27FC236}">
-                <a16:creationId xmlns="" xmlns:a16="http://schemas.microsoft.com/office/drawing/2014/main" id="{39FFEB49-67CF-457D-841C-15A465F85961}"/>
+                <a16:creationId xmlns:a16="http://schemas.microsoft.com/office/drawing/2014/main" id="{39FFEB49-67CF-457D-841C-15A465F85961}"/>
               </a:ext>
             </a:extLst>
           </p:cNvPr>
@@ -27316,7 +27512,7 @@
           <p:cNvPr id="27" name="Nhóm 29">
             <a:extLst>
               <a:ext uri="{FF2B5EF4-FFF2-40B4-BE49-F238E27FC236}">
-                <a16:creationId xmlns="" xmlns:a16="http://schemas.microsoft.com/office/drawing/2014/main" id="{4B9B7103-966B-49F2-B78A-FC054D5D4CF7}"/>
+                <a16:creationId xmlns:a16="http://schemas.microsoft.com/office/drawing/2014/main" id="{4B9B7103-966B-49F2-B78A-FC054D5D4CF7}"/>
               </a:ext>
             </a:extLst>
           </p:cNvPr>
@@ -27336,7 +27532,7 @@
             <p:cNvPr id="33" name="Đồ họa 12" descr="Cơ sở dữ liệu">
               <a:extLst>
                 <a:ext uri="{FF2B5EF4-FFF2-40B4-BE49-F238E27FC236}">
-                  <a16:creationId xmlns="" xmlns:a16="http://schemas.microsoft.com/office/drawing/2014/main" id="{5FF13001-DE5D-4506-B6E9-0E0341CA15FF}"/>
+                  <a16:creationId xmlns:a16="http://schemas.microsoft.com/office/drawing/2014/main" id="{5FF13001-DE5D-4506-B6E9-0E0341CA15FF}"/>
                 </a:ext>
               </a:extLst>
             </p:cNvPr>
@@ -27352,7 +27548,7 @@
                   <a14:useLocalDpi xmlns:a14="http://schemas.microsoft.com/office/drawing/2010/main" val="0"/>
                 </a:ext>
                 <a:ext uri="{96DAC541-7B7A-43D3-8B79-37D633B846F1}">
-                  <asvg:svgBlip xmlns="" xmlns:asvg="http://schemas.microsoft.com/office/drawing/2016/SVG/main" r:embed="rId3"/>
+                  <asvg:svgBlip xmlns:asvg="http://schemas.microsoft.com/office/drawing/2016/SVG/main" r:embed="rId3"/>
                 </a:ext>
               </a:extLst>
             </a:blip>
@@ -27375,7 +27571,7 @@
             <p:cNvPr id="34" name="Hộp Văn bản 21">
               <a:extLst>
                 <a:ext uri="{FF2B5EF4-FFF2-40B4-BE49-F238E27FC236}">
-                  <a16:creationId xmlns="" xmlns:a16="http://schemas.microsoft.com/office/drawing/2014/main" id="{F40F794D-16B5-46FB-8C78-1DA8742371C9}"/>
+                  <a16:creationId xmlns:a16="http://schemas.microsoft.com/office/drawing/2014/main" id="{F40F794D-16B5-46FB-8C78-1DA8742371C9}"/>
                 </a:ext>
               </a:extLst>
             </p:cNvPr>
@@ -27430,13 +27626,8 @@
               </a:r>
               <a:r>
                 <a:rPr lang="en-US" sz="1600" dirty="0"/>
-                <a:t> and make a software driver for </a:t>
+                <a:t> and make a software driver for GYRO</a:t>
               </a:r>
-              <a:r>
-                <a:rPr lang="en-US" sz="1600" dirty="0" smtClean="0"/>
-                <a:t>GYRO</a:t>
-              </a:r>
-              <a:endParaRPr lang="en-US" sz="1600" dirty="0"/>
             </a:p>
             <a:p>
               <a:r>
@@ -27568,7 +27759,7 @@
           <p:cNvPr id="53" name="Rectangle 64">
             <a:extLst>
               <a:ext uri="{FF2B5EF4-FFF2-40B4-BE49-F238E27FC236}">
-                <a16:creationId xmlns="" xmlns:a16="http://schemas.microsoft.com/office/drawing/2014/main" id="{DBAF8B0C-A338-46CF-8721-716441EDC5C7}"/>
+                <a16:creationId xmlns:a16="http://schemas.microsoft.com/office/drawing/2014/main" id="{DBAF8B0C-A338-46CF-8721-716441EDC5C7}"/>
               </a:ext>
             </a:extLst>
           </p:cNvPr>
@@ -27630,7 +27821,7 @@
           <p:cNvPr id="54" name="Rectangle 65">
             <a:extLst>
               <a:ext uri="{FF2B5EF4-FFF2-40B4-BE49-F238E27FC236}">
-                <a16:creationId xmlns="" xmlns:a16="http://schemas.microsoft.com/office/drawing/2014/main" id="{B2ED4FF5-DFF8-485F-A9AA-8AC2C37433E9}"/>
+                <a16:creationId xmlns:a16="http://schemas.microsoft.com/office/drawing/2014/main" id="{B2ED4FF5-DFF8-485F-A9AA-8AC2C37433E9}"/>
               </a:ext>
             </a:extLst>
           </p:cNvPr>
@@ -27692,7 +27883,7 @@
           <p:cNvPr id="55" name="Rectangle 65">
             <a:extLst>
               <a:ext uri="{FF2B5EF4-FFF2-40B4-BE49-F238E27FC236}">
-                <a16:creationId xmlns="" xmlns:a16="http://schemas.microsoft.com/office/drawing/2014/main" id="{921374CA-B349-4072-B3EB-D75C7344C43E}"/>
+                <a16:creationId xmlns:a16="http://schemas.microsoft.com/office/drawing/2014/main" id="{921374CA-B349-4072-B3EB-D75C7344C43E}"/>
               </a:ext>
             </a:extLst>
           </p:cNvPr>
@@ -27754,7 +27945,7 @@
           <p:cNvPr id="17" name="Nhóm 16">
             <a:extLst>
               <a:ext uri="{FF2B5EF4-FFF2-40B4-BE49-F238E27FC236}">
-                <a16:creationId xmlns="" xmlns:a16="http://schemas.microsoft.com/office/drawing/2014/main" id="{9AF66C71-9123-4A75-BD57-75B2C87F3D64}"/>
+                <a16:creationId xmlns:a16="http://schemas.microsoft.com/office/drawing/2014/main" id="{9AF66C71-9123-4A75-BD57-75B2C87F3D64}"/>
               </a:ext>
             </a:extLst>
           </p:cNvPr>
@@ -27774,7 +27965,7 @@
             <p:cNvPr id="19" name="Đồ họa 10" descr="Đầu có bánh răng">
               <a:extLst>
                 <a:ext uri="{FF2B5EF4-FFF2-40B4-BE49-F238E27FC236}">
-                  <a16:creationId xmlns="" xmlns:a16="http://schemas.microsoft.com/office/drawing/2014/main" id="{20044C5F-CD4D-4815-96B8-A346AA3E9016}"/>
+                  <a16:creationId xmlns:a16="http://schemas.microsoft.com/office/drawing/2014/main" id="{20044C5F-CD4D-4815-96B8-A346AA3E9016}"/>
                 </a:ext>
               </a:extLst>
             </p:cNvPr>
@@ -27790,7 +27981,7 @@
                   <a14:useLocalDpi xmlns:a14="http://schemas.microsoft.com/office/drawing/2010/main" val="0"/>
                 </a:ext>
                 <a:ext uri="{96DAC541-7B7A-43D3-8B79-37D633B846F1}">
-                  <asvg:svgBlip xmlns="" xmlns:asvg="http://schemas.microsoft.com/office/drawing/2016/SVG/main" r:embed="rId5"/>
+                  <asvg:svgBlip xmlns:asvg="http://schemas.microsoft.com/office/drawing/2016/SVG/main" r:embed="rId5"/>
                 </a:ext>
               </a:extLst>
             </a:blip>
@@ -27813,7 +28004,7 @@
             <p:cNvPr id="20" name="Hộp Văn bản 19">
               <a:extLst>
                 <a:ext uri="{FF2B5EF4-FFF2-40B4-BE49-F238E27FC236}">
-                  <a16:creationId xmlns="" xmlns:a16="http://schemas.microsoft.com/office/drawing/2014/main" id="{C0942554-E7E1-4424-BD74-65D615DF9234}"/>
+                  <a16:creationId xmlns:a16="http://schemas.microsoft.com/office/drawing/2014/main" id="{C0942554-E7E1-4424-BD74-65D615DF9234}"/>
                 </a:ext>
               </a:extLst>
             </p:cNvPr>
@@ -27860,39 +28051,135 @@
               </a:r>
               <a:r>
                 <a:rPr lang="en-US" sz="1600" dirty="0"/>
-                <a:t> from </a:t>
-              </a:r>
-              <a:r>
-                <a:rPr lang="en-US" sz="1600" dirty="0" smtClean="0"/>
-                <a:t>I2C in V3U-AD </a:t>
-              </a:r>
-              <a:r>
-                <a:rPr lang="en-US" sz="1600" dirty="0"/>
-                <a:t>to </a:t>
-              </a:r>
-              <a:r>
-                <a:rPr lang="en-US" sz="1600" dirty="0" smtClean="0"/>
-                <a:t>GYRO</a:t>
+                <a:t> from I2C in V3U-AD to GYRO</a:t>
               </a:r>
             </a:p>
             <a:p>
               <a:r>
-                <a:rPr lang="en-US" sz="1600" dirty="0" smtClean="0"/>
+                <a:rPr lang="en-US" sz="1600" dirty="0"/>
                 <a:t>+ </a:t>
               </a:r>
               <a:r>
-                <a:rPr lang="en-US" sz="1600" u="sng" dirty="0" smtClean="0"/>
+                <a:rPr lang="en-US" sz="1600" u="sng" dirty="0"/>
                 <a:t>Apply new verification</a:t>
               </a:r>
               <a:r>
-                <a:rPr lang="en-US" sz="1600" dirty="0" smtClean="0"/>
+                <a:rPr lang="en-US" sz="1600" dirty="0"/>
                 <a:t> method for I2C and GYRO such as formal verification, Jasper Gold, UVM</a:t>
               </a:r>
-              <a:endParaRPr lang="en-US" sz="1600" dirty="0"/>
             </a:p>
           </p:txBody>
         </p:sp>
       </p:grpSp>
+      <p:pic>
+        <p:nvPicPr>
+          <p:cNvPr id="13" name="Đồ họa 12" descr="Tên lửa">
+            <a:extLst>
+              <a:ext uri="{FF2B5EF4-FFF2-40B4-BE49-F238E27FC236}">
+                <a16:creationId xmlns:a16="http://schemas.microsoft.com/office/drawing/2014/main" id="{F1B2FE17-DF5A-4173-A201-9BE94B80D19D}"/>
+              </a:ext>
+            </a:extLst>
+          </p:cNvPr>
+          <p:cNvPicPr>
+            <a:picLocks noChangeAspect="1"/>
+          </p:cNvPicPr>
+          <p:nvPr/>
+        </p:nvPicPr>
+        <p:blipFill>
+          <a:blip r:embed="rId6">
+            <a:extLst>
+              <a:ext uri="{28A0092B-C50C-407E-A947-70E740481C1C}">
+                <a14:useLocalDpi xmlns:a14="http://schemas.microsoft.com/office/drawing/2010/main" val="0"/>
+              </a:ext>
+              <a:ext uri="{96DAC541-7B7A-43D3-8B79-37D633B846F1}">
+                <asvg:svgBlip xmlns:asvg="http://schemas.microsoft.com/office/drawing/2016/SVG/main" r:embed="rId7"/>
+              </a:ext>
+            </a:extLst>
+          </a:blip>
+          <a:stretch>
+            <a:fillRect/>
+          </a:stretch>
+        </p:blipFill>
+        <p:spPr>
+          <a:xfrm>
+            <a:off x="9532888" y="4768811"/>
+            <a:ext cx="914400" cy="914400"/>
+          </a:xfrm>
+          <a:prstGeom prst="rect">
+            <a:avLst/>
+          </a:prstGeom>
+        </p:spPr>
+      </p:pic>
+      <p:sp>
+        <p:nvSpPr>
+          <p:cNvPr id="14" name="Hộp Văn bản 13">
+            <a:extLst>
+              <a:ext uri="{FF2B5EF4-FFF2-40B4-BE49-F238E27FC236}">
+                <a16:creationId xmlns:a16="http://schemas.microsoft.com/office/drawing/2014/main" id="{DFFE3C33-874D-49B3-A947-6D4EFDF1DA2A}"/>
+              </a:ext>
+            </a:extLst>
+          </p:cNvPr>
+          <p:cNvSpPr txBox="1"/>
+          <p:nvPr/>
+        </p:nvSpPr>
+        <p:spPr>
+          <a:xfrm>
+            <a:off x="10364366" y="4365883"/>
+            <a:ext cx="684803" cy="523220"/>
+          </a:xfrm>
+          <a:prstGeom prst="rect">
+            <a:avLst/>
+          </a:prstGeom>
+          <a:noFill/>
+        </p:spPr>
+        <p:txBody>
+          <a:bodyPr wrap="none" rtlCol="0">
+            <a:spAutoFit/>
+          </a:bodyPr>
+          <a:lstStyle/>
+          <a:p>
+            <a:r>
+              <a:rPr lang="en-US" sz="2800" b="1" dirty="0"/>
+              <a:t>2.8</a:t>
+            </a:r>
+          </a:p>
+        </p:txBody>
+      </p:sp>
+      <p:sp>
+        <p:nvSpPr>
+          <p:cNvPr id="15" name="Hộp Văn bản 14">
+            <a:extLst>
+              <a:ext uri="{FF2B5EF4-FFF2-40B4-BE49-F238E27FC236}">
+                <a16:creationId xmlns:a16="http://schemas.microsoft.com/office/drawing/2014/main" id="{D49442A9-077B-42D4-83B1-F3CC6DA6EFA4}"/>
+              </a:ext>
+            </a:extLst>
+          </p:cNvPr>
+          <p:cNvSpPr txBox="1"/>
+          <p:nvPr/>
+        </p:nvSpPr>
+        <p:spPr>
+          <a:xfrm>
+            <a:off x="9065230" y="5445474"/>
+            <a:ext cx="684803" cy="523220"/>
+          </a:xfrm>
+          <a:prstGeom prst="rect">
+            <a:avLst/>
+          </a:prstGeom>
+          <a:noFill/>
+        </p:spPr>
+        <p:txBody>
+          <a:bodyPr wrap="none" rtlCol="0">
+            <a:spAutoFit/>
+          </a:bodyPr>
+          <a:lstStyle/>
+          <a:p>
+            <a:r>
+              <a:rPr lang="en-US" sz="2800" b="1" dirty="0"/>
+              <a:t>2.5</a:t>
+            </a:r>
+          </a:p>
+        </p:txBody>
+      </p:sp>
     </p:spTree>
     <p:extLst>
       <p:ext uri="{BB962C8B-B14F-4D97-AF65-F5344CB8AC3E}">
@@ -27928,7 +28215,7 @@
           <p:cNvPr id="2" name="Tiêu đề 1">
             <a:extLst>
               <a:ext uri="{FF2B5EF4-FFF2-40B4-BE49-F238E27FC236}">
-                <a16:creationId xmlns="" xmlns:a16="http://schemas.microsoft.com/office/drawing/2014/main" id="{A0F182BA-CF59-4626-B3C8-EAD431F8CBBD}"/>
+                <a16:creationId xmlns:a16="http://schemas.microsoft.com/office/drawing/2014/main" id="{A0F182BA-CF59-4626-B3C8-EAD431F8CBBD}"/>
               </a:ext>
             </a:extLst>
           </p:cNvPr>
@@ -27969,7 +28256,7 @@
           <p:cNvPr id="3" name="Chỗ dành sẵn cho Số hiệu Bản chiếu 2">
             <a:extLst>
               <a:ext uri="{FF2B5EF4-FFF2-40B4-BE49-F238E27FC236}">
-                <a16:creationId xmlns="" xmlns:a16="http://schemas.microsoft.com/office/drawing/2014/main" id="{39FFEB49-67CF-457D-841C-15A465F85961}"/>
+                <a16:creationId xmlns:a16="http://schemas.microsoft.com/office/drawing/2014/main" id="{39FFEB49-67CF-457D-841C-15A465F85961}"/>
               </a:ext>
             </a:extLst>
           </p:cNvPr>
@@ -28004,7 +28291,7 @@
           <p:cNvPr id="15" name="Rectangle 65">
             <a:extLst>
               <a:ext uri="{FF2B5EF4-FFF2-40B4-BE49-F238E27FC236}">
-                <a16:creationId xmlns="" xmlns:a16="http://schemas.microsoft.com/office/drawing/2014/main" id="{91CC5E65-B111-4898-9277-14D29022C4DF}"/>
+                <a16:creationId xmlns:a16="http://schemas.microsoft.com/office/drawing/2014/main" id="{91CC5E65-B111-4898-9277-14D29022C4DF}"/>
               </a:ext>
             </a:extLst>
           </p:cNvPr>
@@ -28066,7 +28353,7 @@
           <p:cNvPr id="21" name="Rectangle 65">
             <a:extLst>
               <a:ext uri="{FF2B5EF4-FFF2-40B4-BE49-F238E27FC236}">
-                <a16:creationId xmlns="" xmlns:a16="http://schemas.microsoft.com/office/drawing/2014/main" id="{15CE529C-325C-4007-ACBC-75733367074D}"/>
+                <a16:creationId xmlns:a16="http://schemas.microsoft.com/office/drawing/2014/main" id="{15CE529C-325C-4007-ACBC-75733367074D}"/>
               </a:ext>
             </a:extLst>
           </p:cNvPr>
@@ -28128,7 +28415,7 @@
           <p:cNvPr id="22" name="Rectangle 65">
             <a:extLst>
               <a:ext uri="{FF2B5EF4-FFF2-40B4-BE49-F238E27FC236}">
-                <a16:creationId xmlns="" xmlns:a16="http://schemas.microsoft.com/office/drawing/2014/main" id="{AA6FCB8A-26A1-4809-BCD3-37E2F968FAB5}"/>
+                <a16:creationId xmlns:a16="http://schemas.microsoft.com/office/drawing/2014/main" id="{AA6FCB8A-26A1-4809-BCD3-37E2F968FAB5}"/>
               </a:ext>
             </a:extLst>
           </p:cNvPr>
@@ -28190,7 +28477,7 @@
           <p:cNvPr id="9" name="Rectangle 65">
             <a:extLst>
               <a:ext uri="{FF2B5EF4-FFF2-40B4-BE49-F238E27FC236}">
-                <a16:creationId xmlns="" xmlns:a16="http://schemas.microsoft.com/office/drawing/2014/main" id="{0E7C93B1-59BB-4C0E-8F46-A5E99C01F785}"/>
+                <a16:creationId xmlns:a16="http://schemas.microsoft.com/office/drawing/2014/main" id="{0E7C93B1-59BB-4C0E-8F46-A5E99C01F785}"/>
               </a:ext>
             </a:extLst>
           </p:cNvPr>
@@ -28252,7 +28539,7 @@
           <p:cNvPr id="10" name="Rectangle 65">
             <a:extLst>
               <a:ext uri="{FF2B5EF4-FFF2-40B4-BE49-F238E27FC236}">
-                <a16:creationId xmlns="" xmlns:a16="http://schemas.microsoft.com/office/drawing/2014/main" id="{151A8157-CC80-4156-B186-BA63E4A65E84}"/>
+                <a16:creationId xmlns:a16="http://schemas.microsoft.com/office/drawing/2014/main" id="{151A8157-CC80-4156-B186-BA63E4A65E84}"/>
               </a:ext>
             </a:extLst>
           </p:cNvPr>
@@ -28314,7 +28601,7 @@
           <p:cNvPr id="11" name="Rectangle 65">
             <a:extLst>
               <a:ext uri="{FF2B5EF4-FFF2-40B4-BE49-F238E27FC236}">
-                <a16:creationId xmlns="" xmlns:a16="http://schemas.microsoft.com/office/drawing/2014/main" id="{89A7541E-A9CF-4D08-82D5-DDD56E1AE77F}"/>
+                <a16:creationId xmlns:a16="http://schemas.microsoft.com/office/drawing/2014/main" id="{89A7541E-A9CF-4D08-82D5-DDD56E1AE77F}"/>
               </a:ext>
             </a:extLst>
           </p:cNvPr>
@@ -28376,7 +28663,7 @@
           <p:cNvPr id="12" name="Rectangle 65">
             <a:extLst>
               <a:ext uri="{FF2B5EF4-FFF2-40B4-BE49-F238E27FC236}">
-                <a16:creationId xmlns="" xmlns:a16="http://schemas.microsoft.com/office/drawing/2014/main" id="{9DBA2E9C-80E5-47B1-AE12-1CB2D9C16829}"/>
+                <a16:creationId xmlns:a16="http://schemas.microsoft.com/office/drawing/2014/main" id="{9DBA2E9C-80E5-47B1-AE12-1CB2D9C16829}"/>
               </a:ext>
             </a:extLst>
           </p:cNvPr>
@@ -28438,7 +28725,7 @@
           <p:cNvPr id="13" name="Rectangle 65">
             <a:extLst>
               <a:ext uri="{FF2B5EF4-FFF2-40B4-BE49-F238E27FC236}">
-                <a16:creationId xmlns="" xmlns:a16="http://schemas.microsoft.com/office/drawing/2014/main" id="{579D9CB5-E543-4214-AEAE-5DBAA41216F9}"/>
+                <a16:creationId xmlns:a16="http://schemas.microsoft.com/office/drawing/2014/main" id="{579D9CB5-E543-4214-AEAE-5DBAA41216F9}"/>
               </a:ext>
             </a:extLst>
           </p:cNvPr>
@@ -28500,7 +28787,7 @@
           <p:cNvPr id="14" name="Rectangle 65">
             <a:extLst>
               <a:ext uri="{FF2B5EF4-FFF2-40B4-BE49-F238E27FC236}">
-                <a16:creationId xmlns="" xmlns:a16="http://schemas.microsoft.com/office/drawing/2014/main" id="{7DE79590-CD55-4C1A-8686-390CC2A0D5AD}"/>
+                <a16:creationId xmlns:a16="http://schemas.microsoft.com/office/drawing/2014/main" id="{7DE79590-CD55-4C1A-8686-390CC2A0D5AD}"/>
               </a:ext>
             </a:extLst>
           </p:cNvPr>
@@ -28562,7 +28849,7 @@
           <p:cNvPr id="16" name="Rectangle 65">
             <a:extLst>
               <a:ext uri="{FF2B5EF4-FFF2-40B4-BE49-F238E27FC236}">
-                <a16:creationId xmlns="" xmlns:a16="http://schemas.microsoft.com/office/drawing/2014/main" id="{8DEBA47E-D8D4-4B7C-B310-54B7FA4417E0}"/>
+                <a16:creationId xmlns:a16="http://schemas.microsoft.com/office/drawing/2014/main" id="{8DEBA47E-D8D4-4B7C-B310-54B7FA4417E0}"/>
               </a:ext>
             </a:extLst>
           </p:cNvPr>
@@ -28624,7 +28911,7 @@
           <p:cNvPr id="17" name="Nhóm 16">
             <a:extLst>
               <a:ext uri="{FF2B5EF4-FFF2-40B4-BE49-F238E27FC236}">
-                <a16:creationId xmlns="" xmlns:a16="http://schemas.microsoft.com/office/drawing/2014/main" id="{90EDA023-636A-4ADB-9036-BBEEC506672F}"/>
+                <a16:creationId xmlns:a16="http://schemas.microsoft.com/office/drawing/2014/main" id="{90EDA023-636A-4ADB-9036-BBEEC506672F}"/>
               </a:ext>
             </a:extLst>
           </p:cNvPr>
@@ -28644,7 +28931,7 @@
             <p:cNvPr id="18" name="Đồ họa 17" descr="Cơ sở dữ liệu">
               <a:extLst>
                 <a:ext uri="{FF2B5EF4-FFF2-40B4-BE49-F238E27FC236}">
-                  <a16:creationId xmlns="" xmlns:a16="http://schemas.microsoft.com/office/drawing/2014/main" id="{CE0063C7-AE07-47E4-B8E2-5A904B41EB6B}"/>
+                  <a16:creationId xmlns:a16="http://schemas.microsoft.com/office/drawing/2014/main" id="{CE0063C7-AE07-47E4-B8E2-5A904B41EB6B}"/>
                 </a:ext>
               </a:extLst>
             </p:cNvPr>
@@ -28660,7 +28947,7 @@
                   <a14:useLocalDpi xmlns:a14="http://schemas.microsoft.com/office/drawing/2010/main" val="0"/>
                 </a:ext>
                 <a:ext uri="{96DAC541-7B7A-43D3-8B79-37D633B846F1}">
-                  <asvg:svgBlip xmlns="" xmlns:asvg="http://schemas.microsoft.com/office/drawing/2016/SVG/main" r:embed="rId3"/>
+                  <asvg:svgBlip xmlns:asvg="http://schemas.microsoft.com/office/drawing/2016/SVG/main" r:embed="rId3"/>
                 </a:ext>
               </a:extLst>
             </a:blip>
@@ -28683,7 +28970,7 @@
             <p:cNvPr id="19" name="Hộp Văn bản 18">
               <a:extLst>
                 <a:ext uri="{FF2B5EF4-FFF2-40B4-BE49-F238E27FC236}">
-                  <a16:creationId xmlns="" xmlns:a16="http://schemas.microsoft.com/office/drawing/2014/main" id="{26A1937C-06DC-4F46-B557-FD3DEDB6204C}"/>
+                  <a16:creationId xmlns:a16="http://schemas.microsoft.com/office/drawing/2014/main" id="{26A1937C-06DC-4F46-B557-FD3DEDB6204C}"/>
                 </a:ext>
               </a:extLst>
             </p:cNvPr>
@@ -28714,11 +29001,7 @@
             <a:p>
               <a:r>
                 <a:rPr lang="en-US" sz="1600" dirty="0"/>
-                <a:t>+ Create AC/DC tester pattern for I2C and </a:t>
-              </a:r>
-              <a:r>
-                <a:rPr lang="en-US" sz="1600" dirty="0" smtClean="0"/>
-                <a:t>IICDVFS</a:t>
+                <a:t>+ Create AC/DC tester pattern for I2C and IICDVFS</a:t>
               </a:r>
               <a:endParaRPr lang="en-US" dirty="0"/>
             </a:p>
@@ -28730,7 +29013,7 @@
           <p:cNvPr id="20" name="Group 3">
             <a:extLst>
               <a:ext uri="{FF2B5EF4-FFF2-40B4-BE49-F238E27FC236}">
-                <a16:creationId xmlns="" xmlns:a16="http://schemas.microsoft.com/office/drawing/2014/main" id="{4B8E216D-9CA5-4D5C-8772-0FD5B00B8968}"/>
+                <a16:creationId xmlns:a16="http://schemas.microsoft.com/office/drawing/2014/main" id="{4B8E216D-9CA5-4D5C-8772-0FD5B00B8968}"/>
               </a:ext>
             </a:extLst>
           </p:cNvPr>
@@ -28750,7 +29033,7 @@
             <p:cNvPr id="23" name="Đồ họa 16" descr="Kính hiển vi">
               <a:extLst>
                 <a:ext uri="{FF2B5EF4-FFF2-40B4-BE49-F238E27FC236}">
-                  <a16:creationId xmlns="" xmlns:a16="http://schemas.microsoft.com/office/drawing/2014/main" id="{517A1AF3-724A-4D28-80F9-13C6999BAF75}"/>
+                  <a16:creationId xmlns:a16="http://schemas.microsoft.com/office/drawing/2014/main" id="{517A1AF3-724A-4D28-80F9-13C6999BAF75}"/>
                 </a:ext>
               </a:extLst>
             </p:cNvPr>
@@ -28766,7 +29049,7 @@
                   <a14:useLocalDpi xmlns:a14="http://schemas.microsoft.com/office/drawing/2010/main" val="0"/>
                 </a:ext>
                 <a:ext uri="{96DAC541-7B7A-43D3-8B79-37D633B846F1}">
-                  <asvg:svgBlip xmlns="" xmlns:asvg="http://schemas.microsoft.com/office/drawing/2016/SVG/main" r:embed="rId5"/>
+                  <asvg:svgBlip xmlns:asvg="http://schemas.microsoft.com/office/drawing/2016/SVG/main" r:embed="rId5"/>
                 </a:ext>
               </a:extLst>
             </a:blip>
@@ -28789,7 +29072,7 @@
             <p:cNvPr id="24" name="Hộp Văn bản 23">
               <a:extLst>
                 <a:ext uri="{FF2B5EF4-FFF2-40B4-BE49-F238E27FC236}">
-                  <a16:creationId xmlns="" xmlns:a16="http://schemas.microsoft.com/office/drawing/2014/main" id="{FFCF93E5-D23D-4FF6-8BBE-963DE94E41EE}"/>
+                  <a16:creationId xmlns:a16="http://schemas.microsoft.com/office/drawing/2014/main" id="{FFCF93E5-D23D-4FF6-8BBE-963DE94E41EE}"/>
                 </a:ext>
               </a:extLst>
             </p:cNvPr>
@@ -28827,6 +29110,115 @@
           </p:txBody>
         </p:sp>
       </p:grpSp>
+      <p:pic>
+        <p:nvPicPr>
+          <p:cNvPr id="25" name="Đồ họa 24" descr="Tên lửa">
+            <a:extLst>
+              <a:ext uri="{FF2B5EF4-FFF2-40B4-BE49-F238E27FC236}">
+                <a16:creationId xmlns:a16="http://schemas.microsoft.com/office/drawing/2014/main" id="{A2ABFAA7-9047-4774-AF76-BB47C6D75339}"/>
+              </a:ext>
+            </a:extLst>
+          </p:cNvPr>
+          <p:cNvPicPr>
+            <a:picLocks noChangeAspect="1"/>
+          </p:cNvPicPr>
+          <p:nvPr/>
+        </p:nvPicPr>
+        <p:blipFill>
+          <a:blip r:embed="rId6">
+            <a:extLst>
+              <a:ext uri="{28A0092B-C50C-407E-A947-70E740481C1C}">
+                <a14:useLocalDpi xmlns:a14="http://schemas.microsoft.com/office/drawing/2010/main" val="0"/>
+              </a:ext>
+              <a:ext uri="{96DAC541-7B7A-43D3-8B79-37D633B846F1}">
+                <asvg:svgBlip xmlns:asvg="http://schemas.microsoft.com/office/drawing/2016/SVG/main" r:embed="rId7"/>
+              </a:ext>
+            </a:extLst>
+          </a:blip>
+          <a:stretch>
+            <a:fillRect/>
+          </a:stretch>
+        </p:blipFill>
+        <p:spPr>
+          <a:xfrm>
+            <a:off x="9532888" y="4768811"/>
+            <a:ext cx="914400" cy="914400"/>
+          </a:xfrm>
+          <a:prstGeom prst="rect">
+            <a:avLst/>
+          </a:prstGeom>
+        </p:spPr>
+      </p:pic>
+      <p:sp>
+        <p:nvSpPr>
+          <p:cNvPr id="26" name="Hộp Văn bản 25">
+            <a:extLst>
+              <a:ext uri="{FF2B5EF4-FFF2-40B4-BE49-F238E27FC236}">
+                <a16:creationId xmlns:a16="http://schemas.microsoft.com/office/drawing/2014/main" id="{7024E8AF-357E-43B6-B406-0DE12647CFCD}"/>
+              </a:ext>
+            </a:extLst>
+          </p:cNvPr>
+          <p:cNvSpPr txBox="1"/>
+          <p:nvPr/>
+        </p:nvSpPr>
+        <p:spPr>
+          <a:xfrm>
+            <a:off x="10364366" y="4365883"/>
+            <a:ext cx="684803" cy="523220"/>
+          </a:xfrm>
+          <a:prstGeom prst="rect">
+            <a:avLst/>
+          </a:prstGeom>
+          <a:noFill/>
+        </p:spPr>
+        <p:txBody>
+          <a:bodyPr wrap="none" rtlCol="0">
+            <a:spAutoFit/>
+          </a:bodyPr>
+          <a:lstStyle/>
+          <a:p>
+            <a:r>
+              <a:rPr lang="en-US" sz="2800" b="1" dirty="0"/>
+              <a:t>2.5</a:t>
+            </a:r>
+          </a:p>
+        </p:txBody>
+      </p:sp>
+      <p:sp>
+        <p:nvSpPr>
+          <p:cNvPr id="27" name="Hộp Văn bản 26">
+            <a:extLst>
+              <a:ext uri="{FF2B5EF4-FFF2-40B4-BE49-F238E27FC236}">
+                <a16:creationId xmlns:a16="http://schemas.microsoft.com/office/drawing/2014/main" id="{45373AE5-301E-48EC-9B96-562AE128506D}"/>
+              </a:ext>
+            </a:extLst>
+          </p:cNvPr>
+          <p:cNvSpPr txBox="1"/>
+          <p:nvPr/>
+        </p:nvSpPr>
+        <p:spPr>
+          <a:xfrm>
+            <a:off x="9065230" y="5445474"/>
+            <a:ext cx="684803" cy="523220"/>
+          </a:xfrm>
+          <a:prstGeom prst="rect">
+            <a:avLst/>
+          </a:prstGeom>
+          <a:noFill/>
+        </p:spPr>
+        <p:txBody>
+          <a:bodyPr wrap="none" rtlCol="0">
+            <a:spAutoFit/>
+          </a:bodyPr>
+          <a:lstStyle/>
+          <a:p>
+            <a:r>
+              <a:rPr lang="en-US" sz="2800" b="1" dirty="0"/>
+              <a:t>1.5</a:t>
+            </a:r>
+          </a:p>
+        </p:txBody>
+      </p:sp>
     </p:spTree>
     <p:extLst>
       <p:ext uri="{BB962C8B-B14F-4D97-AF65-F5344CB8AC3E}">
@@ -28862,7 +29254,7 @@
           <p:cNvPr id="2" name="Tiêu đề 1">
             <a:extLst>
               <a:ext uri="{FF2B5EF4-FFF2-40B4-BE49-F238E27FC236}">
-                <a16:creationId xmlns="" xmlns:a16="http://schemas.microsoft.com/office/drawing/2014/main" id="{D27F4FFC-187D-43E4-ABC6-62DD355E5FF1}"/>
+                <a16:creationId xmlns:a16="http://schemas.microsoft.com/office/drawing/2014/main" id="{D27F4FFC-187D-43E4-ABC6-62DD355E5FF1}"/>
               </a:ext>
             </a:extLst>
           </p:cNvPr>
@@ -28895,7 +29287,7 @@
           <p:cNvPr id="3" name="Chỗ dành sẵn cho Số hiệu Bản chiếu 2">
             <a:extLst>
               <a:ext uri="{FF2B5EF4-FFF2-40B4-BE49-F238E27FC236}">
-                <a16:creationId xmlns="" xmlns:a16="http://schemas.microsoft.com/office/drawing/2014/main" id="{AEDA379F-2DB3-4428-8CE7-65306B74C205}"/>
+                <a16:creationId xmlns:a16="http://schemas.microsoft.com/office/drawing/2014/main" id="{AEDA379F-2DB3-4428-8CE7-65306B74C205}"/>
               </a:ext>
             </a:extLst>
           </p:cNvPr>
@@ -28930,7 +29322,7 @@
           <p:cNvPr id="21" name="Nhóm 20">
             <a:extLst>
               <a:ext uri="{FF2B5EF4-FFF2-40B4-BE49-F238E27FC236}">
-                <a16:creationId xmlns="" xmlns:a16="http://schemas.microsoft.com/office/drawing/2014/main" id="{102BA104-D188-46C0-A1DE-1A882B139F23}"/>
+                <a16:creationId xmlns:a16="http://schemas.microsoft.com/office/drawing/2014/main" id="{102BA104-D188-46C0-A1DE-1A882B139F23}"/>
               </a:ext>
             </a:extLst>
           </p:cNvPr>
@@ -28950,7 +29342,7 @@
             <p:cNvPr id="10" name="Đồ họa 9" descr="Đi bộ đường dài">
               <a:extLst>
                 <a:ext uri="{FF2B5EF4-FFF2-40B4-BE49-F238E27FC236}">
-                  <a16:creationId xmlns="" xmlns:a16="http://schemas.microsoft.com/office/drawing/2014/main" id="{2E10C064-20E5-4C46-9DF3-3B2E5A049C0C}"/>
+                  <a16:creationId xmlns:a16="http://schemas.microsoft.com/office/drawing/2014/main" id="{2E10C064-20E5-4C46-9DF3-3B2E5A049C0C}"/>
                 </a:ext>
               </a:extLst>
             </p:cNvPr>
@@ -28966,7 +29358,7 @@
                   <a14:useLocalDpi xmlns:a14="http://schemas.microsoft.com/office/drawing/2010/main" val="0"/>
                 </a:ext>
                 <a:ext uri="{96DAC541-7B7A-43D3-8B79-37D633B846F1}">
-                  <asvg:svgBlip xmlns="" xmlns:asvg="http://schemas.microsoft.com/office/drawing/2016/SVG/main" r:embed="rId3"/>
+                  <asvg:svgBlip xmlns:asvg="http://schemas.microsoft.com/office/drawing/2016/SVG/main" r:embed="rId3"/>
                 </a:ext>
               </a:extLst>
             </a:blip>
@@ -28989,7 +29381,7 @@
             <p:cNvPr id="11" name="Hộp Văn bản 10">
               <a:extLst>
                 <a:ext uri="{FF2B5EF4-FFF2-40B4-BE49-F238E27FC236}">
-                  <a16:creationId xmlns="" xmlns:a16="http://schemas.microsoft.com/office/drawing/2014/main" id="{D6D30BE7-FEB6-4A5B-A67B-820E622429B5}"/>
+                  <a16:creationId xmlns:a16="http://schemas.microsoft.com/office/drawing/2014/main" id="{D6D30BE7-FEB6-4A5B-A67B-820E622429B5}"/>
                 </a:ext>
               </a:extLst>
             </p:cNvPr>
@@ -29014,16 +29406,12 @@
             <a:p>
               <a:r>
                 <a:rPr lang="en-US" b="1" dirty="0"/>
-                <a:t>Not enough guideline </a:t>
-              </a:r>
-              <a:r>
-                <a:rPr lang="en-US" b="1" dirty="0" smtClean="0"/>
-                <a:t>document</a:t>
+                <a:t>Not enough guideline document</a:t>
               </a:r>
             </a:p>
             <a:p>
               <a:r>
-                <a:rPr lang="en-US" sz="1600" dirty="0" smtClean="0"/>
+                <a:rPr lang="en-US" sz="1600" dirty="0"/>
                 <a:t>+ Ask for guideline from mentor and other engineers</a:t>
               </a:r>
             </a:p>
@@ -29035,7 +29423,7 @@
           <p:cNvPr id="20" name="Nhóm 19">
             <a:extLst>
               <a:ext uri="{FF2B5EF4-FFF2-40B4-BE49-F238E27FC236}">
-                <a16:creationId xmlns="" xmlns:a16="http://schemas.microsoft.com/office/drawing/2014/main" id="{76233B98-3376-414F-AE71-779E40D90330}"/>
+                <a16:creationId xmlns:a16="http://schemas.microsoft.com/office/drawing/2014/main" id="{76233B98-3376-414F-AE71-779E40D90330}"/>
               </a:ext>
             </a:extLst>
           </p:cNvPr>
@@ -29055,7 +29443,7 @@
             <p:cNvPr id="12" name="Đồ họa 11" descr="Đi bộ đường dài">
               <a:extLst>
                 <a:ext uri="{FF2B5EF4-FFF2-40B4-BE49-F238E27FC236}">
-                  <a16:creationId xmlns="" xmlns:a16="http://schemas.microsoft.com/office/drawing/2014/main" id="{4B55A6FD-83E3-4B85-B8A6-55B64E116E47}"/>
+                  <a16:creationId xmlns:a16="http://schemas.microsoft.com/office/drawing/2014/main" id="{4B55A6FD-83E3-4B85-B8A6-55B64E116E47}"/>
                 </a:ext>
               </a:extLst>
             </p:cNvPr>
@@ -29071,7 +29459,7 @@
                   <a14:useLocalDpi xmlns:a14="http://schemas.microsoft.com/office/drawing/2010/main" val="0"/>
                 </a:ext>
                 <a:ext uri="{96DAC541-7B7A-43D3-8B79-37D633B846F1}">
-                  <asvg:svgBlip xmlns="" xmlns:asvg="http://schemas.microsoft.com/office/drawing/2016/SVG/main" r:embed="rId3"/>
+                  <asvg:svgBlip xmlns:asvg="http://schemas.microsoft.com/office/drawing/2016/SVG/main" r:embed="rId3"/>
                 </a:ext>
               </a:extLst>
             </a:blip>
@@ -29094,7 +29482,7 @@
             <p:cNvPr id="13" name="Hộp Văn bản 12">
               <a:extLst>
                 <a:ext uri="{FF2B5EF4-FFF2-40B4-BE49-F238E27FC236}">
-                  <a16:creationId xmlns="" xmlns:a16="http://schemas.microsoft.com/office/drawing/2014/main" id="{5B2AB670-1D5B-45C1-9C12-4256131DEEE2}"/>
+                  <a16:creationId xmlns:a16="http://schemas.microsoft.com/office/drawing/2014/main" id="{5B2AB670-1D5B-45C1-9C12-4256131DEEE2}"/>
                 </a:ext>
               </a:extLst>
             </p:cNvPr>
@@ -29136,7 +29524,7 @@
           <p:cNvPr id="19" name="Nhóm 18">
             <a:extLst>
               <a:ext uri="{FF2B5EF4-FFF2-40B4-BE49-F238E27FC236}">
-                <a16:creationId xmlns="" xmlns:a16="http://schemas.microsoft.com/office/drawing/2014/main" id="{236B9B95-AFEC-4CDE-B810-4AAC2FD4C85C}"/>
+                <a16:creationId xmlns:a16="http://schemas.microsoft.com/office/drawing/2014/main" id="{236B9B95-AFEC-4CDE-B810-4AAC2FD4C85C}"/>
               </a:ext>
             </a:extLst>
           </p:cNvPr>
@@ -29156,7 +29544,7 @@
             <p:cNvPr id="14" name="Đồ họa 13" descr="Đi bộ đường dài">
               <a:extLst>
                 <a:ext uri="{FF2B5EF4-FFF2-40B4-BE49-F238E27FC236}">
-                  <a16:creationId xmlns="" xmlns:a16="http://schemas.microsoft.com/office/drawing/2014/main" id="{87671DB1-849C-49C8-AD1D-72E963046A23}"/>
+                  <a16:creationId xmlns:a16="http://schemas.microsoft.com/office/drawing/2014/main" id="{87671DB1-849C-49C8-AD1D-72E963046A23}"/>
                 </a:ext>
               </a:extLst>
             </p:cNvPr>
@@ -29172,7 +29560,7 @@
                   <a14:useLocalDpi xmlns:a14="http://schemas.microsoft.com/office/drawing/2010/main" val="0"/>
                 </a:ext>
                 <a:ext uri="{96DAC541-7B7A-43D3-8B79-37D633B846F1}">
-                  <asvg:svgBlip xmlns="" xmlns:asvg="http://schemas.microsoft.com/office/drawing/2016/SVG/main" r:embed="rId3"/>
+                  <asvg:svgBlip xmlns:asvg="http://schemas.microsoft.com/office/drawing/2016/SVG/main" r:embed="rId3"/>
                 </a:ext>
               </a:extLst>
             </a:blip>
@@ -29195,7 +29583,7 @@
             <p:cNvPr id="15" name="Hộp Văn bản 14">
               <a:extLst>
                 <a:ext uri="{FF2B5EF4-FFF2-40B4-BE49-F238E27FC236}">
-                  <a16:creationId xmlns="" xmlns:a16="http://schemas.microsoft.com/office/drawing/2014/main" id="{A2ACE0F4-ABA0-42EF-88A2-5DF2D6111193}"/>
+                  <a16:creationId xmlns:a16="http://schemas.microsoft.com/office/drawing/2014/main" id="{A2ACE0F4-ABA0-42EF-88A2-5DF2D6111193}"/>
                 </a:ext>
               </a:extLst>
             </p:cNvPr>
@@ -29226,13 +29614,8 @@
             <a:p>
               <a:r>
                 <a:rPr lang="en-US" sz="1600" dirty="0"/>
-                <a:t>+ Feedback, complain, not much </a:t>
+                <a:t>+ Feedback, complain, not much improvement in R-Car Gen 3</a:t>
               </a:r>
-              <a:r>
-                <a:rPr lang="en-US" sz="1600" dirty="0" smtClean="0"/>
-                <a:t>improvement in R-Car Gen 3</a:t>
-              </a:r>
-              <a:endParaRPr lang="en-US" sz="1600" dirty="0"/>
             </a:p>
           </p:txBody>
         </p:sp>
@@ -29242,7 +29625,7 @@
           <p:cNvPr id="18" name="Nhóm 17">
             <a:extLst>
               <a:ext uri="{FF2B5EF4-FFF2-40B4-BE49-F238E27FC236}">
-                <a16:creationId xmlns="" xmlns:a16="http://schemas.microsoft.com/office/drawing/2014/main" id="{991C20CC-AE4F-43DD-A54B-B71C0DAF2EEE}"/>
+                <a16:creationId xmlns:a16="http://schemas.microsoft.com/office/drawing/2014/main" id="{991C20CC-AE4F-43DD-A54B-B71C0DAF2EEE}"/>
               </a:ext>
             </a:extLst>
           </p:cNvPr>
@@ -29262,7 +29645,7 @@
             <p:cNvPr id="16" name="Đồ họa 15" descr="Đi bộ đường dài">
               <a:extLst>
                 <a:ext uri="{FF2B5EF4-FFF2-40B4-BE49-F238E27FC236}">
-                  <a16:creationId xmlns="" xmlns:a16="http://schemas.microsoft.com/office/drawing/2014/main" id="{2912AB2F-A1E6-4A59-8809-6FA1097211FE}"/>
+                  <a16:creationId xmlns:a16="http://schemas.microsoft.com/office/drawing/2014/main" id="{2912AB2F-A1E6-4A59-8809-6FA1097211FE}"/>
                 </a:ext>
               </a:extLst>
             </p:cNvPr>
@@ -29278,7 +29661,7 @@
                   <a14:useLocalDpi xmlns:a14="http://schemas.microsoft.com/office/drawing/2010/main" val="0"/>
                 </a:ext>
                 <a:ext uri="{96DAC541-7B7A-43D3-8B79-37D633B846F1}">
-                  <asvg:svgBlip xmlns="" xmlns:asvg="http://schemas.microsoft.com/office/drawing/2016/SVG/main" r:embed="rId3"/>
+                  <asvg:svgBlip xmlns:asvg="http://schemas.microsoft.com/office/drawing/2016/SVG/main" r:embed="rId3"/>
                 </a:ext>
               </a:extLst>
             </a:blip>
@@ -29301,7 +29684,7 @@
             <p:cNvPr id="17" name="Hộp Văn bản 16">
               <a:extLst>
                 <a:ext uri="{FF2B5EF4-FFF2-40B4-BE49-F238E27FC236}">
-                  <a16:creationId xmlns="" xmlns:a16="http://schemas.microsoft.com/office/drawing/2014/main" id="{BEC4AE55-6F36-4EC4-AEA6-616B1D7E3962}"/>
+                  <a16:creationId xmlns:a16="http://schemas.microsoft.com/office/drawing/2014/main" id="{BEC4AE55-6F36-4EC4-AEA6-616B1D7E3962}"/>
                 </a:ext>
               </a:extLst>
             </p:cNvPr>
@@ -29326,35 +29709,14 @@
             <a:p>
               <a:r>
                 <a:rPr lang="en-US" b="1" dirty="0"/>
-                <a:t>Not good </a:t>
-              </a:r>
-              <a:r>
-                <a:rPr lang="en-US" b="1" dirty="0" smtClean="0"/>
-                <a:t>verification management </a:t>
-              </a:r>
-              <a:r>
-                <a:rPr lang="en-US" b="1" dirty="0"/>
-                <a:t>methods</a:t>
+                <a:t>Not good verification management methods</a:t>
               </a:r>
             </a:p>
             <a:p>
               <a:r>
                 <a:rPr lang="en-US" sz="1600" dirty="0"/>
-                <a:t>+ Propose some </a:t>
+                <a:t>+ Propose some verification management ideas, not much improvement in R-Car Gen 3</a:t>
               </a:r>
-              <a:r>
-                <a:rPr lang="en-US" sz="1600" dirty="0" smtClean="0"/>
-                <a:t>verification management </a:t>
-              </a:r>
-              <a:r>
-                <a:rPr lang="en-US" sz="1600" dirty="0"/>
-                <a:t>ideas, not much </a:t>
-              </a:r>
-              <a:r>
-                <a:rPr lang="en-US" sz="1600" dirty="0" smtClean="0"/>
-                <a:t>improvement in R-Car Gen 3</a:t>
-              </a:r>
-              <a:endParaRPr lang="en-US" sz="1600" dirty="0"/>
             </a:p>
           </p:txBody>
         </p:sp>
@@ -29364,7 +29726,7 @@
           <p:cNvPr id="22" name="Nhóm 20">
             <a:extLst>
               <a:ext uri="{FF2B5EF4-FFF2-40B4-BE49-F238E27FC236}">
-                <a16:creationId xmlns="" xmlns:a16="http://schemas.microsoft.com/office/drawing/2014/main" id="{102BA104-D188-46C0-A1DE-1A882B139F23}"/>
+                <a16:creationId xmlns:a16="http://schemas.microsoft.com/office/drawing/2014/main" id="{102BA104-D188-46C0-A1DE-1A882B139F23}"/>
               </a:ext>
             </a:extLst>
           </p:cNvPr>
@@ -29384,7 +29746,7 @@
             <p:cNvPr id="23" name="Đồ họa 9" descr="Đi bộ đường dài">
               <a:extLst>
                 <a:ext uri="{FF2B5EF4-FFF2-40B4-BE49-F238E27FC236}">
-                  <a16:creationId xmlns="" xmlns:a16="http://schemas.microsoft.com/office/drawing/2014/main" id="{2E10C064-20E5-4C46-9DF3-3B2E5A049C0C}"/>
+                  <a16:creationId xmlns:a16="http://schemas.microsoft.com/office/drawing/2014/main" id="{2E10C064-20E5-4C46-9DF3-3B2E5A049C0C}"/>
                 </a:ext>
               </a:extLst>
             </p:cNvPr>
@@ -29400,7 +29762,7 @@
                   <a14:useLocalDpi xmlns:a14="http://schemas.microsoft.com/office/drawing/2010/main" val="0"/>
                 </a:ext>
                 <a:ext uri="{96DAC541-7B7A-43D3-8B79-37D633B846F1}">
-                  <asvg:svgBlip xmlns="" xmlns:asvg="http://schemas.microsoft.com/office/drawing/2016/SVG/main" r:embed="rId3"/>
+                  <asvg:svgBlip xmlns:asvg="http://schemas.microsoft.com/office/drawing/2016/SVG/main" r:embed="rId3"/>
                 </a:ext>
               </a:extLst>
             </a:blip>
@@ -29423,7 +29785,7 @@
             <p:cNvPr id="24" name="Hộp Văn bản 10">
               <a:extLst>
                 <a:ext uri="{FF2B5EF4-FFF2-40B4-BE49-F238E27FC236}">
-                  <a16:creationId xmlns="" xmlns:a16="http://schemas.microsoft.com/office/drawing/2014/main" id="{D6D30BE7-FEB6-4A5B-A67B-820E622429B5}"/>
+                  <a16:creationId xmlns:a16="http://schemas.microsoft.com/office/drawing/2014/main" id="{D6D30BE7-FEB6-4A5B-A67B-820E622429B5}"/>
                 </a:ext>
               </a:extLst>
             </p:cNvPr>
@@ -29447,16 +29809,15 @@
             <a:lstStyle/>
             <a:p>
               <a:r>
-                <a:rPr lang="en-US" b="1" dirty="0" smtClean="0"/>
+                <a:rPr lang="en-US" b="1" dirty="0"/>
                 <a:t>Inconsistency in guideline document between generations</a:t>
               </a:r>
             </a:p>
             <a:p>
               <a:r>
-                <a:rPr lang="en-US" sz="1600" dirty="0" smtClean="0"/>
+                <a:rPr lang="en-US" sz="1600" dirty="0"/>
                 <a:t>+ Collect the latest version of necessary document and store them in a local folder</a:t>
               </a:r>
-              <a:endParaRPr lang="en-US" sz="1600" dirty="0"/>
             </a:p>
           </p:txBody>
         </p:sp>
@@ -29542,14 +29903,14 @@
                 <a:gridCol w="8073042">
                   <a:extLst>
                     <a:ext uri="{9D8B030D-6E8A-4147-A177-3AD203B41FA5}">
-                      <a16:colId xmlns="" xmlns:a16="http://schemas.microsoft.com/office/drawing/2014/main" val="20000"/>
+                      <a16:colId xmlns:a16="http://schemas.microsoft.com/office/drawing/2014/main" val="20000"/>
                     </a:ext>
                   </a:extLst>
                 </a:gridCol>
                 <a:gridCol w="847164">
                   <a:extLst>
                     <a:ext uri="{9D8B030D-6E8A-4147-A177-3AD203B41FA5}">
-                      <a16:colId xmlns="" xmlns:a16="http://schemas.microsoft.com/office/drawing/2014/main" val="20001"/>
+                      <a16:colId xmlns:a16="http://schemas.microsoft.com/office/drawing/2014/main" val="20001"/>
                     </a:ext>
                   </a:extLst>
                 </a:gridCol>
@@ -29579,13 +29940,8 @@
                       </a:pPr>
                       <a:r>
                         <a:rPr lang="en-US" sz="2800" dirty="0"/>
-                        <a:t> </a:t>
+                        <a:t> Mentor-Mentee interaction</a:t>
                       </a:r>
-                      <a:r>
-                        <a:rPr lang="en-US" sz="2800" dirty="0" smtClean="0"/>
-                        <a:t>Mentor-Mentee interaction</a:t>
-                      </a:r>
-                      <a:endParaRPr lang="en-US" sz="2800" dirty="0"/>
                     </a:p>
                   </a:txBody>
                   <a:tcPr/>
@@ -29606,7 +29962,7 @@
                 </a:tc>
                 <a:extLst>
                   <a:ext uri="{0D108BD9-81ED-4DB2-BD59-A6C34878D82A}">
-                    <a16:rowId xmlns="" xmlns:a16="http://schemas.microsoft.com/office/drawing/2014/main" val="10000"/>
+                    <a16:rowId xmlns:a16="http://schemas.microsoft.com/office/drawing/2014/main" val="10000"/>
                   </a:ext>
                 </a:extLst>
               </a:tr>
@@ -29630,11 +29986,7 @@
                       </a:r>
                       <a:r>
                         <a:rPr lang="en-US" sz="2800" baseline="0" dirty="0"/>
-                        <a:t> </a:t>
-                      </a:r>
-                      <a:r>
-                        <a:rPr lang="en-US" sz="2800" baseline="0" dirty="0" smtClean="0"/>
-                        <a:t>year result</a:t>
+                        <a:t> year result</a:t>
                       </a:r>
                       <a:endParaRPr lang="en-US" sz="2800" dirty="0"/>
                     </a:p>
@@ -29648,17 +30000,16 @@
                     <a:p>
                       <a:pPr algn="r"/>
                       <a:r>
-                        <a:rPr lang="en-US" sz="2800" dirty="0" smtClean="0"/>
+                        <a:rPr lang="en-US" sz="2800" dirty="0"/>
                         <a:t>4</a:t>
                       </a:r>
-                      <a:endParaRPr lang="en-US" sz="2800" dirty="0"/>
                     </a:p>
                   </a:txBody>
                   <a:tcPr/>
                 </a:tc>
                 <a:extLst>
                   <a:ext uri="{0D108BD9-81ED-4DB2-BD59-A6C34878D82A}">
-                    <a16:rowId xmlns="" xmlns:a16="http://schemas.microsoft.com/office/drawing/2014/main" val="10001"/>
+                    <a16:rowId xmlns:a16="http://schemas.microsoft.com/office/drawing/2014/main" val="10001"/>
                   </a:ext>
                 </a:extLst>
               </a:tr>
@@ -29695,11 +30046,7 @@
                       </a:r>
                       <a:r>
                         <a:rPr lang="en-US" sz="2800" baseline="0" dirty="0"/>
-                        <a:t> </a:t>
-                      </a:r>
-                      <a:r>
-                        <a:rPr lang="en-US" sz="2800" baseline="0" dirty="0" smtClean="0"/>
-                        <a:t>year target</a:t>
+                        <a:t> year target</a:t>
                       </a:r>
                       <a:endParaRPr lang="en-US" sz="2800" dirty="0"/>
                     </a:p>
@@ -29713,17 +30060,16 @@
                     <a:p>
                       <a:pPr algn="r"/>
                       <a:r>
-                        <a:rPr lang="en-US" sz="2800" dirty="0" smtClean="0"/>
+                        <a:rPr lang="en-US" sz="2800" dirty="0"/>
                         <a:t>15</a:t>
                       </a:r>
-                      <a:endParaRPr lang="en-US" sz="2800" dirty="0" smtClean="0"/>
                     </a:p>
                   </a:txBody>
                   <a:tcPr/>
                 </a:tc>
                 <a:extLst>
                   <a:ext uri="{0D108BD9-81ED-4DB2-BD59-A6C34878D82A}">
-                    <a16:rowId xmlns="" xmlns:a16="http://schemas.microsoft.com/office/drawing/2014/main" val="10002"/>
+                    <a16:rowId xmlns:a16="http://schemas.microsoft.com/office/drawing/2014/main" val="10002"/>
                   </a:ext>
                 </a:extLst>
               </a:tr>
@@ -29751,11 +30097,11 @@
                         <a:defRPr/>
                       </a:pPr>
                       <a:r>
-                        <a:rPr lang="en-US" sz="2800" dirty="0" smtClean="0"/>
+                        <a:rPr lang="en-US" sz="2800" dirty="0"/>
                         <a:t> Difficulties</a:t>
                       </a:r>
                       <a:r>
-                        <a:rPr lang="en-US" sz="2800" baseline="0" dirty="0" smtClean="0"/>
+                        <a:rPr lang="en-US" sz="2800" baseline="0" dirty="0"/>
                         <a:t> and countermeasure</a:t>
                       </a:r>
                       <a:endParaRPr lang="en-US" sz="2800" dirty="0"/>
@@ -29770,14 +30116,18 @@
                     <a:p>
                       <a:pPr algn="r"/>
                       <a:r>
-                        <a:rPr lang="en-US" sz="2800" dirty="0" smtClean="0"/>
+                        <a:rPr lang="en-US" sz="2800" dirty="0"/>
                         <a:t>19</a:t>
                       </a:r>
-                      <a:endParaRPr lang="en-US" sz="2800" dirty="0" smtClean="0"/>
                     </a:p>
                   </a:txBody>
                   <a:tcPr/>
                 </a:tc>
+                <a:extLst>
+                  <a:ext uri="{0D108BD9-81ED-4DB2-BD59-A6C34878D82A}">
+                    <a16:rowId xmlns:a16="http://schemas.microsoft.com/office/drawing/2014/main" val="10004"/>
+                  </a:ext>
+                </a:extLst>
               </a:tr>
               <a:tr h="370840">
                 <a:tc>
@@ -29804,17 +30154,16 @@
                     <a:p>
                       <a:pPr algn="r"/>
                       <a:r>
-                        <a:rPr lang="en-US" sz="2800" dirty="0" smtClean="0"/>
+                        <a:rPr lang="en-US" sz="2800" dirty="0"/>
                         <a:t>20</a:t>
                       </a:r>
-                      <a:endParaRPr lang="en-US" sz="2800" dirty="0"/>
                     </a:p>
                   </a:txBody>
                   <a:tcPr/>
                 </a:tc>
                 <a:extLst>
                   <a:ext uri="{0D108BD9-81ED-4DB2-BD59-A6C34878D82A}">
-                    <a16:rowId xmlns="" xmlns:a16="http://schemas.microsoft.com/office/drawing/2014/main" val="10003"/>
+                    <a16:rowId xmlns:a16="http://schemas.microsoft.com/office/drawing/2014/main" val="10003"/>
                   </a:ext>
                 </a:extLst>
               </a:tr>
@@ -30204,10 +30553,9 @@
           <a:lstStyle/>
           <a:p>
             <a:r>
-              <a:rPr lang="en-US" dirty="0" smtClean="0"/>
+              <a:rPr lang="en-US" dirty="0"/>
               <a:t>MENTOR-MENTEE INTERACTION</a:t>
             </a:r>
-            <a:endParaRPr lang="en-US" dirty="0"/>
           </a:p>
         </p:txBody>
       </p:sp>
@@ -30292,10 +30640,9 @@
           <a:p>
             <a:pPr algn="ctr"/>
             <a:r>
-              <a:rPr lang="en-US" dirty="0" smtClean="0"/>
+              <a:rPr lang="en-US" dirty="0"/>
               <a:t>Make plan</a:t>
             </a:r>
-            <a:endParaRPr lang="en-US" dirty="0"/>
           </a:p>
         </p:txBody>
       </p:sp>
@@ -30351,10 +30698,9 @@
           <a:p>
             <a:pPr algn="ctr"/>
             <a:r>
-              <a:rPr lang="en-US" dirty="0" smtClean="0"/>
+              <a:rPr lang="en-US" dirty="0"/>
               <a:t>Assign task</a:t>
             </a:r>
-            <a:endParaRPr lang="en-US" dirty="0"/>
           </a:p>
         </p:txBody>
       </p:sp>
@@ -30410,10 +30756,9 @@
           <a:p>
             <a:pPr algn="ctr"/>
             <a:r>
-              <a:rPr lang="en-US" dirty="0" smtClean="0"/>
+              <a:rPr lang="en-US" dirty="0"/>
               <a:t>Perform task</a:t>
             </a:r>
-            <a:endParaRPr lang="en-US" dirty="0"/>
           </a:p>
         </p:txBody>
       </p:sp>
@@ -30469,17 +30814,16 @@
           <a:p>
             <a:pPr algn="ctr"/>
             <a:r>
-              <a:rPr lang="en-US" dirty="0" smtClean="0"/>
+              <a:rPr lang="en-US" dirty="0"/>
               <a:t>Guide,</a:t>
             </a:r>
           </a:p>
           <a:p>
             <a:pPr algn="ctr"/>
             <a:r>
-              <a:rPr lang="en-US" dirty="0" smtClean="0"/>
+              <a:rPr lang="en-US" dirty="0"/>
               <a:t>support</a:t>
             </a:r>
-            <a:endParaRPr lang="en-US" dirty="0"/>
           </a:p>
         </p:txBody>
       </p:sp>
@@ -30617,17 +30961,16 @@
           <a:p>
             <a:pPr algn="ctr"/>
             <a:r>
-              <a:rPr lang="en-US" dirty="0" smtClean="0"/>
+              <a:rPr lang="en-US" dirty="0"/>
               <a:t>Review,</a:t>
             </a:r>
           </a:p>
           <a:p>
             <a:pPr algn="ctr"/>
             <a:r>
-              <a:rPr lang="en-US" dirty="0" smtClean="0"/>
+              <a:rPr lang="en-US" dirty="0"/>
               <a:t>evaluate</a:t>
             </a:r>
-            <a:endParaRPr lang="en-US" dirty="0"/>
           </a:p>
         </p:txBody>
       </p:sp>
@@ -30838,10 +31181,9 @@
           <a:lstStyle/>
           <a:p>
             <a:r>
-              <a:rPr lang="en-US" dirty="0" smtClean="0"/>
+              <a:rPr lang="en-US" dirty="0"/>
               <a:t>Overview</a:t>
             </a:r>
-            <a:endParaRPr lang="en-US" dirty="0"/>
           </a:p>
         </p:txBody>
       </p:sp>
@@ -30862,7 +31204,7 @@
           <a:p>
             <a:pPr algn="l"/>
             <a:r>
-              <a:rPr lang="de-DE" smtClean="0"/>
+              <a:rPr lang="de-DE"/>
               <a:t>Page </a:t>
             </a:r>
             <a:fld id="{3FD030EF-7044-4946-962A-5D7D09BD1B34}" type="slidenum">
@@ -30894,7 +31236,7 @@
         </p:xfrm>
         <a:graphic>
           <a:graphicData uri="http://schemas.openxmlformats.org/drawingml/2006/chart">
-            <c:chart xmlns:c="http://schemas.openxmlformats.org/drawingml/2006/chart" xmlns:r="http://schemas.openxmlformats.org/officeDocument/2006/relationships" r:id="rId2"/>
+            <c:chart xmlns:c="http://schemas.openxmlformats.org/drawingml/2006/chart" xmlns:r="http://schemas.openxmlformats.org/officeDocument/2006/relationships" r:id="rId3"/>
           </a:graphicData>
         </a:graphic>
       </p:graphicFrame>
@@ -30984,7 +31326,7 @@
           <p:cNvPr id="23" name="Rectangle 57">
             <a:extLst>
               <a:ext uri="{FF2B5EF4-FFF2-40B4-BE49-F238E27FC236}">
-                <a16:creationId xmlns="" xmlns:a16="http://schemas.microsoft.com/office/drawing/2014/main" id="{09275399-827C-4D40-B298-E6CCFA7F4876}"/>
+                <a16:creationId xmlns:a16="http://schemas.microsoft.com/office/drawing/2014/main" id="{09275399-827C-4D40-B298-E6CCFA7F4876}"/>
               </a:ext>
             </a:extLst>
           </p:cNvPr>
@@ -31036,7 +31378,7 @@
           <p:cNvPr id="24" name="Rectangle 58">
             <a:extLst>
               <a:ext uri="{FF2B5EF4-FFF2-40B4-BE49-F238E27FC236}">
-                <a16:creationId xmlns="" xmlns:a16="http://schemas.microsoft.com/office/drawing/2014/main" id="{3BCFA52C-30EB-4051-B9D0-2D72F2FE96A6}"/>
+                <a16:creationId xmlns:a16="http://schemas.microsoft.com/office/drawing/2014/main" id="{3BCFA52C-30EB-4051-B9D0-2D72F2FE96A6}"/>
               </a:ext>
             </a:extLst>
           </p:cNvPr>
@@ -31088,7 +31430,7 @@
           <p:cNvPr id="25" name="TextBox 59">
             <a:extLst>
               <a:ext uri="{FF2B5EF4-FFF2-40B4-BE49-F238E27FC236}">
-                <a16:creationId xmlns="" xmlns:a16="http://schemas.microsoft.com/office/drawing/2014/main" id="{59D1C1E6-8E8B-4C9F-A3A7-05F94A7E9AC7}"/>
+                <a16:creationId xmlns:a16="http://schemas.microsoft.com/office/drawing/2014/main" id="{59D1C1E6-8E8B-4C9F-A3A7-05F94A7E9AC7}"/>
               </a:ext>
             </a:extLst>
           </p:cNvPr>
@@ -31153,7 +31495,7 @@
           <p:cNvPr id="52" name="Nhóm 51">
             <a:extLst>
               <a:ext uri="{FF2B5EF4-FFF2-40B4-BE49-F238E27FC236}">
-                <a16:creationId xmlns="" xmlns:a16="http://schemas.microsoft.com/office/drawing/2014/main" id="{A4574363-5C72-4420-8D45-860D91133E28}"/>
+                <a16:creationId xmlns:a16="http://schemas.microsoft.com/office/drawing/2014/main" id="{A4574363-5C72-4420-8D45-860D91133E28}"/>
               </a:ext>
             </a:extLst>
           </p:cNvPr>
@@ -31173,7 +31515,7 @@
             <p:cNvPr id="5" name="Đồ họa 4" descr="Danh sách">
               <a:extLst>
                 <a:ext uri="{FF2B5EF4-FFF2-40B4-BE49-F238E27FC236}">
-                  <a16:creationId xmlns="" xmlns:a16="http://schemas.microsoft.com/office/drawing/2014/main" id="{56C4B8AF-39A3-458A-B4EF-24F18BA48BA4}"/>
+                  <a16:creationId xmlns:a16="http://schemas.microsoft.com/office/drawing/2014/main" id="{56C4B8AF-39A3-458A-B4EF-24F18BA48BA4}"/>
                 </a:ext>
               </a:extLst>
             </p:cNvPr>
@@ -31189,7 +31531,7 @@
                   <a14:useLocalDpi xmlns:a14="http://schemas.microsoft.com/office/drawing/2010/main" val="0"/>
                 </a:ext>
                 <a:ext uri="{96DAC541-7B7A-43D3-8B79-37D633B846F1}">
-                  <asvg:svgBlip xmlns="" xmlns:asvg="http://schemas.microsoft.com/office/drawing/2016/SVG/main" r:embed="rId3"/>
+                  <asvg:svgBlip xmlns:asvg="http://schemas.microsoft.com/office/drawing/2016/SVG/main" r:embed="rId3"/>
                 </a:ext>
               </a:extLst>
             </a:blip>
@@ -31212,7 +31554,7 @@
             <p:cNvPr id="16" name="Hình chữ nhật 15">
               <a:extLst>
                 <a:ext uri="{FF2B5EF4-FFF2-40B4-BE49-F238E27FC236}">
-                  <a16:creationId xmlns="" xmlns:a16="http://schemas.microsoft.com/office/drawing/2014/main" id="{78A041CB-35D8-4F4D-8B81-AD058566D403}"/>
+                  <a16:creationId xmlns:a16="http://schemas.microsoft.com/office/drawing/2014/main" id="{78A041CB-35D8-4F4D-8B81-AD058566D403}"/>
                 </a:ext>
               </a:extLst>
             </p:cNvPr>
@@ -31246,7 +31588,7 @@
             <p:cNvPr id="26" name="Rectangle 47">
               <a:extLst>
                 <a:ext uri="{FF2B5EF4-FFF2-40B4-BE49-F238E27FC236}">
-                  <a16:creationId xmlns="" xmlns:a16="http://schemas.microsoft.com/office/drawing/2014/main" id="{4DB5DAFA-3437-4521-B67C-5AFA6E093998}"/>
+                  <a16:creationId xmlns:a16="http://schemas.microsoft.com/office/drawing/2014/main" id="{4DB5DAFA-3437-4521-B67C-5AFA6E093998}"/>
                 </a:ext>
               </a:extLst>
             </p:cNvPr>
@@ -31301,7 +31643,7 @@
             <p:cNvPr id="27" name="Rectangle 48">
               <a:extLst>
                 <a:ext uri="{FF2B5EF4-FFF2-40B4-BE49-F238E27FC236}">
-                  <a16:creationId xmlns="" xmlns:a16="http://schemas.microsoft.com/office/drawing/2014/main" id="{D3AD5E18-F395-407B-A874-FED8FCE9E71F}"/>
+                  <a16:creationId xmlns:a16="http://schemas.microsoft.com/office/drawing/2014/main" id="{D3AD5E18-F395-407B-A874-FED8FCE9E71F}"/>
                 </a:ext>
               </a:extLst>
             </p:cNvPr>
@@ -31353,7 +31695,7 @@
             <p:cNvPr id="28" name="Rectangle 49">
               <a:extLst>
                 <a:ext uri="{FF2B5EF4-FFF2-40B4-BE49-F238E27FC236}">
-                  <a16:creationId xmlns="" xmlns:a16="http://schemas.microsoft.com/office/drawing/2014/main" id="{472058DE-DBD8-46F8-BACB-8B73B45D88D7}"/>
+                  <a16:creationId xmlns:a16="http://schemas.microsoft.com/office/drawing/2014/main" id="{472058DE-DBD8-46F8-BACB-8B73B45D88D7}"/>
                 </a:ext>
               </a:extLst>
             </p:cNvPr>
@@ -31408,7 +31750,7 @@
             <p:cNvPr id="29" name="Rectangle 61">
               <a:extLst>
                 <a:ext uri="{FF2B5EF4-FFF2-40B4-BE49-F238E27FC236}">
-                  <a16:creationId xmlns="" xmlns:a16="http://schemas.microsoft.com/office/drawing/2014/main" id="{F255DC2B-80E7-47F3-9C06-028697B7C22E}"/>
+                  <a16:creationId xmlns:a16="http://schemas.microsoft.com/office/drawing/2014/main" id="{F255DC2B-80E7-47F3-9C06-028697B7C22E}"/>
                 </a:ext>
               </a:extLst>
             </p:cNvPr>
@@ -31464,7 +31806,7 @@
           <p:cNvPr id="44" name="Nhóm 43">
             <a:extLst>
               <a:ext uri="{FF2B5EF4-FFF2-40B4-BE49-F238E27FC236}">
-                <a16:creationId xmlns="" xmlns:a16="http://schemas.microsoft.com/office/drawing/2014/main" id="{7F88693A-EBA1-4433-9EAC-D0DDDD40A819}"/>
+                <a16:creationId xmlns:a16="http://schemas.microsoft.com/office/drawing/2014/main" id="{7F88693A-EBA1-4433-9EAC-D0DDDD40A819}"/>
               </a:ext>
             </a:extLst>
           </p:cNvPr>
@@ -31484,7 +31826,7 @@
             <p:cNvPr id="11" name="Đồ họa 10" descr="Hệ thống phân cấp">
               <a:extLst>
                 <a:ext uri="{FF2B5EF4-FFF2-40B4-BE49-F238E27FC236}">
-                  <a16:creationId xmlns="" xmlns:a16="http://schemas.microsoft.com/office/drawing/2014/main" id="{85936E65-059E-4F1C-B224-9979CB5B11C7}"/>
+                  <a16:creationId xmlns:a16="http://schemas.microsoft.com/office/drawing/2014/main" id="{85936E65-059E-4F1C-B224-9979CB5B11C7}"/>
                 </a:ext>
               </a:extLst>
             </p:cNvPr>
@@ -31500,7 +31842,7 @@
                   <a14:useLocalDpi xmlns:a14="http://schemas.microsoft.com/office/drawing/2010/main" val="0"/>
                 </a:ext>
                 <a:ext uri="{96DAC541-7B7A-43D3-8B79-37D633B846F1}">
-                  <asvg:svgBlip xmlns="" xmlns:asvg="http://schemas.microsoft.com/office/drawing/2016/SVG/main" r:embed="rId5"/>
+                  <asvg:svgBlip xmlns:asvg="http://schemas.microsoft.com/office/drawing/2016/SVG/main" r:embed="rId5"/>
                 </a:ext>
               </a:extLst>
             </a:blip>
@@ -31523,7 +31865,7 @@
             <p:cNvPr id="19" name="Hình chữ nhật 18">
               <a:extLst>
                 <a:ext uri="{FF2B5EF4-FFF2-40B4-BE49-F238E27FC236}">
-                  <a16:creationId xmlns="" xmlns:a16="http://schemas.microsoft.com/office/drawing/2014/main" id="{88FFDA5E-41CA-4722-A448-DC01BCD849EB}"/>
+                  <a16:creationId xmlns:a16="http://schemas.microsoft.com/office/drawing/2014/main" id="{88FFDA5E-41CA-4722-A448-DC01BCD849EB}"/>
                 </a:ext>
               </a:extLst>
             </p:cNvPr>
@@ -31557,7 +31899,7 @@
             <p:cNvPr id="38" name="Rectangle 47">
               <a:extLst>
                 <a:ext uri="{FF2B5EF4-FFF2-40B4-BE49-F238E27FC236}">
-                  <a16:creationId xmlns="" xmlns:a16="http://schemas.microsoft.com/office/drawing/2014/main" id="{E4D56A3B-D6F6-4BF1-A466-C5BAC68F8DBE}"/>
+                  <a16:creationId xmlns:a16="http://schemas.microsoft.com/office/drawing/2014/main" id="{E4D56A3B-D6F6-4BF1-A466-C5BAC68F8DBE}"/>
                 </a:ext>
               </a:extLst>
             </p:cNvPr>
@@ -31612,7 +31954,7 @@
             <p:cNvPr id="39" name="Rectangle 48">
               <a:extLst>
                 <a:ext uri="{FF2B5EF4-FFF2-40B4-BE49-F238E27FC236}">
-                  <a16:creationId xmlns="" xmlns:a16="http://schemas.microsoft.com/office/drawing/2014/main" id="{EDC3B671-9D41-4660-A5E1-D57F79CEDA39}"/>
+                  <a16:creationId xmlns:a16="http://schemas.microsoft.com/office/drawing/2014/main" id="{EDC3B671-9D41-4660-A5E1-D57F79CEDA39}"/>
                 </a:ext>
               </a:extLst>
             </p:cNvPr>
@@ -31668,7 +32010,7 @@
           <p:cNvPr id="48" name="Đồ họa 47" descr="Đồng hồ đo">
             <a:extLst>
               <a:ext uri="{FF2B5EF4-FFF2-40B4-BE49-F238E27FC236}">
-                <a16:creationId xmlns="" xmlns:a16="http://schemas.microsoft.com/office/drawing/2014/main" id="{6935365F-F45D-4605-96E4-BB597CBDBD70}"/>
+                <a16:creationId xmlns:a16="http://schemas.microsoft.com/office/drawing/2014/main" id="{6935365F-F45D-4605-96E4-BB597CBDBD70}"/>
               </a:ext>
             </a:extLst>
           </p:cNvPr>
@@ -31684,7 +32026,7 @@
                 <a14:useLocalDpi xmlns:a14="http://schemas.microsoft.com/office/drawing/2010/main" val="0"/>
               </a:ext>
               <a:ext uri="{96DAC541-7B7A-43D3-8B79-37D633B846F1}">
-                <asvg:svgBlip xmlns="" xmlns:asvg="http://schemas.microsoft.com/office/drawing/2016/SVG/main" r:embed="rId9"/>
+                <asvg:svgBlip xmlns:asvg="http://schemas.microsoft.com/office/drawing/2016/SVG/main" r:embed="rId7"/>
               </a:ext>
             </a:extLst>
           </a:blip>
@@ -31714,7 +32056,7 @@
           <p:cNvPr id="49" name="Hộp Văn bản 48">
             <a:extLst>
               <a:ext uri="{FF2B5EF4-FFF2-40B4-BE49-F238E27FC236}">
-                <a16:creationId xmlns="" xmlns:a16="http://schemas.microsoft.com/office/drawing/2014/main" id="{DA2BD592-48EC-428F-BFAC-21377B3D45DF}"/>
+                <a16:creationId xmlns:a16="http://schemas.microsoft.com/office/drawing/2014/main" id="{DA2BD592-48EC-428F-BFAC-21377B3D45DF}"/>
               </a:ext>
             </a:extLst>
           </p:cNvPr>
@@ -31739,7 +32081,7 @@
           <a:p>
             <a:pPr algn="ctr"/>
             <a:r>
-              <a:rPr lang="en-US" sz="2800" b="1" dirty="0" smtClean="0">
+              <a:rPr lang="en-US" sz="2800" b="1" dirty="0">
                 <a:solidFill>
                   <a:srgbClr val="FF0000"/>
                 </a:solidFill>
@@ -31747,7 +32089,7 @@
               <a:t>1.8</a:t>
             </a:r>
             <a:r>
-              <a:rPr lang="en-US" sz="2800" b="1" dirty="0" smtClean="0">
+              <a:rPr lang="en-US" sz="2800" b="1" dirty="0">
                 <a:solidFill>
                   <a:schemeClr val="tx2"/>
                 </a:solidFill>
@@ -31767,7 +32109,7 @@
           <p:cNvPr id="40" name="Nhóm 39">
             <a:extLst>
               <a:ext uri="{FF2B5EF4-FFF2-40B4-BE49-F238E27FC236}">
-                <a16:creationId xmlns="" xmlns:a16="http://schemas.microsoft.com/office/drawing/2014/main" id="{17405834-B649-4C02-8BEC-34F2623AC7A5}"/>
+                <a16:creationId xmlns:a16="http://schemas.microsoft.com/office/drawing/2014/main" id="{17405834-B649-4C02-8BEC-34F2623AC7A5}"/>
               </a:ext>
             </a:extLst>
           </p:cNvPr>
@@ -31787,7 +32129,7 @@
             <p:cNvPr id="15" name="Đồ họa 14" descr="Biểu đồ hình tròn">
               <a:extLst>
                 <a:ext uri="{FF2B5EF4-FFF2-40B4-BE49-F238E27FC236}">
-                  <a16:creationId xmlns="" xmlns:a16="http://schemas.microsoft.com/office/drawing/2014/main" id="{5A477F48-AD05-4411-B21F-1F8661FE3756}"/>
+                  <a16:creationId xmlns:a16="http://schemas.microsoft.com/office/drawing/2014/main" id="{5A477F48-AD05-4411-B21F-1F8661FE3756}"/>
                 </a:ext>
               </a:extLst>
             </p:cNvPr>
@@ -31797,13 +32139,13 @@
             <p:nvPr/>
           </p:nvPicPr>
           <p:blipFill>
-            <a:blip r:embed="rId10" cstate="print">
+            <a:blip r:embed="rId8" cstate="print">
               <a:extLst>
                 <a:ext uri="{28A0092B-C50C-407E-A947-70E740481C1C}">
                   <a14:useLocalDpi xmlns:a14="http://schemas.microsoft.com/office/drawing/2010/main" val="0"/>
                 </a:ext>
                 <a:ext uri="{96DAC541-7B7A-43D3-8B79-37D633B846F1}">
-                  <asvg:svgBlip xmlns="" xmlns:asvg="http://schemas.microsoft.com/office/drawing/2016/SVG/main" r:embed="rId11"/>
+                  <asvg:svgBlip xmlns:asvg="http://schemas.microsoft.com/office/drawing/2016/SVG/main" r:embed="rId9"/>
                 </a:ext>
               </a:extLst>
             </a:blip>
@@ -31826,7 +32168,7 @@
             <p:cNvPr id="21" name="Hình chữ nhật 20">
               <a:extLst>
                 <a:ext uri="{FF2B5EF4-FFF2-40B4-BE49-F238E27FC236}">
-                  <a16:creationId xmlns="" xmlns:a16="http://schemas.microsoft.com/office/drawing/2014/main" id="{0DFC0BD6-9B2A-4DA2-B49D-AE6FBA58DDE0}"/>
+                  <a16:creationId xmlns:a16="http://schemas.microsoft.com/office/drawing/2014/main" id="{0DFC0BD6-9B2A-4DA2-B49D-AE6FBA58DDE0}"/>
                 </a:ext>
               </a:extLst>
             </p:cNvPr>
@@ -31860,7 +32202,7 @@
             <p:cNvPr id="46" name="Rectangle 47">
               <a:extLst>
                 <a:ext uri="{FF2B5EF4-FFF2-40B4-BE49-F238E27FC236}">
-                  <a16:creationId xmlns="" xmlns:a16="http://schemas.microsoft.com/office/drawing/2014/main" id="{C480AB7D-FFB4-4C3A-8CD9-6447A7D1BCFE}"/>
+                  <a16:creationId xmlns:a16="http://schemas.microsoft.com/office/drawing/2014/main" id="{C480AB7D-FFB4-4C3A-8CD9-6447A7D1BCFE}"/>
                 </a:ext>
               </a:extLst>
             </p:cNvPr>
@@ -31915,7 +32257,7 @@
             <p:cNvPr id="47" name="Rectangle 48">
               <a:extLst>
                 <a:ext uri="{FF2B5EF4-FFF2-40B4-BE49-F238E27FC236}">
-                  <a16:creationId xmlns="" xmlns:a16="http://schemas.microsoft.com/office/drawing/2014/main" id="{CAFF18ED-38DE-41E7-873A-192F9D213989}"/>
+                  <a16:creationId xmlns:a16="http://schemas.microsoft.com/office/drawing/2014/main" id="{CAFF18ED-38DE-41E7-873A-192F9D213989}"/>
                 </a:ext>
               </a:extLst>
             </p:cNvPr>
@@ -31967,7 +32309,7 @@
             <p:cNvPr id="50" name="Rectangle 48">
               <a:extLst>
                 <a:ext uri="{FF2B5EF4-FFF2-40B4-BE49-F238E27FC236}">
-                  <a16:creationId xmlns="" xmlns:a16="http://schemas.microsoft.com/office/drawing/2014/main" id="{EE45BA4A-68B8-465B-8850-FE158A19638D}"/>
+                  <a16:creationId xmlns:a16="http://schemas.microsoft.com/office/drawing/2014/main" id="{EE45BA4A-68B8-465B-8850-FE158A19638D}"/>
                 </a:ext>
               </a:extLst>
             </p:cNvPr>
@@ -32023,7 +32365,7 @@
           <p:cNvPr id="53" name="Nhóm 52">
             <a:extLst>
               <a:ext uri="{FF2B5EF4-FFF2-40B4-BE49-F238E27FC236}">
-                <a16:creationId xmlns="" xmlns:a16="http://schemas.microsoft.com/office/drawing/2014/main" id="{8D43EF93-E103-42A7-A49B-61FED99E7F28}"/>
+                <a16:creationId xmlns:a16="http://schemas.microsoft.com/office/drawing/2014/main" id="{8D43EF93-E103-42A7-A49B-61FED99E7F28}"/>
               </a:ext>
             </a:extLst>
           </p:cNvPr>
@@ -32043,7 +32385,7 @@
             <p:cNvPr id="7" name="Đồ họa 6" descr="Trò chơi đố">
               <a:extLst>
                 <a:ext uri="{FF2B5EF4-FFF2-40B4-BE49-F238E27FC236}">
-                  <a16:creationId xmlns="" xmlns:a16="http://schemas.microsoft.com/office/drawing/2014/main" id="{E6CE28A9-C191-4956-9AA9-8F403711007B}"/>
+                  <a16:creationId xmlns:a16="http://schemas.microsoft.com/office/drawing/2014/main" id="{E6CE28A9-C191-4956-9AA9-8F403711007B}"/>
                 </a:ext>
               </a:extLst>
             </p:cNvPr>
@@ -32053,13 +32395,13 @@
             <p:nvPr/>
           </p:nvPicPr>
           <p:blipFill>
-            <a:blip r:embed="rId12" cstate="print">
+            <a:blip r:embed="rId10" cstate="print">
               <a:extLst>
                 <a:ext uri="{28A0092B-C50C-407E-A947-70E740481C1C}">
                   <a14:useLocalDpi xmlns:a14="http://schemas.microsoft.com/office/drawing/2010/main" val="0"/>
                 </a:ext>
                 <a:ext uri="{96DAC541-7B7A-43D3-8B79-37D633B846F1}">
-                  <asvg:svgBlip xmlns="" xmlns:asvg="http://schemas.microsoft.com/office/drawing/2016/SVG/main" r:embed="rId13"/>
+                  <asvg:svgBlip xmlns:asvg="http://schemas.microsoft.com/office/drawing/2016/SVG/main" r:embed="rId11"/>
                 </a:ext>
               </a:extLst>
             </a:blip>
@@ -32082,7 +32424,7 @@
             <p:cNvPr id="17" name="Hình chữ nhật 16">
               <a:extLst>
                 <a:ext uri="{FF2B5EF4-FFF2-40B4-BE49-F238E27FC236}">
-                  <a16:creationId xmlns="" xmlns:a16="http://schemas.microsoft.com/office/drawing/2014/main" id="{0ABF7092-221D-4DDF-B72F-B6EE9D2898F6}"/>
+                  <a16:creationId xmlns:a16="http://schemas.microsoft.com/office/drawing/2014/main" id="{0ABF7092-221D-4DDF-B72F-B6EE9D2898F6}"/>
                 </a:ext>
               </a:extLst>
             </p:cNvPr>
@@ -32116,7 +32458,7 @@
             <p:cNvPr id="30" name="Rectangle 47">
               <a:extLst>
                 <a:ext uri="{FF2B5EF4-FFF2-40B4-BE49-F238E27FC236}">
-                  <a16:creationId xmlns="" xmlns:a16="http://schemas.microsoft.com/office/drawing/2014/main" id="{1ACFA447-C354-431D-A66A-98973CA52645}"/>
+                  <a16:creationId xmlns:a16="http://schemas.microsoft.com/office/drawing/2014/main" id="{1ACFA447-C354-431D-A66A-98973CA52645}"/>
                 </a:ext>
               </a:extLst>
             </p:cNvPr>
@@ -32171,7 +32513,7 @@
             <p:cNvPr id="31" name="Rectangle 48">
               <a:extLst>
                 <a:ext uri="{FF2B5EF4-FFF2-40B4-BE49-F238E27FC236}">
-                  <a16:creationId xmlns="" xmlns:a16="http://schemas.microsoft.com/office/drawing/2014/main" id="{57E7E228-3EDA-487F-A681-980E6D67190D}"/>
+                  <a16:creationId xmlns:a16="http://schemas.microsoft.com/office/drawing/2014/main" id="{57E7E228-3EDA-487F-A681-980E6D67190D}"/>
                 </a:ext>
               </a:extLst>
             </p:cNvPr>
@@ -32223,7 +32565,7 @@
             <p:cNvPr id="32" name="Rectangle 49">
               <a:extLst>
                 <a:ext uri="{FF2B5EF4-FFF2-40B4-BE49-F238E27FC236}">
-                  <a16:creationId xmlns="" xmlns:a16="http://schemas.microsoft.com/office/drawing/2014/main" id="{5079BDF3-2D08-44D3-8A75-124B6F857EA9}"/>
+                  <a16:creationId xmlns:a16="http://schemas.microsoft.com/office/drawing/2014/main" id="{5079BDF3-2D08-44D3-8A75-124B6F857EA9}"/>
                 </a:ext>
               </a:extLst>
             </p:cNvPr>
@@ -32278,7 +32620,7 @@
             <p:cNvPr id="33" name="Rectangle 61">
               <a:extLst>
                 <a:ext uri="{FF2B5EF4-FFF2-40B4-BE49-F238E27FC236}">
-                  <a16:creationId xmlns="" xmlns:a16="http://schemas.microsoft.com/office/drawing/2014/main" id="{5D649658-A0EC-4C59-8025-546496445C5B}"/>
+                  <a16:creationId xmlns:a16="http://schemas.microsoft.com/office/drawing/2014/main" id="{5D649658-A0EC-4C59-8025-546496445C5B}"/>
                 </a:ext>
               </a:extLst>
             </p:cNvPr>
@@ -32330,7 +32672,7 @@
             <p:cNvPr id="56" name="Rectangle 61">
               <a:extLst>
                 <a:ext uri="{FF2B5EF4-FFF2-40B4-BE49-F238E27FC236}">
-                  <a16:creationId xmlns="" xmlns:a16="http://schemas.microsoft.com/office/drawing/2014/main" id="{B2BD5DB3-3856-4135-8602-91530A751C4B}"/>
+                  <a16:creationId xmlns:a16="http://schemas.microsoft.com/office/drawing/2014/main" id="{B2BD5DB3-3856-4135-8602-91530A751C4B}"/>
                 </a:ext>
               </a:extLst>
             </p:cNvPr>
@@ -32400,7 +32742,7 @@
             <p:cNvPr id="13" name="Đồ họa 12" descr="Đầu có bánh răng">
               <a:extLst>
                 <a:ext uri="{FF2B5EF4-FFF2-40B4-BE49-F238E27FC236}">
-                  <a16:creationId xmlns="" xmlns:a16="http://schemas.microsoft.com/office/drawing/2014/main" id="{57F2B989-985B-4C5B-8147-5F111A7FD5BE}"/>
+                  <a16:creationId xmlns:a16="http://schemas.microsoft.com/office/drawing/2014/main" id="{57F2B989-985B-4C5B-8147-5F111A7FD5BE}"/>
                 </a:ext>
               </a:extLst>
             </p:cNvPr>
@@ -32410,13 +32752,13 @@
             <p:nvPr/>
           </p:nvPicPr>
           <p:blipFill>
-            <a:blip r:embed="rId14" cstate="print">
+            <a:blip r:embed="rId12" cstate="print">
               <a:extLst>
                 <a:ext uri="{28A0092B-C50C-407E-A947-70E740481C1C}">
                   <a14:useLocalDpi xmlns:a14="http://schemas.microsoft.com/office/drawing/2010/main" val="0"/>
                 </a:ext>
                 <a:ext uri="{96DAC541-7B7A-43D3-8B79-37D633B846F1}">
-                  <asvg:svgBlip xmlns="" xmlns:asvg="http://schemas.microsoft.com/office/drawing/2016/SVG/main" r:embed="rId7"/>
+                  <asvg:svgBlip xmlns:asvg="http://schemas.microsoft.com/office/drawing/2016/SVG/main" r:embed="rId13"/>
                 </a:ext>
               </a:extLst>
             </a:blip>
@@ -32439,7 +32781,7 @@
             <p:cNvPr id="20" name="Hình chữ nhật 19">
               <a:extLst>
                 <a:ext uri="{FF2B5EF4-FFF2-40B4-BE49-F238E27FC236}">
-                  <a16:creationId xmlns="" xmlns:a16="http://schemas.microsoft.com/office/drawing/2014/main" id="{12DD35C5-3646-44C2-8F5A-6BBCB4268B40}"/>
+                  <a16:creationId xmlns:a16="http://schemas.microsoft.com/office/drawing/2014/main" id="{12DD35C5-3646-44C2-8F5A-6BBCB4268B40}"/>
                 </a:ext>
               </a:extLst>
             </p:cNvPr>
@@ -32473,7 +32815,7 @@
             <p:cNvPr id="42" name="Rectangle 47">
               <a:extLst>
                 <a:ext uri="{FF2B5EF4-FFF2-40B4-BE49-F238E27FC236}">
-                  <a16:creationId xmlns="" xmlns:a16="http://schemas.microsoft.com/office/drawing/2014/main" id="{B85E8C1A-E141-4C39-975E-3850753D1EFC}"/>
+                  <a16:creationId xmlns:a16="http://schemas.microsoft.com/office/drawing/2014/main" id="{B85E8C1A-E141-4C39-975E-3850753D1EFC}"/>
                 </a:ext>
               </a:extLst>
             </p:cNvPr>
@@ -32528,7 +32870,7 @@
             <p:cNvPr id="43" name="Rectangle 48">
               <a:extLst>
                 <a:ext uri="{FF2B5EF4-FFF2-40B4-BE49-F238E27FC236}">
-                  <a16:creationId xmlns="" xmlns:a16="http://schemas.microsoft.com/office/drawing/2014/main" id="{763EF37D-ACC7-4B79-A875-A6BB514CF96F}"/>
+                  <a16:creationId xmlns:a16="http://schemas.microsoft.com/office/drawing/2014/main" id="{763EF37D-ACC7-4B79-A875-A6BB514CF96F}"/>
                 </a:ext>
               </a:extLst>
             </p:cNvPr>
@@ -32580,7 +32922,7 @@
             <p:cNvPr id="45" name="Rectangle 48">
               <a:extLst>
                 <a:ext uri="{FF2B5EF4-FFF2-40B4-BE49-F238E27FC236}">
-                  <a16:creationId xmlns="" xmlns:a16="http://schemas.microsoft.com/office/drawing/2014/main" id="{763EF37D-ACC7-4B79-A875-A6BB514CF96F}"/>
+                  <a16:creationId xmlns:a16="http://schemas.microsoft.com/office/drawing/2014/main" id="{763EF37D-ACC7-4B79-A875-A6BB514CF96F}"/>
                 </a:ext>
               </a:extLst>
             </p:cNvPr>
@@ -32624,10 +32966,9 @@
             <a:p>
               <a:pPr algn="r"/>
               <a:r>
-                <a:rPr lang="en-US" sz="1600" b="1" dirty="0" smtClean="0"/>
+                <a:rPr lang="en-US" sz="1600" b="1" dirty="0"/>
                 <a:t>1.5</a:t>
               </a:r>
-              <a:endParaRPr lang="en-US" sz="1600" b="1" dirty="0"/>
             </a:p>
           </p:txBody>
         </p:sp>
@@ -32718,7 +33059,7 @@
           <p:cNvPr id="64" name="Rectangle 65">
             <a:extLst>
               <a:ext uri="{FF2B5EF4-FFF2-40B4-BE49-F238E27FC236}">
-                <a16:creationId xmlns="" xmlns:a16="http://schemas.microsoft.com/office/drawing/2014/main" id="{AA4513F4-801C-4D2A-AB44-CAE5F0B3A8B3}"/>
+                <a16:creationId xmlns:a16="http://schemas.microsoft.com/office/drawing/2014/main" id="{AA4513F4-801C-4D2A-AB44-CAE5F0B3A8B3}"/>
               </a:ext>
             </a:extLst>
           </p:cNvPr>
@@ -32780,7 +33121,7 @@
           <p:cNvPr id="65" name="Rectangle 65">
             <a:extLst>
               <a:ext uri="{FF2B5EF4-FFF2-40B4-BE49-F238E27FC236}">
-                <a16:creationId xmlns="" xmlns:a16="http://schemas.microsoft.com/office/drawing/2014/main" id="{B0A0EC76-636C-42AB-8305-8CC78D5E295D}"/>
+                <a16:creationId xmlns:a16="http://schemas.microsoft.com/office/drawing/2014/main" id="{B0A0EC76-636C-42AB-8305-8CC78D5E295D}"/>
               </a:ext>
             </a:extLst>
           </p:cNvPr>
@@ -32842,7 +33183,7 @@
           <p:cNvPr id="22" name="Nhóm 21">
             <a:extLst>
               <a:ext uri="{FF2B5EF4-FFF2-40B4-BE49-F238E27FC236}">
-                <a16:creationId xmlns="" xmlns:a16="http://schemas.microsoft.com/office/drawing/2014/main" id="{1DAF8C57-8C41-4D6B-A273-BC748C400499}"/>
+                <a16:creationId xmlns:a16="http://schemas.microsoft.com/office/drawing/2014/main" id="{1DAF8C57-8C41-4D6B-A273-BC748C400499}"/>
               </a:ext>
             </a:extLst>
           </p:cNvPr>
@@ -32862,7 +33203,7 @@
             <p:cNvPr id="56" name="Đồ họa 55" descr="Trò chơi đố">
               <a:extLst>
                 <a:ext uri="{FF2B5EF4-FFF2-40B4-BE49-F238E27FC236}">
-                  <a16:creationId xmlns="" xmlns:a16="http://schemas.microsoft.com/office/drawing/2014/main" id="{3684E68D-AE01-4229-84E1-EE2EFC883FEE}"/>
+                  <a16:creationId xmlns:a16="http://schemas.microsoft.com/office/drawing/2014/main" id="{3684E68D-AE01-4229-84E1-EE2EFC883FEE}"/>
                 </a:ext>
               </a:extLst>
             </p:cNvPr>
@@ -32878,7 +33219,7 @@
                   <a14:useLocalDpi xmlns:a14="http://schemas.microsoft.com/office/drawing/2010/main" val="0"/>
                 </a:ext>
                 <a:ext uri="{96DAC541-7B7A-43D3-8B79-37D633B846F1}">
-                  <asvg:svgBlip xmlns="" xmlns:asvg="http://schemas.microsoft.com/office/drawing/2016/SVG/main" r:embed="rId3"/>
+                  <asvg:svgBlip xmlns:asvg="http://schemas.microsoft.com/office/drawing/2016/SVG/main" r:embed="rId3"/>
                 </a:ext>
               </a:extLst>
             </a:blip>
@@ -32901,7 +33242,7 @@
             <p:cNvPr id="57" name="Hình chữ nhật 56">
               <a:extLst>
                 <a:ext uri="{FF2B5EF4-FFF2-40B4-BE49-F238E27FC236}">
-                  <a16:creationId xmlns="" xmlns:a16="http://schemas.microsoft.com/office/drawing/2014/main" id="{264A72E1-5A22-4E0A-87DB-DA9174FF2451}"/>
+                  <a16:creationId xmlns:a16="http://schemas.microsoft.com/office/drawing/2014/main" id="{264A72E1-5A22-4E0A-87DB-DA9174FF2451}"/>
                 </a:ext>
               </a:extLst>
             </p:cNvPr>
@@ -33017,7 +33358,7 @@
           <p:cNvPr id="24" name="Nhóm 23">
             <a:extLst>
               <a:ext uri="{FF2B5EF4-FFF2-40B4-BE49-F238E27FC236}">
-                <a16:creationId xmlns="" xmlns:a16="http://schemas.microsoft.com/office/drawing/2014/main" id="{E3D9409A-60F2-49B7-BBD9-18516E9E17D2}"/>
+                <a16:creationId xmlns:a16="http://schemas.microsoft.com/office/drawing/2014/main" id="{E3D9409A-60F2-49B7-BBD9-18516E9E17D2}"/>
               </a:ext>
             </a:extLst>
           </p:cNvPr>
@@ -33037,7 +33378,7 @@
             <p:cNvPr id="66" name="Đồ họa 65" descr="Đầu có bánh răng">
               <a:extLst>
                 <a:ext uri="{FF2B5EF4-FFF2-40B4-BE49-F238E27FC236}">
-                  <a16:creationId xmlns="" xmlns:a16="http://schemas.microsoft.com/office/drawing/2014/main" id="{3479665A-B91C-40D4-9049-87CF1766C0B6}"/>
+                  <a16:creationId xmlns:a16="http://schemas.microsoft.com/office/drawing/2014/main" id="{3479665A-B91C-40D4-9049-87CF1766C0B6}"/>
                 </a:ext>
               </a:extLst>
             </p:cNvPr>
@@ -33053,7 +33394,7 @@
                   <a14:useLocalDpi xmlns:a14="http://schemas.microsoft.com/office/drawing/2010/main" val="0"/>
                 </a:ext>
                 <a:ext uri="{96DAC541-7B7A-43D3-8B79-37D633B846F1}">
-                  <asvg:svgBlip xmlns="" xmlns:asvg="http://schemas.microsoft.com/office/drawing/2016/SVG/main" r:embed="rId5"/>
+                  <asvg:svgBlip xmlns:asvg="http://schemas.microsoft.com/office/drawing/2016/SVG/main" r:embed="rId5"/>
                 </a:ext>
               </a:extLst>
             </a:blip>
@@ -33076,7 +33417,7 @@
             <p:cNvPr id="67" name="Hình chữ nhật 66">
               <a:extLst>
                 <a:ext uri="{FF2B5EF4-FFF2-40B4-BE49-F238E27FC236}">
-                  <a16:creationId xmlns="" xmlns:a16="http://schemas.microsoft.com/office/drawing/2014/main" id="{8660D22D-6201-41FD-BA32-80A9D4E26B9A}"/>
+                  <a16:creationId xmlns:a16="http://schemas.microsoft.com/office/drawing/2014/main" id="{8660D22D-6201-41FD-BA32-80A9D4E26B9A}"/>
                 </a:ext>
               </a:extLst>
             </p:cNvPr>
@@ -33100,27 +33441,22 @@
             <a:p>
               <a:r>
                 <a:rPr lang="en-US" b="1" dirty="0"/>
-                <a:t>Determine strategies for evaluation and </a:t>
-              </a:r>
-              <a:r>
-                <a:rPr lang="en-US" b="1" dirty="0" smtClean="0"/>
-                <a:t>testing</a:t>
+                <a:t>Determine strategies for evaluation and testing</a:t>
               </a:r>
             </a:p>
             <a:p>
               <a:r>
-                <a:rPr lang="en-US" sz="1600" dirty="0" smtClean="0"/>
+                <a:rPr lang="en-US" sz="1600" dirty="0"/>
                 <a:t>+ </a:t>
               </a:r>
               <a:r>
-                <a:rPr lang="en-US" sz="1600" u="sng" dirty="0" smtClean="0"/>
+                <a:rPr lang="en-US" sz="1600" u="sng" dirty="0"/>
                 <a:t>Determine testing strategy</a:t>
               </a:r>
               <a:r>
-                <a:rPr lang="en-US" sz="1600" dirty="0" smtClean="0"/>
+                <a:rPr lang="en-US" sz="1600" dirty="0"/>
                 <a:t> for I2C’s IO cells in DFT mode and OSCTST mode</a:t>
               </a:r>
-              <a:endParaRPr lang="en-US" sz="1600" dirty="0"/>
             </a:p>
           </p:txBody>
         </p:sp>
@@ -33130,7 +33466,7 @@
           <p:cNvPr id="15" name="Rectangle 65">
             <a:extLst>
               <a:ext uri="{FF2B5EF4-FFF2-40B4-BE49-F238E27FC236}">
-                <a16:creationId xmlns="" xmlns:a16="http://schemas.microsoft.com/office/drawing/2014/main" id="{AA4513F4-801C-4D2A-AB44-CAE5F0B3A8B3}"/>
+                <a16:creationId xmlns:a16="http://schemas.microsoft.com/office/drawing/2014/main" id="{AA4513F4-801C-4D2A-AB44-CAE5F0B3A8B3}"/>
               </a:ext>
             </a:extLst>
           </p:cNvPr>
@@ -33192,7 +33528,7 @@
           <p:cNvPr id="16" name="Rectangle 65">
             <a:extLst>
               <a:ext uri="{FF2B5EF4-FFF2-40B4-BE49-F238E27FC236}">
-                <a16:creationId xmlns="" xmlns:a16="http://schemas.microsoft.com/office/drawing/2014/main" id="{B0A0EC76-636C-42AB-8305-8CC78D5E295D}"/>
+                <a16:creationId xmlns:a16="http://schemas.microsoft.com/office/drawing/2014/main" id="{B0A0EC76-636C-42AB-8305-8CC78D5E295D}"/>
               </a:ext>
             </a:extLst>
           </p:cNvPr>
@@ -33254,7 +33590,7 @@
           <p:cNvPr id="17" name="Rectangle 65">
             <a:extLst>
               <a:ext uri="{FF2B5EF4-FFF2-40B4-BE49-F238E27FC236}">
-                <a16:creationId xmlns="" xmlns:a16="http://schemas.microsoft.com/office/drawing/2014/main" id="{B0A0EC76-636C-42AB-8305-8CC78D5E295D}"/>
+                <a16:creationId xmlns:a16="http://schemas.microsoft.com/office/drawing/2014/main" id="{B0A0EC76-636C-42AB-8305-8CC78D5E295D}"/>
               </a:ext>
             </a:extLst>
           </p:cNvPr>
@@ -33316,7 +33652,7 @@
           <p:cNvPr id="18" name="Nhóm 13">
             <a:extLst>
               <a:ext uri="{FF2B5EF4-FFF2-40B4-BE49-F238E27FC236}">
-                <a16:creationId xmlns="" xmlns:a16="http://schemas.microsoft.com/office/drawing/2014/main" id="{9A587707-DE7E-408A-806E-DCA5B6F8F706}"/>
+                <a16:creationId xmlns:a16="http://schemas.microsoft.com/office/drawing/2014/main" id="{9A587707-DE7E-408A-806E-DCA5B6F8F706}"/>
               </a:ext>
             </a:extLst>
           </p:cNvPr>
@@ -33336,7 +33672,7 @@
             <p:cNvPr id="19" name="Đồ họa 4" descr="Danh sách">
               <a:extLst>
                 <a:ext uri="{FF2B5EF4-FFF2-40B4-BE49-F238E27FC236}">
-                  <a16:creationId xmlns="" xmlns:a16="http://schemas.microsoft.com/office/drawing/2014/main" id="{56C4B8AF-39A3-458A-B4EF-24F18BA48BA4}"/>
+                  <a16:creationId xmlns:a16="http://schemas.microsoft.com/office/drawing/2014/main" id="{56C4B8AF-39A3-458A-B4EF-24F18BA48BA4}"/>
                 </a:ext>
               </a:extLst>
             </p:cNvPr>
@@ -33352,7 +33688,7 @@
                   <a14:useLocalDpi xmlns:a14="http://schemas.microsoft.com/office/drawing/2010/main" val="0"/>
                 </a:ext>
                 <a:ext uri="{96DAC541-7B7A-43D3-8B79-37D633B846F1}">
-                  <asvg:svgBlip xmlns="" xmlns:asvg="http://schemas.microsoft.com/office/drawing/2016/SVG/main" r:embed="rId7"/>
+                  <asvg:svgBlip xmlns:asvg="http://schemas.microsoft.com/office/drawing/2016/SVG/main" r:embed="rId7"/>
                 </a:ext>
               </a:extLst>
             </a:blip>
@@ -33375,7 +33711,7 @@
             <p:cNvPr id="20" name="Hình chữ nhật 15">
               <a:extLst>
                 <a:ext uri="{FF2B5EF4-FFF2-40B4-BE49-F238E27FC236}">
-                  <a16:creationId xmlns="" xmlns:a16="http://schemas.microsoft.com/office/drawing/2014/main" id="{78A041CB-35D8-4F4D-8B81-AD058566D403}"/>
+                  <a16:creationId xmlns:a16="http://schemas.microsoft.com/office/drawing/2014/main" id="{78A041CB-35D8-4F4D-8B81-AD058566D403}"/>
                 </a:ext>
               </a:extLst>
             </p:cNvPr>
@@ -33442,15 +33778,7 @@
               </a:r>
               <a:r>
                 <a:rPr lang="en-US" sz="1600" dirty="0"/>
-                <a:t> for REL’s I2C design specs issue (incorrect IO cell </a:t>
-              </a:r>
-              <a:r>
-                <a:rPr lang="en-US" sz="1600" dirty="0" smtClean="0"/>
-                <a:t>standby controller logic, </a:t>
-              </a:r>
-              <a:r>
-                <a:rPr lang="en-US" sz="1600" dirty="0"/>
-                <a:t>missing individual constraint)</a:t>
+                <a:t> for REL’s I2C design specs issue (incorrect IO cell standby controller logic, missing individual constraint)</a:t>
               </a:r>
             </a:p>
           </p:txBody>
@@ -33461,7 +33789,7 @@
           <p:cNvPr id="21" name="Nhóm 20">
             <a:extLst>
               <a:ext uri="{FF2B5EF4-FFF2-40B4-BE49-F238E27FC236}">
-                <a16:creationId xmlns="" xmlns:a16="http://schemas.microsoft.com/office/drawing/2014/main" id="{7615C457-C5D8-4EF0-9D99-95F68384A758}"/>
+                <a16:creationId xmlns:a16="http://schemas.microsoft.com/office/drawing/2014/main" id="{7615C457-C5D8-4EF0-9D99-95F68384A758}"/>
               </a:ext>
             </a:extLst>
           </p:cNvPr>
@@ -33481,7 +33809,7 @@
             <p:cNvPr id="25" name="Đồ họa 24" descr="Biểu đồ hình tròn">
               <a:extLst>
                 <a:ext uri="{FF2B5EF4-FFF2-40B4-BE49-F238E27FC236}">
-                  <a16:creationId xmlns="" xmlns:a16="http://schemas.microsoft.com/office/drawing/2014/main" id="{4E275B5F-F20C-438C-91CA-CD3E40B05782}"/>
+                  <a16:creationId xmlns:a16="http://schemas.microsoft.com/office/drawing/2014/main" id="{4E275B5F-F20C-438C-91CA-CD3E40B05782}"/>
                 </a:ext>
               </a:extLst>
             </p:cNvPr>
@@ -33497,7 +33825,7 @@
                   <a14:useLocalDpi xmlns:a14="http://schemas.microsoft.com/office/drawing/2010/main" val="0"/>
                 </a:ext>
                 <a:ext uri="{96DAC541-7B7A-43D3-8B79-37D633B846F1}">
-                  <asvg:svgBlip xmlns="" xmlns:asvg="http://schemas.microsoft.com/office/drawing/2016/SVG/main" r:embed="rId9"/>
+                  <asvg:svgBlip xmlns:asvg="http://schemas.microsoft.com/office/drawing/2016/SVG/main" r:embed="rId9"/>
                 </a:ext>
               </a:extLst>
             </a:blip>
@@ -33520,7 +33848,7 @@
             <p:cNvPr id="26" name="Hình chữ nhật 25">
               <a:extLst>
                 <a:ext uri="{FF2B5EF4-FFF2-40B4-BE49-F238E27FC236}">
-                  <a16:creationId xmlns="" xmlns:a16="http://schemas.microsoft.com/office/drawing/2014/main" id="{59A0D561-D95C-45DE-961F-4F598B55F337}"/>
+                  <a16:creationId xmlns:a16="http://schemas.microsoft.com/office/drawing/2014/main" id="{59A0D561-D95C-45DE-961F-4F598B55F337}"/>
                 </a:ext>
               </a:extLst>
             </p:cNvPr>
@@ -33677,7 +34005,7 @@
           <p:cNvPr id="5" name="Hình chữ nhật 4">
             <a:extLst>
               <a:ext uri="{FF2B5EF4-FFF2-40B4-BE49-F238E27FC236}">
-                <a16:creationId xmlns="" xmlns:a16="http://schemas.microsoft.com/office/drawing/2014/main" id="{1F4D487E-0314-47C8-951E-C3F6A782C77C}"/>
+                <a16:creationId xmlns:a16="http://schemas.microsoft.com/office/drawing/2014/main" id="{1F4D487E-0314-47C8-951E-C3F6A782C77C}"/>
               </a:ext>
             </a:extLst>
           </p:cNvPr>
@@ -33711,7 +34039,7 @@
           <p:cNvPr id="21" name="Đồ họa 20" descr="Đầu có bánh răng">
             <a:extLst>
               <a:ext uri="{FF2B5EF4-FFF2-40B4-BE49-F238E27FC236}">
-                <a16:creationId xmlns="" xmlns:a16="http://schemas.microsoft.com/office/drawing/2014/main" id="{D751909A-D5E2-4D40-B40B-21B88D4A077F}"/>
+                <a16:creationId xmlns:a16="http://schemas.microsoft.com/office/drawing/2014/main" id="{D751909A-D5E2-4D40-B40B-21B88D4A077F}"/>
               </a:ext>
             </a:extLst>
           </p:cNvPr>
@@ -33727,7 +34055,7 @@
                 <a14:useLocalDpi xmlns:a14="http://schemas.microsoft.com/office/drawing/2010/main" val="0"/>
               </a:ext>
               <a:ext uri="{96DAC541-7B7A-43D3-8B79-37D633B846F1}">
-                <asvg:svgBlip xmlns="" xmlns:asvg="http://schemas.microsoft.com/office/drawing/2016/SVG/main" r:embed="rId3"/>
+                <asvg:svgBlip xmlns:asvg="http://schemas.microsoft.com/office/drawing/2016/SVG/main" r:embed="rId3"/>
               </a:ext>
             </a:extLst>
           </a:blip>
@@ -33750,7 +34078,7 @@
           <p:cNvPr id="34" name="Rectangle 47">
             <a:extLst>
               <a:ext uri="{FF2B5EF4-FFF2-40B4-BE49-F238E27FC236}">
-                <a16:creationId xmlns="" xmlns:a16="http://schemas.microsoft.com/office/drawing/2014/main" id="{2FC8FA4B-D933-4403-B85E-CB1659D1E95E}"/>
+                <a16:creationId xmlns:a16="http://schemas.microsoft.com/office/drawing/2014/main" id="{2FC8FA4B-D933-4403-B85E-CB1659D1E95E}"/>
               </a:ext>
             </a:extLst>
           </p:cNvPr>
@@ -33805,7 +34133,7 @@
           <p:cNvPr id="35" name="Rectangle 48">
             <a:extLst>
               <a:ext uri="{FF2B5EF4-FFF2-40B4-BE49-F238E27FC236}">
-                <a16:creationId xmlns="" xmlns:a16="http://schemas.microsoft.com/office/drawing/2014/main" id="{A84DC45F-C553-4129-8D30-B2E48F7FF3D1}"/>
+                <a16:creationId xmlns:a16="http://schemas.microsoft.com/office/drawing/2014/main" id="{A84DC45F-C553-4129-8D30-B2E48F7FF3D1}"/>
               </a:ext>
             </a:extLst>
           </p:cNvPr>
@@ -33860,7 +34188,7 @@
           <p:cNvPr id="6" name="Hình chữ nhật 5">
             <a:extLst>
               <a:ext uri="{FF2B5EF4-FFF2-40B4-BE49-F238E27FC236}">
-                <a16:creationId xmlns="" xmlns:a16="http://schemas.microsoft.com/office/drawing/2014/main" id="{57759738-7D01-4F69-B8D2-A30F5FDA6869}"/>
+                <a16:creationId xmlns:a16="http://schemas.microsoft.com/office/drawing/2014/main" id="{57759738-7D01-4F69-B8D2-A30F5FDA6869}"/>
               </a:ext>
             </a:extLst>
           </p:cNvPr>
@@ -33884,23 +34212,7 @@
           <a:p>
             <a:r>
               <a:rPr lang="en-US" b="1" dirty="0"/>
-              <a:t>Analyze and fix checker errors (</a:t>
-            </a:r>
-            <a:r>
-              <a:rPr lang="en-US" b="1" dirty="0" smtClean="0"/>
-              <a:t>HLDRC check, DFT check</a:t>
-            </a:r>
-            <a:r>
-              <a:rPr lang="en-US" b="1" dirty="0"/>
-              <a:t>, </a:t>
-            </a:r>
-            <a:r>
-              <a:rPr lang="en-US" b="1" dirty="0" smtClean="0"/>
-              <a:t>STA check</a:t>
-            </a:r>
-            <a:r>
-              <a:rPr lang="en-US" b="1" dirty="0"/>
-              <a:t>)</a:t>
+              <a:t>Analyze and fix checker errors (HLDRC check, DFT check, STA check)</a:t>
             </a:r>
           </a:p>
         </p:txBody>
@@ -33910,7 +34222,7 @@
           <p:cNvPr id="23" name="Đồ họa 22" descr="Kính hiển vi">
             <a:extLst>
               <a:ext uri="{FF2B5EF4-FFF2-40B4-BE49-F238E27FC236}">
-                <a16:creationId xmlns="" xmlns:a16="http://schemas.microsoft.com/office/drawing/2014/main" id="{8B188B42-B678-4CAF-8EFF-739E91F1D45A}"/>
+                <a16:creationId xmlns:a16="http://schemas.microsoft.com/office/drawing/2014/main" id="{8B188B42-B678-4CAF-8EFF-739E91F1D45A}"/>
               </a:ext>
             </a:extLst>
           </p:cNvPr>
@@ -33926,7 +34238,7 @@
                 <a14:useLocalDpi xmlns:a14="http://schemas.microsoft.com/office/drawing/2010/main" val="0"/>
               </a:ext>
               <a:ext uri="{96DAC541-7B7A-43D3-8B79-37D633B846F1}">
-                <asvg:svgBlip xmlns="" xmlns:asvg="http://schemas.microsoft.com/office/drawing/2016/SVG/main" r:embed="rId5"/>
+                <asvg:svgBlip xmlns:asvg="http://schemas.microsoft.com/office/drawing/2016/SVG/main" r:embed="rId5"/>
               </a:ext>
             </a:extLst>
           </a:blip>
@@ -33949,7 +34261,7 @@
           <p:cNvPr id="38" name="Rectangle 47">
             <a:extLst>
               <a:ext uri="{FF2B5EF4-FFF2-40B4-BE49-F238E27FC236}">
-                <a16:creationId xmlns="" xmlns:a16="http://schemas.microsoft.com/office/drawing/2014/main" id="{A69C4A59-9DBF-4B9A-AD30-674DB14877C9}"/>
+                <a16:creationId xmlns:a16="http://schemas.microsoft.com/office/drawing/2014/main" id="{A69C4A59-9DBF-4B9A-AD30-674DB14877C9}"/>
               </a:ext>
             </a:extLst>
           </p:cNvPr>
@@ -34001,7 +34313,7 @@
           <p:cNvPr id="39" name="Rectangle 48">
             <a:extLst>
               <a:ext uri="{FF2B5EF4-FFF2-40B4-BE49-F238E27FC236}">
-                <a16:creationId xmlns="" xmlns:a16="http://schemas.microsoft.com/office/drawing/2014/main" id="{DE60A8CA-3C69-4094-9A3B-78685E6A721B}"/>
+                <a16:creationId xmlns:a16="http://schemas.microsoft.com/office/drawing/2014/main" id="{DE60A8CA-3C69-4094-9A3B-78685E6A721B}"/>
               </a:ext>
             </a:extLst>
           </p:cNvPr>
@@ -34053,7 +34365,7 @@
           <p:cNvPr id="40" name="Rectangle 49">
             <a:extLst>
               <a:ext uri="{FF2B5EF4-FFF2-40B4-BE49-F238E27FC236}">
-                <a16:creationId xmlns="" xmlns:a16="http://schemas.microsoft.com/office/drawing/2014/main" id="{2FA48EF8-0028-45F6-A926-BB7B8F6DE9E8}"/>
+                <a16:creationId xmlns:a16="http://schemas.microsoft.com/office/drawing/2014/main" id="{2FA48EF8-0028-45F6-A926-BB7B8F6DE9E8}"/>
               </a:ext>
             </a:extLst>
           </p:cNvPr>
@@ -34108,7 +34420,7 @@
           <p:cNvPr id="41" name="Rectangle 61">
             <a:extLst>
               <a:ext uri="{FF2B5EF4-FFF2-40B4-BE49-F238E27FC236}">
-                <a16:creationId xmlns="" xmlns:a16="http://schemas.microsoft.com/office/drawing/2014/main" id="{ADE15F59-FD03-4E70-BE9B-AF52F9C3EFA7}"/>
+                <a16:creationId xmlns:a16="http://schemas.microsoft.com/office/drawing/2014/main" id="{ADE15F59-FD03-4E70-BE9B-AF52F9C3EFA7}"/>
               </a:ext>
             </a:extLst>
           </p:cNvPr>
@@ -34163,7 +34475,7 @@
           <p:cNvPr id="18" name="Hình chữ nhật 17">
             <a:extLst>
               <a:ext uri="{FF2B5EF4-FFF2-40B4-BE49-F238E27FC236}">
-                <a16:creationId xmlns="" xmlns:a16="http://schemas.microsoft.com/office/drawing/2014/main" id="{BE8D4154-1C0F-4747-9893-070764159330}"/>
+                <a16:creationId xmlns:a16="http://schemas.microsoft.com/office/drawing/2014/main" id="{BE8D4154-1C0F-4747-9893-070764159330}"/>
               </a:ext>
             </a:extLst>
           </p:cNvPr>
@@ -34197,7 +34509,7 @@
           <p:cNvPr id="27" name="Đồ họa 26" descr="Sách giải trí">
             <a:extLst>
               <a:ext uri="{FF2B5EF4-FFF2-40B4-BE49-F238E27FC236}">
-                <a16:creationId xmlns="" xmlns:a16="http://schemas.microsoft.com/office/drawing/2014/main" id="{5DEE01D2-E3A2-45A6-B4C3-0EFEF852F09A}"/>
+                <a16:creationId xmlns:a16="http://schemas.microsoft.com/office/drawing/2014/main" id="{5DEE01D2-E3A2-45A6-B4C3-0EFEF852F09A}"/>
               </a:ext>
             </a:extLst>
           </p:cNvPr>
@@ -34213,7 +34525,7 @@
                 <a14:useLocalDpi xmlns:a14="http://schemas.microsoft.com/office/drawing/2010/main" val="0"/>
               </a:ext>
               <a:ext uri="{96DAC541-7B7A-43D3-8B79-37D633B846F1}">
-                <asvg:svgBlip xmlns="" xmlns:asvg="http://schemas.microsoft.com/office/drawing/2016/SVG/main" r:embed="rId7"/>
+                <asvg:svgBlip xmlns:asvg="http://schemas.microsoft.com/office/drawing/2016/SVG/main" r:embed="rId7"/>
               </a:ext>
             </a:extLst>
           </a:blip>
@@ -34236,7 +34548,7 @@
           <p:cNvPr id="42" name="Rectangle 47">
             <a:extLst>
               <a:ext uri="{FF2B5EF4-FFF2-40B4-BE49-F238E27FC236}">
-                <a16:creationId xmlns="" xmlns:a16="http://schemas.microsoft.com/office/drawing/2014/main" id="{0B6271FD-AE5B-4856-9845-2251AD66D77E}"/>
+                <a16:creationId xmlns:a16="http://schemas.microsoft.com/office/drawing/2014/main" id="{0B6271FD-AE5B-4856-9845-2251AD66D77E}"/>
               </a:ext>
             </a:extLst>
           </p:cNvPr>
@@ -34288,7 +34600,7 @@
           <p:cNvPr id="43" name="Rectangle 48">
             <a:extLst>
               <a:ext uri="{FF2B5EF4-FFF2-40B4-BE49-F238E27FC236}">
-                <a16:creationId xmlns="" xmlns:a16="http://schemas.microsoft.com/office/drawing/2014/main" id="{657B739E-6B60-4F7A-A763-FCBAE123C3AF}"/>
+                <a16:creationId xmlns:a16="http://schemas.microsoft.com/office/drawing/2014/main" id="{657B739E-6B60-4F7A-A763-FCBAE123C3AF}"/>
               </a:ext>
             </a:extLst>
           </p:cNvPr>
@@ -34343,7 +34655,7 @@
           <p:cNvPr id="44" name="Rectangle 49">
             <a:extLst>
               <a:ext uri="{FF2B5EF4-FFF2-40B4-BE49-F238E27FC236}">
-                <a16:creationId xmlns="" xmlns:a16="http://schemas.microsoft.com/office/drawing/2014/main" id="{06E53E6A-4138-440D-A8C2-F20CFCAB0DA5}"/>
+                <a16:creationId xmlns:a16="http://schemas.microsoft.com/office/drawing/2014/main" id="{06E53E6A-4138-440D-A8C2-F20CFCAB0DA5}"/>
               </a:ext>
             </a:extLst>
           </p:cNvPr>
@@ -34398,7 +34710,7 @@
           <p:cNvPr id="19" name="Hình chữ nhật 18">
             <a:extLst>
               <a:ext uri="{FF2B5EF4-FFF2-40B4-BE49-F238E27FC236}">
-                <a16:creationId xmlns="" xmlns:a16="http://schemas.microsoft.com/office/drawing/2014/main" id="{97364090-DE67-4E3B-AAAF-EC55E7401851}"/>
+                <a16:creationId xmlns:a16="http://schemas.microsoft.com/office/drawing/2014/main" id="{97364090-DE67-4E3B-AAAF-EC55E7401851}"/>
               </a:ext>
             </a:extLst>
           </p:cNvPr>
@@ -34432,7 +34744,7 @@
           <p:cNvPr id="25" name="Đồ họa 24" descr="Đồng hồ bấm giờ">
             <a:extLst>
               <a:ext uri="{FF2B5EF4-FFF2-40B4-BE49-F238E27FC236}">
-                <a16:creationId xmlns="" xmlns:a16="http://schemas.microsoft.com/office/drawing/2014/main" id="{1201AC68-A082-4EDF-87AB-36FF654D230D}"/>
+                <a16:creationId xmlns:a16="http://schemas.microsoft.com/office/drawing/2014/main" id="{1201AC68-A082-4EDF-87AB-36FF654D230D}"/>
               </a:ext>
             </a:extLst>
           </p:cNvPr>
@@ -34448,7 +34760,7 @@
                 <a14:useLocalDpi xmlns:a14="http://schemas.microsoft.com/office/drawing/2010/main" val="0"/>
               </a:ext>
               <a:ext uri="{96DAC541-7B7A-43D3-8B79-37D633B846F1}">
-                <asvg:svgBlip xmlns="" xmlns:asvg="http://schemas.microsoft.com/office/drawing/2016/SVG/main" r:embed="rId9"/>
+                <asvg:svgBlip xmlns:asvg="http://schemas.microsoft.com/office/drawing/2016/SVG/main" r:embed="rId9"/>
               </a:ext>
             </a:extLst>
           </a:blip>
@@ -34471,7 +34783,7 @@
           <p:cNvPr id="46" name="Rectangle 47">
             <a:extLst>
               <a:ext uri="{FF2B5EF4-FFF2-40B4-BE49-F238E27FC236}">
-                <a16:creationId xmlns="" xmlns:a16="http://schemas.microsoft.com/office/drawing/2014/main" id="{4F26E2CC-842D-4662-893F-B59910A03D9A}"/>
+                <a16:creationId xmlns:a16="http://schemas.microsoft.com/office/drawing/2014/main" id="{4F26E2CC-842D-4662-893F-B59910A03D9A}"/>
               </a:ext>
             </a:extLst>
           </p:cNvPr>
@@ -34523,7 +34835,7 @@
           <p:cNvPr id="47" name="Rectangle 48">
             <a:extLst>
               <a:ext uri="{FF2B5EF4-FFF2-40B4-BE49-F238E27FC236}">
-                <a16:creationId xmlns="" xmlns:a16="http://schemas.microsoft.com/office/drawing/2014/main" id="{27BF60EC-3C8C-4B85-BD62-397329966B78}"/>
+                <a16:creationId xmlns:a16="http://schemas.microsoft.com/office/drawing/2014/main" id="{27BF60EC-3C8C-4B85-BD62-397329966B78}"/>
               </a:ext>
             </a:extLst>
           </p:cNvPr>
@@ -34575,7 +34887,7 @@
           <p:cNvPr id="48" name="Rectangle 49">
             <a:extLst>
               <a:ext uri="{FF2B5EF4-FFF2-40B4-BE49-F238E27FC236}">
-                <a16:creationId xmlns="" xmlns:a16="http://schemas.microsoft.com/office/drawing/2014/main" id="{02C4C8CC-EE9D-45E7-A4AF-4304A528E692}"/>
+                <a16:creationId xmlns:a16="http://schemas.microsoft.com/office/drawing/2014/main" id="{02C4C8CC-EE9D-45E7-A4AF-4304A528E692}"/>
               </a:ext>
             </a:extLst>
           </p:cNvPr>
@@ -34630,7 +34942,7 @@
           <p:cNvPr id="49" name="Rectangle 61">
             <a:extLst>
               <a:ext uri="{FF2B5EF4-FFF2-40B4-BE49-F238E27FC236}">
-                <a16:creationId xmlns="" xmlns:a16="http://schemas.microsoft.com/office/drawing/2014/main" id="{3291EB03-4322-4F37-BB17-2CF57C1BDB0C}"/>
+                <a16:creationId xmlns:a16="http://schemas.microsoft.com/office/drawing/2014/main" id="{3291EB03-4322-4F37-BB17-2CF57C1BDB0C}"/>
               </a:ext>
             </a:extLst>
           </p:cNvPr>
@@ -34685,7 +34997,7 @@
           <p:cNvPr id="4" name="Hình chữ nhật 3">
             <a:extLst>
               <a:ext uri="{FF2B5EF4-FFF2-40B4-BE49-F238E27FC236}">
-                <a16:creationId xmlns="" xmlns:a16="http://schemas.microsoft.com/office/drawing/2014/main" id="{580BD9E0-5CE5-415F-9BE2-DDF968E527B5}"/>
+                <a16:creationId xmlns:a16="http://schemas.microsoft.com/office/drawing/2014/main" id="{580BD9E0-5CE5-415F-9BE2-DDF968E527B5}"/>
               </a:ext>
             </a:extLst>
           </p:cNvPr>
@@ -34719,7 +35031,7 @@
           <p:cNvPr id="29" name="Đồ họa 28" descr="Nguyên tử">
             <a:extLst>
               <a:ext uri="{FF2B5EF4-FFF2-40B4-BE49-F238E27FC236}">
-                <a16:creationId xmlns="" xmlns:a16="http://schemas.microsoft.com/office/drawing/2014/main" id="{6310B9CD-AABA-4968-A05A-F0955D6BF0B9}"/>
+                <a16:creationId xmlns:a16="http://schemas.microsoft.com/office/drawing/2014/main" id="{6310B9CD-AABA-4968-A05A-F0955D6BF0B9}"/>
               </a:ext>
             </a:extLst>
           </p:cNvPr>
@@ -34735,7 +35047,7 @@
                 <a14:useLocalDpi xmlns:a14="http://schemas.microsoft.com/office/drawing/2010/main" val="0"/>
               </a:ext>
               <a:ext uri="{96DAC541-7B7A-43D3-8B79-37D633B846F1}">
-                <asvg:svgBlip xmlns="" xmlns:asvg="http://schemas.microsoft.com/office/drawing/2016/SVG/main" r:embed="rId11"/>
+                <asvg:svgBlip xmlns:asvg="http://schemas.microsoft.com/office/drawing/2016/SVG/main" r:embed="rId11"/>
               </a:ext>
             </a:extLst>
           </a:blip>
@@ -34758,7 +35070,7 @@
           <p:cNvPr id="30" name="Rectangle 47">
             <a:extLst>
               <a:ext uri="{FF2B5EF4-FFF2-40B4-BE49-F238E27FC236}">
-                <a16:creationId xmlns="" xmlns:a16="http://schemas.microsoft.com/office/drawing/2014/main" id="{69BA1A2C-DF2C-4345-BA96-D0C78BC382D6}"/>
+                <a16:creationId xmlns:a16="http://schemas.microsoft.com/office/drawing/2014/main" id="{69BA1A2C-DF2C-4345-BA96-D0C78BC382D6}"/>
               </a:ext>
             </a:extLst>
           </p:cNvPr>
@@ -34810,7 +35122,7 @@
           <p:cNvPr id="31" name="Rectangle 48">
             <a:extLst>
               <a:ext uri="{FF2B5EF4-FFF2-40B4-BE49-F238E27FC236}">
-                <a16:creationId xmlns="" xmlns:a16="http://schemas.microsoft.com/office/drawing/2014/main" id="{C57CCD74-FB83-4332-9BB0-778D0D186CBD}"/>
+                <a16:creationId xmlns:a16="http://schemas.microsoft.com/office/drawing/2014/main" id="{C57CCD74-FB83-4332-9BB0-778D0D186CBD}"/>
               </a:ext>
             </a:extLst>
           </p:cNvPr>
@@ -34862,7 +35174,7 @@
           <p:cNvPr id="32" name="Rectangle 49">
             <a:extLst>
               <a:ext uri="{FF2B5EF4-FFF2-40B4-BE49-F238E27FC236}">
-                <a16:creationId xmlns="" xmlns:a16="http://schemas.microsoft.com/office/drawing/2014/main" id="{F575F433-2A64-43FC-8409-1CEE1CEE0E4A}"/>
+                <a16:creationId xmlns:a16="http://schemas.microsoft.com/office/drawing/2014/main" id="{F575F433-2A64-43FC-8409-1CEE1CEE0E4A}"/>
               </a:ext>
             </a:extLst>
           </p:cNvPr>
@@ -34917,7 +35229,7 @@
           <p:cNvPr id="33" name="Rectangle 61">
             <a:extLst>
               <a:ext uri="{FF2B5EF4-FFF2-40B4-BE49-F238E27FC236}">
-                <a16:creationId xmlns="" xmlns:a16="http://schemas.microsoft.com/office/drawing/2014/main" id="{238710A1-86CF-456E-AF00-ACD3E352C17F}"/>
+                <a16:creationId xmlns:a16="http://schemas.microsoft.com/office/drawing/2014/main" id="{238710A1-86CF-456E-AF00-ACD3E352C17F}"/>
               </a:ext>
             </a:extLst>
           </p:cNvPr>
@@ -34969,7 +35281,7 @@
           <p:cNvPr id="61" name="Rectangle 61">
             <a:extLst>
               <a:ext uri="{FF2B5EF4-FFF2-40B4-BE49-F238E27FC236}">
-                <a16:creationId xmlns="" xmlns:a16="http://schemas.microsoft.com/office/drawing/2014/main" id="{D3F9E258-8CFF-40E2-BF57-1ACB69FD21CA}"/>
+                <a16:creationId xmlns:a16="http://schemas.microsoft.com/office/drawing/2014/main" id="{D3F9E258-8CFF-40E2-BF57-1ACB69FD21CA}"/>
               </a:ext>
             </a:extLst>
           </p:cNvPr>
@@ -35024,7 +35336,7 @@
           <p:cNvPr id="62" name="Rectangle 57">
             <a:extLst>
               <a:ext uri="{FF2B5EF4-FFF2-40B4-BE49-F238E27FC236}">
-                <a16:creationId xmlns="" xmlns:a16="http://schemas.microsoft.com/office/drawing/2014/main" id="{55B70F59-E0CC-4835-8442-68B44DC9DDBD}"/>
+                <a16:creationId xmlns:a16="http://schemas.microsoft.com/office/drawing/2014/main" id="{55B70F59-E0CC-4835-8442-68B44DC9DDBD}"/>
               </a:ext>
             </a:extLst>
           </p:cNvPr>
@@ -35076,7 +35388,7 @@
           <p:cNvPr id="63" name="Rectangle 58">
             <a:extLst>
               <a:ext uri="{FF2B5EF4-FFF2-40B4-BE49-F238E27FC236}">
-                <a16:creationId xmlns="" xmlns:a16="http://schemas.microsoft.com/office/drawing/2014/main" id="{D3BEF0A1-ABBD-4EED-96FA-AFE4E30CC32E}"/>
+                <a16:creationId xmlns:a16="http://schemas.microsoft.com/office/drawing/2014/main" id="{D3BEF0A1-ABBD-4EED-96FA-AFE4E30CC32E}"/>
               </a:ext>
             </a:extLst>
           </p:cNvPr>
@@ -35128,7 +35440,7 @@
           <p:cNvPr id="64" name="TextBox 59">
             <a:extLst>
               <a:ext uri="{FF2B5EF4-FFF2-40B4-BE49-F238E27FC236}">
-                <a16:creationId xmlns="" xmlns:a16="http://schemas.microsoft.com/office/drawing/2014/main" id="{64DE06C1-DE82-4B67-868A-EA3E16C43A30}"/>
+                <a16:creationId xmlns:a16="http://schemas.microsoft.com/office/drawing/2014/main" id="{64DE06C1-DE82-4B67-868A-EA3E16C43A30}"/>
               </a:ext>
             </a:extLst>
           </p:cNvPr>
@@ -35193,7 +35505,7 @@
           <p:cNvPr id="45" name="Đồ họa 44" descr="Đồng hồ đo">
             <a:extLst>
               <a:ext uri="{FF2B5EF4-FFF2-40B4-BE49-F238E27FC236}">
-                <a16:creationId xmlns="" xmlns:a16="http://schemas.microsoft.com/office/drawing/2014/main" id="{5ADC39A7-999F-4202-BB71-77E7969AA4EE}"/>
+                <a16:creationId xmlns:a16="http://schemas.microsoft.com/office/drawing/2014/main" id="{5ADC39A7-999F-4202-BB71-77E7969AA4EE}"/>
               </a:ext>
             </a:extLst>
           </p:cNvPr>
@@ -35209,7 +35521,7 @@
                 <a14:useLocalDpi xmlns:a14="http://schemas.microsoft.com/office/drawing/2010/main" val="0"/>
               </a:ext>
               <a:ext uri="{96DAC541-7B7A-43D3-8B79-37D633B846F1}">
-                <asvg:svgBlip xmlns="" xmlns:asvg="http://schemas.microsoft.com/office/drawing/2016/SVG/main" r:embed="rId13"/>
+                <asvg:svgBlip xmlns:asvg="http://schemas.microsoft.com/office/drawing/2016/SVG/main" r:embed="rId13"/>
               </a:ext>
             </a:extLst>
           </a:blip>
@@ -35239,7 +35551,7 @@
           <p:cNvPr id="55" name="Hộp Văn bản 54">
             <a:extLst>
               <a:ext uri="{FF2B5EF4-FFF2-40B4-BE49-F238E27FC236}">
-                <a16:creationId xmlns="" xmlns:a16="http://schemas.microsoft.com/office/drawing/2014/main" id="{E50630B9-3812-4FA0-9F25-14D682CDF903}"/>
+                <a16:creationId xmlns:a16="http://schemas.microsoft.com/office/drawing/2014/main" id="{E50630B9-3812-4FA0-9F25-14D682CDF903}"/>
               </a:ext>
             </a:extLst>
           </p:cNvPr>
@@ -35264,20 +35576,20 @@
           <a:p>
             <a:pPr algn="ctr"/>
             <a:r>
-              <a:rPr lang="en-US" sz="2800" b="1" dirty="0" smtClean="0">
+              <a:rPr lang="en-US" sz="2800" b="1" dirty="0">
                 <a:solidFill>
                   <a:srgbClr val="FF0000"/>
                 </a:solidFill>
               </a:rPr>
-              <a:t>1.7</a:t>
-            </a:r>
-            <a:r>
-              <a:rPr lang="en-US" sz="2800" b="1" dirty="0" smtClean="0">
+              <a:t>1.8</a:t>
+            </a:r>
+            <a:r>
+              <a:rPr lang="en-US" sz="2800" b="1" dirty="0">
                 <a:solidFill>
                   <a:schemeClr val="tx2"/>
                 </a:solidFill>
               </a:rPr>
-              <a:t>/1.7</a:t>
+              <a:t>/1.8</a:t>
             </a:r>
             <a:endParaRPr lang="en-US" b="1" dirty="0">
               <a:solidFill>
@@ -35378,7 +35690,7 @@
           <p:cNvPr id="14" name="Rectangle 65">
             <a:extLst>
               <a:ext uri="{FF2B5EF4-FFF2-40B4-BE49-F238E27FC236}">
-                <a16:creationId xmlns="" xmlns:a16="http://schemas.microsoft.com/office/drawing/2014/main" id="{AA4513F4-801C-4D2A-AB44-CAE5F0B3A8B3}"/>
+                <a16:creationId xmlns:a16="http://schemas.microsoft.com/office/drawing/2014/main" id="{AA4513F4-801C-4D2A-AB44-CAE5F0B3A8B3}"/>
               </a:ext>
             </a:extLst>
           </p:cNvPr>
@@ -35440,7 +35752,7 @@
           <p:cNvPr id="15" name="Rectangle 65">
             <a:extLst>
               <a:ext uri="{FF2B5EF4-FFF2-40B4-BE49-F238E27FC236}">
-                <a16:creationId xmlns="" xmlns:a16="http://schemas.microsoft.com/office/drawing/2014/main" id="{B0A0EC76-636C-42AB-8305-8CC78D5E295D}"/>
+                <a16:creationId xmlns:a16="http://schemas.microsoft.com/office/drawing/2014/main" id="{B0A0EC76-636C-42AB-8305-8CC78D5E295D}"/>
               </a:ext>
             </a:extLst>
           </p:cNvPr>
@@ -35502,7 +35814,7 @@
           <p:cNvPr id="50" name="Nhóm 49">
             <a:extLst>
               <a:ext uri="{FF2B5EF4-FFF2-40B4-BE49-F238E27FC236}">
-                <a16:creationId xmlns="" xmlns:a16="http://schemas.microsoft.com/office/drawing/2014/main" id="{1B0EFE30-AC2D-49F5-AB79-FAF99575C4D9}"/>
+                <a16:creationId xmlns:a16="http://schemas.microsoft.com/office/drawing/2014/main" id="{1B0EFE30-AC2D-49F5-AB79-FAF99575C4D9}"/>
               </a:ext>
             </a:extLst>
           </p:cNvPr>
@@ -35522,7 +35834,7 @@
             <p:cNvPr id="4" name="Hình chữ nhật 3">
               <a:extLst>
                 <a:ext uri="{FF2B5EF4-FFF2-40B4-BE49-F238E27FC236}">
-                  <a16:creationId xmlns="" xmlns:a16="http://schemas.microsoft.com/office/drawing/2014/main" id="{580BD9E0-5CE5-415F-9BE2-DDF968E527B5}"/>
+                  <a16:creationId xmlns:a16="http://schemas.microsoft.com/office/drawing/2014/main" id="{580BD9E0-5CE5-415F-9BE2-DDF968E527B5}"/>
                 </a:ext>
               </a:extLst>
             </p:cNvPr>
@@ -35584,7 +35896,7 @@
             <p:cNvPr id="29" name="Đồ họa 28" descr="Nguyên tử">
               <a:extLst>
                 <a:ext uri="{FF2B5EF4-FFF2-40B4-BE49-F238E27FC236}">
-                  <a16:creationId xmlns="" xmlns:a16="http://schemas.microsoft.com/office/drawing/2014/main" id="{6310B9CD-AABA-4968-A05A-F0955D6BF0B9}"/>
+                  <a16:creationId xmlns:a16="http://schemas.microsoft.com/office/drawing/2014/main" id="{6310B9CD-AABA-4968-A05A-F0955D6BF0B9}"/>
                 </a:ext>
               </a:extLst>
             </p:cNvPr>
@@ -35600,7 +35912,7 @@
                   <a14:useLocalDpi xmlns:a14="http://schemas.microsoft.com/office/drawing/2010/main" val="0"/>
                 </a:ext>
                 <a:ext uri="{96DAC541-7B7A-43D3-8B79-37D633B846F1}">
-                  <asvg:svgBlip xmlns="" xmlns:asvg="http://schemas.microsoft.com/office/drawing/2016/SVG/main" r:embed="rId3"/>
+                  <asvg:svgBlip xmlns:asvg="http://schemas.microsoft.com/office/drawing/2016/SVG/main" r:embed="rId3"/>
                 </a:ext>
               </a:extLst>
             </a:blip>
@@ -35624,7 +35936,7 @@
           <p:cNvPr id="52" name="Nhóm 51">
             <a:extLst>
               <a:ext uri="{FF2B5EF4-FFF2-40B4-BE49-F238E27FC236}">
-                <a16:creationId xmlns="" xmlns:a16="http://schemas.microsoft.com/office/drawing/2014/main" id="{3F652C54-8AC5-45E3-B477-E36FC2444B26}"/>
+                <a16:creationId xmlns:a16="http://schemas.microsoft.com/office/drawing/2014/main" id="{3F652C54-8AC5-45E3-B477-E36FC2444B26}"/>
               </a:ext>
             </a:extLst>
           </p:cNvPr>
@@ -35644,7 +35956,7 @@
             <p:cNvPr id="6" name="Hình chữ nhật 5">
               <a:extLst>
                 <a:ext uri="{FF2B5EF4-FFF2-40B4-BE49-F238E27FC236}">
-                  <a16:creationId xmlns="" xmlns:a16="http://schemas.microsoft.com/office/drawing/2014/main" id="{57759738-7D01-4F69-B8D2-A30F5FDA6869}"/>
+                  <a16:creationId xmlns:a16="http://schemas.microsoft.com/office/drawing/2014/main" id="{57759738-7D01-4F69-B8D2-A30F5FDA6869}"/>
                 </a:ext>
               </a:extLst>
             </p:cNvPr>
@@ -35668,23 +35980,7 @@
             <a:p>
               <a:r>
                 <a:rPr lang="en-US" b="1" dirty="0"/>
-                <a:t>Analyze and fix checker errors (</a:t>
-              </a:r>
-              <a:r>
-                <a:rPr lang="en-US" b="1" dirty="0" smtClean="0"/>
-                <a:t>HLDRC check, DFT check</a:t>
-              </a:r>
-              <a:r>
-                <a:rPr lang="en-US" b="1" dirty="0"/>
-                <a:t>, </a:t>
-              </a:r>
-              <a:r>
-                <a:rPr lang="en-US" b="1" dirty="0" smtClean="0"/>
-                <a:t>STA check</a:t>
-              </a:r>
-              <a:r>
-                <a:rPr lang="en-US" b="1" dirty="0"/>
-                <a:t>)</a:t>
+                <a:t>Analyze and fix checker errors (HLDRC check, DFT check, STA check)</a:t>
               </a:r>
             </a:p>
             <a:p>
@@ -35716,7 +36012,7 @@
             <p:cNvPr id="23" name="Đồ họa 22" descr="Kính hiển vi">
               <a:extLst>
                 <a:ext uri="{FF2B5EF4-FFF2-40B4-BE49-F238E27FC236}">
-                  <a16:creationId xmlns="" xmlns:a16="http://schemas.microsoft.com/office/drawing/2014/main" id="{8B188B42-B678-4CAF-8EFF-739E91F1D45A}"/>
+                  <a16:creationId xmlns:a16="http://schemas.microsoft.com/office/drawing/2014/main" id="{8B188B42-B678-4CAF-8EFF-739E91F1D45A}"/>
                 </a:ext>
               </a:extLst>
             </p:cNvPr>
@@ -35732,7 +36028,7 @@
                   <a14:useLocalDpi xmlns:a14="http://schemas.microsoft.com/office/drawing/2010/main" val="0"/>
                 </a:ext>
                 <a:ext uri="{96DAC541-7B7A-43D3-8B79-37D633B846F1}">
-                  <asvg:svgBlip xmlns="" xmlns:asvg="http://schemas.microsoft.com/office/drawing/2016/SVG/main" r:embed="rId5"/>
+                  <asvg:svgBlip xmlns:asvg="http://schemas.microsoft.com/office/drawing/2016/SVG/main" r:embed="rId5"/>
                 </a:ext>
               </a:extLst>
             </a:blip>
@@ -35756,7 +36052,7 @@
           <p:cNvPr id="54" name="Nhóm 53">
             <a:extLst>
               <a:ext uri="{FF2B5EF4-FFF2-40B4-BE49-F238E27FC236}">
-                <a16:creationId xmlns="" xmlns:a16="http://schemas.microsoft.com/office/drawing/2014/main" id="{E40F9E7B-CF15-4C10-B27B-569051C0EA79}"/>
+                <a16:creationId xmlns:a16="http://schemas.microsoft.com/office/drawing/2014/main" id="{E40F9E7B-CF15-4C10-B27B-569051C0EA79}"/>
               </a:ext>
             </a:extLst>
           </p:cNvPr>
@@ -35776,7 +36072,7 @@
             <p:cNvPr id="19" name="Hình chữ nhật 18">
               <a:extLst>
                 <a:ext uri="{FF2B5EF4-FFF2-40B4-BE49-F238E27FC236}">
-                  <a16:creationId xmlns="" xmlns:a16="http://schemas.microsoft.com/office/drawing/2014/main" id="{97364090-DE67-4E3B-AAAF-EC55E7401851}"/>
+                  <a16:creationId xmlns:a16="http://schemas.microsoft.com/office/drawing/2014/main" id="{97364090-DE67-4E3B-AAAF-EC55E7401851}"/>
                 </a:ext>
               </a:extLst>
             </p:cNvPr>
@@ -35853,13 +36149,8 @@
               </a:r>
               <a:r>
                 <a:rPr lang="en-US" sz="1600" dirty="0"/>
-                <a:t> by doing timing ECO for </a:t>
+                <a:t> by doing timing ECO for TPU</a:t>
               </a:r>
-              <a:r>
-                <a:rPr lang="en-US" sz="1600" dirty="0" smtClean="0"/>
-                <a:t>TPU</a:t>
-              </a:r>
-              <a:endParaRPr lang="en-US" sz="1600" dirty="0"/>
             </a:p>
             <a:p>
               <a:r>
@@ -35891,7 +36182,7 @@
             <p:cNvPr id="25" name="Đồ họa 24" descr="Đồng hồ bấm giờ">
               <a:extLst>
                 <a:ext uri="{FF2B5EF4-FFF2-40B4-BE49-F238E27FC236}">
-                  <a16:creationId xmlns="" xmlns:a16="http://schemas.microsoft.com/office/drawing/2014/main" id="{1201AC68-A082-4EDF-87AB-36FF654D230D}"/>
+                  <a16:creationId xmlns:a16="http://schemas.microsoft.com/office/drawing/2014/main" id="{1201AC68-A082-4EDF-87AB-36FF654D230D}"/>
                 </a:ext>
               </a:extLst>
             </p:cNvPr>
@@ -35907,7 +36198,7 @@
                   <a14:useLocalDpi xmlns:a14="http://schemas.microsoft.com/office/drawing/2010/main" val="0"/>
                 </a:ext>
                 <a:ext uri="{96DAC541-7B7A-43D3-8B79-37D633B846F1}">
-                  <asvg:svgBlip xmlns="" xmlns:asvg="http://schemas.microsoft.com/office/drawing/2016/SVG/main" r:embed="rId7"/>
+                  <asvg:svgBlip xmlns:asvg="http://schemas.microsoft.com/office/drawing/2016/SVG/main" r:embed="rId7"/>
                 </a:ext>
               </a:extLst>
             </a:blip>
@@ -35931,7 +36222,7 @@
           <p:cNvPr id="21" name="Rectangle 65">
             <a:extLst>
               <a:ext uri="{FF2B5EF4-FFF2-40B4-BE49-F238E27FC236}">
-                <a16:creationId xmlns="" xmlns:a16="http://schemas.microsoft.com/office/drawing/2014/main" id="{A9AE1EDD-48A4-499C-A369-A75335B39A84}"/>
+                <a16:creationId xmlns:a16="http://schemas.microsoft.com/office/drawing/2014/main" id="{A9AE1EDD-48A4-499C-A369-A75335B39A84}"/>
               </a:ext>
             </a:extLst>
           </p:cNvPr>
@@ -35993,7 +36284,7 @@
           <p:cNvPr id="22" name="Rectangle 65">
             <a:extLst>
               <a:ext uri="{FF2B5EF4-FFF2-40B4-BE49-F238E27FC236}">
-                <a16:creationId xmlns="" xmlns:a16="http://schemas.microsoft.com/office/drawing/2014/main" id="{79E94AD6-9C9B-4796-B08D-B0B6350BF9AC}"/>
+                <a16:creationId xmlns:a16="http://schemas.microsoft.com/office/drawing/2014/main" id="{79E94AD6-9C9B-4796-B08D-B0B6350BF9AC}"/>
               </a:ext>
             </a:extLst>
           </p:cNvPr>
@@ -36055,7 +36346,7 @@
           <p:cNvPr id="24" name="Rectangle 65">
             <a:extLst>
               <a:ext uri="{FF2B5EF4-FFF2-40B4-BE49-F238E27FC236}">
-                <a16:creationId xmlns="" xmlns:a16="http://schemas.microsoft.com/office/drawing/2014/main" id="{578D65D3-7A51-4A06-8650-CF63AD764385}"/>
+                <a16:creationId xmlns:a16="http://schemas.microsoft.com/office/drawing/2014/main" id="{578D65D3-7A51-4A06-8650-CF63AD764385}"/>
               </a:ext>
             </a:extLst>
           </p:cNvPr>
@@ -36117,7 +36408,7 @@
           <p:cNvPr id="26" name="Rectangle 65">
             <a:extLst>
               <a:ext uri="{FF2B5EF4-FFF2-40B4-BE49-F238E27FC236}">
-                <a16:creationId xmlns="" xmlns:a16="http://schemas.microsoft.com/office/drawing/2014/main" id="{E9F7974B-98D0-4ADB-B725-94C69AF02DE3}"/>
+                <a16:creationId xmlns:a16="http://schemas.microsoft.com/office/drawing/2014/main" id="{E9F7974B-98D0-4ADB-B725-94C69AF02DE3}"/>
               </a:ext>
             </a:extLst>
           </p:cNvPr>
@@ -36179,7 +36470,7 @@
           <p:cNvPr id="27" name="Rectangle 65">
             <a:extLst>
               <a:ext uri="{FF2B5EF4-FFF2-40B4-BE49-F238E27FC236}">
-                <a16:creationId xmlns="" xmlns:a16="http://schemas.microsoft.com/office/drawing/2014/main" id="{30BEE94B-075D-4BC6-8264-9EF0DF623839}"/>
+                <a16:creationId xmlns:a16="http://schemas.microsoft.com/office/drawing/2014/main" id="{30BEE94B-075D-4BC6-8264-9EF0DF623839}"/>
               </a:ext>
             </a:extLst>
           </p:cNvPr>
@@ -36271,7 +36562,7 @@
           <p:cNvPr id="70" name="Đồ họa 69" descr="Đồng hồ đo">
             <a:extLst>
               <a:ext uri="{FF2B5EF4-FFF2-40B4-BE49-F238E27FC236}">
-                <a16:creationId xmlns="" xmlns:a16="http://schemas.microsoft.com/office/drawing/2014/main" id="{82246B08-7614-4DEB-8746-0D7441158A43}"/>
+                <a16:creationId xmlns:a16="http://schemas.microsoft.com/office/drawing/2014/main" id="{82246B08-7614-4DEB-8746-0D7441158A43}"/>
               </a:ext>
             </a:extLst>
           </p:cNvPr>
@@ -36287,7 +36578,7 @@
                 <a14:useLocalDpi xmlns:a14="http://schemas.microsoft.com/office/drawing/2010/main" val="0"/>
               </a:ext>
               <a:ext uri="{96DAC541-7B7A-43D3-8B79-37D633B846F1}">
-                <asvg:svgBlip xmlns="" xmlns:asvg="http://schemas.microsoft.com/office/drawing/2016/SVG/main" r:embed="rId3"/>
+                <asvg:svgBlip xmlns:asvg="http://schemas.microsoft.com/office/drawing/2016/SVG/main" r:embed="rId3"/>
               </a:ext>
             </a:extLst>
           </a:blip>
@@ -36368,7 +36659,7 @@
           <p:cNvPr id="51" name="Nhóm 50">
             <a:extLst>
               <a:ext uri="{FF2B5EF4-FFF2-40B4-BE49-F238E27FC236}">
-                <a16:creationId xmlns="" xmlns:a16="http://schemas.microsoft.com/office/drawing/2014/main" id="{D50B998C-12C5-423D-888A-94C6A00C4AED}"/>
+                <a16:creationId xmlns:a16="http://schemas.microsoft.com/office/drawing/2014/main" id="{D50B998C-12C5-423D-888A-94C6A00C4AED}"/>
               </a:ext>
             </a:extLst>
           </p:cNvPr>
@@ -36388,7 +36679,7 @@
             <p:cNvPr id="4" name="Nhóm 27">
               <a:extLst>
                 <a:ext uri="{FF2B5EF4-FFF2-40B4-BE49-F238E27FC236}">
-                  <a16:creationId xmlns="" xmlns:a16="http://schemas.microsoft.com/office/drawing/2014/main" id="{A22FA561-2E1E-4D0D-9D58-75839BA6075C}"/>
+                  <a16:creationId xmlns:a16="http://schemas.microsoft.com/office/drawing/2014/main" id="{A22FA561-2E1E-4D0D-9D58-75839BA6075C}"/>
                 </a:ext>
               </a:extLst>
             </p:cNvPr>
@@ -36408,7 +36699,7 @@
               <p:cNvPr id="5" name="Đồ họa 10" descr="Danh sách">
                 <a:extLst>
                   <a:ext uri="{FF2B5EF4-FFF2-40B4-BE49-F238E27FC236}">
-                    <a16:creationId xmlns="" xmlns:a16="http://schemas.microsoft.com/office/drawing/2014/main" id="{B9D46646-FACA-4589-BAD1-3CD8D5E3477A}"/>
+                    <a16:creationId xmlns:a16="http://schemas.microsoft.com/office/drawing/2014/main" id="{B9D46646-FACA-4589-BAD1-3CD8D5E3477A}"/>
                   </a:ext>
                 </a:extLst>
               </p:cNvPr>
@@ -36424,7 +36715,7 @@
                     <a14:useLocalDpi xmlns:a14="http://schemas.microsoft.com/office/drawing/2010/main" val="0"/>
                   </a:ext>
                   <a:ext uri="{96DAC541-7B7A-43D3-8B79-37D633B846F1}">
-                    <asvg:svgBlip xmlns="" xmlns:asvg="http://schemas.microsoft.com/office/drawing/2016/SVG/main" r:embed="rId5"/>
+                    <asvg:svgBlip xmlns:asvg="http://schemas.microsoft.com/office/drawing/2016/SVG/main" r:embed="rId5"/>
                   </a:ext>
                 </a:extLst>
               </a:blip>
@@ -36447,7 +36738,7 @@
               <p:cNvPr id="6" name="Hộp Văn bản 19">
                 <a:extLst>
                   <a:ext uri="{FF2B5EF4-FFF2-40B4-BE49-F238E27FC236}">
-                    <a16:creationId xmlns="" xmlns:a16="http://schemas.microsoft.com/office/drawing/2014/main" id="{B7CF234B-BE45-4E9C-A67F-CD4A7B347EAD}"/>
+                    <a16:creationId xmlns:a16="http://schemas.microsoft.com/office/drawing/2014/main" id="{B7CF234B-BE45-4E9C-A67F-CD4A7B347EAD}"/>
                   </a:ext>
                 </a:extLst>
               </p:cNvPr>
@@ -36675,7 +36966,7 @@
           <p:cNvPr id="52" name="Nhóm 51">
             <a:extLst>
               <a:ext uri="{FF2B5EF4-FFF2-40B4-BE49-F238E27FC236}">
-                <a16:creationId xmlns="" xmlns:a16="http://schemas.microsoft.com/office/drawing/2014/main" id="{01EB5234-1D7A-4176-A2D3-B41456941456}"/>
+                <a16:creationId xmlns:a16="http://schemas.microsoft.com/office/drawing/2014/main" id="{01EB5234-1D7A-4176-A2D3-B41456941456}"/>
               </a:ext>
             </a:extLst>
           </p:cNvPr>
@@ -36695,7 +36986,7 @@
             <p:cNvPr id="7" name="Nhóm 28">
               <a:extLst>
                 <a:ext uri="{FF2B5EF4-FFF2-40B4-BE49-F238E27FC236}">
-                  <a16:creationId xmlns="" xmlns:a16="http://schemas.microsoft.com/office/drawing/2014/main" id="{B509A667-22C3-445E-8ECD-9783ED13AA98}"/>
+                  <a16:creationId xmlns:a16="http://schemas.microsoft.com/office/drawing/2014/main" id="{B509A667-22C3-445E-8ECD-9783ED13AA98}"/>
                 </a:ext>
               </a:extLst>
             </p:cNvPr>
@@ -36715,7 +37006,7 @@
               <p:cNvPr id="8" name="Đồ họa 8" descr="Danh sách kiểm tra">
                 <a:extLst>
                   <a:ext uri="{FF2B5EF4-FFF2-40B4-BE49-F238E27FC236}">
-                    <a16:creationId xmlns="" xmlns:a16="http://schemas.microsoft.com/office/drawing/2014/main" id="{E2F29AF9-A4F2-4A84-AEFB-4DDDE94500AF}"/>
+                    <a16:creationId xmlns:a16="http://schemas.microsoft.com/office/drawing/2014/main" id="{E2F29AF9-A4F2-4A84-AEFB-4DDDE94500AF}"/>
                   </a:ext>
                 </a:extLst>
               </p:cNvPr>
@@ -36731,7 +37022,7 @@
                     <a14:useLocalDpi xmlns:a14="http://schemas.microsoft.com/office/drawing/2010/main" val="0"/>
                   </a:ext>
                   <a:ext uri="{96DAC541-7B7A-43D3-8B79-37D633B846F1}">
-                    <asvg:svgBlip xmlns="" xmlns:asvg="http://schemas.microsoft.com/office/drawing/2016/SVG/main" r:embed="rId7"/>
+                    <asvg:svgBlip xmlns:asvg="http://schemas.microsoft.com/office/drawing/2016/SVG/main" r:embed="rId7"/>
                   </a:ext>
                 </a:extLst>
               </a:blip>
@@ -36754,7 +37045,7 @@
               <p:cNvPr id="9" name="Hộp Văn bản 20">
                 <a:extLst>
                   <a:ext uri="{FF2B5EF4-FFF2-40B4-BE49-F238E27FC236}">
-                    <a16:creationId xmlns="" xmlns:a16="http://schemas.microsoft.com/office/drawing/2014/main" id="{23A44B04-637F-443B-B249-D55F2E3875A3}"/>
+                    <a16:creationId xmlns:a16="http://schemas.microsoft.com/office/drawing/2014/main" id="{23A44B04-637F-443B-B249-D55F2E3875A3}"/>
                   </a:ext>
                 </a:extLst>
               </p:cNvPr>
@@ -37028,7 +37319,7 @@
           <p:cNvPr id="58" name="Nhóm 57">
             <a:extLst>
               <a:ext uri="{FF2B5EF4-FFF2-40B4-BE49-F238E27FC236}">
-                <a16:creationId xmlns="" xmlns:a16="http://schemas.microsoft.com/office/drawing/2014/main" id="{BA580984-9159-4D6E-82FA-8B6A42E8A1B6}"/>
+                <a16:creationId xmlns:a16="http://schemas.microsoft.com/office/drawing/2014/main" id="{BA580984-9159-4D6E-82FA-8B6A42E8A1B6}"/>
               </a:ext>
             </a:extLst>
           </p:cNvPr>
@@ -37048,7 +37339,7 @@
             <p:cNvPr id="10" name="Nhóm 29">
               <a:extLst>
                 <a:ext uri="{FF2B5EF4-FFF2-40B4-BE49-F238E27FC236}">
-                  <a16:creationId xmlns="" xmlns:a16="http://schemas.microsoft.com/office/drawing/2014/main" id="{ADD44F73-D7E6-4184-9C5D-80B134FE1311}"/>
+                  <a16:creationId xmlns:a16="http://schemas.microsoft.com/office/drawing/2014/main" id="{ADD44F73-D7E6-4184-9C5D-80B134FE1311}"/>
                 </a:ext>
               </a:extLst>
             </p:cNvPr>
@@ -37068,7 +37359,7 @@
               <p:cNvPr id="11" name="Đồ họa 12" descr="Cơ sở dữ liệu">
                 <a:extLst>
                   <a:ext uri="{FF2B5EF4-FFF2-40B4-BE49-F238E27FC236}">
-                    <a16:creationId xmlns="" xmlns:a16="http://schemas.microsoft.com/office/drawing/2014/main" id="{4FBF62DF-BF53-406D-9929-0B695643BD68}"/>
+                    <a16:creationId xmlns:a16="http://schemas.microsoft.com/office/drawing/2014/main" id="{4FBF62DF-BF53-406D-9929-0B695643BD68}"/>
                   </a:ext>
                 </a:extLst>
               </p:cNvPr>
@@ -37084,7 +37375,7 @@
                     <a14:useLocalDpi xmlns:a14="http://schemas.microsoft.com/office/drawing/2010/main" val="0"/>
                   </a:ext>
                   <a:ext uri="{96DAC541-7B7A-43D3-8B79-37D633B846F1}">
-                    <asvg:svgBlip xmlns="" xmlns:asvg="http://schemas.microsoft.com/office/drawing/2016/SVG/main" r:embed="rId9"/>
+                    <asvg:svgBlip xmlns:asvg="http://schemas.microsoft.com/office/drawing/2016/SVG/main" r:embed="rId9"/>
                   </a:ext>
                 </a:extLst>
               </a:blip>
@@ -37107,7 +37398,7 @@
               <p:cNvPr id="12" name="Hộp Văn bản 21">
                 <a:extLst>
                   <a:ext uri="{FF2B5EF4-FFF2-40B4-BE49-F238E27FC236}">
-                    <a16:creationId xmlns="" xmlns:a16="http://schemas.microsoft.com/office/drawing/2014/main" id="{80318687-91C5-4D9C-8EC5-E227278A1053}"/>
+                    <a16:creationId xmlns:a16="http://schemas.microsoft.com/office/drawing/2014/main" id="{80318687-91C5-4D9C-8EC5-E227278A1053}"/>
                   </a:ext>
                 </a:extLst>
               </p:cNvPr>
@@ -37381,7 +37672,7 @@
           <p:cNvPr id="59" name="Nhóm 58">
             <a:extLst>
               <a:ext uri="{FF2B5EF4-FFF2-40B4-BE49-F238E27FC236}">
-                <a16:creationId xmlns="" xmlns:a16="http://schemas.microsoft.com/office/drawing/2014/main" id="{74842DA8-CF91-4121-A93B-E1FA32B5A4D4}"/>
+                <a16:creationId xmlns:a16="http://schemas.microsoft.com/office/drawing/2014/main" id="{74842DA8-CF91-4121-A93B-E1FA32B5A4D4}"/>
               </a:ext>
             </a:extLst>
           </p:cNvPr>
@@ -37401,7 +37692,7 @@
             <p:cNvPr id="13" name="Nhóm 30">
               <a:extLst>
                 <a:ext uri="{FF2B5EF4-FFF2-40B4-BE49-F238E27FC236}">
-                  <a16:creationId xmlns="" xmlns:a16="http://schemas.microsoft.com/office/drawing/2014/main" id="{22BF9D0B-136C-408B-B280-6963B306BB83}"/>
+                  <a16:creationId xmlns:a16="http://schemas.microsoft.com/office/drawing/2014/main" id="{22BF9D0B-136C-408B-B280-6963B306BB83}"/>
                 </a:ext>
               </a:extLst>
             </p:cNvPr>
@@ -37421,7 +37712,7 @@
               <p:cNvPr id="14" name="Đồ họa 14" descr="Xe chở bê tông">
                 <a:extLst>
                   <a:ext uri="{FF2B5EF4-FFF2-40B4-BE49-F238E27FC236}">
-                    <a16:creationId xmlns="" xmlns:a16="http://schemas.microsoft.com/office/drawing/2014/main" id="{AC7D20A8-684D-4D88-9B22-11B0C258E6BA}"/>
+                    <a16:creationId xmlns:a16="http://schemas.microsoft.com/office/drawing/2014/main" id="{AC7D20A8-684D-4D88-9B22-11B0C258E6BA}"/>
                   </a:ext>
                 </a:extLst>
               </p:cNvPr>
@@ -37437,7 +37728,7 @@
                     <a14:useLocalDpi xmlns:a14="http://schemas.microsoft.com/office/drawing/2010/main" val="0"/>
                   </a:ext>
                   <a:ext uri="{96DAC541-7B7A-43D3-8B79-37D633B846F1}">
-                    <asvg:svgBlip xmlns="" xmlns:asvg="http://schemas.microsoft.com/office/drawing/2016/SVG/main" r:embed="rId11"/>
+                    <asvg:svgBlip xmlns:asvg="http://schemas.microsoft.com/office/drawing/2016/SVG/main" r:embed="rId11"/>
                   </a:ext>
                 </a:extLst>
               </a:blip>
@@ -37460,7 +37751,7 @@
               <p:cNvPr id="15" name="Hộp Văn bản 22">
                 <a:extLst>
                   <a:ext uri="{FF2B5EF4-FFF2-40B4-BE49-F238E27FC236}">
-                    <a16:creationId xmlns="" xmlns:a16="http://schemas.microsoft.com/office/drawing/2014/main" id="{6108A849-1640-4BDF-A81C-732BD39F495A}"/>
+                    <a16:creationId xmlns:a16="http://schemas.microsoft.com/office/drawing/2014/main" id="{6108A849-1640-4BDF-A81C-732BD39F495A}"/>
                   </a:ext>
                 </a:extLst>
               </p:cNvPr>
@@ -37734,7 +38025,7 @@
           <p:cNvPr id="60" name="Nhóm 59">
             <a:extLst>
               <a:ext uri="{FF2B5EF4-FFF2-40B4-BE49-F238E27FC236}">
-                <a16:creationId xmlns="" xmlns:a16="http://schemas.microsoft.com/office/drawing/2014/main" id="{AD80C371-38DF-4925-8A29-C450AC4A340D}"/>
+                <a16:creationId xmlns:a16="http://schemas.microsoft.com/office/drawing/2014/main" id="{AD80C371-38DF-4925-8A29-C450AC4A340D}"/>
               </a:ext>
             </a:extLst>
           </p:cNvPr>
@@ -37754,7 +38045,7 @@
             <p:cNvPr id="16" name="Nhóm 31">
               <a:extLst>
                 <a:ext uri="{FF2B5EF4-FFF2-40B4-BE49-F238E27FC236}">
-                  <a16:creationId xmlns="" xmlns:a16="http://schemas.microsoft.com/office/drawing/2014/main" id="{DD9360C9-B1EB-45B1-BEA4-C2DDA8E4FEF5}"/>
+                  <a16:creationId xmlns:a16="http://schemas.microsoft.com/office/drawing/2014/main" id="{DD9360C9-B1EB-45B1-BEA4-C2DDA8E4FEF5}"/>
                 </a:ext>
               </a:extLst>
             </p:cNvPr>
@@ -37774,7 +38065,7 @@
               <p:cNvPr id="17" name="Đồ họa 16" descr="Kính hiển vi">
                 <a:extLst>
                   <a:ext uri="{FF2B5EF4-FFF2-40B4-BE49-F238E27FC236}">
-                    <a16:creationId xmlns="" xmlns:a16="http://schemas.microsoft.com/office/drawing/2014/main" id="{E43F761C-1B61-4311-9BB3-B7173F547F55}"/>
+                    <a16:creationId xmlns:a16="http://schemas.microsoft.com/office/drawing/2014/main" id="{E43F761C-1B61-4311-9BB3-B7173F547F55}"/>
                   </a:ext>
                 </a:extLst>
               </p:cNvPr>
@@ -37790,7 +38081,7 @@
                     <a14:useLocalDpi xmlns:a14="http://schemas.microsoft.com/office/drawing/2010/main" val="0"/>
                   </a:ext>
                   <a:ext uri="{96DAC541-7B7A-43D3-8B79-37D633B846F1}">
-                    <asvg:svgBlip xmlns="" xmlns:asvg="http://schemas.microsoft.com/office/drawing/2016/SVG/main" r:embed="rId13"/>
+                    <asvg:svgBlip xmlns:asvg="http://schemas.microsoft.com/office/drawing/2016/SVG/main" r:embed="rId13"/>
                   </a:ext>
                 </a:extLst>
               </a:blip>
@@ -37813,7 +38104,7 @@
               <p:cNvPr id="18" name="Hộp Văn bản 23">
                 <a:extLst>
                   <a:ext uri="{FF2B5EF4-FFF2-40B4-BE49-F238E27FC236}">
-                    <a16:creationId xmlns="" xmlns:a16="http://schemas.microsoft.com/office/drawing/2014/main" id="{B9CB2816-9F0C-4F34-98C6-7DD180E361F9}"/>
+                    <a16:creationId xmlns:a16="http://schemas.microsoft.com/office/drawing/2014/main" id="{B9CB2816-9F0C-4F34-98C6-7DD180E361F9}"/>
                   </a:ext>
                 </a:extLst>
               </p:cNvPr>
@@ -38087,7 +38378,7 @@
           <p:cNvPr id="64" name="Hộp Văn bản 63">
             <a:extLst>
               <a:ext uri="{FF2B5EF4-FFF2-40B4-BE49-F238E27FC236}">
-                <a16:creationId xmlns="" xmlns:a16="http://schemas.microsoft.com/office/drawing/2014/main" id="{829EE0EF-A1BF-4E04-84F3-58329DF3445D}"/>
+                <a16:creationId xmlns:a16="http://schemas.microsoft.com/office/drawing/2014/main" id="{829EE0EF-A1BF-4E04-84F3-58329DF3445D}"/>
               </a:ext>
             </a:extLst>
           </p:cNvPr>
@@ -38112,7 +38403,7 @@
           <a:p>
             <a:pPr algn="ctr"/>
             <a:r>
-              <a:rPr lang="en-US" sz="2800" b="1" dirty="0" smtClean="0">
+              <a:rPr lang="en-US" sz="2800" b="1" dirty="0">
                 <a:solidFill>
                   <a:srgbClr val="FF0000"/>
                 </a:solidFill>
@@ -38120,7 +38411,7 @@
               <a:t>2.5</a:t>
             </a:r>
             <a:r>
-              <a:rPr lang="en-US" sz="2800" b="1" dirty="0" smtClean="0">
+              <a:rPr lang="en-US" sz="2800" b="1" dirty="0">
                 <a:solidFill>
                   <a:schemeClr val="tx2"/>
                 </a:solidFill>
@@ -38140,7 +38431,7 @@
           <p:cNvPr id="66" name="Rectangle 57">
             <a:extLst>
               <a:ext uri="{FF2B5EF4-FFF2-40B4-BE49-F238E27FC236}">
-                <a16:creationId xmlns="" xmlns:a16="http://schemas.microsoft.com/office/drawing/2014/main" id="{0050AAD3-60DC-4A14-A3BC-A249F44D55AD}"/>
+                <a16:creationId xmlns:a16="http://schemas.microsoft.com/office/drawing/2014/main" id="{0050AAD3-60DC-4A14-A3BC-A249F44D55AD}"/>
               </a:ext>
             </a:extLst>
           </p:cNvPr>
@@ -38192,7 +38483,7 @@
           <p:cNvPr id="67" name="Rectangle 58">
             <a:extLst>
               <a:ext uri="{FF2B5EF4-FFF2-40B4-BE49-F238E27FC236}">
-                <a16:creationId xmlns="" xmlns:a16="http://schemas.microsoft.com/office/drawing/2014/main" id="{43CCAA2F-3846-47C4-AF15-C02B5F4986F0}"/>
+                <a16:creationId xmlns:a16="http://schemas.microsoft.com/office/drawing/2014/main" id="{43CCAA2F-3846-47C4-AF15-C02B5F4986F0}"/>
               </a:ext>
             </a:extLst>
           </p:cNvPr>
@@ -38244,7 +38535,7 @@
           <p:cNvPr id="68" name="TextBox 59">
             <a:extLst>
               <a:ext uri="{FF2B5EF4-FFF2-40B4-BE49-F238E27FC236}">
-                <a16:creationId xmlns="" xmlns:a16="http://schemas.microsoft.com/office/drawing/2014/main" id="{4032706B-52CC-47EE-AD2D-6CAEB985D332}"/>
+                <a16:creationId xmlns:a16="http://schemas.microsoft.com/office/drawing/2014/main" id="{4032706B-52CC-47EE-AD2D-6CAEB985D332}"/>
               </a:ext>
             </a:extLst>
           </p:cNvPr>
@@ -38309,7 +38600,7 @@
           <p:cNvPr id="45" name="Nhóm 44">
             <a:extLst>
               <a:ext uri="{FF2B5EF4-FFF2-40B4-BE49-F238E27FC236}">
-                <a16:creationId xmlns="" xmlns:a16="http://schemas.microsoft.com/office/drawing/2014/main" id="{4D5FBA84-9DFF-4D6F-B9AD-5BA8ADF3B922}"/>
+                <a16:creationId xmlns:a16="http://schemas.microsoft.com/office/drawing/2014/main" id="{4D5FBA84-9DFF-4D6F-B9AD-5BA8ADF3B922}"/>
               </a:ext>
             </a:extLst>
           </p:cNvPr>
@@ -38329,7 +38620,7 @@
             <p:cNvPr id="46" name="Đồ họa 10" descr="Đầu có bánh răng">
               <a:extLst>
                 <a:ext uri="{FF2B5EF4-FFF2-40B4-BE49-F238E27FC236}">
-                  <a16:creationId xmlns="" xmlns:a16="http://schemas.microsoft.com/office/drawing/2014/main" id="{B9D46646-FACA-4589-BAD1-3CD8D5E3477A}"/>
+                  <a16:creationId xmlns:a16="http://schemas.microsoft.com/office/drawing/2014/main" id="{B9D46646-FACA-4589-BAD1-3CD8D5E3477A}"/>
                 </a:ext>
               </a:extLst>
             </p:cNvPr>
@@ -38345,7 +38636,7 @@
                   <a14:useLocalDpi xmlns:a14="http://schemas.microsoft.com/office/drawing/2010/main" val="0"/>
                 </a:ext>
                 <a:ext uri="{96DAC541-7B7A-43D3-8B79-37D633B846F1}">
-                  <asvg:svgBlip xmlns="" xmlns:asvg="http://schemas.microsoft.com/office/drawing/2016/SVG/main" r:embed="rId15"/>
+                  <asvg:svgBlip xmlns:asvg="http://schemas.microsoft.com/office/drawing/2016/SVG/main" r:embed="rId15"/>
                 </a:ext>
               </a:extLst>
             </a:blip>
@@ -38368,7 +38659,7 @@
             <p:cNvPr id="47" name="Hộp Văn bản 19">
               <a:extLst>
                 <a:ext uri="{FF2B5EF4-FFF2-40B4-BE49-F238E27FC236}">
-                  <a16:creationId xmlns="" xmlns:a16="http://schemas.microsoft.com/office/drawing/2014/main" id="{B7CF234B-BE45-4E9C-A67F-CD4A7B347EAD}"/>
+                  <a16:creationId xmlns:a16="http://schemas.microsoft.com/office/drawing/2014/main" id="{B7CF234B-BE45-4E9C-A67F-CD4A7B347EAD}"/>
                 </a:ext>
               </a:extLst>
             </p:cNvPr>
@@ -38545,7 +38836,7 @@
             <p:cNvPr id="61" name="Rectangle 48">
               <a:extLst>
                 <a:ext uri="{FF2B5EF4-FFF2-40B4-BE49-F238E27FC236}">
-                  <a16:creationId xmlns="" xmlns:a16="http://schemas.microsoft.com/office/drawing/2014/main" id="{886DB9F4-C7BB-4F62-8432-6D4A337C5798}"/>
+                  <a16:creationId xmlns:a16="http://schemas.microsoft.com/office/drawing/2014/main" id="{886DB9F4-C7BB-4F62-8432-6D4A337C5798}"/>
                 </a:ext>
               </a:extLst>
             </p:cNvPr>
@@ -38589,10 +38880,9 @@
             <a:p>
               <a:pPr algn="r"/>
               <a:r>
-                <a:rPr lang="en-US" sz="1600" b="1" dirty="0" smtClean="0"/>
+                <a:rPr lang="en-US" sz="1600" b="1" dirty="0"/>
                 <a:t>2</a:t>
               </a:r>
-              <a:endParaRPr lang="en-US" sz="1600" b="1" dirty="0"/>
             </a:p>
           </p:txBody>
         </p:sp>
